--- a/dabian/杨一雄_毕业设计答辩.pptx
+++ b/dabian/杨一雄_毕业设计答辩.pptx
@@ -218,7 +218,7 @@
           <a:p>
             <a:fld id="{41C171BD-44C2-486C-A04B-5A7F58ADE3A6}" type="datetimeFigureOut">
               <a:rPr lang="zh-CN" altLang="en-US" smtClean="0"/>
-              <a:t>2017/6/7</a:t>
+              <a:t>2017/6/8</a:t>
             </a:fld>
             <a:endParaRPr lang="zh-CN" altLang="en-US"/>
           </a:p>
@@ -384,7 +384,7 @@
           <a:p>
             <a:fld id="{52870B4D-8E9B-40BE-BFA7-166D04D852CD}" type="datetimeFigureOut">
               <a:rPr lang="zh-CN" altLang="en-US" smtClean="0"/>
-              <a:t>2017/6/7</a:t>
+              <a:t>2017/6/8</a:t>
             </a:fld>
             <a:endParaRPr lang="zh-CN" altLang="en-US"/>
           </a:p>
@@ -13765,7 +13765,7 @@
           <p:cNvPr id="15" name="图片 14" descr="C:\Users\win7\AppData\Local\Temp\1495293424(1).png">
             <a:extLst>
               <a:ext uri="{FF2B5EF4-FFF2-40B4-BE49-F238E27FC236}">
-                <a16:creationId xmlns:a16="http://schemas.microsoft.com/office/drawing/2014/main" id="{2D2BA207-2233-4ACA-82FE-835DED8C6361}"/>
+                <a16:creationId xmlns:a16="http://schemas.microsoft.com/office/drawing/2014/main" xmlns="" id="{2D2BA207-2233-4ACA-82FE-835DED8C6361}"/>
               </a:ext>
             </a:extLst>
           </p:cNvPr>
@@ -13804,7 +13804,7 @@
           <p:cNvPr id="29" name="文本框 28">
             <a:extLst>
               <a:ext uri="{FF2B5EF4-FFF2-40B4-BE49-F238E27FC236}">
-                <a16:creationId xmlns:a16="http://schemas.microsoft.com/office/drawing/2014/main" id="{21A92C2A-9F8A-44C9-8AF2-6E0A6BBDE87A}"/>
+                <a16:creationId xmlns:a16="http://schemas.microsoft.com/office/drawing/2014/main" xmlns="" id="{21A92C2A-9F8A-44C9-8AF2-6E0A6BBDE87A}"/>
               </a:ext>
             </a:extLst>
           </p:cNvPr>
@@ -13957,7 +13957,7 @@
           <p:cNvPr id="31" name="文本框 30">
             <a:extLst>
               <a:ext uri="{FF2B5EF4-FFF2-40B4-BE49-F238E27FC236}">
-                <a16:creationId xmlns:a16="http://schemas.microsoft.com/office/drawing/2014/main" id="{DD62E0AC-DF65-42C7-AC0B-2992FA46EE8A}"/>
+                <a16:creationId xmlns:a16="http://schemas.microsoft.com/office/drawing/2014/main" xmlns="" id="{DD62E0AC-DF65-42C7-AC0B-2992FA46EE8A}"/>
               </a:ext>
             </a:extLst>
           </p:cNvPr>
@@ -14003,7 +14003,7 @@
           <p:cNvPr id="32" name="图片 31">
             <a:extLst>
               <a:ext uri="{FF2B5EF4-FFF2-40B4-BE49-F238E27FC236}">
-                <a16:creationId xmlns:a16="http://schemas.microsoft.com/office/drawing/2014/main" id="{F9456A7B-D389-4434-B493-B98BC9629D0B}"/>
+                <a16:creationId xmlns:a16="http://schemas.microsoft.com/office/drawing/2014/main" xmlns="" id="{F9456A7B-D389-4434-B493-B98BC9629D0B}"/>
               </a:ext>
             </a:extLst>
           </p:cNvPr>
@@ -14071,7 +14071,7 @@
           <p:cNvPr id="2" name="标题 1">
             <a:extLst>
               <a:ext uri="{FF2B5EF4-FFF2-40B4-BE49-F238E27FC236}">
-                <a16:creationId xmlns:a16="http://schemas.microsoft.com/office/drawing/2014/main" id="{79C72F44-5573-4C5C-9BDE-903DE9D4CED2}"/>
+                <a16:creationId xmlns:a16="http://schemas.microsoft.com/office/drawing/2014/main" xmlns="" id="{79C72F44-5573-4C5C-9BDE-903DE9D4CED2}"/>
               </a:ext>
             </a:extLst>
           </p:cNvPr>
@@ -14114,7 +14114,7 @@
           <p:cNvPr id="5" name="文本框 4">
             <a:extLst>
               <a:ext uri="{FF2B5EF4-FFF2-40B4-BE49-F238E27FC236}">
-                <a16:creationId xmlns:a16="http://schemas.microsoft.com/office/drawing/2014/main" id="{4006F415-CC0A-4D2C-B1BF-6E04DAA3F10F}"/>
+                <a16:creationId xmlns:a16="http://schemas.microsoft.com/office/drawing/2014/main" xmlns="" id="{4006F415-CC0A-4D2C-B1BF-6E04DAA3F10F}"/>
               </a:ext>
             </a:extLst>
           </p:cNvPr>
@@ -14389,7 +14389,7 @@
           <p:cNvPr id="6" name="表格 5">
             <a:extLst>
               <a:ext uri="{FF2B5EF4-FFF2-40B4-BE49-F238E27FC236}">
-                <a16:creationId xmlns:a16="http://schemas.microsoft.com/office/drawing/2014/main" id="{B8C7FB25-E5EF-45FD-A921-2588A4047AB4}"/>
+                <a16:creationId xmlns:a16="http://schemas.microsoft.com/office/drawing/2014/main" xmlns="" id="{B8C7FB25-E5EF-45FD-A921-2588A4047AB4}"/>
               </a:ext>
             </a:extLst>
           </p:cNvPr>
@@ -14418,49 +14418,49 @@
                 <a:gridCol w="1505175">
                   <a:extLst>
                     <a:ext uri="{9D8B030D-6E8A-4147-A177-3AD203B41FA5}">
-                      <a16:colId xmlns:a16="http://schemas.microsoft.com/office/drawing/2014/main" val="2858620335"/>
+                      <a16:colId xmlns:a16="http://schemas.microsoft.com/office/drawing/2014/main" xmlns="" val="2858620335"/>
                     </a:ext>
                   </a:extLst>
                 </a:gridCol>
                 <a:gridCol w="2002597">
                   <a:extLst>
                     <a:ext uri="{9D8B030D-6E8A-4147-A177-3AD203B41FA5}">
-                      <a16:colId xmlns:a16="http://schemas.microsoft.com/office/drawing/2014/main" val="356612817"/>
+                      <a16:colId xmlns:a16="http://schemas.microsoft.com/office/drawing/2014/main" xmlns="" val="356612817"/>
                     </a:ext>
                   </a:extLst>
                 </a:gridCol>
                 <a:gridCol w="895350">
                   <a:extLst>
                     <a:ext uri="{9D8B030D-6E8A-4147-A177-3AD203B41FA5}">
-                      <a16:colId xmlns:a16="http://schemas.microsoft.com/office/drawing/2014/main" val="3443046802"/>
+                      <a16:colId xmlns:a16="http://schemas.microsoft.com/office/drawing/2014/main" xmlns="" val="3443046802"/>
                     </a:ext>
                   </a:extLst>
                 </a:gridCol>
                 <a:gridCol w="723900">
                   <a:extLst>
                     <a:ext uri="{9D8B030D-6E8A-4147-A177-3AD203B41FA5}">
-                      <a16:colId xmlns:a16="http://schemas.microsoft.com/office/drawing/2014/main" val="3383779701"/>
+                      <a16:colId xmlns:a16="http://schemas.microsoft.com/office/drawing/2014/main" xmlns="" val="3383779701"/>
                     </a:ext>
                   </a:extLst>
                 </a:gridCol>
                 <a:gridCol w="942975">
                   <a:extLst>
                     <a:ext uri="{9D8B030D-6E8A-4147-A177-3AD203B41FA5}">
-                      <a16:colId xmlns:a16="http://schemas.microsoft.com/office/drawing/2014/main" val="763895054"/>
+                      <a16:colId xmlns:a16="http://schemas.microsoft.com/office/drawing/2014/main" xmlns="" val="763895054"/>
                     </a:ext>
                   </a:extLst>
                 </a:gridCol>
                 <a:gridCol w="727709">
                   <a:extLst>
                     <a:ext uri="{9D8B030D-6E8A-4147-A177-3AD203B41FA5}">
-                      <a16:colId xmlns:a16="http://schemas.microsoft.com/office/drawing/2014/main" val="3722313938"/>
+                      <a16:colId xmlns:a16="http://schemas.microsoft.com/office/drawing/2014/main" xmlns="" val="3722313938"/>
                     </a:ext>
                   </a:extLst>
                 </a:gridCol>
                 <a:gridCol w="681991">
                   <a:extLst>
                     <a:ext uri="{9D8B030D-6E8A-4147-A177-3AD203B41FA5}">
-                      <a16:colId xmlns:a16="http://schemas.microsoft.com/office/drawing/2014/main" val="3933127361"/>
+                      <a16:colId xmlns:a16="http://schemas.microsoft.com/office/drawing/2014/main" xmlns="" val="3933127361"/>
                     </a:ext>
                   </a:extLst>
                 </a:gridCol>
@@ -14557,12 +14557,12 @@
                         </a:spcAft>
                       </a:pPr>
                       <a:r>
-                        <a:rPr lang="en-US" sz="1200" kern="100">
+                        <a:rPr lang="en-US" sz="1200" kern="100" dirty="0">
                           <a:effectLst/>
                         </a:rPr>
                         <a:t>CMOS</a:t>
                       </a:r>
-                      <a:endParaRPr lang="zh-CN" sz="1300" kern="100">
+                      <a:endParaRPr lang="zh-CN" sz="1300" kern="100" dirty="0">
                         <a:effectLst/>
                       </a:endParaRPr>
                     </a:p>
@@ -14576,12 +14576,12 @@
                         </a:spcAft>
                       </a:pPr>
                       <a:r>
-                        <a:rPr lang="zh-CN" sz="1200" kern="100">
+                        <a:rPr lang="zh-CN" sz="1200" kern="100" dirty="0">
                           <a:effectLst/>
                         </a:rPr>
                         <a:t>工艺</a:t>
                       </a:r>
-                      <a:endParaRPr lang="zh-CN" sz="1300" kern="100">
+                      <a:endParaRPr lang="zh-CN" sz="1300" kern="100" dirty="0">
                         <a:effectLst/>
                         <a:latin typeface="Times New Roman" panose="02020603050405020304" pitchFamily="18" charset="0"/>
                         <a:ea typeface="宋体" panose="02010600030101010101" pitchFamily="2" charset="-122"/>
@@ -14785,7 +14785,7 @@
                 </a:tc>
                 <a:extLst>
                   <a:ext uri="{0D108BD9-81ED-4DB2-BD59-A6C34878D82A}">
-                    <a16:rowId xmlns:a16="http://schemas.microsoft.com/office/drawing/2014/main" val="205457031"/>
+                    <a16:rowId xmlns:a16="http://schemas.microsoft.com/office/drawing/2014/main" xmlns="" val="205457031"/>
                   </a:ext>
                 </a:extLst>
               </a:tr>
@@ -15031,7 +15031,7 @@
                 </a:tc>
                 <a:extLst>
                   <a:ext uri="{0D108BD9-81ED-4DB2-BD59-A6C34878D82A}">
-                    <a16:rowId xmlns:a16="http://schemas.microsoft.com/office/drawing/2014/main" val="129675508"/>
+                    <a16:rowId xmlns:a16="http://schemas.microsoft.com/office/drawing/2014/main" xmlns="" val="129675508"/>
                   </a:ext>
                 </a:extLst>
               </a:tr>
@@ -15224,12 +15224,12 @@
                         </a:spcAft>
                       </a:pPr>
                       <a:r>
-                        <a:rPr lang="en-US" sz="1200" kern="100">
+                        <a:rPr lang="en-US" sz="1200" kern="100" dirty="0">
                           <a:effectLst/>
                         </a:rPr>
                         <a:t>16.5</a:t>
                       </a:r>
-                      <a:endParaRPr lang="zh-CN" sz="1300" kern="100">
+                      <a:endParaRPr lang="zh-CN" sz="1300" kern="100" dirty="0">
                         <a:effectLst/>
                         <a:latin typeface="Times New Roman" panose="02020603050405020304" pitchFamily="18" charset="0"/>
                         <a:ea typeface="宋体" panose="02010600030101010101" pitchFamily="2" charset="-122"/>
@@ -15241,7 +15241,7 @@
                 </a:tc>
                 <a:extLst>
                   <a:ext uri="{0D108BD9-81ED-4DB2-BD59-A6C34878D82A}">
-                    <a16:rowId xmlns:a16="http://schemas.microsoft.com/office/drawing/2014/main" val="1933070713"/>
+                    <a16:rowId xmlns:a16="http://schemas.microsoft.com/office/drawing/2014/main" xmlns="" val="1933070713"/>
                   </a:ext>
                 </a:extLst>
               </a:tr>
@@ -15405,12 +15405,12 @@
                         </a:spcAft>
                       </a:pPr>
                       <a:r>
-                        <a:rPr lang="en-US" sz="1200" kern="100">
+                        <a:rPr lang="en-US" sz="1200" kern="100" dirty="0">
                           <a:effectLst/>
                         </a:rPr>
                         <a:t>120</a:t>
                       </a:r>
-                      <a:endParaRPr lang="zh-CN" sz="1300" kern="100">
+                      <a:endParaRPr lang="zh-CN" sz="1300" kern="100" dirty="0">
                         <a:effectLst/>
                         <a:latin typeface="Times New Roman" panose="02020603050405020304" pitchFamily="18" charset="0"/>
                         <a:ea typeface="宋体" panose="02010600030101010101" pitchFamily="2" charset="-122"/>
@@ -15451,7 +15451,7 @@
                 </a:tc>
                 <a:extLst>
                   <a:ext uri="{0D108BD9-81ED-4DB2-BD59-A6C34878D82A}">
-                    <a16:rowId xmlns:a16="http://schemas.microsoft.com/office/drawing/2014/main" val="1368412510"/>
+                    <a16:rowId xmlns:a16="http://schemas.microsoft.com/office/drawing/2014/main" xmlns="" val="1368412510"/>
                   </a:ext>
                 </a:extLst>
               </a:tr>
@@ -15724,7 +15724,7 @@
                 </a:tc>
                 <a:extLst>
                   <a:ext uri="{0D108BD9-81ED-4DB2-BD59-A6C34878D82A}">
-                    <a16:rowId xmlns:a16="http://schemas.microsoft.com/office/drawing/2014/main" val="3516263648"/>
+                    <a16:rowId xmlns:a16="http://schemas.microsoft.com/office/drawing/2014/main" xmlns="" val="3516263648"/>
                   </a:ext>
                 </a:extLst>
               </a:tr>
@@ -15934,7 +15934,7 @@
                 </a:tc>
                 <a:extLst>
                   <a:ext uri="{0D108BD9-81ED-4DB2-BD59-A6C34878D82A}">
-                    <a16:rowId xmlns:a16="http://schemas.microsoft.com/office/drawing/2014/main" val="3083826517"/>
+                    <a16:rowId xmlns:a16="http://schemas.microsoft.com/office/drawing/2014/main" xmlns="" val="3083826517"/>
                   </a:ext>
                 </a:extLst>
               </a:tr>
@@ -15947,7 +15947,7 @@
           <p:cNvPr id="7" name="页脚占位符 4">
             <a:extLst>
               <a:ext uri="{FF2B5EF4-FFF2-40B4-BE49-F238E27FC236}">
-                <a16:creationId xmlns:a16="http://schemas.microsoft.com/office/drawing/2014/main" id="{698B0707-EE31-4310-A762-FD65345E21BF}"/>
+                <a16:creationId xmlns:a16="http://schemas.microsoft.com/office/drawing/2014/main" xmlns="" id="{698B0707-EE31-4310-A762-FD65345E21BF}"/>
               </a:ext>
             </a:extLst>
           </p:cNvPr>
@@ -21450,8 +21450,8 @@
         </p:nvSpPr>
         <p:spPr bwMode="auto">
           <a:xfrm>
-            <a:off x="392321" y="3119425"/>
-            <a:ext cx="3770823" cy="1192074"/>
+            <a:off x="392321" y="3020854"/>
+            <a:ext cx="4344136" cy="1766477"/>
           </a:xfrm>
           <a:prstGeom prst="rect">
             <a:avLst/>
@@ -21657,9 +21657,16 @@
                 <a:latin typeface="微软雅黑" panose="020B0503020204020204" pitchFamily="34" charset="-122"/>
                 <a:ea typeface="微软雅黑" panose="020B0503020204020204" pitchFamily="34" charset="-122"/>
               </a:rPr>
-              <a:t>无线通信基站、军用雷达</a:t>
-            </a:r>
-            <a:endParaRPr lang="en-US" altLang="zh-CN" sz="1500" kern="0" dirty="0">
+              <a:t>无线通信基</a:t>
+            </a:r>
+            <a:r>
+              <a:rPr lang="zh-CN" altLang="en-US" sz="1500" kern="0" dirty="0" smtClean="0">
+                <a:latin typeface="微软雅黑" panose="020B0503020204020204" pitchFamily="34" charset="-122"/>
+                <a:ea typeface="微软雅黑" panose="020B0503020204020204" pitchFamily="34" charset="-122"/>
+              </a:rPr>
+              <a:t>站</a:t>
+            </a:r>
+            <a:endParaRPr lang="en-US" altLang="zh-CN" sz="1500" kern="0" dirty="0" smtClean="0">
               <a:latin typeface="微软雅黑" panose="020B0503020204020204" pitchFamily="34" charset="-122"/>
               <a:ea typeface="微软雅黑" panose="020B0503020204020204" pitchFamily="34" charset="-122"/>
             </a:endParaRPr>
@@ -21674,229 +21681,31 @@
               </a:spcAft>
             </a:pPr>
             <a:r>
+              <a:rPr lang="zh-CN" altLang="en-US" sz="1500" kern="0" dirty="0" smtClean="0">
+                <a:latin typeface="微软雅黑" panose="020B0503020204020204" pitchFamily="34" charset="-122"/>
+                <a:ea typeface="微软雅黑" panose="020B0503020204020204" pitchFamily="34" charset="-122"/>
+              </a:rPr>
+              <a:t>军用</a:t>
+            </a:r>
+            <a:r>
               <a:rPr lang="zh-CN" altLang="en-US" sz="1500" kern="0" dirty="0">
                 <a:latin typeface="微软雅黑" panose="020B0503020204020204" pitchFamily="34" charset="-122"/>
                 <a:ea typeface="微软雅黑" panose="020B0503020204020204" pitchFamily="34" charset="-122"/>
               </a:rPr>
-              <a:t>计算平台、网络设备</a:t>
+              <a:t>雷达</a:t>
             </a:r>
             <a:endParaRPr lang="en-US" altLang="zh-CN" sz="1500" kern="0" dirty="0">
               <a:latin typeface="微软雅黑" panose="020B0503020204020204" pitchFamily="34" charset="-122"/>
               <a:ea typeface="微软雅黑" panose="020B0503020204020204" pitchFamily="34" charset="-122"/>
             </a:endParaRPr>
           </a:p>
-        </p:txBody>
-      </p:sp>
-      <p:sp>
-        <p:nvSpPr>
-          <p:cNvPr id="38" name="内容占位符 2"/>
-          <p:cNvSpPr txBox="1">
-            <a:spLocks/>
-          </p:cNvSpPr>
-          <p:nvPr/>
-        </p:nvSpPr>
-        <p:spPr bwMode="auto">
-          <a:xfrm>
-            <a:off x="381496" y="4466457"/>
-            <a:ext cx="8229103" cy="1641622"/>
-          </a:xfrm>
-          <a:prstGeom prst="rect">
-            <a:avLst/>
-          </a:prstGeom>
-          <a:noFill/>
-          <a:ln w="9525">
-            <a:noFill/>
-            <a:miter lim="800000"/>
-            <a:headEnd/>
-            <a:tailEnd/>
-          </a:ln>
-          <a:effectLst/>
-        </p:spPr>
-        <p:txBody>
-          <a:bodyPr vert="horz" wrap="square" lIns="91440" tIns="45720" rIns="91440" bIns="45720" numCol="1" anchor="t" anchorCtr="0" compatLnSpc="1">
-            <a:prstTxWarp prst="textNoShape">
-              <a:avLst/>
-            </a:prstTxWarp>
-          </a:bodyPr>
-          <a:lstStyle>
-            <a:lvl1pPr marL="257175" indent="-257175" algn="l" rtl="0" fontAlgn="base">
+          <a:p>
+            <a:pPr lvl="2">
               <a:spcBef>
-                <a:spcPct val="20000"/>
+                <a:spcPts val="300"/>
               </a:spcBef>
               <a:spcAft>
-                <a:spcPct val="0"/>
-              </a:spcAft>
-              <a:buChar char="•"/>
-              <a:defRPr sz="2400">
-                <a:solidFill>
-                  <a:schemeClr val="tx1"/>
-                </a:solidFill>
-                <a:latin typeface="Arial Unicode MS" pitchFamily="34" charset="-122"/>
-                <a:ea typeface="Arial Unicode MS" pitchFamily="34" charset="-122"/>
-                <a:cs typeface="Arial Unicode MS" pitchFamily="34" charset="-122"/>
-              </a:defRPr>
-            </a:lvl1pPr>
-            <a:lvl2pPr marL="557213" indent="-214313" algn="l" rtl="0" fontAlgn="base">
-              <a:spcBef>
-                <a:spcPct val="20000"/>
-              </a:spcBef>
-              <a:spcAft>
-                <a:spcPct val="0"/>
-              </a:spcAft>
-              <a:buChar char="–"/>
-              <a:defRPr sz="2100">
-                <a:solidFill>
-                  <a:schemeClr val="tx1"/>
-                </a:solidFill>
-                <a:latin typeface="Arial Unicode MS" pitchFamily="34" charset="-122"/>
-                <a:ea typeface="Arial Unicode MS" pitchFamily="34" charset="-122"/>
-                <a:cs typeface="Arial Unicode MS" pitchFamily="34" charset="-122"/>
-              </a:defRPr>
-            </a:lvl2pPr>
-            <a:lvl3pPr marL="857250" indent="-171450" algn="l" rtl="0" fontAlgn="base">
-              <a:spcBef>
-                <a:spcPct val="20000"/>
-              </a:spcBef>
-              <a:spcAft>
-                <a:spcPct val="0"/>
-              </a:spcAft>
-              <a:buChar char="•"/>
-              <a:defRPr sz="1800">
-                <a:solidFill>
-                  <a:schemeClr val="tx1"/>
-                </a:solidFill>
-                <a:latin typeface="Arial Unicode MS" pitchFamily="34" charset="-122"/>
-                <a:ea typeface="Arial Unicode MS" pitchFamily="34" charset="-122"/>
-                <a:cs typeface="Arial Unicode MS" pitchFamily="34" charset="-122"/>
-              </a:defRPr>
-            </a:lvl3pPr>
-            <a:lvl4pPr marL="1200150" indent="-171450" algn="l" rtl="0" fontAlgn="base">
-              <a:spcBef>
-                <a:spcPct val="20000"/>
-              </a:spcBef>
-              <a:spcAft>
-                <a:spcPct val="0"/>
-              </a:spcAft>
-              <a:buChar char="–"/>
-              <a:defRPr sz="1500">
-                <a:solidFill>
-                  <a:schemeClr val="tx1"/>
-                </a:solidFill>
-                <a:latin typeface="Arial Unicode MS" pitchFamily="34" charset="-122"/>
-                <a:ea typeface="Arial Unicode MS" pitchFamily="34" charset="-122"/>
-                <a:cs typeface="Arial Unicode MS" pitchFamily="34" charset="-122"/>
-              </a:defRPr>
-            </a:lvl4pPr>
-            <a:lvl5pPr marL="1543050" indent="-171450" algn="l" rtl="0" fontAlgn="base">
-              <a:spcBef>
-                <a:spcPct val="20000"/>
-              </a:spcBef>
-              <a:spcAft>
-                <a:spcPct val="0"/>
-              </a:spcAft>
-              <a:buChar char="»"/>
-              <a:defRPr sz="1500">
-                <a:solidFill>
-                  <a:schemeClr val="tx1"/>
-                </a:solidFill>
-                <a:latin typeface="Arial Unicode MS" pitchFamily="34" charset="-122"/>
-                <a:ea typeface="Arial Unicode MS" pitchFamily="34" charset="-122"/>
-                <a:cs typeface="Arial Unicode MS" pitchFamily="34" charset="-122"/>
-              </a:defRPr>
-            </a:lvl5pPr>
-            <a:lvl6pPr marL="1885950" indent="-171450" algn="l" rtl="0" fontAlgn="base">
-              <a:spcBef>
-                <a:spcPct val="20000"/>
-              </a:spcBef>
-              <a:spcAft>
-                <a:spcPct val="0"/>
-              </a:spcAft>
-              <a:buChar char="»"/>
-              <a:defRPr sz="1500">
-                <a:solidFill>
-                  <a:schemeClr val="tx1"/>
-                </a:solidFill>
-                <a:latin typeface="+mn-lt"/>
-                <a:ea typeface="+mn-ea"/>
-              </a:defRPr>
-            </a:lvl6pPr>
-            <a:lvl7pPr marL="2228850" indent="-171450" algn="l" rtl="0" fontAlgn="base">
-              <a:spcBef>
-                <a:spcPct val="20000"/>
-              </a:spcBef>
-              <a:spcAft>
-                <a:spcPct val="0"/>
-              </a:spcAft>
-              <a:buChar char="»"/>
-              <a:defRPr sz="1500">
-                <a:solidFill>
-                  <a:schemeClr val="tx1"/>
-                </a:solidFill>
-                <a:latin typeface="+mn-lt"/>
-                <a:ea typeface="+mn-ea"/>
-              </a:defRPr>
-            </a:lvl7pPr>
-            <a:lvl8pPr marL="2571750" indent="-171450" algn="l" rtl="0" fontAlgn="base">
-              <a:spcBef>
-                <a:spcPct val="20000"/>
-              </a:spcBef>
-              <a:spcAft>
-                <a:spcPct val="0"/>
-              </a:spcAft>
-              <a:buChar char="»"/>
-              <a:defRPr sz="1500">
-                <a:solidFill>
-                  <a:schemeClr val="tx1"/>
-                </a:solidFill>
-                <a:latin typeface="+mn-lt"/>
-                <a:ea typeface="+mn-ea"/>
-              </a:defRPr>
-            </a:lvl8pPr>
-            <a:lvl9pPr marL="2914650" indent="-171450" algn="l" rtl="0" fontAlgn="base">
-              <a:spcBef>
-                <a:spcPct val="20000"/>
-              </a:spcBef>
-              <a:spcAft>
-                <a:spcPct val="0"/>
-              </a:spcAft>
-              <a:buChar char="»"/>
-              <a:defRPr sz="1500">
-                <a:solidFill>
-                  <a:schemeClr val="tx1"/>
-                </a:solidFill>
-                <a:latin typeface="+mn-lt"/>
-                <a:ea typeface="+mn-ea"/>
-              </a:defRPr>
-            </a:lvl9pPr>
-          </a:lstStyle>
-          <a:p>
-            <a:pPr lvl="1">
-              <a:spcBef>
-                <a:spcPts val="600"/>
-              </a:spcBef>
-              <a:spcAft>
-                <a:spcPts val="600"/>
-              </a:spcAft>
-            </a:pPr>
-            <a:r>
-              <a:rPr lang="zh-CN" altLang="en-US" sz="2200" kern="0" dirty="0">
-                <a:latin typeface="微软雅黑" panose="020B0503020204020204" pitchFamily="34" charset="-122"/>
-                <a:ea typeface="微软雅黑" panose="020B0503020204020204" pitchFamily="34" charset="-122"/>
-              </a:rPr>
-              <a:t>高速、高精度数控振荡器</a:t>
-            </a:r>
-            <a:endParaRPr lang="en-US" altLang="zh-CN" sz="2200" kern="0" dirty="0">
-              <a:latin typeface="微软雅黑" panose="020B0503020204020204" pitchFamily="34" charset="-122"/>
-              <a:ea typeface="微软雅黑" panose="020B0503020204020204" pitchFamily="34" charset="-122"/>
-            </a:endParaRPr>
-          </a:p>
-          <a:p>
-            <a:pPr lvl="2">
-              <a:spcBef>
-                <a:spcPts val="600"/>
-              </a:spcBef>
-              <a:spcAft>
-                <a:spcPts val="600"/>
+                <a:spcPts val="300"/>
               </a:spcAft>
             </a:pPr>
             <a:r>
@@ -21904,73 +21713,42 @@
                 <a:latin typeface="微软雅黑" panose="020B0503020204020204" pitchFamily="34" charset="-122"/>
                 <a:ea typeface="微软雅黑" panose="020B0503020204020204" pitchFamily="34" charset="-122"/>
               </a:rPr>
-              <a:t>进</a:t>
-            </a:r>
-            <a:r>
-              <a:rPr lang="en-US" altLang="zh-CN" sz="1500" kern="0" dirty="0">
+              <a:t>计算</a:t>
+            </a:r>
+            <a:r>
+              <a:rPr lang="zh-CN" altLang="en-US" sz="1500" kern="0" dirty="0" smtClean="0">
                 <a:latin typeface="微软雅黑" panose="020B0503020204020204" pitchFamily="34" charset="-122"/>
                 <a:ea typeface="微软雅黑" panose="020B0503020204020204" pitchFamily="34" charset="-122"/>
               </a:rPr>
-              <a:t>30</a:t>
+              <a:t>平台</a:t>
+            </a:r>
+            <a:endParaRPr lang="en-US" altLang="zh-CN" sz="1500" kern="0" dirty="0" smtClean="0">
+              <a:latin typeface="微软雅黑" panose="020B0503020204020204" pitchFamily="34" charset="-122"/>
+              <a:ea typeface="微软雅黑" panose="020B0503020204020204" pitchFamily="34" charset="-122"/>
+            </a:endParaRPr>
+          </a:p>
+          <a:p>
+            <a:pPr lvl="2">
+              <a:spcBef>
+                <a:spcPts val="300"/>
+              </a:spcBef>
+              <a:spcAft>
+                <a:spcPts val="300"/>
+              </a:spcAft>
+            </a:pPr>
+            <a:r>
+              <a:rPr lang="zh-CN" altLang="en-US" sz="1500" kern="0" dirty="0" smtClean="0">
+                <a:latin typeface="微软雅黑" panose="020B0503020204020204" pitchFamily="34" charset="-122"/>
+                <a:ea typeface="微软雅黑" panose="020B0503020204020204" pitchFamily="34" charset="-122"/>
+              </a:rPr>
+              <a:t>网络</a:t>
             </a:r>
             <a:r>
               <a:rPr lang="zh-CN" altLang="en-US" sz="1500" kern="0" dirty="0">
                 <a:latin typeface="微软雅黑" panose="020B0503020204020204" pitchFamily="34" charset="-122"/>
                 <a:ea typeface="微软雅黑" panose="020B0503020204020204" pitchFamily="34" charset="-122"/>
               </a:rPr>
-              <a:t>年，随着工艺、架构的提升，信号源频率从</a:t>
-            </a:r>
-            <a:r>
-              <a:rPr lang="en-US" altLang="zh-CN" sz="1500" kern="0" dirty="0">
-                <a:latin typeface="微软雅黑" panose="020B0503020204020204" pitchFamily="34" charset="-122"/>
-                <a:ea typeface="微软雅黑" panose="020B0503020204020204" pitchFamily="34" charset="-122"/>
-              </a:rPr>
-              <a:t>100 MHz</a:t>
-            </a:r>
-            <a:r>
-              <a:rPr lang="zh-CN" altLang="en-US" sz="1500" kern="0" dirty="0">
-                <a:latin typeface="微软雅黑" panose="020B0503020204020204" pitchFamily="34" charset="-122"/>
-                <a:ea typeface="微软雅黑" panose="020B0503020204020204" pitchFamily="34" charset="-122"/>
-              </a:rPr>
-              <a:t>提升到 </a:t>
-            </a:r>
-            <a:r>
-              <a:rPr lang="en-US" altLang="zh-CN" sz="1500" kern="0" dirty="0">
-                <a:latin typeface="微软雅黑" panose="020B0503020204020204" pitchFamily="34" charset="-122"/>
-                <a:ea typeface="微软雅黑" panose="020B0503020204020204" pitchFamily="34" charset="-122"/>
-              </a:rPr>
-              <a:t>100 GHz</a:t>
-            </a:r>
-          </a:p>
-          <a:p>
-            <a:pPr lvl="2">
-              <a:spcBef>
-                <a:spcPts val="600"/>
-              </a:spcBef>
-              <a:spcAft>
-                <a:spcPts val="600"/>
-              </a:spcAft>
-            </a:pPr>
-            <a:r>
-              <a:rPr lang="zh-CN" altLang="en-US" sz="1500" kern="0" dirty="0">
-                <a:latin typeface="微软雅黑" panose="020B0503020204020204" pitchFamily="34" charset="-122"/>
-                <a:ea typeface="微软雅黑" panose="020B0503020204020204" pitchFamily="34" charset="-122"/>
-              </a:rPr>
-              <a:t>雷达等系统，对高精度的</a:t>
-            </a:r>
-            <a:r>
-              <a:rPr lang="en-US" altLang="zh-CN" sz="1500" kern="0" dirty="0">
-                <a:latin typeface="微软雅黑" panose="020B0503020204020204" pitchFamily="34" charset="-122"/>
-                <a:ea typeface="微软雅黑" panose="020B0503020204020204" pitchFamily="34" charset="-122"/>
-              </a:rPr>
-              <a:t>NCO</a:t>
-            </a:r>
-            <a:r>
-              <a:rPr lang="zh-CN" altLang="en-US" sz="1500" kern="0" dirty="0">
-                <a:latin typeface="微软雅黑" panose="020B0503020204020204" pitchFamily="34" charset="-122"/>
-                <a:ea typeface="微软雅黑" panose="020B0503020204020204" pitchFamily="34" charset="-122"/>
-              </a:rPr>
-              <a:t>有非常高的要求</a:t>
+              <a:t>设备</a:t>
             </a:r>
             <a:endParaRPr lang="en-US" altLang="zh-CN" sz="1500" kern="0" dirty="0">
               <a:latin typeface="微软雅黑" panose="020B0503020204020204" pitchFamily="34" charset="-122"/>
@@ -22027,7 +21805,7 @@
         </p:nvSpPr>
         <p:spPr>
           <a:xfrm>
-            <a:off x="4814430" y="4269399"/>
+            <a:off x="4814430" y="4741379"/>
             <a:ext cx="4016239" cy="246221"/>
           </a:xfrm>
           <a:prstGeom prst="rect">
@@ -22067,7 +21845,7 @@
         </p:nvGrpSpPr>
         <p:grpSpPr>
           <a:xfrm>
-            <a:off x="4792974" y="1011172"/>
+            <a:off x="4792974" y="1483152"/>
             <a:ext cx="4168375" cy="3264944"/>
             <a:chOff x="4740098" y="1011172"/>
             <a:chExt cx="4168375" cy="3264944"/>
@@ -22763,8 +22541,16 @@
                     <a:t>频率控制字</a:t>
                   </a:r>
                   <a:r>
-                    <a:rPr lang="en-US" altLang="zh-CN" sz="1300" b="1" dirty="0"/>
-                    <a:t>(FCW) </a:t>
+                    <a:rPr lang="en-US" altLang="zh-CN" sz="1300" b="1" dirty="0" smtClean="0"/>
+                    <a:t>(</a:t>
+                  </a:r>
+                  <a:r>
+                    <a:rPr lang="en-US" altLang="zh-CN" sz="1300" b="1" dirty="0" err="1" smtClean="0"/>
+                    <a:t>fcw</a:t>
+                  </a:r>
+                  <a:r>
+                    <a:rPr lang="en-US" altLang="zh-CN" sz="1300" b="1" dirty="0" smtClean="0"/>
+                    <a:t>) </a:t>
                   </a:r>
                   <a:endParaRPr lang="zh-CN" altLang="en-US" sz="1300" b="1" dirty="0"/>
                 </a:p>
@@ -22843,6 +22629,305 @@
           </p:spPr>
         </p:pic>
       </p:grpSp>
+      <p:sp>
+        <p:nvSpPr>
+          <p:cNvPr id="40" name="内容占位符 2"/>
+          <p:cNvSpPr txBox="1">
+            <a:spLocks/>
+          </p:cNvSpPr>
+          <p:nvPr/>
+        </p:nvSpPr>
+        <p:spPr bwMode="auto">
+          <a:xfrm>
+            <a:off x="374909" y="4963006"/>
+            <a:ext cx="7323853" cy="1766477"/>
+          </a:xfrm>
+          <a:prstGeom prst="rect">
+            <a:avLst/>
+          </a:prstGeom>
+          <a:noFill/>
+          <a:ln w="9525">
+            <a:noFill/>
+            <a:miter lim="800000"/>
+            <a:headEnd/>
+            <a:tailEnd/>
+          </a:ln>
+          <a:effectLst/>
+        </p:spPr>
+        <p:txBody>
+          <a:bodyPr vert="horz" wrap="square" lIns="91440" tIns="45720" rIns="91440" bIns="45720" numCol="1" anchor="t" anchorCtr="0" compatLnSpc="1">
+            <a:prstTxWarp prst="textNoShape">
+              <a:avLst/>
+            </a:prstTxWarp>
+          </a:bodyPr>
+          <a:lstStyle>
+            <a:lvl1pPr marL="257175" indent="-257175" algn="l" rtl="0" fontAlgn="base">
+              <a:spcBef>
+                <a:spcPct val="20000"/>
+              </a:spcBef>
+              <a:spcAft>
+                <a:spcPct val="0"/>
+              </a:spcAft>
+              <a:buChar char="•"/>
+              <a:defRPr sz="2400">
+                <a:solidFill>
+                  <a:schemeClr val="tx1"/>
+                </a:solidFill>
+                <a:latin typeface="Arial Unicode MS" pitchFamily="34" charset="-122"/>
+                <a:ea typeface="Arial Unicode MS" pitchFamily="34" charset="-122"/>
+                <a:cs typeface="Arial Unicode MS" pitchFamily="34" charset="-122"/>
+              </a:defRPr>
+            </a:lvl1pPr>
+            <a:lvl2pPr marL="557213" indent="-214313" algn="l" rtl="0" fontAlgn="base">
+              <a:spcBef>
+                <a:spcPct val="20000"/>
+              </a:spcBef>
+              <a:spcAft>
+                <a:spcPct val="0"/>
+              </a:spcAft>
+              <a:buChar char="–"/>
+              <a:defRPr sz="2100">
+                <a:solidFill>
+                  <a:schemeClr val="tx1"/>
+                </a:solidFill>
+                <a:latin typeface="Arial Unicode MS" pitchFamily="34" charset="-122"/>
+                <a:ea typeface="Arial Unicode MS" pitchFamily="34" charset="-122"/>
+                <a:cs typeface="Arial Unicode MS" pitchFamily="34" charset="-122"/>
+              </a:defRPr>
+            </a:lvl2pPr>
+            <a:lvl3pPr marL="857250" indent="-171450" algn="l" rtl="0" fontAlgn="base">
+              <a:spcBef>
+                <a:spcPct val="20000"/>
+              </a:spcBef>
+              <a:spcAft>
+                <a:spcPct val="0"/>
+              </a:spcAft>
+              <a:buChar char="•"/>
+              <a:defRPr sz="1800">
+                <a:solidFill>
+                  <a:schemeClr val="tx1"/>
+                </a:solidFill>
+                <a:latin typeface="Arial Unicode MS" pitchFamily="34" charset="-122"/>
+                <a:ea typeface="Arial Unicode MS" pitchFamily="34" charset="-122"/>
+                <a:cs typeface="Arial Unicode MS" pitchFamily="34" charset="-122"/>
+              </a:defRPr>
+            </a:lvl3pPr>
+            <a:lvl4pPr marL="1200150" indent="-171450" algn="l" rtl="0" fontAlgn="base">
+              <a:spcBef>
+                <a:spcPct val="20000"/>
+              </a:spcBef>
+              <a:spcAft>
+                <a:spcPct val="0"/>
+              </a:spcAft>
+              <a:buChar char="–"/>
+              <a:defRPr sz="1500">
+                <a:solidFill>
+                  <a:schemeClr val="tx1"/>
+                </a:solidFill>
+                <a:latin typeface="Arial Unicode MS" pitchFamily="34" charset="-122"/>
+                <a:ea typeface="Arial Unicode MS" pitchFamily="34" charset="-122"/>
+                <a:cs typeface="Arial Unicode MS" pitchFamily="34" charset="-122"/>
+              </a:defRPr>
+            </a:lvl4pPr>
+            <a:lvl5pPr marL="1543050" indent="-171450" algn="l" rtl="0" fontAlgn="base">
+              <a:spcBef>
+                <a:spcPct val="20000"/>
+              </a:spcBef>
+              <a:spcAft>
+                <a:spcPct val="0"/>
+              </a:spcAft>
+              <a:buChar char="»"/>
+              <a:defRPr sz="1500">
+                <a:solidFill>
+                  <a:schemeClr val="tx1"/>
+                </a:solidFill>
+                <a:latin typeface="Arial Unicode MS" pitchFamily="34" charset="-122"/>
+                <a:ea typeface="Arial Unicode MS" pitchFamily="34" charset="-122"/>
+                <a:cs typeface="Arial Unicode MS" pitchFamily="34" charset="-122"/>
+              </a:defRPr>
+            </a:lvl5pPr>
+            <a:lvl6pPr marL="1885950" indent="-171450" algn="l" rtl="0" fontAlgn="base">
+              <a:spcBef>
+                <a:spcPct val="20000"/>
+              </a:spcBef>
+              <a:spcAft>
+                <a:spcPct val="0"/>
+              </a:spcAft>
+              <a:buChar char="»"/>
+              <a:defRPr sz="1500">
+                <a:solidFill>
+                  <a:schemeClr val="tx1"/>
+                </a:solidFill>
+                <a:latin typeface="+mn-lt"/>
+                <a:ea typeface="+mn-ea"/>
+              </a:defRPr>
+            </a:lvl6pPr>
+            <a:lvl7pPr marL="2228850" indent="-171450" algn="l" rtl="0" fontAlgn="base">
+              <a:spcBef>
+                <a:spcPct val="20000"/>
+              </a:spcBef>
+              <a:spcAft>
+                <a:spcPct val="0"/>
+              </a:spcAft>
+              <a:buChar char="»"/>
+              <a:defRPr sz="1500">
+                <a:solidFill>
+                  <a:schemeClr val="tx1"/>
+                </a:solidFill>
+                <a:latin typeface="+mn-lt"/>
+                <a:ea typeface="+mn-ea"/>
+              </a:defRPr>
+            </a:lvl7pPr>
+            <a:lvl8pPr marL="2571750" indent="-171450" algn="l" rtl="0" fontAlgn="base">
+              <a:spcBef>
+                <a:spcPct val="20000"/>
+              </a:spcBef>
+              <a:spcAft>
+                <a:spcPct val="0"/>
+              </a:spcAft>
+              <a:buChar char="»"/>
+              <a:defRPr sz="1500">
+                <a:solidFill>
+                  <a:schemeClr val="tx1"/>
+                </a:solidFill>
+                <a:latin typeface="+mn-lt"/>
+                <a:ea typeface="+mn-ea"/>
+              </a:defRPr>
+            </a:lvl8pPr>
+            <a:lvl9pPr marL="2914650" indent="-171450" algn="l" rtl="0" fontAlgn="base">
+              <a:spcBef>
+                <a:spcPct val="20000"/>
+              </a:spcBef>
+              <a:spcAft>
+                <a:spcPct val="0"/>
+              </a:spcAft>
+              <a:buChar char="»"/>
+              <a:defRPr sz="1500">
+                <a:solidFill>
+                  <a:schemeClr val="tx1"/>
+                </a:solidFill>
+                <a:latin typeface="+mn-lt"/>
+                <a:ea typeface="+mn-ea"/>
+              </a:defRPr>
+            </a:lvl9pPr>
+          </a:lstStyle>
+          <a:p>
+            <a:pPr lvl="1">
+              <a:spcBef>
+                <a:spcPts val="600"/>
+              </a:spcBef>
+              <a:spcAft>
+                <a:spcPts val="600"/>
+              </a:spcAft>
+            </a:pPr>
+            <a:r>
+              <a:rPr lang="zh-CN" altLang="en-US" sz="2200" kern="0" dirty="0">
+                <a:latin typeface="微软雅黑" panose="020B0503020204020204" pitchFamily="34" charset="-122"/>
+                <a:ea typeface="微软雅黑" panose="020B0503020204020204" pitchFamily="34" charset="-122"/>
+              </a:rPr>
+              <a:t>数控振荡器</a:t>
+            </a:r>
+            <a:r>
+              <a:rPr lang="zh-CN" altLang="en-US" sz="2200" kern="0" dirty="0" smtClean="0">
+                <a:latin typeface="微软雅黑" panose="020B0503020204020204" pitchFamily="34" charset="-122"/>
+                <a:ea typeface="微软雅黑" panose="020B0503020204020204" pitchFamily="34" charset="-122"/>
+              </a:rPr>
+              <a:t>的</a:t>
+            </a:r>
+            <a:r>
+              <a:rPr lang="zh-CN" altLang="en-US" sz="2200" kern="0" dirty="0">
+                <a:latin typeface="微软雅黑" panose="020B0503020204020204" pitchFamily="34" charset="-122"/>
+                <a:ea typeface="微软雅黑" panose="020B0503020204020204" pitchFamily="34" charset="-122"/>
+              </a:rPr>
+              <a:t>技术</a:t>
+            </a:r>
+            <a:r>
+              <a:rPr lang="zh-CN" altLang="en-US" sz="2200" kern="0" dirty="0" smtClean="0">
+                <a:latin typeface="微软雅黑" panose="020B0503020204020204" pitchFamily="34" charset="-122"/>
+                <a:ea typeface="微软雅黑" panose="020B0503020204020204" pitchFamily="34" charset="-122"/>
+              </a:rPr>
+              <a:t>特点</a:t>
+            </a:r>
+          </a:p>
+          <a:p>
+            <a:pPr lvl="2">
+              <a:spcBef>
+                <a:spcPts val="300"/>
+              </a:spcBef>
+              <a:spcAft>
+                <a:spcPts val="300"/>
+              </a:spcAft>
+            </a:pPr>
+            <a:r>
+              <a:rPr lang="zh-CN" altLang="en-US" sz="1500" kern="0" dirty="0" smtClean="0">
+                <a:latin typeface="微软雅黑" panose="020B0503020204020204" pitchFamily="34" charset="-122"/>
+                <a:ea typeface="微软雅黑" panose="020B0503020204020204" pitchFamily="34" charset="-122"/>
+              </a:rPr>
+              <a:t>利用高精度的频率控制字，输出正弦信号</a:t>
+            </a:r>
+            <a:r>
+              <a:rPr lang="zh-CN" altLang="en-US" sz="1500" b="1" kern="0" dirty="0" smtClean="0">
+                <a:latin typeface="微软雅黑" panose="020B0503020204020204" pitchFamily="34" charset="-122"/>
+                <a:ea typeface="微软雅黑" panose="020B0503020204020204" pitchFamily="34" charset="-122"/>
+              </a:rPr>
+              <a:t>频率精确度极高</a:t>
+            </a:r>
+            <a:endParaRPr lang="en-US" altLang="zh-CN" sz="1500" b="1" kern="0" dirty="0" smtClean="0">
+              <a:latin typeface="微软雅黑" panose="020B0503020204020204" pitchFamily="34" charset="-122"/>
+              <a:ea typeface="微软雅黑" panose="020B0503020204020204" pitchFamily="34" charset="-122"/>
+            </a:endParaRPr>
+          </a:p>
+          <a:p>
+            <a:pPr lvl="2">
+              <a:spcBef>
+                <a:spcPts val="300"/>
+              </a:spcBef>
+              <a:spcAft>
+                <a:spcPts val="300"/>
+              </a:spcAft>
+            </a:pPr>
+            <a:r>
+              <a:rPr lang="zh-CN" altLang="en-US" sz="1500" kern="0" dirty="0" smtClean="0">
+                <a:latin typeface="微软雅黑" panose="020B0503020204020204" pitchFamily="34" charset="-122"/>
+                <a:ea typeface="微软雅黑" panose="020B0503020204020204" pitchFamily="34" charset="-122"/>
+              </a:rPr>
+              <a:t>相比模拟方法数控系统</a:t>
+            </a:r>
+            <a:r>
+              <a:rPr lang="zh-CN" altLang="en-US" sz="1500" b="1" kern="0" dirty="0" smtClean="0">
+                <a:latin typeface="微软雅黑" panose="020B0503020204020204" pitchFamily="34" charset="-122"/>
+                <a:ea typeface="微软雅黑" panose="020B0503020204020204" pitchFamily="34" charset="-122"/>
+              </a:rPr>
+              <a:t>更稳定</a:t>
+            </a:r>
+            <a:r>
+              <a:rPr lang="zh-CN" altLang="en-US" sz="1500" kern="0" dirty="0" smtClean="0">
+                <a:latin typeface="微软雅黑" panose="020B0503020204020204" pitchFamily="34" charset="-122"/>
+                <a:ea typeface="微软雅黑" panose="020B0503020204020204" pitchFamily="34" charset="-122"/>
+              </a:rPr>
+              <a:t>，相位变化可具有连续性</a:t>
+            </a:r>
+            <a:endParaRPr lang="en-US" altLang="zh-CN" sz="1500" kern="0" dirty="0" smtClean="0">
+              <a:latin typeface="微软雅黑" panose="020B0503020204020204" pitchFamily="34" charset="-122"/>
+              <a:ea typeface="微软雅黑" panose="020B0503020204020204" pitchFamily="34" charset="-122"/>
+            </a:endParaRPr>
+          </a:p>
+          <a:p>
+            <a:pPr lvl="2">
+              <a:spcBef>
+                <a:spcPts val="300"/>
+              </a:spcBef>
+              <a:spcAft>
+                <a:spcPts val="300"/>
+              </a:spcAft>
+            </a:pPr>
+            <a:endParaRPr lang="en-US" altLang="zh-CN" sz="1500" kern="0" dirty="0" smtClean="0">
+              <a:latin typeface="微软雅黑" panose="020B0503020204020204" pitchFamily="34" charset="-122"/>
+              <a:ea typeface="微软雅黑" panose="020B0503020204020204" pitchFamily="34" charset="-122"/>
+            </a:endParaRPr>
+          </a:p>
+        </p:txBody>
+      </p:sp>
     </p:spTree>
     <p:extLst>
       <p:ext uri="{BB962C8B-B14F-4D97-AF65-F5344CB8AC3E}">
@@ -23119,42 +23204,42 @@
                 <a:gridCol w="1261110">
                   <a:extLst>
                     <a:ext uri="{9D8B030D-6E8A-4147-A177-3AD203B41FA5}">
-                      <a16:colId xmlns:a16="http://schemas.microsoft.com/office/drawing/2014/main" val="20000"/>
+                      <a16:colId xmlns:a16="http://schemas.microsoft.com/office/drawing/2014/main" xmlns="" val="20000"/>
                     </a:ext>
                   </a:extLst>
                 </a:gridCol>
                 <a:gridCol w="523875">
                   <a:extLst>
                     <a:ext uri="{9D8B030D-6E8A-4147-A177-3AD203B41FA5}">
-                      <a16:colId xmlns:a16="http://schemas.microsoft.com/office/drawing/2014/main" val="20001"/>
+                      <a16:colId xmlns:a16="http://schemas.microsoft.com/office/drawing/2014/main" xmlns="" val="20001"/>
                     </a:ext>
                   </a:extLst>
                 </a:gridCol>
                 <a:gridCol w="800100">
                   <a:extLst>
                     <a:ext uri="{9D8B030D-6E8A-4147-A177-3AD203B41FA5}">
-                      <a16:colId xmlns:a16="http://schemas.microsoft.com/office/drawing/2014/main" val="20002"/>
+                      <a16:colId xmlns:a16="http://schemas.microsoft.com/office/drawing/2014/main" xmlns="" val="20002"/>
                     </a:ext>
                   </a:extLst>
                 </a:gridCol>
                 <a:gridCol w="942975">
                   <a:extLst>
                     <a:ext uri="{9D8B030D-6E8A-4147-A177-3AD203B41FA5}">
-                      <a16:colId xmlns:a16="http://schemas.microsoft.com/office/drawing/2014/main" val="20003"/>
+                      <a16:colId xmlns:a16="http://schemas.microsoft.com/office/drawing/2014/main" xmlns="" val="20003"/>
                     </a:ext>
                   </a:extLst>
                 </a:gridCol>
                 <a:gridCol w="928370">
                   <a:extLst>
                     <a:ext uri="{9D8B030D-6E8A-4147-A177-3AD203B41FA5}">
-                      <a16:colId xmlns:a16="http://schemas.microsoft.com/office/drawing/2014/main" val="20004"/>
+                      <a16:colId xmlns:a16="http://schemas.microsoft.com/office/drawing/2014/main" xmlns="" val="20004"/>
                     </a:ext>
                   </a:extLst>
                 </a:gridCol>
                 <a:gridCol w="871855">
                   <a:extLst>
                     <a:ext uri="{9D8B030D-6E8A-4147-A177-3AD203B41FA5}">
-                      <a16:colId xmlns:a16="http://schemas.microsoft.com/office/drawing/2014/main" val="20005"/>
+                      <a16:colId xmlns:a16="http://schemas.microsoft.com/office/drawing/2014/main" xmlns="" val="20005"/>
                     </a:ext>
                   </a:extLst>
                 </a:gridCol>
@@ -23342,7 +23427,7 @@
                 </a:tc>
                 <a:extLst>
                   <a:ext uri="{0D108BD9-81ED-4DB2-BD59-A6C34878D82A}">
-                    <a16:rowId xmlns:a16="http://schemas.microsoft.com/office/drawing/2014/main" val="10000"/>
+                    <a16:rowId xmlns:a16="http://schemas.microsoft.com/office/drawing/2014/main" xmlns="" val="10000"/>
                   </a:ext>
                 </a:extLst>
               </a:tr>
@@ -23529,7 +23614,7 @@
                 </a:tc>
                 <a:extLst>
                   <a:ext uri="{0D108BD9-81ED-4DB2-BD59-A6C34878D82A}">
-                    <a16:rowId xmlns:a16="http://schemas.microsoft.com/office/drawing/2014/main" val="10001"/>
+                    <a16:rowId xmlns:a16="http://schemas.microsoft.com/office/drawing/2014/main" xmlns="" val="10001"/>
                   </a:ext>
                 </a:extLst>
               </a:tr>
@@ -23716,7 +23801,7 @@
                 </a:tc>
                 <a:extLst>
                   <a:ext uri="{0D108BD9-81ED-4DB2-BD59-A6C34878D82A}">
-                    <a16:rowId xmlns:a16="http://schemas.microsoft.com/office/drawing/2014/main" val="10002"/>
+                    <a16:rowId xmlns:a16="http://schemas.microsoft.com/office/drawing/2014/main" xmlns="" val="10002"/>
                   </a:ext>
                 </a:extLst>
               </a:tr>
@@ -23903,7 +23988,7 @@
                 </a:tc>
                 <a:extLst>
                   <a:ext uri="{0D108BD9-81ED-4DB2-BD59-A6C34878D82A}">
-                    <a16:rowId xmlns:a16="http://schemas.microsoft.com/office/drawing/2014/main" val="10003"/>
+                    <a16:rowId xmlns:a16="http://schemas.microsoft.com/office/drawing/2014/main" xmlns="" val="10003"/>
                   </a:ext>
                 </a:extLst>
               </a:tr>
@@ -24102,7 +24187,7 @@
                 </a:tc>
                 <a:extLst>
                   <a:ext uri="{0D108BD9-81ED-4DB2-BD59-A6C34878D82A}">
-                    <a16:rowId xmlns:a16="http://schemas.microsoft.com/office/drawing/2014/main" val="10004"/>
+                    <a16:rowId xmlns:a16="http://schemas.microsoft.com/office/drawing/2014/main" xmlns="" val="10004"/>
                   </a:ext>
                 </a:extLst>
               </a:tr>
@@ -24345,7 +24430,7 @@
           <p:cNvPr id="11" name="内容占位符 2">
             <a:extLst>
               <a:ext uri="{FF2B5EF4-FFF2-40B4-BE49-F238E27FC236}">
-                <a16:creationId xmlns:a16="http://schemas.microsoft.com/office/drawing/2014/main" id="{173EE2C7-4115-41F7-9A14-07F65F3BB05E}"/>
+                <a16:creationId xmlns:a16="http://schemas.microsoft.com/office/drawing/2014/main" xmlns="" id="{173EE2C7-4115-41F7-9A14-07F65F3BB05E}"/>
               </a:ext>
             </a:extLst>
           </p:cNvPr>
@@ -24570,7 +24655,7 @@
           <p:cNvPr id="12" name="图片 11" descr="D:\毕设\大四下\lunwen\图片\DDS传统架构.png">
             <a:extLst>
               <a:ext uri="{FF2B5EF4-FFF2-40B4-BE49-F238E27FC236}">
-                <a16:creationId xmlns:a16="http://schemas.microsoft.com/office/drawing/2014/main" id="{2C5E50B7-3E70-460B-A338-BD70B411DA19}"/>
+                <a16:creationId xmlns:a16="http://schemas.microsoft.com/office/drawing/2014/main" xmlns="" id="{2C5E50B7-3E70-460B-A338-BD70B411DA19}"/>
               </a:ext>
             </a:extLst>
           </p:cNvPr>
@@ -24609,7 +24694,7 @@
           <p:cNvPr id="14" name="内容占位符 2">
             <a:extLst>
               <a:ext uri="{FF2B5EF4-FFF2-40B4-BE49-F238E27FC236}">
-                <a16:creationId xmlns:a16="http://schemas.microsoft.com/office/drawing/2014/main" id="{772844F7-7D52-4ACF-908A-2B07AD3E014E}"/>
+                <a16:creationId xmlns:a16="http://schemas.microsoft.com/office/drawing/2014/main" xmlns="" id="{772844F7-7D52-4ACF-908A-2B07AD3E014E}"/>
               </a:ext>
             </a:extLst>
           </p:cNvPr>
@@ -25254,7 +25339,7 @@
           <p:cNvPr id="8" name="图片 7">
             <a:extLst>
               <a:ext uri="{FF2B5EF4-FFF2-40B4-BE49-F238E27FC236}">
-                <a16:creationId xmlns:a16="http://schemas.microsoft.com/office/drawing/2014/main" id="{D66A4827-A107-4E76-9AFA-A332527FB4CB}"/>
+                <a16:creationId xmlns:a16="http://schemas.microsoft.com/office/drawing/2014/main" xmlns="" id="{D66A4827-A107-4E76-9AFA-A332527FB4CB}"/>
               </a:ext>
             </a:extLst>
           </p:cNvPr>
@@ -25282,7 +25367,7 @@
           <p:cNvPr id="9" name="内容占位符 2">
             <a:extLst>
               <a:ext uri="{FF2B5EF4-FFF2-40B4-BE49-F238E27FC236}">
-                <a16:creationId xmlns:a16="http://schemas.microsoft.com/office/drawing/2014/main" id="{D7EAE30E-6355-4F16-A9DF-D3AB86615C57}"/>
+                <a16:creationId xmlns:a16="http://schemas.microsoft.com/office/drawing/2014/main" xmlns="" id="{D7EAE30E-6355-4F16-A9DF-D3AB86615C57}"/>
               </a:ext>
             </a:extLst>
           </p:cNvPr>
@@ -25836,70 +25921,70 @@
                 <a:gridCol w="369345">
                   <a:extLst>
                     <a:ext uri="{9D8B030D-6E8A-4147-A177-3AD203B41FA5}">
-                      <a16:colId xmlns:a16="http://schemas.microsoft.com/office/drawing/2014/main" val="20000"/>
+                      <a16:colId xmlns:a16="http://schemas.microsoft.com/office/drawing/2014/main" xmlns="" val="20000"/>
                     </a:ext>
                   </a:extLst>
                 </a:gridCol>
                 <a:gridCol w="369345">
                   <a:extLst>
                     <a:ext uri="{9D8B030D-6E8A-4147-A177-3AD203B41FA5}">
-                      <a16:colId xmlns:a16="http://schemas.microsoft.com/office/drawing/2014/main" val="20001"/>
+                      <a16:colId xmlns:a16="http://schemas.microsoft.com/office/drawing/2014/main" xmlns="" val="20001"/>
                     </a:ext>
                   </a:extLst>
                 </a:gridCol>
                 <a:gridCol w="369345">
                   <a:extLst>
                     <a:ext uri="{9D8B030D-6E8A-4147-A177-3AD203B41FA5}">
-                      <a16:colId xmlns:a16="http://schemas.microsoft.com/office/drawing/2014/main" val="20002"/>
+                      <a16:colId xmlns:a16="http://schemas.microsoft.com/office/drawing/2014/main" xmlns="" val="20002"/>
                     </a:ext>
                   </a:extLst>
                 </a:gridCol>
                 <a:gridCol w="369345">
                   <a:extLst>
                     <a:ext uri="{9D8B030D-6E8A-4147-A177-3AD203B41FA5}">
-                      <a16:colId xmlns:a16="http://schemas.microsoft.com/office/drawing/2014/main" val="20003"/>
+                      <a16:colId xmlns:a16="http://schemas.microsoft.com/office/drawing/2014/main" xmlns="" val="20003"/>
                     </a:ext>
                   </a:extLst>
                 </a:gridCol>
                 <a:gridCol w="369345">
                   <a:extLst>
                     <a:ext uri="{9D8B030D-6E8A-4147-A177-3AD203B41FA5}">
-                      <a16:colId xmlns:a16="http://schemas.microsoft.com/office/drawing/2014/main" val="20004"/>
+                      <a16:colId xmlns:a16="http://schemas.microsoft.com/office/drawing/2014/main" xmlns="" val="20004"/>
                     </a:ext>
                   </a:extLst>
                 </a:gridCol>
                 <a:gridCol w="369345">
                   <a:extLst>
                     <a:ext uri="{9D8B030D-6E8A-4147-A177-3AD203B41FA5}">
-                      <a16:colId xmlns:a16="http://schemas.microsoft.com/office/drawing/2014/main" val="20005"/>
+                      <a16:colId xmlns:a16="http://schemas.microsoft.com/office/drawing/2014/main" xmlns="" val="20005"/>
                     </a:ext>
                   </a:extLst>
                 </a:gridCol>
                 <a:gridCol w="369345">
                   <a:extLst>
                     <a:ext uri="{9D8B030D-6E8A-4147-A177-3AD203B41FA5}">
-                      <a16:colId xmlns:a16="http://schemas.microsoft.com/office/drawing/2014/main" val="20006"/>
+                      <a16:colId xmlns:a16="http://schemas.microsoft.com/office/drawing/2014/main" xmlns="" val="20006"/>
                     </a:ext>
                   </a:extLst>
                 </a:gridCol>
                 <a:gridCol w="369345">
                   <a:extLst>
                     <a:ext uri="{9D8B030D-6E8A-4147-A177-3AD203B41FA5}">
-                      <a16:colId xmlns:a16="http://schemas.microsoft.com/office/drawing/2014/main" val="20007"/>
+                      <a16:colId xmlns:a16="http://schemas.microsoft.com/office/drawing/2014/main" xmlns="" val="20007"/>
                     </a:ext>
                   </a:extLst>
                 </a:gridCol>
                 <a:gridCol w="355483">
                   <a:extLst>
                     <a:ext uri="{9D8B030D-6E8A-4147-A177-3AD203B41FA5}">
-                      <a16:colId xmlns:a16="http://schemas.microsoft.com/office/drawing/2014/main" val="20008"/>
+                      <a16:colId xmlns:a16="http://schemas.microsoft.com/office/drawing/2014/main" xmlns="" val="20008"/>
                     </a:ext>
                   </a:extLst>
                 </a:gridCol>
                 <a:gridCol w="384062">
                   <a:extLst>
                     <a:ext uri="{9D8B030D-6E8A-4147-A177-3AD203B41FA5}">
-                      <a16:colId xmlns:a16="http://schemas.microsoft.com/office/drawing/2014/main" val="20009"/>
+                      <a16:colId xmlns:a16="http://schemas.microsoft.com/office/drawing/2014/main" xmlns="" val="20009"/>
                     </a:ext>
                   </a:extLst>
                 </a:gridCol>
@@ -26407,7 +26492,7 @@
                 </a:tc>
                 <a:extLst>
                   <a:ext uri="{0D108BD9-81ED-4DB2-BD59-A6C34878D82A}">
-                    <a16:rowId xmlns:a16="http://schemas.microsoft.com/office/drawing/2014/main" val="10000"/>
+                    <a16:rowId xmlns:a16="http://schemas.microsoft.com/office/drawing/2014/main" xmlns="" val="10000"/>
                   </a:ext>
                 </a:extLst>
               </a:tr>
@@ -26818,70 +26903,70 @@
                 <a:gridCol w="369345">
                   <a:extLst>
                     <a:ext uri="{9D8B030D-6E8A-4147-A177-3AD203B41FA5}">
-                      <a16:colId xmlns:a16="http://schemas.microsoft.com/office/drawing/2014/main" val="20000"/>
+                      <a16:colId xmlns:a16="http://schemas.microsoft.com/office/drawing/2014/main" xmlns="" val="20000"/>
                     </a:ext>
                   </a:extLst>
                 </a:gridCol>
                 <a:gridCol w="369345">
                   <a:extLst>
                     <a:ext uri="{9D8B030D-6E8A-4147-A177-3AD203B41FA5}">
-                      <a16:colId xmlns:a16="http://schemas.microsoft.com/office/drawing/2014/main" val="20001"/>
+                      <a16:colId xmlns:a16="http://schemas.microsoft.com/office/drawing/2014/main" xmlns="" val="20001"/>
                     </a:ext>
                   </a:extLst>
                 </a:gridCol>
                 <a:gridCol w="369345">
                   <a:extLst>
                     <a:ext uri="{9D8B030D-6E8A-4147-A177-3AD203B41FA5}">
-                      <a16:colId xmlns:a16="http://schemas.microsoft.com/office/drawing/2014/main" val="20002"/>
+                      <a16:colId xmlns:a16="http://schemas.microsoft.com/office/drawing/2014/main" xmlns="" val="20002"/>
                     </a:ext>
                   </a:extLst>
                 </a:gridCol>
                 <a:gridCol w="369345">
                   <a:extLst>
                     <a:ext uri="{9D8B030D-6E8A-4147-A177-3AD203B41FA5}">
-                      <a16:colId xmlns:a16="http://schemas.microsoft.com/office/drawing/2014/main" val="20003"/>
+                      <a16:colId xmlns:a16="http://schemas.microsoft.com/office/drawing/2014/main" xmlns="" val="20003"/>
                     </a:ext>
                   </a:extLst>
                 </a:gridCol>
                 <a:gridCol w="369345">
                   <a:extLst>
                     <a:ext uri="{9D8B030D-6E8A-4147-A177-3AD203B41FA5}">
-                      <a16:colId xmlns:a16="http://schemas.microsoft.com/office/drawing/2014/main" val="20004"/>
+                      <a16:colId xmlns:a16="http://schemas.microsoft.com/office/drawing/2014/main" xmlns="" val="20004"/>
                     </a:ext>
                   </a:extLst>
                 </a:gridCol>
                 <a:gridCol w="369345">
                   <a:extLst>
                     <a:ext uri="{9D8B030D-6E8A-4147-A177-3AD203B41FA5}">
-                      <a16:colId xmlns:a16="http://schemas.microsoft.com/office/drawing/2014/main" val="20005"/>
+                      <a16:colId xmlns:a16="http://schemas.microsoft.com/office/drawing/2014/main" xmlns="" val="20005"/>
                     </a:ext>
                   </a:extLst>
                 </a:gridCol>
                 <a:gridCol w="369345">
                   <a:extLst>
                     <a:ext uri="{9D8B030D-6E8A-4147-A177-3AD203B41FA5}">
-                      <a16:colId xmlns:a16="http://schemas.microsoft.com/office/drawing/2014/main" val="20006"/>
+                      <a16:colId xmlns:a16="http://schemas.microsoft.com/office/drawing/2014/main" xmlns="" val="20006"/>
                     </a:ext>
                   </a:extLst>
                 </a:gridCol>
                 <a:gridCol w="369345">
                   <a:extLst>
                     <a:ext uri="{9D8B030D-6E8A-4147-A177-3AD203B41FA5}">
-                      <a16:colId xmlns:a16="http://schemas.microsoft.com/office/drawing/2014/main" val="20007"/>
+                      <a16:colId xmlns:a16="http://schemas.microsoft.com/office/drawing/2014/main" xmlns="" val="20007"/>
                     </a:ext>
                   </a:extLst>
                 </a:gridCol>
                 <a:gridCol w="355483">
                   <a:extLst>
                     <a:ext uri="{9D8B030D-6E8A-4147-A177-3AD203B41FA5}">
-                      <a16:colId xmlns:a16="http://schemas.microsoft.com/office/drawing/2014/main" val="20008"/>
+                      <a16:colId xmlns:a16="http://schemas.microsoft.com/office/drawing/2014/main" xmlns="" val="20008"/>
                     </a:ext>
                   </a:extLst>
                 </a:gridCol>
                 <a:gridCol w="384062">
                   <a:extLst>
                     <a:ext uri="{9D8B030D-6E8A-4147-A177-3AD203B41FA5}">
-                      <a16:colId xmlns:a16="http://schemas.microsoft.com/office/drawing/2014/main" val="20009"/>
+                      <a16:colId xmlns:a16="http://schemas.microsoft.com/office/drawing/2014/main" xmlns="" val="20009"/>
                     </a:ext>
                   </a:extLst>
                 </a:gridCol>
@@ -27459,7 +27544,7 @@
                 </a:tc>
                 <a:extLst>
                   <a:ext uri="{0D108BD9-81ED-4DB2-BD59-A6C34878D82A}">
-                    <a16:rowId xmlns:a16="http://schemas.microsoft.com/office/drawing/2014/main" val="10000"/>
+                    <a16:rowId xmlns:a16="http://schemas.microsoft.com/office/drawing/2014/main" xmlns="" val="10000"/>
                   </a:ext>
                 </a:extLst>
               </a:tr>
@@ -28055,7 +28140,7 @@
           <p:cNvPr id="117" name="图片 116" descr="D:\毕设\大四下\lunwen\图片\DDS改进架构.png">
             <a:extLst>
               <a:ext uri="{FF2B5EF4-FFF2-40B4-BE49-F238E27FC236}">
-                <a16:creationId xmlns:a16="http://schemas.microsoft.com/office/drawing/2014/main" id="{3EDD7146-5C7E-429D-8FC3-A0A66DD752D7}"/>
+                <a16:creationId xmlns:a16="http://schemas.microsoft.com/office/drawing/2014/main" xmlns="" id="{3EDD7146-5C7E-429D-8FC3-A0A66DD752D7}"/>
               </a:ext>
             </a:extLst>
           </p:cNvPr>
@@ -28094,7 +28179,7 @@
           <p:cNvPr id="118" name="图片 117" descr="D:\毕设\大四下\lunwen\图片\翻转.png">
             <a:extLst>
               <a:ext uri="{FF2B5EF4-FFF2-40B4-BE49-F238E27FC236}">
-                <a16:creationId xmlns:a16="http://schemas.microsoft.com/office/drawing/2014/main" id="{B0BE2E15-2878-4CDF-BE22-9BCD2E2B0597}"/>
+                <a16:creationId xmlns:a16="http://schemas.microsoft.com/office/drawing/2014/main" xmlns="" id="{B0BE2E15-2878-4CDF-BE22-9BCD2E2B0597}"/>
               </a:ext>
             </a:extLst>
           </p:cNvPr>
@@ -28476,112 +28561,112 @@
                 <a:gridCol w="341411">
                   <a:extLst>
                     <a:ext uri="{9D8B030D-6E8A-4147-A177-3AD203B41FA5}">
-                      <a16:colId xmlns:a16="http://schemas.microsoft.com/office/drawing/2014/main" val="20000"/>
+                      <a16:colId xmlns:a16="http://schemas.microsoft.com/office/drawing/2014/main" xmlns="" val="20000"/>
                     </a:ext>
                   </a:extLst>
                 </a:gridCol>
                 <a:gridCol w="341411">
                   <a:extLst>
                     <a:ext uri="{9D8B030D-6E8A-4147-A177-3AD203B41FA5}">
-                      <a16:colId xmlns:a16="http://schemas.microsoft.com/office/drawing/2014/main" val="20001"/>
+                      <a16:colId xmlns:a16="http://schemas.microsoft.com/office/drawing/2014/main" xmlns="" val="20001"/>
                     </a:ext>
                   </a:extLst>
                 </a:gridCol>
                 <a:gridCol w="341411">
                   <a:extLst>
                     <a:ext uri="{9D8B030D-6E8A-4147-A177-3AD203B41FA5}">
-                      <a16:colId xmlns:a16="http://schemas.microsoft.com/office/drawing/2014/main" val="20002"/>
+                      <a16:colId xmlns:a16="http://schemas.microsoft.com/office/drawing/2014/main" xmlns="" val="20002"/>
                     </a:ext>
                   </a:extLst>
                 </a:gridCol>
                 <a:gridCol w="341411">
                   <a:extLst>
                     <a:ext uri="{9D8B030D-6E8A-4147-A177-3AD203B41FA5}">
-                      <a16:colId xmlns:a16="http://schemas.microsoft.com/office/drawing/2014/main" val="20003"/>
+                      <a16:colId xmlns:a16="http://schemas.microsoft.com/office/drawing/2014/main" xmlns="" val="20003"/>
                     </a:ext>
                   </a:extLst>
                 </a:gridCol>
                 <a:gridCol w="341411">
                   <a:extLst>
                     <a:ext uri="{9D8B030D-6E8A-4147-A177-3AD203B41FA5}">
-                      <a16:colId xmlns:a16="http://schemas.microsoft.com/office/drawing/2014/main" val="20004"/>
+                      <a16:colId xmlns:a16="http://schemas.microsoft.com/office/drawing/2014/main" xmlns="" val="20004"/>
                     </a:ext>
                   </a:extLst>
                 </a:gridCol>
                 <a:gridCol w="341411">
                   <a:extLst>
                     <a:ext uri="{9D8B030D-6E8A-4147-A177-3AD203B41FA5}">
-                      <a16:colId xmlns:a16="http://schemas.microsoft.com/office/drawing/2014/main" val="20005"/>
+                      <a16:colId xmlns:a16="http://schemas.microsoft.com/office/drawing/2014/main" xmlns="" val="20005"/>
                     </a:ext>
                   </a:extLst>
                 </a:gridCol>
                 <a:gridCol w="341411">
                   <a:extLst>
                     <a:ext uri="{9D8B030D-6E8A-4147-A177-3AD203B41FA5}">
-                      <a16:colId xmlns:a16="http://schemas.microsoft.com/office/drawing/2014/main" val="20006"/>
+                      <a16:colId xmlns:a16="http://schemas.microsoft.com/office/drawing/2014/main" xmlns="" val="20006"/>
                     </a:ext>
                   </a:extLst>
                 </a:gridCol>
                 <a:gridCol w="341411">
                   <a:extLst>
                     <a:ext uri="{9D8B030D-6E8A-4147-A177-3AD203B41FA5}">
-                      <a16:colId xmlns:a16="http://schemas.microsoft.com/office/drawing/2014/main" val="20007"/>
+                      <a16:colId xmlns:a16="http://schemas.microsoft.com/office/drawing/2014/main" xmlns="" val="20007"/>
                     </a:ext>
                   </a:extLst>
                 </a:gridCol>
                 <a:gridCol w="341411">
                   <a:extLst>
                     <a:ext uri="{9D8B030D-6E8A-4147-A177-3AD203B41FA5}">
-                      <a16:colId xmlns:a16="http://schemas.microsoft.com/office/drawing/2014/main" val="20008"/>
+                      <a16:colId xmlns:a16="http://schemas.microsoft.com/office/drawing/2014/main" xmlns="" val="20008"/>
                     </a:ext>
                   </a:extLst>
                 </a:gridCol>
                 <a:gridCol w="341411">
                   <a:extLst>
                     <a:ext uri="{9D8B030D-6E8A-4147-A177-3AD203B41FA5}">
-                      <a16:colId xmlns:a16="http://schemas.microsoft.com/office/drawing/2014/main" val="20009"/>
+                      <a16:colId xmlns:a16="http://schemas.microsoft.com/office/drawing/2014/main" xmlns="" val="20009"/>
                     </a:ext>
                   </a:extLst>
                 </a:gridCol>
                 <a:gridCol w="341411">
                   <a:extLst>
                     <a:ext uri="{9D8B030D-6E8A-4147-A177-3AD203B41FA5}">
-                      <a16:colId xmlns:a16="http://schemas.microsoft.com/office/drawing/2014/main" val="20010"/>
+                      <a16:colId xmlns:a16="http://schemas.microsoft.com/office/drawing/2014/main" xmlns="" val="20010"/>
                     </a:ext>
                   </a:extLst>
                 </a:gridCol>
                 <a:gridCol w="341411">
                   <a:extLst>
                     <a:ext uri="{9D8B030D-6E8A-4147-A177-3AD203B41FA5}">
-                      <a16:colId xmlns:a16="http://schemas.microsoft.com/office/drawing/2014/main" val="20011"/>
+                      <a16:colId xmlns:a16="http://schemas.microsoft.com/office/drawing/2014/main" xmlns="" val="20011"/>
                     </a:ext>
                   </a:extLst>
                 </a:gridCol>
                 <a:gridCol w="341411">
                   <a:extLst>
                     <a:ext uri="{9D8B030D-6E8A-4147-A177-3AD203B41FA5}">
-                      <a16:colId xmlns:a16="http://schemas.microsoft.com/office/drawing/2014/main" val="20012"/>
+                      <a16:colId xmlns:a16="http://schemas.microsoft.com/office/drawing/2014/main" xmlns="" val="20012"/>
                     </a:ext>
                   </a:extLst>
                 </a:gridCol>
                 <a:gridCol w="341411">
                   <a:extLst>
                     <a:ext uri="{9D8B030D-6E8A-4147-A177-3AD203B41FA5}">
-                      <a16:colId xmlns:a16="http://schemas.microsoft.com/office/drawing/2014/main" val="20013"/>
+                      <a16:colId xmlns:a16="http://schemas.microsoft.com/office/drawing/2014/main" xmlns="" val="20013"/>
                     </a:ext>
                   </a:extLst>
                 </a:gridCol>
                 <a:gridCol w="341411">
                   <a:extLst>
                     <a:ext uri="{9D8B030D-6E8A-4147-A177-3AD203B41FA5}">
-                      <a16:colId xmlns:a16="http://schemas.microsoft.com/office/drawing/2014/main" val="20014"/>
+                      <a16:colId xmlns:a16="http://schemas.microsoft.com/office/drawing/2014/main" xmlns="" val="20014"/>
                     </a:ext>
                   </a:extLst>
                 </a:gridCol>
                 <a:gridCol w="341411">
                   <a:extLst>
                     <a:ext uri="{9D8B030D-6E8A-4147-A177-3AD203B41FA5}">
-                      <a16:colId xmlns:a16="http://schemas.microsoft.com/office/drawing/2014/main" val="20015"/>
+                      <a16:colId xmlns:a16="http://schemas.microsoft.com/office/drawing/2014/main" xmlns="" val="20015"/>
                     </a:ext>
                   </a:extLst>
                 </a:gridCol>
@@ -29413,7 +29498,7 @@
                 </a:tc>
                 <a:extLst>
                   <a:ext uri="{0D108BD9-81ED-4DB2-BD59-A6C34878D82A}">
-                    <a16:rowId xmlns:a16="http://schemas.microsoft.com/office/drawing/2014/main" val="10000"/>
+                    <a16:rowId xmlns:a16="http://schemas.microsoft.com/office/drawing/2014/main" xmlns="" val="10000"/>
                   </a:ext>
                 </a:extLst>
               </a:tr>
@@ -29610,7 +29695,7 @@
           <p:cNvPr id="10" name="组合 9">
             <a:extLst>
               <a:ext uri="{FF2B5EF4-FFF2-40B4-BE49-F238E27FC236}">
-                <a16:creationId xmlns:a16="http://schemas.microsoft.com/office/drawing/2014/main" id="{4DD9D7DF-D2A9-48F0-8613-66CCA440EF90}"/>
+                <a16:creationId xmlns:a16="http://schemas.microsoft.com/office/drawing/2014/main" xmlns="" id="{4DD9D7DF-D2A9-48F0-8613-66CCA440EF90}"/>
               </a:ext>
             </a:extLst>
           </p:cNvPr>
@@ -30261,7 +30346,7 @@
               <p:cNvPr id="46" name="内容占位符 2">
                 <a:extLst>
                   <a:ext uri="{FF2B5EF4-FFF2-40B4-BE49-F238E27FC236}">
-                    <a16:creationId xmlns:a16="http://schemas.microsoft.com/office/drawing/2014/main" id="{046C888F-2A1E-465C-80A4-AACC140F0EAF}"/>
+                    <a16:creationId xmlns:a16="http://schemas.microsoft.com/office/drawing/2014/main" xmlns="" id="{046C888F-2A1E-465C-80A4-AACC140F0EAF}"/>
                   </a:ext>
                 </a:extLst>
               </p:cNvPr>
@@ -33604,7 +33689,7 @@
           <p:cNvPr id="142" name="图片 141" descr="D:\毕设\大四下\lunwen\图片\流水线.png">
             <a:extLst>
               <a:ext uri="{FF2B5EF4-FFF2-40B4-BE49-F238E27FC236}">
-                <a16:creationId xmlns:a16="http://schemas.microsoft.com/office/drawing/2014/main" id="{88C1B2C6-F47C-4F39-858E-CE78EBF99194}"/>
+                <a16:creationId xmlns:a16="http://schemas.microsoft.com/office/drawing/2014/main" xmlns="" id="{88C1B2C6-F47C-4F39-858E-CE78EBF99194}"/>
               </a:ext>
             </a:extLst>
           </p:cNvPr>

--- a/dabian/杨一雄_毕业设计答辩.pptx
+++ b/dabian/杨一雄_毕业设计答辩.pptx
@@ -7,10 +7,10 @@
     <p:sldMasterId id="2147483672" r:id="rId3"/>
   </p:sldMasterIdLst>
   <p:notesMasterIdLst>
-    <p:notesMasterId r:id="rId22"/>
+    <p:notesMasterId r:id="rId21"/>
   </p:notesMasterIdLst>
   <p:handoutMasterIdLst>
-    <p:handoutMasterId r:id="rId23"/>
+    <p:handoutMasterId r:id="rId22"/>
   </p:handoutMasterIdLst>
   <p:sldIdLst>
     <p:sldId id="279" r:id="rId4"/>
@@ -22,15 +22,14 @@
     <p:sldId id="308" r:id="rId10"/>
     <p:sldId id="313" r:id="rId11"/>
     <p:sldId id="297" r:id="rId12"/>
-    <p:sldId id="301" r:id="rId13"/>
-    <p:sldId id="298" r:id="rId14"/>
+    <p:sldId id="315" r:id="rId13"/>
+    <p:sldId id="301" r:id="rId14"/>
     <p:sldId id="300" r:id="rId15"/>
     <p:sldId id="303" r:id="rId16"/>
     <p:sldId id="309" r:id="rId17"/>
-    <p:sldId id="311" r:id="rId18"/>
-    <p:sldId id="314" r:id="rId19"/>
-    <p:sldId id="305" r:id="rId20"/>
-    <p:sldId id="273" r:id="rId21"/>
+    <p:sldId id="314" r:id="rId18"/>
+    <p:sldId id="305" r:id="rId19"/>
+    <p:sldId id="273" r:id="rId20"/>
   </p:sldIdLst>
   <p:sldSz cx="9144000" cy="6858000" type="screen4x3"/>
   <p:notesSz cx="6858000" cy="9144000"/>
@@ -223,7 +222,7 @@
           <a:p>
             <a:fld id="{41C171BD-44C2-486C-A04B-5A7F58ADE3A6}" type="datetimeFigureOut">
               <a:rPr lang="zh-CN" altLang="en-US" smtClean="0"/>
-              <a:t>2017/6/8</a:t>
+              <a:t>2017/6/9</a:t>
             </a:fld>
             <a:endParaRPr lang="zh-CN" altLang="en-US"/>
           </a:p>
@@ -389,7 +388,7 @@
           <a:p>
             <a:fld id="{52870B4D-8E9B-40BE-BFA7-166D04D852CD}" type="datetimeFigureOut">
               <a:rPr lang="zh-CN" altLang="en-US" smtClean="0"/>
-              <a:t>2017/6/8</a:t>
+              <a:t>2017/6/9</a:t>
             </a:fld>
             <a:endParaRPr lang="zh-CN" altLang="en-US"/>
           </a:p>
@@ -747,7 +746,29 @@
             </a:r>
             <a:r>
               <a:rPr lang="zh-CN" altLang="en-US" dirty="0"/>
-              <a:t>号杨一雄。我的毕业设计选题是超高速、高精度数控振荡器。</a:t>
+              <a:t>号杨一雄。我</a:t>
+            </a:r>
+            <a:r>
+              <a:rPr lang="zh-CN" altLang="en-US" dirty="0" smtClean="0"/>
+              <a:t>的论文题目是</a:t>
+            </a:r>
+            <a:r>
+              <a:rPr lang="zh-CN" altLang="en-US" dirty="0"/>
+              <a:t>超高速、高精度数控振荡器</a:t>
+            </a:r>
+            <a:r>
+              <a:rPr lang="zh-CN" altLang="en-US" dirty="0" smtClean="0"/>
+              <a:t>。</a:t>
+            </a:r>
+            <a:endParaRPr lang="en-US" altLang="zh-CN" dirty="0" smtClean="0"/>
+          </a:p>
+          <a:p>
+            <a:endParaRPr lang="en-US" altLang="zh-CN" dirty="0" smtClean="0"/>
+          </a:p>
+          <a:p>
+            <a:r>
+              <a:rPr lang="zh-CN" altLang="en-US" dirty="0" smtClean="0"/>
+              <a:t>我的指导老师是杨华中教授。</a:t>
             </a:r>
             <a:endParaRPr lang="zh-CN" altLang="zh-CN" dirty="0"/>
           </a:p>
@@ -812,63 +833,68 @@
           <a:p>
             <a:r>
               <a:rPr lang="zh-CN" altLang="en-US" dirty="0"/>
-              <a:t>由于</a:t>
-            </a:r>
-            <a:r>
-              <a:rPr lang="en-US" altLang="zh-CN" dirty="0" err="1"/>
-              <a:t>cordic</a:t>
+              <a:t>如右上图所示，</a:t>
+            </a:r>
+            <a:endParaRPr lang="en-US" altLang="zh-CN" dirty="0"/>
+          </a:p>
+          <a:p>
+            <a:r>
+              <a:rPr lang="en-US" altLang="zh-CN" dirty="0"/>
+              <a:t>PC</a:t>
             </a:r>
             <a:r>
               <a:rPr lang="zh-CN" altLang="en-US" dirty="0"/>
-              <a:t>矩阵旋转模块的计算量比较大，需要用流水线加速。</a:t>
+              <a:t>模块的索引压缩会产生周期性噪声，影响杂散性能</a:t>
             </a:r>
             <a:endParaRPr lang="en-US" altLang="zh-CN" dirty="0"/>
           </a:p>
           <a:p>
             <a:r>
+              <a:rPr lang="en-US" altLang="zh-CN" dirty="0"/>
+              <a:t>PAC</a:t>
+            </a:r>
+            <a:r>
               <a:rPr lang="zh-CN" altLang="en-US" dirty="0"/>
-              <a:t>通过改进的</a:t>
-            </a:r>
-            <a:r>
-              <a:rPr lang="en-US" altLang="zh-CN" dirty="0" err="1"/>
-              <a:t>cordic</a:t>
-            </a:r>
+              <a:t>模块的输出量化会产生高斯白噪声，影响底噪。</a:t>
+            </a:r>
+            <a:endParaRPr lang="en-US" altLang="zh-CN" dirty="0"/>
+          </a:p>
+          <a:p>
             <a:r>
               <a:rPr lang="zh-CN" altLang="en-US" dirty="0"/>
-              <a:t>算法，我得到了迭代公式如红框所示，如右下角所示，</a:t>
-            </a:r>
-            <a:r>
-              <a:rPr lang="en-US" altLang="zh-CN" dirty="0" err="1"/>
-              <a:t>cordic</a:t>
+              <a:t>为实现高精度，必须提高索引位数和量化位数。同时索引的分配也需要注意，否则可能会增大噪声</a:t>
+            </a:r>
+            <a:r>
+              <a:rPr lang="zh-CN" altLang="en-US" baseline="0" dirty="0"/>
+              <a:t>。</a:t>
+            </a:r>
+            <a:endParaRPr lang="en-US" altLang="zh-CN" dirty="0"/>
+          </a:p>
+          <a:p>
+            <a:r>
+              <a:rPr lang="zh-CN" altLang="en-US" dirty="0"/>
+              <a:t>下表显示了两种版本的差别，</a:t>
             </a:r>
             <a:r>
               <a:rPr lang="en-US" altLang="zh-CN" dirty="0"/>
-              <a:t> cell</a:t>
+              <a:t>16 bit</a:t>
             </a:r>
             <a:r>
               <a:rPr lang="zh-CN" altLang="en-US" dirty="0"/>
-              <a:t>为其电路实现，</a:t>
+              <a:t> 版本在 最大杂散分量</a:t>
+            </a:r>
+            <a:r>
+              <a:rPr lang="en-US" altLang="zh-CN" dirty="0"/>
+              <a:t>SFDR &amp; SNR </a:t>
+            </a:r>
+            <a:r>
+              <a:rPr lang="zh-CN" altLang="en-US" dirty="0"/>
+              <a:t>都有相当大的提高。</a:t>
             </a:r>
             <a:endParaRPr lang="en-US" altLang="zh-CN" dirty="0"/>
           </a:p>
           <a:p>
-            <a:r>
-              <a:rPr lang="zh-CN" altLang="en-US" dirty="0"/>
-              <a:t>通过级联</a:t>
-            </a:r>
-            <a:r>
-              <a:rPr lang="en-US" altLang="zh-CN" dirty="0" err="1"/>
-              <a:t>cordic</a:t>
-            </a:r>
-            <a:r>
-              <a:rPr lang="en-US" altLang="zh-CN" dirty="0"/>
-              <a:t> cell </a:t>
-            </a:r>
-            <a:r>
-              <a:rPr lang="zh-CN" altLang="en-US" dirty="0"/>
-              <a:t>级联实现了公式迭代的效果。</a:t>
-            </a:r>
-            <a:endParaRPr lang="en-US" altLang="zh-CN" dirty="0"/>
+            <a:endParaRPr lang="zh-CN" altLang="en-US" dirty="0"/>
           </a:p>
         </p:txBody>
       </p:sp>
@@ -898,7 +924,7 @@
     </p:spTree>
     <p:extLst>
       <p:ext uri="{BB962C8B-B14F-4D97-AF65-F5344CB8AC3E}">
-        <p14:creationId xmlns:p14="http://schemas.microsoft.com/office/powerpoint/2010/main" val="2750754517"/>
+        <p14:creationId xmlns:p14="http://schemas.microsoft.com/office/powerpoint/2010/main" val="783085532"/>
       </p:ext>
     </p:extLst>
   </p:cSld>
@@ -954,68 +980,63 @@
           <a:p>
             <a:r>
               <a:rPr lang="zh-CN" altLang="en-US" dirty="0"/>
-              <a:t>如右上图所示，</a:t>
+              <a:t>由于</a:t>
+            </a:r>
+            <a:r>
+              <a:rPr lang="en-US" altLang="zh-CN" dirty="0" err="1"/>
+              <a:t>cordic</a:t>
+            </a:r>
+            <a:r>
+              <a:rPr lang="zh-CN" altLang="en-US" dirty="0"/>
+              <a:t>矩阵旋转模块的计算量比较大，需要用流水线加速。</a:t>
             </a:r>
             <a:endParaRPr lang="en-US" altLang="zh-CN" dirty="0"/>
           </a:p>
           <a:p>
             <a:r>
+              <a:rPr lang="zh-CN" altLang="en-US" dirty="0"/>
+              <a:t>通过改进的</a:t>
+            </a:r>
+            <a:r>
+              <a:rPr lang="en-US" altLang="zh-CN" dirty="0" err="1"/>
+              <a:t>cordic</a:t>
+            </a:r>
+            <a:r>
+              <a:rPr lang="zh-CN" altLang="en-US" dirty="0"/>
+              <a:t>算法，我得到了迭代公式如红框所示，如右下角所示，</a:t>
+            </a:r>
+            <a:r>
+              <a:rPr lang="en-US" altLang="zh-CN" dirty="0" err="1"/>
+              <a:t>cordic</a:t>
+            </a:r>
+            <a:r>
               <a:rPr lang="en-US" altLang="zh-CN" dirty="0"/>
-              <a:t>PC</a:t>
+              <a:t> cell</a:t>
             </a:r>
             <a:r>
               <a:rPr lang="zh-CN" altLang="en-US" dirty="0"/>
-              <a:t>模块的索引压缩会产生周期性噪声，影响杂散性能</a:t>
+              <a:t>为其电路实现，</a:t>
             </a:r>
             <a:endParaRPr lang="en-US" altLang="zh-CN" dirty="0"/>
           </a:p>
           <a:p>
             <a:r>
+              <a:rPr lang="zh-CN" altLang="en-US" dirty="0"/>
+              <a:t>通过级联</a:t>
+            </a:r>
+            <a:r>
+              <a:rPr lang="en-US" altLang="zh-CN" dirty="0" err="1"/>
+              <a:t>cordic</a:t>
+            </a:r>
+            <a:r>
               <a:rPr lang="en-US" altLang="zh-CN" dirty="0"/>
-              <a:t>PAC</a:t>
+              <a:t> cell </a:t>
             </a:r>
             <a:r>
               <a:rPr lang="zh-CN" altLang="en-US" dirty="0"/>
-              <a:t>模块的输出量化会产生高斯白噪声，影响底噪。</a:t>
+              <a:t>级联实现了公式迭代的效果。</a:t>
             </a:r>
             <a:endParaRPr lang="en-US" altLang="zh-CN" dirty="0"/>
-          </a:p>
-          <a:p>
-            <a:r>
-              <a:rPr lang="zh-CN" altLang="en-US" dirty="0"/>
-              <a:t>为实现高精度，必须提高索引位数和量化位数。同时索引的分配也需要注意，否则可能会增大噪声</a:t>
-            </a:r>
-            <a:r>
-              <a:rPr lang="zh-CN" altLang="en-US" baseline="0" dirty="0"/>
-              <a:t>。</a:t>
-            </a:r>
-            <a:endParaRPr lang="en-US" altLang="zh-CN" dirty="0"/>
-          </a:p>
-          <a:p>
-            <a:r>
-              <a:rPr lang="zh-CN" altLang="en-US" dirty="0"/>
-              <a:t>下表显示了两种版本的差别，</a:t>
-            </a:r>
-            <a:r>
-              <a:rPr lang="en-US" altLang="zh-CN" dirty="0"/>
-              <a:t>16 bit</a:t>
-            </a:r>
-            <a:r>
-              <a:rPr lang="zh-CN" altLang="en-US" dirty="0"/>
-              <a:t> 版本在 最大杂散分量</a:t>
-            </a:r>
-            <a:r>
-              <a:rPr lang="en-US" altLang="zh-CN" dirty="0"/>
-              <a:t>SFDR &amp; SNR </a:t>
-            </a:r>
-            <a:r>
-              <a:rPr lang="zh-CN" altLang="en-US" dirty="0"/>
-              <a:t>都有相当大的提高。</a:t>
-            </a:r>
-            <a:endParaRPr lang="en-US" altLang="zh-CN" dirty="0"/>
-          </a:p>
-          <a:p>
-            <a:endParaRPr lang="zh-CN" altLang="en-US" dirty="0"/>
           </a:p>
         </p:txBody>
       </p:sp>
@@ -1045,7 +1066,7 @@
     </p:spTree>
     <p:extLst>
       <p:ext uri="{BB962C8B-B14F-4D97-AF65-F5344CB8AC3E}">
-        <p14:creationId xmlns:p14="http://schemas.microsoft.com/office/powerpoint/2010/main" val="533142796"/>
+        <p14:creationId xmlns:p14="http://schemas.microsoft.com/office/powerpoint/2010/main" val="2750754517"/>
       </p:ext>
     </p:extLst>
   </p:cSld>
@@ -1494,7 +1515,7 @@
           <a:p>
             <a:fld id="{E49FE5E3-45E0-401A-BDC7-016727830831}" type="slidenum">
               <a:rPr lang="zh-CN" altLang="en-US" smtClean="0"/>
-              <a:t>17</a:t>
+              <a:t>16</a:t>
             </a:fld>
             <a:endParaRPr lang="zh-CN" altLang="en-US"/>
           </a:p>
@@ -1581,7 +1602,7 @@
           <a:p>
             <a:fld id="{E49FE5E3-45E0-401A-BDC7-016727830831}" type="slidenum">
               <a:rPr lang="zh-CN" altLang="en-US" smtClean="0"/>
-              <a:t>18</a:t>
+              <a:t>17</a:t>
             </a:fld>
             <a:endParaRPr lang="zh-CN" altLang="en-US"/>
           </a:p>
@@ -1646,7 +1667,19 @@
           <a:p>
             <a:r>
               <a:rPr lang="zh-CN" altLang="en-US" dirty="0"/>
-              <a:t>我的报告分为五个部分：课题背景、课题目标、实施方案、进展情况、后续计划</a:t>
+              <a:t>我的报告</a:t>
+            </a:r>
+            <a:r>
+              <a:rPr lang="zh-CN" altLang="en-US" dirty="0" smtClean="0"/>
+              <a:t>分为三个</a:t>
+            </a:r>
+            <a:r>
+              <a:rPr lang="zh-CN" altLang="en-US" dirty="0"/>
+              <a:t>部分：课题背景、课题</a:t>
+            </a:r>
+            <a:r>
+              <a:rPr lang="zh-CN" altLang="en-US" dirty="0" smtClean="0"/>
+              <a:t>目标、进展情况。最后包括参考文献和附录</a:t>
             </a:r>
             <a:endParaRPr lang="en-US" altLang="zh-CN" dirty="0"/>
           </a:p>
@@ -14519,8 +14552,8 @@
         </p:nvSpPr>
         <p:spPr>
           <a:xfrm>
-            <a:off x="6301535" y="0"/>
-            <a:ext cx="1826141" cy="584775"/>
+            <a:off x="6301535" y="190500"/>
+            <a:ext cx="2236510" cy="707886"/>
           </a:xfrm>
           <a:prstGeom prst="rect">
             <a:avLst/>
@@ -14534,7 +14567,7 @@
           <a:lstStyle/>
           <a:p>
             <a:r>
-              <a:rPr lang="zh-CN" altLang="en-US" sz="3200" dirty="0">
+              <a:rPr lang="zh-CN" altLang="en-US" sz="4000" dirty="0">
                 <a:solidFill>
                   <a:schemeClr val="tx2"/>
                 </a:solidFill>
@@ -14580,6 +14613,35 @@
                 <a:srgbClr val="000000"/>
               </a:solidFill>
             </a:endParaRPr>
+          </a:p>
+        </p:txBody>
+      </p:sp>
+      <p:sp>
+        <p:nvSpPr>
+          <p:cNvPr id="6" name="文本框 5"/>
+          <p:cNvSpPr txBox="1"/>
+          <p:nvPr/>
+        </p:nvSpPr>
+        <p:spPr>
+          <a:xfrm>
+            <a:off x="6301535" y="960214"/>
+            <a:ext cx="2236510" cy="400110"/>
+          </a:xfrm>
+          <a:prstGeom prst="rect">
+            <a:avLst/>
+          </a:prstGeom>
+          <a:noFill/>
+        </p:spPr>
+        <p:txBody>
+          <a:bodyPr wrap="none" rtlCol="0">
+            <a:spAutoFit/>
+          </a:bodyPr>
+          <a:lstStyle/>
+          <a:p>
+            <a:r>
+              <a:rPr lang="zh-CN" altLang="en-US" sz="2000" dirty="0"/>
+              <a:t>参加优秀论文评选</a:t>
+            </a:r>
           </a:p>
         </p:txBody>
       </p:sp>
@@ -14626,6 +14688,3168 @@
         <p:spPr>
           <a:xfrm>
             <a:off x="381000" y="0"/>
+            <a:ext cx="8229600" cy="770291"/>
+          </a:xfrm>
+        </p:spPr>
+        <p:txBody>
+          <a:bodyPr/>
+          <a:lstStyle/>
+          <a:p>
+            <a:r>
+              <a:rPr lang="zh-CN" altLang="en-US" sz="3600" dirty="0"/>
+              <a:t>实施方案</a:t>
+            </a:r>
+            <a:r>
+              <a:rPr lang="en-US" altLang="zh-CN" sz="3600" dirty="0" smtClean="0"/>
+              <a:t>——</a:t>
+            </a:r>
+            <a:r>
+              <a:rPr lang="zh-CN" altLang="en-US" sz="3600" dirty="0" smtClean="0"/>
+              <a:t>噪声平衡</a:t>
+            </a:r>
+            <a:endParaRPr lang="zh-CN" altLang="en-US" sz="3600" dirty="0"/>
+          </a:p>
+        </p:txBody>
+      </p:sp>
+      <p:sp>
+        <p:nvSpPr>
+          <p:cNvPr id="88" name="内容占位符 2"/>
+          <p:cNvSpPr>
+            <a:spLocks noGrp="1"/>
+          </p:cNvSpPr>
+          <p:nvPr>
+            <p:ph idx="1"/>
+          </p:nvPr>
+        </p:nvSpPr>
+        <p:spPr>
+          <a:xfrm>
+            <a:off x="327111" y="1083126"/>
+            <a:ext cx="4528908" cy="1346315"/>
+          </a:xfrm>
+        </p:spPr>
+        <p:txBody>
+          <a:bodyPr/>
+          <a:lstStyle/>
+          <a:p>
+            <a:pPr lvl="1">
+              <a:spcBef>
+                <a:spcPts val="600"/>
+              </a:spcBef>
+              <a:spcAft>
+                <a:spcPts val="600"/>
+              </a:spcAft>
+            </a:pPr>
+            <a:r>
+              <a:rPr lang="zh-CN" altLang="en-US" sz="2200" dirty="0">
+                <a:latin typeface="微软雅黑" panose="020B0503020204020204" pitchFamily="34" charset="-122"/>
+                <a:ea typeface="微软雅黑" panose="020B0503020204020204" pitchFamily="34" charset="-122"/>
+              </a:rPr>
+              <a:t>噪声</a:t>
+            </a:r>
+            <a:r>
+              <a:rPr lang="en-US" altLang="zh-CN" sz="2200" dirty="0" smtClean="0">
+                <a:latin typeface="微软雅黑" panose="020B0503020204020204" pitchFamily="34" charset="-122"/>
+                <a:ea typeface="微软雅黑" panose="020B0503020204020204" pitchFamily="34" charset="-122"/>
+              </a:rPr>
+              <a:t>I</a:t>
+            </a:r>
+            <a:r>
+              <a:rPr lang="zh-CN" altLang="en-US" sz="2200" dirty="0" smtClean="0">
+                <a:latin typeface="微软雅黑" panose="020B0503020204020204" pitchFamily="34" charset="-122"/>
+                <a:ea typeface="微软雅黑" panose="020B0503020204020204" pitchFamily="34" charset="-122"/>
+              </a:rPr>
+              <a:t>：</a:t>
+            </a:r>
+            <a:r>
+              <a:rPr lang="zh-CN" altLang="en-US" sz="2200" dirty="0" smtClean="0">
+                <a:latin typeface="微软雅黑" panose="020B0503020204020204" pitchFamily="34" charset="-122"/>
+                <a:ea typeface="微软雅黑" panose="020B0503020204020204" pitchFamily="34" charset="-122"/>
+                <a:cs typeface="+mn-cs"/>
+              </a:rPr>
+              <a:t>相位截断和输出量化</a:t>
+            </a:r>
+            <a:endParaRPr lang="en-US" altLang="zh-CN" sz="2200" dirty="0" smtClean="0">
+              <a:latin typeface="微软雅黑" panose="020B0503020204020204" pitchFamily="34" charset="-122"/>
+              <a:ea typeface="微软雅黑" panose="020B0503020204020204" pitchFamily="34" charset="-122"/>
+              <a:cs typeface="+mn-cs"/>
+            </a:endParaRPr>
+          </a:p>
+          <a:p>
+            <a:pPr lvl="2">
+              <a:spcBef>
+                <a:spcPts val="300"/>
+              </a:spcBef>
+              <a:spcAft>
+                <a:spcPts val="300"/>
+              </a:spcAft>
+            </a:pPr>
+            <a:r>
+              <a:rPr lang="zh-CN" altLang="en-US" sz="1600" dirty="0" smtClean="0">
+                <a:latin typeface="微软雅黑" panose="020B0503020204020204" pitchFamily="34" charset="-122"/>
+                <a:ea typeface="微软雅黑" panose="020B0503020204020204" pitchFamily="34" charset="-122"/>
+              </a:rPr>
+              <a:t>索引</a:t>
+            </a:r>
+            <a:r>
+              <a:rPr lang="zh-CN" altLang="en-US" sz="1600" dirty="0">
+                <a:latin typeface="微软雅黑" panose="020B0503020204020204" pitchFamily="34" charset="-122"/>
+                <a:ea typeface="微软雅黑" panose="020B0503020204020204" pitchFamily="34" charset="-122"/>
+              </a:rPr>
+              <a:t>截断</a:t>
+            </a:r>
+            <a:r>
+              <a:rPr lang="zh-CN" altLang="en-US" sz="1600" dirty="0" smtClean="0">
+                <a:latin typeface="微软雅黑" panose="020B0503020204020204" pitchFamily="34" charset="-122"/>
+                <a:ea typeface="微软雅黑" panose="020B0503020204020204" pitchFamily="34" charset="-122"/>
+              </a:rPr>
+              <a:t>产生</a:t>
+            </a:r>
+            <a:r>
+              <a:rPr lang="zh-CN" altLang="en-US" sz="1600" b="1" dirty="0">
+                <a:latin typeface="微软雅黑" panose="020B0503020204020204" pitchFamily="34" charset="-122"/>
+                <a:ea typeface="微软雅黑" panose="020B0503020204020204" pitchFamily="34" charset="-122"/>
+              </a:rPr>
+              <a:t>有色</a:t>
+            </a:r>
+            <a:r>
+              <a:rPr lang="zh-CN" altLang="en-US" sz="1600" dirty="0" smtClean="0">
+                <a:latin typeface="微软雅黑" panose="020B0503020204020204" pitchFamily="34" charset="-122"/>
+                <a:ea typeface="微软雅黑" panose="020B0503020204020204" pitchFamily="34" charset="-122"/>
+              </a:rPr>
+              <a:t>噪声</a:t>
+            </a:r>
+            <a:r>
+              <a:rPr lang="zh-CN" altLang="en-US" sz="1600" dirty="0">
+                <a:latin typeface="微软雅黑" panose="020B0503020204020204" pitchFamily="34" charset="-122"/>
+                <a:ea typeface="微软雅黑" panose="020B0503020204020204" pitchFamily="34" charset="-122"/>
+              </a:rPr>
+              <a:t>，影响杂散性能</a:t>
+            </a:r>
+            <a:endParaRPr lang="en-US" altLang="zh-CN" sz="1600" dirty="0">
+              <a:latin typeface="微软雅黑" panose="020B0503020204020204" pitchFamily="34" charset="-122"/>
+              <a:ea typeface="微软雅黑" panose="020B0503020204020204" pitchFamily="34" charset="-122"/>
+            </a:endParaRPr>
+          </a:p>
+          <a:p>
+            <a:pPr lvl="2">
+              <a:spcBef>
+                <a:spcPts val="300"/>
+              </a:spcBef>
+              <a:spcAft>
+                <a:spcPts val="300"/>
+              </a:spcAft>
+            </a:pPr>
+            <a:r>
+              <a:rPr lang="zh-CN" altLang="en-US" sz="1600" dirty="0">
+                <a:latin typeface="微软雅黑" panose="020B0503020204020204" pitchFamily="34" charset="-122"/>
+                <a:ea typeface="微软雅黑" panose="020B0503020204020204" pitchFamily="34" charset="-122"/>
+              </a:rPr>
+              <a:t>量化截断产生</a:t>
+            </a:r>
+            <a:r>
+              <a:rPr lang="zh-CN" altLang="en-US" sz="1600" b="1" dirty="0">
+                <a:latin typeface="微软雅黑" panose="020B0503020204020204" pitchFamily="34" charset="-122"/>
+                <a:ea typeface="微软雅黑" panose="020B0503020204020204" pitchFamily="34" charset="-122"/>
+              </a:rPr>
+              <a:t>高斯白</a:t>
+            </a:r>
+            <a:r>
+              <a:rPr lang="zh-CN" altLang="en-US" sz="1600" dirty="0">
+                <a:latin typeface="微软雅黑" panose="020B0503020204020204" pitchFamily="34" charset="-122"/>
+                <a:ea typeface="微软雅黑" panose="020B0503020204020204" pitchFamily="34" charset="-122"/>
+              </a:rPr>
+              <a:t>噪声，影响</a:t>
+            </a:r>
+            <a:r>
+              <a:rPr lang="zh-CN" altLang="en-US" sz="1600" dirty="0" smtClean="0">
+                <a:latin typeface="微软雅黑" panose="020B0503020204020204" pitchFamily="34" charset="-122"/>
+                <a:ea typeface="微软雅黑" panose="020B0503020204020204" pitchFamily="34" charset="-122"/>
+              </a:rPr>
+              <a:t>底噪</a:t>
+            </a:r>
+          </a:p>
+          <a:p>
+            <a:pPr lvl="2">
+              <a:spcBef>
+                <a:spcPts val="300"/>
+              </a:spcBef>
+              <a:spcAft>
+                <a:spcPts val="300"/>
+              </a:spcAft>
+            </a:pPr>
+            <a:r>
+              <a:rPr lang="zh-CN" altLang="en-US" sz="1600" dirty="0" smtClean="0">
+                <a:latin typeface="微软雅黑" panose="020B0503020204020204" pitchFamily="34" charset="-122"/>
+                <a:ea typeface="微软雅黑" panose="020B0503020204020204" pitchFamily="34" charset="-122"/>
+              </a:rPr>
+              <a:t>只能通过提升索引位数改善</a:t>
+            </a:r>
+            <a:endParaRPr lang="en-US" altLang="zh-CN" sz="1600" dirty="0">
+              <a:latin typeface="微软雅黑" panose="020B0503020204020204" pitchFamily="34" charset="-122"/>
+              <a:ea typeface="微软雅黑" panose="020B0503020204020204" pitchFamily="34" charset="-122"/>
+            </a:endParaRPr>
+          </a:p>
+        </p:txBody>
+      </p:sp>
+      <p:sp>
+        <p:nvSpPr>
+          <p:cNvPr id="24" name="页脚占位符 4"/>
+          <p:cNvSpPr>
+            <a:spLocks noGrp="1"/>
+          </p:cNvSpPr>
+          <p:nvPr>
+            <p:ph type="ftr" sz="quarter" idx="4294967295"/>
+          </p:nvPr>
+        </p:nvSpPr>
+        <p:spPr>
+          <a:xfrm>
+            <a:off x="3048000" y="6527223"/>
+            <a:ext cx="2895600" cy="476250"/>
+          </a:xfrm>
+          <a:prstGeom prst="rect">
+            <a:avLst/>
+          </a:prstGeom>
+        </p:spPr>
+        <p:txBody>
+          <a:bodyPr/>
+          <a:lstStyle/>
+          <a:p>
+            <a:pPr algn="ctr"/>
+            <a:r>
+              <a:rPr lang="en-US" altLang="zh-CN" sz="1200" dirty="0" smtClean="0">
+                <a:solidFill>
+                  <a:srgbClr val="000000"/>
+                </a:solidFill>
+              </a:rPr>
+              <a:t>10/17</a:t>
+            </a:r>
+            <a:endParaRPr lang="en-US" altLang="zh-CN" sz="1200" dirty="0">
+              <a:solidFill>
+                <a:srgbClr val="000000"/>
+              </a:solidFill>
+            </a:endParaRPr>
+          </a:p>
+        </p:txBody>
+      </p:sp>
+      <p:grpSp>
+        <p:nvGrpSpPr>
+          <p:cNvPr id="10" name="组合 9">
+            <a:extLst>
+              <a:ext uri="{FF2B5EF4-FFF2-40B4-BE49-F238E27FC236}">
+                <a16:creationId xmlns="" xmlns:a16="http://schemas.microsoft.com/office/drawing/2014/main" id="{4DD9D7DF-D2A9-48F0-8613-66CCA440EF90}"/>
+              </a:ext>
+            </a:extLst>
+          </p:cNvPr>
+          <p:cNvGrpSpPr/>
+          <p:nvPr/>
+        </p:nvGrpSpPr>
+        <p:grpSpPr>
+          <a:xfrm>
+            <a:off x="4942334" y="1205968"/>
+            <a:ext cx="3514003" cy="1270001"/>
+            <a:chOff x="4942334" y="1092555"/>
+            <a:chExt cx="3514003" cy="1270001"/>
+          </a:xfrm>
+        </p:grpSpPr>
+        <p:grpSp>
+          <p:nvGrpSpPr>
+            <p:cNvPr id="9" name="组合 8"/>
+            <p:cNvGrpSpPr/>
+            <p:nvPr/>
+          </p:nvGrpSpPr>
+          <p:grpSpPr>
+            <a:xfrm>
+              <a:off x="5004315" y="1092555"/>
+              <a:ext cx="3452022" cy="1270001"/>
+              <a:chOff x="5400531" y="1092555"/>
+              <a:chExt cx="3452022" cy="1270001"/>
+            </a:xfrm>
+          </p:grpSpPr>
+          <p:grpSp>
+            <p:nvGrpSpPr>
+              <p:cNvPr id="7" name="组合 6"/>
+              <p:cNvGrpSpPr/>
+              <p:nvPr/>
+            </p:nvGrpSpPr>
+            <p:grpSpPr>
+              <a:xfrm>
+                <a:off x="5400531" y="1092555"/>
+                <a:ext cx="3452022" cy="1270001"/>
+                <a:chOff x="5349084" y="1247734"/>
+                <a:chExt cx="3452022" cy="1270001"/>
+              </a:xfrm>
+            </p:grpSpPr>
+            <p:grpSp>
+              <p:nvGrpSpPr>
+                <p:cNvPr id="6" name="组合 5"/>
+                <p:cNvGrpSpPr/>
+                <p:nvPr/>
+              </p:nvGrpSpPr>
+              <p:grpSpPr>
+                <a:xfrm>
+                  <a:off x="5399911" y="1288461"/>
+                  <a:ext cx="3401194" cy="1225950"/>
+                  <a:chOff x="5518572" y="1228017"/>
+                  <a:chExt cx="3401194" cy="1225950"/>
+                </a:xfrm>
+              </p:grpSpPr>
+              <p:grpSp>
+                <p:nvGrpSpPr>
+                  <p:cNvPr id="3" name="组合 2"/>
+                  <p:cNvGrpSpPr/>
+                  <p:nvPr/>
+                </p:nvGrpSpPr>
+                <p:grpSpPr>
+                  <a:xfrm>
+                    <a:off x="5518572" y="1228017"/>
+                    <a:ext cx="3346918" cy="1012027"/>
+                    <a:chOff x="6391950" y="1668269"/>
+                    <a:chExt cx="3346918" cy="1012027"/>
+                  </a:xfrm>
+                </p:grpSpPr>
+                <p:sp>
+                  <p:nvSpPr>
+                    <p:cNvPr id="25" name="矩形 24"/>
+                    <p:cNvSpPr/>
+                    <p:nvPr/>
+                  </p:nvSpPr>
+                  <p:spPr>
+                    <a:xfrm>
+                      <a:off x="7152539" y="1932296"/>
+                      <a:ext cx="522879" cy="748000"/>
+                    </a:xfrm>
+                    <a:prstGeom prst="rect">
+                      <a:avLst/>
+                    </a:prstGeom>
+                    <a:solidFill>
+                      <a:schemeClr val="bg1"/>
+                    </a:solidFill>
+                    <a:ln>
+                      <a:solidFill>
+                        <a:schemeClr val="tx1"/>
+                      </a:solidFill>
+                    </a:ln>
+                  </p:spPr>
+                  <p:style>
+                    <a:lnRef idx="2">
+                      <a:schemeClr val="accent1">
+                        <a:shade val="50000"/>
+                      </a:schemeClr>
+                    </a:lnRef>
+                    <a:fillRef idx="1">
+                      <a:schemeClr val="accent1"/>
+                    </a:fillRef>
+                    <a:effectRef idx="0">
+                      <a:schemeClr val="accent1"/>
+                    </a:effectRef>
+                    <a:fontRef idx="minor">
+                      <a:schemeClr val="lt1"/>
+                    </a:fontRef>
+                  </p:style>
+                  <p:txBody>
+                    <a:bodyPr rtlCol="0" anchor="ctr"/>
+                    <a:lstStyle/>
+                    <a:p>
+                      <a:pPr algn="ctr"/>
+                      <a:r>
+                        <a:rPr lang="en-US" altLang="zh-CN" sz="1400" dirty="0">
+                          <a:solidFill>
+                            <a:schemeClr val="tx1"/>
+                          </a:solidFill>
+                        </a:rPr>
+                        <a:t>PC</a:t>
+                      </a:r>
+                      <a:endParaRPr lang="zh-CN" altLang="en-US" sz="1400" dirty="0">
+                        <a:solidFill>
+                          <a:schemeClr val="tx1"/>
+                        </a:solidFill>
+                      </a:endParaRPr>
+                    </a:p>
+                  </p:txBody>
+                </p:sp>
+                <p:sp>
+                  <p:nvSpPr>
+                    <p:cNvPr id="26" name="箭头: 右 26"/>
+                    <p:cNvSpPr/>
+                    <p:nvPr/>
+                  </p:nvSpPr>
+                  <p:spPr>
+                    <a:xfrm>
+                      <a:off x="6391950" y="2239161"/>
+                      <a:ext cx="674274" cy="140970"/>
+                    </a:xfrm>
+                    <a:prstGeom prst="rightArrow">
+                      <a:avLst>
+                        <a:gd name="adj1" fmla="val 31100"/>
+                        <a:gd name="adj2" fmla="val 76937"/>
+                      </a:avLst>
+                    </a:prstGeom>
+                    <a:solidFill>
+                      <a:schemeClr val="bg1"/>
+                    </a:solidFill>
+                    <a:ln w="12700">
+                      <a:solidFill>
+                        <a:schemeClr val="tx1"/>
+                      </a:solidFill>
+                    </a:ln>
+                  </p:spPr>
+                  <p:style>
+                    <a:lnRef idx="2">
+                      <a:schemeClr val="accent1">
+                        <a:shade val="50000"/>
+                      </a:schemeClr>
+                    </a:lnRef>
+                    <a:fillRef idx="1">
+                      <a:schemeClr val="accent1"/>
+                    </a:fillRef>
+                    <a:effectRef idx="0">
+                      <a:schemeClr val="accent1"/>
+                    </a:effectRef>
+                    <a:fontRef idx="minor">
+                      <a:schemeClr val="lt1"/>
+                    </a:fontRef>
+                  </p:style>
+                  <p:txBody>
+                    <a:bodyPr rtlCol="0" anchor="ctr"/>
+                    <a:lstStyle/>
+                    <a:p>
+                      <a:pPr algn="ctr"/>
+                      <a:endParaRPr lang="zh-CN" altLang="en-US" dirty="0"/>
+                    </a:p>
+                  </p:txBody>
+                </p:sp>
+                <p:pic>
+                  <p:nvPicPr>
+                    <p:cNvPr id="27" name="图片 26"/>
+                    <p:cNvPicPr>
+                      <a:picLocks noChangeAspect="1"/>
+                    </p:cNvPicPr>
+                    <p:nvPr/>
+                  </p:nvPicPr>
+                  <p:blipFill>
+                    <a:blip r:embed="rId3"/>
+                    <a:stretch>
+                      <a:fillRect/>
+                    </a:stretch>
+                  </p:blipFill>
+                  <p:spPr>
+                    <a:xfrm>
+                      <a:off x="6408877" y="1668269"/>
+                      <a:ext cx="640842" cy="457744"/>
+                    </a:xfrm>
+                    <a:prstGeom prst="rect">
+                      <a:avLst/>
+                    </a:prstGeom>
+                  </p:spPr>
+                </p:pic>
+                <p:sp>
+                  <p:nvSpPr>
+                    <p:cNvPr id="28" name="矩形 27"/>
+                    <p:cNvSpPr/>
+                    <p:nvPr/>
+                  </p:nvSpPr>
+                  <p:spPr>
+                    <a:xfrm>
+                      <a:off x="8418753" y="1922013"/>
+                      <a:ext cx="537044" cy="758283"/>
+                    </a:xfrm>
+                    <a:prstGeom prst="rect">
+                      <a:avLst/>
+                    </a:prstGeom>
+                    <a:solidFill>
+                      <a:schemeClr val="bg1"/>
+                    </a:solidFill>
+                    <a:ln>
+                      <a:solidFill>
+                        <a:schemeClr val="tx1"/>
+                      </a:solidFill>
+                    </a:ln>
+                  </p:spPr>
+                  <p:style>
+                    <a:lnRef idx="2">
+                      <a:schemeClr val="accent1">
+                        <a:shade val="50000"/>
+                      </a:schemeClr>
+                    </a:lnRef>
+                    <a:fillRef idx="1">
+                      <a:schemeClr val="accent1"/>
+                    </a:fillRef>
+                    <a:effectRef idx="0">
+                      <a:schemeClr val="accent1"/>
+                    </a:effectRef>
+                    <a:fontRef idx="minor">
+                      <a:schemeClr val="lt1"/>
+                    </a:fontRef>
+                  </p:style>
+                  <p:txBody>
+                    <a:bodyPr rtlCol="0" anchor="ctr"/>
+                    <a:lstStyle/>
+                    <a:p>
+                      <a:pPr algn="ctr"/>
+                      <a:r>
+                        <a:rPr lang="en-US" altLang="zh-CN" sz="1400" dirty="0">
+                          <a:solidFill>
+                            <a:schemeClr val="tx1"/>
+                          </a:solidFill>
+                        </a:rPr>
+                        <a:t>PAC</a:t>
+                      </a:r>
+                    </a:p>
+                  </p:txBody>
+                </p:sp>
+                <p:sp>
+                  <p:nvSpPr>
+                    <p:cNvPr id="29" name="箭头: 右 29"/>
+                    <p:cNvSpPr/>
+                    <p:nvPr/>
+                  </p:nvSpPr>
+                  <p:spPr>
+                    <a:xfrm>
+                      <a:off x="7727968" y="2234441"/>
+                      <a:ext cx="640038" cy="140970"/>
+                    </a:xfrm>
+                    <a:prstGeom prst="rightArrow">
+                      <a:avLst>
+                        <a:gd name="adj1" fmla="val 31100"/>
+                        <a:gd name="adj2" fmla="val 76937"/>
+                      </a:avLst>
+                    </a:prstGeom>
+                    <a:solidFill>
+                      <a:schemeClr val="bg1"/>
+                    </a:solidFill>
+                    <a:ln w="12700">
+                      <a:solidFill>
+                        <a:schemeClr val="tx1"/>
+                      </a:solidFill>
+                    </a:ln>
+                  </p:spPr>
+                  <p:style>
+                    <a:lnRef idx="2">
+                      <a:schemeClr val="accent1">
+                        <a:shade val="50000"/>
+                      </a:schemeClr>
+                    </a:lnRef>
+                    <a:fillRef idx="1">
+                      <a:schemeClr val="accent1"/>
+                    </a:fillRef>
+                    <a:effectRef idx="0">
+                      <a:schemeClr val="accent1"/>
+                    </a:effectRef>
+                    <a:fontRef idx="minor">
+                      <a:schemeClr val="lt1"/>
+                    </a:fontRef>
+                  </p:style>
+                  <p:txBody>
+                    <a:bodyPr rtlCol="0" anchor="ctr"/>
+                    <a:lstStyle/>
+                    <a:p>
+                      <a:pPr algn="ctr"/>
+                      <a:endParaRPr lang="zh-CN" altLang="en-US" dirty="0"/>
+                    </a:p>
+                  </p:txBody>
+                </p:sp>
+                <p:sp>
+                  <p:nvSpPr>
+                    <p:cNvPr id="30" name="箭头: 右 30"/>
+                    <p:cNvSpPr/>
+                    <p:nvPr/>
+                  </p:nvSpPr>
+                  <p:spPr>
+                    <a:xfrm>
+                      <a:off x="9032641" y="2234441"/>
+                      <a:ext cx="706227" cy="140970"/>
+                    </a:xfrm>
+                    <a:prstGeom prst="rightArrow">
+                      <a:avLst>
+                        <a:gd name="adj1" fmla="val 31100"/>
+                        <a:gd name="adj2" fmla="val 76937"/>
+                      </a:avLst>
+                    </a:prstGeom>
+                    <a:solidFill>
+                      <a:schemeClr val="bg1"/>
+                    </a:solidFill>
+                    <a:ln w="12700">
+                      <a:solidFill>
+                        <a:schemeClr val="tx1"/>
+                      </a:solidFill>
+                    </a:ln>
+                  </p:spPr>
+                  <p:style>
+                    <a:lnRef idx="2">
+                      <a:schemeClr val="accent1">
+                        <a:shade val="50000"/>
+                      </a:schemeClr>
+                    </a:lnRef>
+                    <a:fillRef idx="1">
+                      <a:schemeClr val="accent1"/>
+                    </a:fillRef>
+                    <a:effectRef idx="0">
+                      <a:schemeClr val="accent1"/>
+                    </a:effectRef>
+                    <a:fontRef idx="minor">
+                      <a:schemeClr val="lt1"/>
+                    </a:fontRef>
+                  </p:style>
+                  <p:txBody>
+                    <a:bodyPr rtlCol="0" anchor="ctr"/>
+                    <a:lstStyle/>
+                    <a:p>
+                      <a:pPr algn="ctr"/>
+                      <a:endParaRPr lang="zh-CN" altLang="en-US"/>
+                    </a:p>
+                  </p:txBody>
+                </p:sp>
+                <p:pic>
+                  <p:nvPicPr>
+                    <p:cNvPr id="31" name="图片 30"/>
+                    <p:cNvPicPr>
+                      <a:picLocks noChangeAspect="1"/>
+                    </p:cNvPicPr>
+                    <p:nvPr/>
+                  </p:nvPicPr>
+                  <p:blipFill>
+                    <a:blip r:embed="rId4"/>
+                    <a:stretch>
+                      <a:fillRect/>
+                    </a:stretch>
+                  </p:blipFill>
+                  <p:spPr>
+                    <a:xfrm>
+                      <a:off x="9073641" y="1668269"/>
+                      <a:ext cx="562459" cy="457744"/>
+                    </a:xfrm>
+                    <a:prstGeom prst="rect">
+                      <a:avLst/>
+                    </a:prstGeom>
+                  </p:spPr>
+                </p:pic>
+              </p:grpSp>
+              <p:sp>
+                <p:nvSpPr>
+                  <p:cNvPr id="37" name="文本框 36"/>
+                  <p:cNvSpPr txBox="1"/>
+                  <p:nvPr/>
+                </p:nvSpPr>
+                <p:spPr>
+                  <a:xfrm>
+                    <a:off x="6742003" y="1869192"/>
+                    <a:ext cx="871454" cy="584775"/>
+                  </a:xfrm>
+                  <a:prstGeom prst="rect">
+                    <a:avLst/>
+                  </a:prstGeom>
+                  <a:noFill/>
+                </p:spPr>
+                <p:txBody>
+                  <a:bodyPr wrap="square" rtlCol="0">
+                    <a:spAutoFit/>
+                  </a:bodyPr>
+                  <a:lstStyle/>
+                  <a:p>
+                    <a:pPr algn="ctr"/>
+                    <a:r>
+                      <a:rPr lang="zh-CN" altLang="en-US" sz="1600" dirty="0">
+                        <a:latin typeface="微软雅黑" panose="020B0503020204020204" pitchFamily="34" charset="-122"/>
+                        <a:ea typeface="微软雅黑" panose="020B0503020204020204" pitchFamily="34" charset="-122"/>
+                      </a:rPr>
+                      <a:t>索引</a:t>
+                    </a:r>
+                    <a:endParaRPr lang="en-US" altLang="zh-CN" sz="1600" dirty="0">
+                      <a:latin typeface="微软雅黑" panose="020B0503020204020204" pitchFamily="34" charset="-122"/>
+                      <a:ea typeface="微软雅黑" panose="020B0503020204020204" pitchFamily="34" charset="-122"/>
+                    </a:endParaRPr>
+                  </a:p>
+                  <a:p>
+                    <a:pPr algn="ctr"/>
+                    <a:r>
+                      <a:rPr lang="zh-CN" altLang="en-US" sz="1600" dirty="0">
+                        <a:latin typeface="微软雅黑" panose="020B0503020204020204" pitchFamily="34" charset="-122"/>
+                        <a:ea typeface="微软雅黑" panose="020B0503020204020204" pitchFamily="34" charset="-122"/>
+                      </a:rPr>
+                      <a:t>压缩</a:t>
+                    </a:r>
+                    <a:endParaRPr lang="en-US" altLang="zh-CN" sz="1600" dirty="0">
+                      <a:latin typeface="微软雅黑" panose="020B0503020204020204" pitchFamily="34" charset="-122"/>
+                      <a:ea typeface="微软雅黑" panose="020B0503020204020204" pitchFamily="34" charset="-122"/>
+                    </a:endParaRPr>
+                  </a:p>
+                </p:txBody>
+              </p:sp>
+              <p:sp>
+                <p:nvSpPr>
+                  <p:cNvPr id="38" name="文本框 37"/>
+                  <p:cNvSpPr txBox="1"/>
+                  <p:nvPr/>
+                </p:nvSpPr>
+                <p:spPr>
+                  <a:xfrm>
+                    <a:off x="8048312" y="1863193"/>
+                    <a:ext cx="871454" cy="584775"/>
+                  </a:xfrm>
+                  <a:prstGeom prst="rect">
+                    <a:avLst/>
+                  </a:prstGeom>
+                  <a:noFill/>
+                </p:spPr>
+                <p:txBody>
+                  <a:bodyPr wrap="square" rtlCol="0">
+                    <a:spAutoFit/>
+                  </a:bodyPr>
+                  <a:lstStyle/>
+                  <a:p>
+                    <a:pPr algn="ctr"/>
+                    <a:r>
+                      <a:rPr lang="zh-CN" altLang="en-US" sz="1600" dirty="0">
+                        <a:latin typeface="微软雅黑" panose="020B0503020204020204" pitchFamily="34" charset="-122"/>
+                        <a:ea typeface="微软雅黑" panose="020B0503020204020204" pitchFamily="34" charset="-122"/>
+                      </a:rPr>
+                      <a:t>输出</a:t>
+                    </a:r>
+                    <a:endParaRPr lang="en-US" altLang="zh-CN" sz="1600" dirty="0">
+                      <a:latin typeface="微软雅黑" panose="020B0503020204020204" pitchFamily="34" charset="-122"/>
+                      <a:ea typeface="微软雅黑" panose="020B0503020204020204" pitchFamily="34" charset="-122"/>
+                    </a:endParaRPr>
+                  </a:p>
+                  <a:p>
+                    <a:pPr algn="ctr"/>
+                    <a:r>
+                      <a:rPr lang="zh-CN" altLang="en-US" sz="1600" dirty="0">
+                        <a:latin typeface="微软雅黑" panose="020B0503020204020204" pitchFamily="34" charset="-122"/>
+                        <a:ea typeface="微软雅黑" panose="020B0503020204020204" pitchFamily="34" charset="-122"/>
+                      </a:rPr>
+                      <a:t>量化</a:t>
+                    </a:r>
+                  </a:p>
+                </p:txBody>
+              </p:sp>
+            </p:grpSp>
+            <p:sp>
+              <p:nvSpPr>
+                <p:cNvPr id="40" name="矩形 39"/>
+                <p:cNvSpPr/>
+                <p:nvPr/>
+              </p:nvSpPr>
+              <p:spPr>
+                <a:xfrm>
+                  <a:off x="5349084" y="1247734"/>
+                  <a:ext cx="3452022" cy="1270001"/>
+                </a:xfrm>
+                <a:prstGeom prst="rect">
+                  <a:avLst/>
+                </a:prstGeom>
+                <a:noFill/>
+                <a:ln w="12700">
+                  <a:solidFill>
+                    <a:schemeClr val="tx1"/>
+                  </a:solidFill>
+                </a:ln>
+              </p:spPr>
+              <p:style>
+                <a:lnRef idx="2">
+                  <a:schemeClr val="accent1">
+                    <a:shade val="50000"/>
+                  </a:schemeClr>
+                </a:lnRef>
+                <a:fillRef idx="1">
+                  <a:schemeClr val="accent1"/>
+                </a:fillRef>
+                <a:effectRef idx="0">
+                  <a:schemeClr val="accent1"/>
+                </a:effectRef>
+                <a:fontRef idx="minor">
+                  <a:schemeClr val="lt1"/>
+                </a:fontRef>
+              </p:style>
+              <p:txBody>
+                <a:bodyPr rtlCol="0" anchor="ctr"/>
+                <a:lstStyle/>
+                <a:p>
+                  <a:pPr algn="ctr"/>
+                  <a:endParaRPr lang="zh-CN" altLang="en-US"/>
+                </a:p>
+              </p:txBody>
+            </p:sp>
+          </p:grpSp>
+          <p:grpSp>
+            <p:nvGrpSpPr>
+              <p:cNvPr id="8" name="组合 7"/>
+              <p:cNvGrpSpPr/>
+              <p:nvPr/>
+            </p:nvGrpSpPr>
+            <p:grpSpPr>
+              <a:xfrm>
+                <a:off x="6842187" y="1289099"/>
+                <a:ext cx="478929" cy="299509"/>
+                <a:chOff x="6800667" y="1437994"/>
+                <a:chExt cx="325747" cy="203713"/>
+              </a:xfrm>
+            </p:grpSpPr>
+            <p:pic>
+              <p:nvPicPr>
+                <p:cNvPr id="42" name="图片 41"/>
+                <p:cNvPicPr>
+                  <a:picLocks noChangeAspect="1"/>
+                </p:cNvPicPr>
+                <p:nvPr/>
+              </p:nvPicPr>
+              <p:blipFill rotWithShape="1">
+                <a:blip r:embed="rId3"/>
+                <a:srcRect t="56178" r="74704"/>
+                <a:stretch/>
+              </p:blipFill>
+              <p:spPr>
+                <a:xfrm>
+                  <a:off x="6800667" y="1441116"/>
+                  <a:ext cx="162108" cy="200591"/>
+                </a:xfrm>
+                <a:prstGeom prst="rect">
+                  <a:avLst/>
+                </a:prstGeom>
+              </p:spPr>
+            </p:pic>
+            <p:pic>
+              <p:nvPicPr>
+                <p:cNvPr id="43" name="图片 42"/>
+                <p:cNvPicPr>
+                  <a:picLocks noChangeAspect="1"/>
+                </p:cNvPicPr>
+                <p:nvPr/>
+              </p:nvPicPr>
+              <p:blipFill rotWithShape="1">
+                <a:blip r:embed="rId3"/>
+                <a:srcRect t="56178" r="74704"/>
+                <a:stretch/>
+              </p:blipFill>
+              <p:spPr>
+                <a:xfrm>
+                  <a:off x="6964306" y="1437994"/>
+                  <a:ext cx="162108" cy="200591"/>
+                </a:xfrm>
+                <a:prstGeom prst="rect">
+                  <a:avLst/>
+                </a:prstGeom>
+              </p:spPr>
+            </p:pic>
+          </p:grpSp>
+        </p:grpSp>
+        <p:sp>
+          <p:nvSpPr>
+            <p:cNvPr id="49" name="文本框 48"/>
+            <p:cNvSpPr txBox="1"/>
+            <p:nvPr/>
+          </p:nvSpPr>
+          <p:spPr>
+            <a:xfrm>
+              <a:off x="4942334" y="1745170"/>
+              <a:ext cx="871454" cy="338554"/>
+            </a:xfrm>
+            <a:prstGeom prst="rect">
+              <a:avLst/>
+            </a:prstGeom>
+            <a:noFill/>
+          </p:spPr>
+          <p:txBody>
+            <a:bodyPr wrap="square" rtlCol="0">
+              <a:spAutoFit/>
+            </a:bodyPr>
+            <a:lstStyle/>
+            <a:p>
+              <a:pPr algn="ctr"/>
+              <a:r>
+                <a:rPr lang="zh-CN" altLang="en-US" sz="1600" dirty="0" smtClean="0">
+                  <a:latin typeface="微软雅黑" panose="020B0503020204020204" pitchFamily="34" charset="-122"/>
+                  <a:ea typeface="微软雅黑" panose="020B0503020204020204" pitchFamily="34" charset="-122"/>
+                </a:rPr>
+                <a:t>相位</a:t>
+              </a:r>
+              <a:endParaRPr lang="en-US" altLang="zh-CN" sz="1600" dirty="0">
+                <a:latin typeface="微软雅黑" panose="020B0503020204020204" pitchFamily="34" charset="-122"/>
+                <a:ea typeface="微软雅黑" panose="020B0503020204020204" pitchFamily="34" charset="-122"/>
+              </a:endParaRPr>
+            </a:p>
+          </p:txBody>
+        </p:sp>
+      </p:grpSp>
+      <p:sp>
+        <p:nvSpPr>
+          <p:cNvPr id="46" name="内容占位符 2">
+            <a:extLst>
+              <a:ext uri="{FF2B5EF4-FFF2-40B4-BE49-F238E27FC236}">
+                <a16:creationId xmlns="" xmlns:a16="http://schemas.microsoft.com/office/drawing/2014/main" xmlns:a14="http://schemas.microsoft.com/office/drawing/2010/main" xmlns:mc="http://schemas.openxmlformats.org/markup-compatibility/2006" id="{046C888F-2A1E-465C-80A4-AACC140F0EAF}"/>
+              </a:ext>
+            </a:extLst>
+          </p:cNvPr>
+          <p:cNvSpPr txBox="1">
+            <a:spLocks/>
+          </p:cNvSpPr>
+          <p:nvPr/>
+        </p:nvSpPr>
+        <p:spPr bwMode="auto">
+          <a:xfrm>
+            <a:off x="327111" y="4330706"/>
+            <a:ext cx="8702589" cy="2196517"/>
+          </a:xfrm>
+          <a:prstGeom prst="rect">
+            <a:avLst/>
+          </a:prstGeom>
+          <a:noFill/>
+          <a:ln w="9525">
+            <a:noFill/>
+            <a:miter lim="800000"/>
+            <a:headEnd/>
+            <a:tailEnd/>
+          </a:ln>
+          <a:effectLst/>
+        </p:spPr>
+        <p:txBody>
+          <a:bodyPr vert="horz" wrap="square" lIns="91440" tIns="45720" rIns="91440" bIns="45720" numCol="1" anchor="t" anchorCtr="0" compatLnSpc="1">
+            <a:prstTxWarp prst="textNoShape">
+              <a:avLst/>
+            </a:prstTxWarp>
+          </a:bodyPr>
+          <a:lstStyle>
+            <a:lvl1pPr marL="257175" indent="-257175" algn="l" rtl="0" fontAlgn="base">
+              <a:spcBef>
+                <a:spcPct val="20000"/>
+              </a:spcBef>
+              <a:spcAft>
+                <a:spcPct val="0"/>
+              </a:spcAft>
+              <a:buChar char="•"/>
+              <a:defRPr sz="2400">
+                <a:solidFill>
+                  <a:schemeClr val="tx1"/>
+                </a:solidFill>
+                <a:latin typeface="Arial Unicode MS" pitchFamily="34" charset="-122"/>
+                <a:ea typeface="Arial Unicode MS" pitchFamily="34" charset="-122"/>
+                <a:cs typeface="Arial Unicode MS" pitchFamily="34" charset="-122"/>
+              </a:defRPr>
+            </a:lvl1pPr>
+            <a:lvl2pPr marL="557213" indent="-214313" algn="l" rtl="0" fontAlgn="base">
+              <a:spcBef>
+                <a:spcPct val="20000"/>
+              </a:spcBef>
+              <a:spcAft>
+                <a:spcPct val="0"/>
+              </a:spcAft>
+              <a:buChar char="–"/>
+              <a:defRPr sz="2100">
+                <a:solidFill>
+                  <a:schemeClr val="tx1"/>
+                </a:solidFill>
+                <a:latin typeface="Arial Unicode MS" pitchFamily="34" charset="-122"/>
+                <a:ea typeface="Arial Unicode MS" pitchFamily="34" charset="-122"/>
+                <a:cs typeface="Arial Unicode MS" pitchFamily="34" charset="-122"/>
+              </a:defRPr>
+            </a:lvl2pPr>
+            <a:lvl3pPr marL="857250" indent="-171450" algn="l" rtl="0" fontAlgn="base">
+              <a:spcBef>
+                <a:spcPct val="20000"/>
+              </a:spcBef>
+              <a:spcAft>
+                <a:spcPct val="0"/>
+              </a:spcAft>
+              <a:buChar char="•"/>
+              <a:defRPr sz="1800">
+                <a:solidFill>
+                  <a:schemeClr val="tx1"/>
+                </a:solidFill>
+                <a:latin typeface="Arial Unicode MS" pitchFamily="34" charset="-122"/>
+                <a:ea typeface="Arial Unicode MS" pitchFamily="34" charset="-122"/>
+                <a:cs typeface="Arial Unicode MS" pitchFamily="34" charset="-122"/>
+              </a:defRPr>
+            </a:lvl3pPr>
+            <a:lvl4pPr marL="1200150" indent="-171450" algn="l" rtl="0" fontAlgn="base">
+              <a:spcBef>
+                <a:spcPct val="20000"/>
+              </a:spcBef>
+              <a:spcAft>
+                <a:spcPct val="0"/>
+              </a:spcAft>
+              <a:buChar char="–"/>
+              <a:defRPr sz="1500">
+                <a:solidFill>
+                  <a:schemeClr val="tx1"/>
+                </a:solidFill>
+                <a:latin typeface="Arial Unicode MS" pitchFamily="34" charset="-122"/>
+                <a:ea typeface="Arial Unicode MS" pitchFamily="34" charset="-122"/>
+                <a:cs typeface="Arial Unicode MS" pitchFamily="34" charset="-122"/>
+              </a:defRPr>
+            </a:lvl4pPr>
+            <a:lvl5pPr marL="1543050" indent="-171450" algn="l" rtl="0" fontAlgn="base">
+              <a:spcBef>
+                <a:spcPct val="20000"/>
+              </a:spcBef>
+              <a:spcAft>
+                <a:spcPct val="0"/>
+              </a:spcAft>
+              <a:buChar char="»"/>
+              <a:defRPr sz="1500">
+                <a:solidFill>
+                  <a:schemeClr val="tx1"/>
+                </a:solidFill>
+                <a:latin typeface="Arial Unicode MS" pitchFamily="34" charset="-122"/>
+                <a:ea typeface="Arial Unicode MS" pitchFamily="34" charset="-122"/>
+                <a:cs typeface="Arial Unicode MS" pitchFamily="34" charset="-122"/>
+              </a:defRPr>
+            </a:lvl5pPr>
+            <a:lvl6pPr marL="1885950" indent="-171450" algn="l" rtl="0" fontAlgn="base">
+              <a:spcBef>
+                <a:spcPct val="20000"/>
+              </a:spcBef>
+              <a:spcAft>
+                <a:spcPct val="0"/>
+              </a:spcAft>
+              <a:buChar char="»"/>
+              <a:defRPr sz="1500">
+                <a:solidFill>
+                  <a:schemeClr val="tx1"/>
+                </a:solidFill>
+                <a:latin typeface="+mn-lt"/>
+                <a:ea typeface="+mn-ea"/>
+              </a:defRPr>
+            </a:lvl6pPr>
+            <a:lvl7pPr marL="2228850" indent="-171450" algn="l" rtl="0" fontAlgn="base">
+              <a:spcBef>
+                <a:spcPct val="20000"/>
+              </a:spcBef>
+              <a:spcAft>
+                <a:spcPct val="0"/>
+              </a:spcAft>
+              <a:buChar char="»"/>
+              <a:defRPr sz="1500">
+                <a:solidFill>
+                  <a:schemeClr val="tx1"/>
+                </a:solidFill>
+                <a:latin typeface="+mn-lt"/>
+                <a:ea typeface="+mn-ea"/>
+              </a:defRPr>
+            </a:lvl7pPr>
+            <a:lvl8pPr marL="2571750" indent="-171450" algn="l" rtl="0" fontAlgn="base">
+              <a:spcBef>
+                <a:spcPct val="20000"/>
+              </a:spcBef>
+              <a:spcAft>
+                <a:spcPct val="0"/>
+              </a:spcAft>
+              <a:buChar char="»"/>
+              <a:defRPr sz="1500">
+                <a:solidFill>
+                  <a:schemeClr val="tx1"/>
+                </a:solidFill>
+                <a:latin typeface="+mn-lt"/>
+                <a:ea typeface="+mn-ea"/>
+              </a:defRPr>
+            </a:lvl8pPr>
+            <a:lvl9pPr marL="2914650" indent="-171450" algn="l" rtl="0" fontAlgn="base">
+              <a:spcBef>
+                <a:spcPct val="20000"/>
+              </a:spcBef>
+              <a:spcAft>
+                <a:spcPct val="0"/>
+              </a:spcAft>
+              <a:buChar char="»"/>
+              <a:defRPr sz="1500">
+                <a:solidFill>
+                  <a:schemeClr val="tx1"/>
+                </a:solidFill>
+                <a:latin typeface="+mn-lt"/>
+                <a:ea typeface="+mn-ea"/>
+              </a:defRPr>
+            </a:lvl9pPr>
+          </a:lstStyle>
+          <a:p>
+            <a:pPr lvl="1">
+              <a:spcBef>
+                <a:spcPts val="900"/>
+              </a:spcBef>
+              <a:spcAft>
+                <a:spcPts val="900"/>
+              </a:spcAft>
+            </a:pPr>
+            <a:r>
+              <a:rPr lang="zh-CN" altLang="en-US" sz="2200" kern="0" dirty="0" smtClean="0">
+                <a:latin typeface="微软雅黑" panose="020B0503020204020204" pitchFamily="34" charset="-122"/>
+                <a:ea typeface="微软雅黑" panose="020B0503020204020204" pitchFamily="34" charset="-122"/>
+                <a:cs typeface="+mn-cs"/>
+              </a:rPr>
+              <a:t>两类噪声的平衡</a:t>
+            </a:r>
+            <a:endParaRPr lang="en-US" altLang="zh-CN" sz="2200" kern="0" dirty="0" smtClean="0">
+              <a:latin typeface="微软雅黑" panose="020B0503020204020204" pitchFamily="34" charset="-122"/>
+              <a:ea typeface="微软雅黑" panose="020B0503020204020204" pitchFamily="34" charset="-122"/>
+              <a:cs typeface="+mn-cs"/>
+            </a:endParaRPr>
+          </a:p>
+          <a:p>
+            <a:pPr lvl="2">
+              <a:spcBef>
+                <a:spcPts val="300"/>
+              </a:spcBef>
+              <a:spcAft>
+                <a:spcPts val="300"/>
+              </a:spcAft>
+            </a:pPr>
+            <a:r>
+              <a:rPr lang="zh-CN" altLang="en-US" sz="1600" kern="0" dirty="0" smtClean="0">
+                <a:latin typeface="微软雅黑" panose="020B0503020204020204" pitchFamily="34" charset="-122"/>
+                <a:ea typeface="微软雅黑" panose="020B0503020204020204" pitchFamily="34" charset="-122"/>
+              </a:rPr>
+              <a:t>减少</a:t>
+            </a:r>
+            <a:r>
+              <a:rPr lang="zh-CN" altLang="en-US" sz="1600" kern="0" dirty="0">
+                <a:latin typeface="微软雅黑" panose="020B0503020204020204" pitchFamily="34" charset="-122"/>
+                <a:ea typeface="微软雅黑" panose="020B0503020204020204" pitchFamily="34" charset="-122"/>
+              </a:rPr>
+              <a:t>旋转</a:t>
+            </a:r>
+            <a:r>
+              <a:rPr lang="zh-CN" altLang="en-US" sz="1600" kern="0" dirty="0" smtClean="0">
+                <a:latin typeface="微软雅黑" panose="020B0503020204020204" pitchFamily="34" charset="-122"/>
+                <a:ea typeface="微软雅黑" panose="020B0503020204020204" pitchFamily="34" charset="-122"/>
+              </a:rPr>
+              <a:t>索引</a:t>
+            </a:r>
+            <a:r>
+              <a:rPr lang="zh-CN" altLang="en-US" sz="1600" kern="0" dirty="0">
+                <a:latin typeface="微软雅黑" panose="020B0503020204020204" pitchFamily="34" charset="-122"/>
+                <a:ea typeface="微软雅黑" panose="020B0503020204020204" pitchFamily="34" charset="-122"/>
+              </a:rPr>
+              <a:t>占比</a:t>
+            </a:r>
+            <a:endParaRPr lang="en-US" altLang="zh-CN" sz="1600" kern="0" dirty="0">
+              <a:latin typeface="微软雅黑" panose="020B0503020204020204" pitchFamily="34" charset="-122"/>
+              <a:ea typeface="微软雅黑" panose="020B0503020204020204" pitchFamily="34" charset="-122"/>
+            </a:endParaRPr>
+          </a:p>
+          <a:p>
+            <a:pPr lvl="3">
+              <a:spcBef>
+                <a:spcPts val="300"/>
+              </a:spcBef>
+              <a:spcAft>
+                <a:spcPts val="300"/>
+              </a:spcAft>
+            </a:pPr>
+            <a:r>
+              <a:rPr lang="zh-CN" altLang="en-US" sz="1300" dirty="0" smtClean="0">
+                <a:latin typeface="微软雅黑" panose="020B0503020204020204" pitchFamily="34" charset="-122"/>
+                <a:ea typeface="微软雅黑" panose="020B0503020204020204" pitchFamily="34" charset="-122"/>
+              </a:rPr>
+              <a:t>噪声</a:t>
+            </a:r>
+            <a:r>
+              <a:rPr lang="en-US" altLang="zh-CN" sz="1300" dirty="0" smtClean="0">
+                <a:latin typeface="微软雅黑" panose="020B0503020204020204" pitchFamily="34" charset="-122"/>
+                <a:ea typeface="微软雅黑" panose="020B0503020204020204" pitchFamily="34" charset="-122"/>
+              </a:rPr>
+              <a:t>II</a:t>
+            </a:r>
+            <a:r>
+              <a:rPr lang="zh-CN" altLang="en-US" sz="1300" dirty="0" smtClean="0">
+                <a:latin typeface="微软雅黑" panose="020B0503020204020204" pitchFamily="34" charset="-122"/>
+                <a:ea typeface="微软雅黑" panose="020B0503020204020204" pitchFamily="34" charset="-122"/>
+              </a:rPr>
+              <a:t>较大时，随噪声</a:t>
+            </a:r>
+            <a:r>
+              <a:rPr lang="en-US" altLang="zh-CN" sz="1300" dirty="0" smtClean="0">
+                <a:latin typeface="微软雅黑" panose="020B0503020204020204" pitchFamily="34" charset="-122"/>
+                <a:ea typeface="微软雅黑" panose="020B0503020204020204" pitchFamily="34" charset="-122"/>
+              </a:rPr>
+              <a:t>II</a:t>
+            </a:r>
+            <a:r>
+              <a:rPr lang="zh-CN" altLang="en-US" sz="1300" dirty="0" smtClean="0">
+                <a:latin typeface="微软雅黑" panose="020B0503020204020204" pitchFamily="34" charset="-122"/>
+                <a:ea typeface="微软雅黑" panose="020B0503020204020204" pitchFamily="34" charset="-122"/>
+              </a:rPr>
+              <a:t>降低，输出杂散变小</a:t>
+            </a:r>
+            <a:endParaRPr lang="en-US" altLang="zh-CN" sz="1300" dirty="0" smtClean="0">
+              <a:latin typeface="微软雅黑" panose="020B0503020204020204" pitchFamily="34" charset="-122"/>
+              <a:ea typeface="微软雅黑" panose="020B0503020204020204" pitchFamily="34" charset="-122"/>
+            </a:endParaRPr>
+          </a:p>
+          <a:p>
+            <a:pPr lvl="3">
+              <a:spcBef>
+                <a:spcPts val="300"/>
+              </a:spcBef>
+              <a:spcAft>
+                <a:spcPts val="300"/>
+              </a:spcAft>
+            </a:pPr>
+            <a:r>
+              <a:rPr lang="zh-CN" altLang="en-US" sz="1300" dirty="0" smtClean="0">
+                <a:latin typeface="微软雅黑" panose="020B0503020204020204" pitchFamily="34" charset="-122"/>
+                <a:ea typeface="微软雅黑" panose="020B0503020204020204" pitchFamily="34" charset="-122"/>
+              </a:rPr>
+              <a:t>噪声</a:t>
+            </a:r>
+            <a:r>
+              <a:rPr lang="en-US" altLang="zh-CN" sz="1300" dirty="0" smtClean="0">
+                <a:latin typeface="微软雅黑" panose="020B0503020204020204" pitchFamily="34" charset="-122"/>
+                <a:ea typeface="微软雅黑" panose="020B0503020204020204" pitchFamily="34" charset="-122"/>
+              </a:rPr>
+              <a:t>II</a:t>
+            </a:r>
+            <a:r>
+              <a:rPr lang="zh-CN" altLang="en-US" sz="1300" dirty="0" smtClean="0">
+                <a:latin typeface="微软雅黑" panose="020B0503020204020204" pitchFamily="34" charset="-122"/>
+                <a:ea typeface="微软雅黑" panose="020B0503020204020204" pitchFamily="34" charset="-122"/>
+              </a:rPr>
+              <a:t>过小时，被噪声</a:t>
+            </a:r>
+            <a:r>
+              <a:rPr lang="en-US" altLang="zh-CN" sz="1300" dirty="0" smtClean="0">
+                <a:latin typeface="微软雅黑" panose="020B0503020204020204" pitchFamily="34" charset="-122"/>
+                <a:ea typeface="微软雅黑" panose="020B0503020204020204" pitchFamily="34" charset="-122"/>
+              </a:rPr>
+              <a:t>I</a:t>
+            </a:r>
+            <a:r>
+              <a:rPr lang="zh-CN" altLang="en-US" sz="1300" dirty="0" smtClean="0">
+                <a:latin typeface="微软雅黑" panose="020B0503020204020204" pitchFamily="34" charset="-122"/>
+                <a:ea typeface="微软雅黑" panose="020B0503020204020204" pitchFamily="34" charset="-122"/>
+              </a:rPr>
+              <a:t>掩盖，输出杂散不变</a:t>
+            </a:r>
+            <a:endParaRPr lang="en-US" altLang="zh-CN" sz="1300" dirty="0" smtClean="0">
+              <a:latin typeface="微软雅黑" panose="020B0503020204020204" pitchFamily="34" charset="-122"/>
+              <a:ea typeface="微软雅黑" panose="020B0503020204020204" pitchFamily="34" charset="-122"/>
+            </a:endParaRPr>
+          </a:p>
+          <a:p>
+            <a:pPr lvl="3">
+              <a:spcBef>
+                <a:spcPts val="300"/>
+              </a:spcBef>
+              <a:spcAft>
+                <a:spcPts val="300"/>
+              </a:spcAft>
+            </a:pPr>
+            <a:r>
+              <a:rPr lang="zh-CN" altLang="en-US" sz="1300" dirty="0">
+                <a:latin typeface="微软雅黑" panose="020B0503020204020204" pitchFamily="34" charset="-122"/>
+                <a:ea typeface="微软雅黑" panose="020B0503020204020204" pitchFamily="34" charset="-122"/>
+              </a:rPr>
+              <a:t>查找</a:t>
+            </a:r>
+            <a:r>
+              <a:rPr lang="zh-CN" altLang="en-US" sz="1300" dirty="0" smtClean="0">
+                <a:latin typeface="微软雅黑" panose="020B0503020204020204" pitchFamily="34" charset="-122"/>
+                <a:ea typeface="微软雅黑" panose="020B0503020204020204" pitchFamily="34" charset="-122"/>
+              </a:rPr>
+              <a:t>表面积持续增大，存储器访存速度减慢</a:t>
+            </a:r>
+            <a:endParaRPr lang="en-US" altLang="zh-CN" sz="1300" dirty="0" smtClean="0">
+              <a:latin typeface="微软雅黑" panose="020B0503020204020204" pitchFamily="34" charset="-122"/>
+              <a:ea typeface="微软雅黑" panose="020B0503020204020204" pitchFamily="34" charset="-122"/>
+            </a:endParaRPr>
+          </a:p>
+          <a:p>
+            <a:pPr lvl="2">
+              <a:spcBef>
+                <a:spcPts val="300"/>
+              </a:spcBef>
+              <a:spcAft>
+                <a:spcPts val="300"/>
+              </a:spcAft>
+            </a:pPr>
+            <a:r>
+              <a:rPr lang="zh-CN" altLang="en-US" sz="1600" kern="0" dirty="0" smtClean="0">
+                <a:latin typeface="微软雅黑" panose="020B0503020204020204" pitchFamily="34" charset="-122"/>
+                <a:ea typeface="微软雅黑" panose="020B0503020204020204" pitchFamily="34" charset="-122"/>
+              </a:rPr>
+              <a:t>约束条件</a:t>
+            </a:r>
+            <a:r>
+              <a:rPr lang="zh-CN" altLang="en-US" sz="1600" kern="0" dirty="0">
+                <a:latin typeface="微软雅黑" panose="020B0503020204020204" pitchFamily="34" charset="-122"/>
+                <a:ea typeface="微软雅黑" panose="020B0503020204020204" pitchFamily="34" charset="-122"/>
+              </a:rPr>
+              <a:t>：查找表索引</a:t>
+            </a:r>
+            <a:r>
+              <a:rPr lang="en-US" altLang="zh-CN" sz="1600" kern="0" dirty="0">
+                <a:latin typeface="微软雅黑" panose="020B0503020204020204" pitchFamily="34" charset="-122"/>
+                <a:ea typeface="微软雅黑" panose="020B0503020204020204" pitchFamily="34" charset="-122"/>
+              </a:rPr>
+              <a:t>+1 ≤ </a:t>
+            </a:r>
+            <a:r>
+              <a:rPr lang="zh-CN" altLang="en-US" sz="1600" kern="0" dirty="0">
+                <a:latin typeface="微软雅黑" panose="020B0503020204020204" pitchFamily="34" charset="-122"/>
+                <a:ea typeface="微软雅黑" panose="020B0503020204020204" pitchFamily="34" charset="-122"/>
+              </a:rPr>
+              <a:t>旋转</a:t>
+            </a:r>
+            <a:r>
+              <a:rPr lang="zh-CN" altLang="en-US" sz="1600" kern="0" dirty="0" smtClean="0">
+                <a:latin typeface="微软雅黑" panose="020B0503020204020204" pitchFamily="34" charset="-122"/>
+                <a:ea typeface="微软雅黑" panose="020B0503020204020204" pitchFamily="34" charset="-122"/>
+              </a:rPr>
+              <a:t>索引</a:t>
+            </a:r>
+            <a:r>
+              <a:rPr lang="zh-CN" altLang="en-US" sz="1600" kern="0" dirty="0">
+                <a:latin typeface="微软雅黑" panose="020B0503020204020204" pitchFamily="34" charset="-122"/>
+                <a:ea typeface="微软雅黑" panose="020B0503020204020204" pitchFamily="34" charset="-122"/>
+              </a:rPr>
+              <a:t>（实验</a:t>
+            </a:r>
+            <a:r>
+              <a:rPr lang="en-US" altLang="zh-CN" sz="1600" kern="0" dirty="0">
+                <a:latin typeface="微软雅黑" panose="020B0503020204020204" pitchFamily="34" charset="-122"/>
+                <a:ea typeface="微软雅黑" panose="020B0503020204020204" pitchFamily="34" charset="-122"/>
+              </a:rPr>
+              <a:t>&amp;</a:t>
+            </a:r>
+            <a:r>
+              <a:rPr lang="zh-CN" altLang="en-US" sz="1600" kern="0" dirty="0">
+                <a:latin typeface="微软雅黑" panose="020B0503020204020204" pitchFamily="34" charset="-122"/>
+                <a:ea typeface="微软雅黑" panose="020B0503020204020204" pitchFamily="34" charset="-122"/>
+              </a:rPr>
+              <a:t>计算得到）</a:t>
+            </a:r>
+            <a:endParaRPr lang="en-US" altLang="zh-CN" sz="1600" kern="0" dirty="0">
+              <a:latin typeface="微软雅黑" panose="020B0503020204020204" pitchFamily="34" charset="-122"/>
+              <a:ea typeface="微软雅黑" panose="020B0503020204020204" pitchFamily="34" charset="-122"/>
+            </a:endParaRPr>
+          </a:p>
+          <a:p>
+            <a:pPr lvl="3">
+              <a:spcBef>
+                <a:spcPts val="300"/>
+              </a:spcBef>
+              <a:spcAft>
+                <a:spcPts val="300"/>
+              </a:spcAft>
+            </a:pPr>
+            <a:r>
+              <a:rPr lang="zh-CN" altLang="en-US" sz="1200" kern="0" dirty="0" smtClean="0">
+                <a:latin typeface="微软雅黑" panose="020B0503020204020204" pitchFamily="34" charset="-122"/>
+                <a:ea typeface="微软雅黑" panose="020B0503020204020204" pitchFamily="34" charset="-122"/>
+              </a:rPr>
+              <a:t>此约束外，噪声</a:t>
+            </a:r>
+            <a:r>
+              <a:rPr lang="en-US" altLang="zh-CN" sz="1200" kern="0" dirty="0" smtClean="0">
+                <a:latin typeface="微软雅黑" panose="020B0503020204020204" pitchFamily="34" charset="-122"/>
+                <a:ea typeface="微软雅黑" panose="020B0503020204020204" pitchFamily="34" charset="-122"/>
+              </a:rPr>
+              <a:t>II</a:t>
+            </a:r>
+            <a:r>
+              <a:rPr lang="zh-CN" altLang="en-US" sz="1200" kern="0" dirty="0" smtClean="0">
+                <a:latin typeface="微软雅黑" panose="020B0503020204020204" pitchFamily="34" charset="-122"/>
+                <a:ea typeface="微软雅黑" panose="020B0503020204020204" pitchFamily="34" charset="-122"/>
+              </a:rPr>
+              <a:t>被噪声</a:t>
+            </a:r>
+            <a:r>
+              <a:rPr lang="en-US" altLang="zh-CN" sz="1200" kern="0" dirty="0" smtClean="0">
+                <a:latin typeface="微软雅黑" panose="020B0503020204020204" pitchFamily="34" charset="-122"/>
+                <a:ea typeface="微软雅黑" panose="020B0503020204020204" pitchFamily="34" charset="-122"/>
+              </a:rPr>
+              <a:t>I</a:t>
+            </a:r>
+            <a:r>
+              <a:rPr lang="zh-CN" altLang="en-US" sz="1200" kern="0" dirty="0" smtClean="0">
+                <a:latin typeface="微软雅黑" panose="020B0503020204020204" pitchFamily="34" charset="-122"/>
+                <a:ea typeface="微软雅黑" panose="020B0503020204020204" pitchFamily="34" charset="-122"/>
+              </a:rPr>
+              <a:t>掩盖；约束条件内，通过增加噪声可换取速度提升</a:t>
+            </a:r>
+            <a:endParaRPr lang="en-US" altLang="zh-CN" sz="1300" kern="0" dirty="0">
+              <a:latin typeface="微软雅黑" panose="020B0503020204020204" pitchFamily="34" charset="-122"/>
+              <a:ea typeface="微软雅黑" panose="020B0503020204020204" pitchFamily="34" charset="-122"/>
+            </a:endParaRPr>
+          </a:p>
+        </p:txBody>
+      </p:sp>
+      <mc:AlternateContent xmlns:mc="http://schemas.openxmlformats.org/markup-compatibility/2006" xmlns:a14="http://schemas.microsoft.com/office/drawing/2010/main">
+        <mc:Choice Requires="a14">
+          <p:sp>
+            <p:nvSpPr>
+              <p:cNvPr id="34" name="内容占位符 2"/>
+              <p:cNvSpPr txBox="1">
+                <a:spLocks/>
+              </p:cNvSpPr>
+              <p:nvPr/>
+            </p:nvSpPr>
+            <p:spPr bwMode="auto">
+              <a:xfrm>
+                <a:off x="327111" y="3426182"/>
+                <a:ext cx="8021060" cy="829553"/>
+              </a:xfrm>
+              <a:prstGeom prst="rect">
+                <a:avLst/>
+              </a:prstGeom>
+              <a:noFill/>
+              <a:ln w="9525">
+                <a:noFill/>
+                <a:miter lim="800000"/>
+                <a:headEnd/>
+                <a:tailEnd/>
+              </a:ln>
+              <a:effectLst/>
+            </p:spPr>
+            <p:txBody>
+              <a:bodyPr vert="horz" wrap="square" lIns="91440" tIns="45720" rIns="91440" bIns="45720" numCol="1" anchor="t" anchorCtr="0" compatLnSpc="1">
+                <a:prstTxWarp prst="textNoShape">
+                  <a:avLst/>
+                </a:prstTxWarp>
+              </a:bodyPr>
+              <a:lstStyle>
+                <a:lvl1pPr marL="257175" indent="-257175" algn="l" rtl="0" fontAlgn="base">
+                  <a:spcBef>
+                    <a:spcPct val="20000"/>
+                  </a:spcBef>
+                  <a:spcAft>
+                    <a:spcPct val="0"/>
+                  </a:spcAft>
+                  <a:buChar char="•"/>
+                  <a:defRPr sz="2400">
+                    <a:solidFill>
+                      <a:schemeClr val="tx1"/>
+                    </a:solidFill>
+                    <a:latin typeface="Arial Unicode MS" pitchFamily="34" charset="-122"/>
+                    <a:ea typeface="Arial Unicode MS" pitchFamily="34" charset="-122"/>
+                    <a:cs typeface="Arial Unicode MS" pitchFamily="34" charset="-122"/>
+                  </a:defRPr>
+                </a:lvl1pPr>
+                <a:lvl2pPr marL="557213" indent="-214313" algn="l" rtl="0" fontAlgn="base">
+                  <a:spcBef>
+                    <a:spcPct val="20000"/>
+                  </a:spcBef>
+                  <a:spcAft>
+                    <a:spcPct val="0"/>
+                  </a:spcAft>
+                  <a:buChar char="–"/>
+                  <a:defRPr sz="2100">
+                    <a:solidFill>
+                      <a:schemeClr val="tx1"/>
+                    </a:solidFill>
+                    <a:latin typeface="Arial Unicode MS" pitchFamily="34" charset="-122"/>
+                    <a:ea typeface="Arial Unicode MS" pitchFamily="34" charset="-122"/>
+                    <a:cs typeface="Arial Unicode MS" pitchFamily="34" charset="-122"/>
+                  </a:defRPr>
+                </a:lvl2pPr>
+                <a:lvl3pPr marL="857250" indent="-171450" algn="l" rtl="0" fontAlgn="base">
+                  <a:spcBef>
+                    <a:spcPct val="20000"/>
+                  </a:spcBef>
+                  <a:spcAft>
+                    <a:spcPct val="0"/>
+                  </a:spcAft>
+                  <a:buChar char="•"/>
+                  <a:defRPr sz="1800">
+                    <a:solidFill>
+                      <a:schemeClr val="tx1"/>
+                    </a:solidFill>
+                    <a:latin typeface="Arial Unicode MS" pitchFamily="34" charset="-122"/>
+                    <a:ea typeface="Arial Unicode MS" pitchFamily="34" charset="-122"/>
+                    <a:cs typeface="Arial Unicode MS" pitchFamily="34" charset="-122"/>
+                  </a:defRPr>
+                </a:lvl3pPr>
+                <a:lvl4pPr marL="1200150" indent="-171450" algn="l" rtl="0" fontAlgn="base">
+                  <a:spcBef>
+                    <a:spcPct val="20000"/>
+                  </a:spcBef>
+                  <a:spcAft>
+                    <a:spcPct val="0"/>
+                  </a:spcAft>
+                  <a:buChar char="–"/>
+                  <a:defRPr sz="1500">
+                    <a:solidFill>
+                      <a:schemeClr val="tx1"/>
+                    </a:solidFill>
+                    <a:latin typeface="Arial Unicode MS" pitchFamily="34" charset="-122"/>
+                    <a:ea typeface="Arial Unicode MS" pitchFamily="34" charset="-122"/>
+                    <a:cs typeface="Arial Unicode MS" pitchFamily="34" charset="-122"/>
+                  </a:defRPr>
+                </a:lvl4pPr>
+                <a:lvl5pPr marL="1543050" indent="-171450" algn="l" rtl="0" fontAlgn="base">
+                  <a:spcBef>
+                    <a:spcPct val="20000"/>
+                  </a:spcBef>
+                  <a:spcAft>
+                    <a:spcPct val="0"/>
+                  </a:spcAft>
+                  <a:buChar char="»"/>
+                  <a:defRPr sz="1500">
+                    <a:solidFill>
+                      <a:schemeClr val="tx1"/>
+                    </a:solidFill>
+                    <a:latin typeface="Arial Unicode MS" pitchFamily="34" charset="-122"/>
+                    <a:ea typeface="Arial Unicode MS" pitchFamily="34" charset="-122"/>
+                    <a:cs typeface="Arial Unicode MS" pitchFamily="34" charset="-122"/>
+                  </a:defRPr>
+                </a:lvl5pPr>
+                <a:lvl6pPr marL="1885950" indent="-171450" algn="l" rtl="0" fontAlgn="base">
+                  <a:spcBef>
+                    <a:spcPct val="20000"/>
+                  </a:spcBef>
+                  <a:spcAft>
+                    <a:spcPct val="0"/>
+                  </a:spcAft>
+                  <a:buChar char="»"/>
+                  <a:defRPr sz="1500">
+                    <a:solidFill>
+                      <a:schemeClr val="tx1"/>
+                    </a:solidFill>
+                    <a:latin typeface="+mn-lt"/>
+                    <a:ea typeface="+mn-ea"/>
+                  </a:defRPr>
+                </a:lvl6pPr>
+                <a:lvl7pPr marL="2228850" indent="-171450" algn="l" rtl="0" fontAlgn="base">
+                  <a:spcBef>
+                    <a:spcPct val="20000"/>
+                  </a:spcBef>
+                  <a:spcAft>
+                    <a:spcPct val="0"/>
+                  </a:spcAft>
+                  <a:buChar char="»"/>
+                  <a:defRPr sz="1500">
+                    <a:solidFill>
+                      <a:schemeClr val="tx1"/>
+                    </a:solidFill>
+                    <a:latin typeface="+mn-lt"/>
+                    <a:ea typeface="+mn-ea"/>
+                  </a:defRPr>
+                </a:lvl7pPr>
+                <a:lvl8pPr marL="2571750" indent="-171450" algn="l" rtl="0" fontAlgn="base">
+                  <a:spcBef>
+                    <a:spcPct val="20000"/>
+                  </a:spcBef>
+                  <a:spcAft>
+                    <a:spcPct val="0"/>
+                  </a:spcAft>
+                  <a:buChar char="»"/>
+                  <a:defRPr sz="1500">
+                    <a:solidFill>
+                      <a:schemeClr val="tx1"/>
+                    </a:solidFill>
+                    <a:latin typeface="+mn-lt"/>
+                    <a:ea typeface="+mn-ea"/>
+                  </a:defRPr>
+                </a:lvl8pPr>
+                <a:lvl9pPr marL="2914650" indent="-171450" algn="l" rtl="0" fontAlgn="base">
+                  <a:spcBef>
+                    <a:spcPct val="20000"/>
+                  </a:spcBef>
+                  <a:spcAft>
+                    <a:spcPct val="0"/>
+                  </a:spcAft>
+                  <a:buChar char="»"/>
+                  <a:defRPr sz="1500">
+                    <a:solidFill>
+                      <a:schemeClr val="tx1"/>
+                    </a:solidFill>
+                    <a:latin typeface="+mn-lt"/>
+                    <a:ea typeface="+mn-ea"/>
+                  </a:defRPr>
+                </a:lvl9pPr>
+              </a:lstStyle>
+              <a:p>
+                <a:pPr lvl="1">
+                  <a:spcBef>
+                    <a:spcPts val="600"/>
+                  </a:spcBef>
+                  <a:spcAft>
+                    <a:spcPts val="600"/>
+                  </a:spcAft>
+                </a:pPr>
+                <a:r>
+                  <a:rPr lang="zh-CN" altLang="en-US" sz="2200" kern="0" dirty="0" smtClean="0">
+                    <a:latin typeface="微软雅黑" panose="020B0503020204020204" pitchFamily="34" charset="-122"/>
+                    <a:ea typeface="微软雅黑" panose="020B0503020204020204" pitchFamily="34" charset="-122"/>
+                  </a:rPr>
+                  <a:t>噪声</a:t>
+                </a:r>
+                <a:r>
+                  <a:rPr lang="en-US" altLang="zh-CN" sz="2200" kern="0" dirty="0" smtClean="0">
+                    <a:latin typeface="微软雅黑" panose="020B0503020204020204" pitchFamily="34" charset="-122"/>
+                    <a:ea typeface="微软雅黑" panose="020B0503020204020204" pitchFamily="34" charset="-122"/>
+                  </a:rPr>
+                  <a:t>II</a:t>
+                </a:r>
+                <a:r>
+                  <a:rPr lang="zh-CN" altLang="en-US" sz="2200" kern="0" dirty="0" smtClean="0">
+                    <a:latin typeface="微软雅黑" panose="020B0503020204020204" pitchFamily="34" charset="-122"/>
+                    <a:ea typeface="微软雅黑" panose="020B0503020204020204" pitchFamily="34" charset="-122"/>
+                  </a:rPr>
+                  <a:t>：</a:t>
+                </a:r>
+                <a:r>
+                  <a:rPr lang="zh-CN" altLang="en-US" sz="2200" kern="0" dirty="0" smtClean="0">
+                    <a:latin typeface="微软雅黑" panose="020B0503020204020204" pitchFamily="34" charset="-122"/>
+                    <a:ea typeface="微软雅黑" panose="020B0503020204020204" pitchFamily="34" charset="-122"/>
+                    <a:cs typeface="+mn-cs"/>
+                  </a:rPr>
+                  <a:t>算法近似</a:t>
+                </a:r>
+                <a:endParaRPr lang="en-US" altLang="zh-CN" sz="2200" kern="0" dirty="0" smtClean="0">
+                  <a:latin typeface="微软雅黑" panose="020B0503020204020204" pitchFamily="34" charset="-122"/>
+                  <a:ea typeface="微软雅黑" panose="020B0503020204020204" pitchFamily="34" charset="-122"/>
+                  <a:cs typeface="+mn-cs"/>
+                </a:endParaRPr>
+              </a:p>
+              <a:p>
+                <a:pPr lvl="2">
+                  <a:spcBef>
+                    <a:spcPts val="300"/>
+                  </a:spcBef>
+                  <a:spcAft>
+                    <a:spcPts val="300"/>
+                  </a:spcAft>
+                </a:pPr>
+                <a:r>
+                  <a:rPr lang="zh-CN" altLang="en-US" sz="1600" kern="0" dirty="0" smtClean="0">
+                    <a:latin typeface="微软雅黑" panose="020B0503020204020204" pitchFamily="34" charset="-122"/>
+                    <a:ea typeface="微软雅黑" panose="020B0503020204020204" pitchFamily="34" charset="-122"/>
+                  </a:rPr>
+                  <a:t>使用近似条件：</a:t>
+                </a:r>
+                <a14:m>
+                  <m:oMath xmlns:m="http://schemas.openxmlformats.org/officeDocument/2006/math">
+                    <m:func>
+                      <m:funcPr>
+                        <m:ctrlPr>
+                          <a:rPr lang="zh-CN" altLang="zh-CN" sz="1600" i="1">
+                            <a:latin typeface="Cambria Math" panose="02040503050406030204" pitchFamily="18" charset="0"/>
+                          </a:rPr>
+                        </m:ctrlPr>
+                      </m:funcPr>
+                      <m:fName>
+                        <m:r>
+                          <m:rPr>
+                            <m:nor/>
+                          </m:rPr>
+                          <a:rPr lang="en-US" altLang="zh-CN" sz="1600"/>
+                          <m:t>cos</m:t>
+                        </m:r>
+                      </m:fName>
+                      <m:e>
+                        <m:d>
+                          <m:dPr>
+                            <m:ctrlPr>
+                              <a:rPr lang="zh-CN" altLang="zh-CN" sz="1600" i="1">
+                                <a:latin typeface="Cambria Math" panose="02040503050406030204" pitchFamily="18" charset="0"/>
+                              </a:rPr>
+                            </m:ctrlPr>
+                          </m:dPr>
+                          <m:e>
+                            <m:sSub>
+                              <m:sSubPr>
+                                <m:ctrlPr>
+                                  <a:rPr lang="en-US" altLang="zh-CN" sz="1600" i="1">
+                                    <a:latin typeface="Cambria Math" panose="02040503050406030204" pitchFamily="18" charset="0"/>
+                                  </a:rPr>
+                                </m:ctrlPr>
+                              </m:sSubPr>
+                              <m:e>
+                                <m:f>
+                                  <m:fPr>
+                                    <m:ctrlPr>
+                                      <a:rPr lang="en-US" altLang="zh-CN" sz="1600" b="0" i="1" smtClean="0">
+                                        <a:latin typeface="Cambria Math" panose="02040503050406030204" pitchFamily="18" charset="0"/>
+                                      </a:rPr>
+                                    </m:ctrlPr>
+                                  </m:fPr>
+                                  <m:num>
+                                    <m:r>
+                                      <m:rPr>
+                                        <m:sty m:val="p"/>
+                                      </m:rPr>
+                                      <a:rPr lang="en-US" altLang="zh-CN" sz="1600">
+                                        <a:latin typeface="Cambria Math" panose="02040503050406030204" pitchFamily="18" charset="0"/>
+                                        <a:ea typeface="Cambria Math" panose="02040503050406030204" pitchFamily="18" charset="0"/>
+                                      </a:rPr>
+                                      <m:t>π</m:t>
+                                    </m:r>
+                                  </m:num>
+                                  <m:den>
+                                    <m:r>
+                                      <a:rPr lang="en-US" altLang="zh-CN" sz="1600" b="0" i="0" smtClean="0">
+                                        <a:latin typeface="Cambria Math" panose="02040503050406030204" pitchFamily="18" charset="0"/>
+                                      </a:rPr>
+                                      <m:t>4</m:t>
+                                    </m:r>
+                                  </m:den>
+                                </m:f>
+                                <m:r>
+                                  <m:rPr>
+                                    <m:sty m:val="p"/>
+                                  </m:rPr>
+                                  <a:rPr lang="zh-CN" altLang="en-US" sz="1600">
+                                    <a:latin typeface="Cambria Math" panose="02040503050406030204" pitchFamily="18" charset="0"/>
+                                  </a:rPr>
+                                  <m:t>θ</m:t>
+                                </m:r>
+                              </m:e>
+                              <m:sub>
+                                <m:r>
+                                  <m:rPr>
+                                    <m:sty m:val="p"/>
+                                  </m:rPr>
+                                  <a:rPr lang="en-US" altLang="zh-CN" sz="1600">
+                                    <a:latin typeface="Cambria Math" panose="02040503050406030204" pitchFamily="18" charset="0"/>
+                                  </a:rPr>
+                                  <m:t>R</m:t>
+                                </m:r>
+                              </m:sub>
+                            </m:sSub>
+                          </m:e>
+                        </m:d>
+                        <m:sSub>
+                          <m:sSubPr>
+                            <m:ctrlPr>
+                              <a:rPr lang="en-US" altLang="zh-CN" sz="1600" i="1" smtClean="0">
+                                <a:latin typeface="Cambria Math" panose="02040503050406030204" pitchFamily="18" charset="0"/>
+                              </a:rPr>
+                            </m:ctrlPr>
+                          </m:sSubPr>
+                          <m:e>
+                            <m:r>
+                              <a:rPr lang="en-US" altLang="zh-CN" sz="1600" b="0" i="1" smtClean="0">
+                                <a:latin typeface="Cambria Math" panose="02040503050406030204" pitchFamily="18" charset="0"/>
+                              </a:rPr>
+                              <m:t>|</m:t>
+                            </m:r>
+                          </m:e>
+                          <m:sub>
+                            <m:sSub>
+                              <m:sSubPr>
+                                <m:ctrlPr>
+                                  <a:rPr lang="en-US" altLang="zh-CN" sz="1600" i="1">
+                                    <a:latin typeface="Cambria Math" panose="02040503050406030204" pitchFamily="18" charset="0"/>
+                                  </a:rPr>
+                                </m:ctrlPr>
+                              </m:sSubPr>
+                              <m:e>
+                                <m:r>
+                                  <m:rPr>
+                                    <m:sty m:val="p"/>
+                                  </m:rPr>
+                                  <a:rPr lang="zh-CN" altLang="en-US" sz="1600">
+                                    <a:latin typeface="Cambria Math" panose="02040503050406030204" pitchFamily="18" charset="0"/>
+                                  </a:rPr>
+                                  <m:t>θ</m:t>
+                                </m:r>
+                              </m:e>
+                              <m:sub>
+                                <m:r>
+                                  <m:rPr>
+                                    <m:sty m:val="p"/>
+                                  </m:rPr>
+                                  <a:rPr lang="en-US" altLang="zh-CN" sz="1600">
+                                    <a:latin typeface="Cambria Math" panose="02040503050406030204" pitchFamily="18" charset="0"/>
+                                  </a:rPr>
+                                  <m:t>R</m:t>
+                                </m:r>
+                              </m:sub>
+                            </m:sSub>
+                            <m:r>
+                              <a:rPr lang="en-US" altLang="zh-CN" sz="1600" b="0" i="1" smtClean="0">
+                                <a:latin typeface="Cambria Math" panose="02040503050406030204" pitchFamily="18" charset="0"/>
+                              </a:rPr>
+                              <m:t>≪1</m:t>
+                            </m:r>
+                          </m:sub>
+                        </m:sSub>
+                      </m:e>
+                    </m:func>
+                    <m:r>
+                      <a:rPr lang="en-US" altLang="zh-CN" sz="1600" b="0" i="1" smtClean="0">
+                        <a:latin typeface="Cambria Math" panose="02040503050406030204" pitchFamily="18" charset="0"/>
+                      </a:rPr>
+                      <m:t>=</m:t>
+                    </m:r>
+                    <m:r>
+                      <m:rPr>
+                        <m:sty m:val="p"/>
+                      </m:rPr>
+                      <a:rPr lang="en-US" altLang="zh-CN" sz="1600">
+                        <a:latin typeface="Cambria Math" panose="02040503050406030204" pitchFamily="18" charset="0"/>
+                        <a:ea typeface="Cambria Math" panose="02040503050406030204" pitchFamily="18" charset="0"/>
+                      </a:rPr>
+                      <m:t>T</m:t>
+                    </m:r>
+                    <m:r>
+                      <a:rPr lang="en-US" altLang="zh-CN" sz="1600">
+                        <a:latin typeface="Cambria Math" panose="02040503050406030204" pitchFamily="18" charset="0"/>
+                        <a:ea typeface="Cambria Math" panose="02040503050406030204" pitchFamily="18" charset="0"/>
+                      </a:rPr>
+                      <m:t>(常数)</m:t>
+                    </m:r>
+                  </m:oMath>
+                </a14:m>
+                <a:endParaRPr lang="en-US" altLang="zh-CN" sz="1600" kern="0" dirty="0">
+                  <a:latin typeface="微软雅黑" panose="020B0503020204020204" pitchFamily="34" charset="-122"/>
+                  <a:ea typeface="微软雅黑" panose="020B0503020204020204" pitchFamily="34" charset="-122"/>
+                </a:endParaRPr>
+              </a:p>
+            </p:txBody>
+          </p:sp>
+        </mc:Choice>
+        <mc:Fallback xmlns="">
+          <p:sp>
+            <p:nvSpPr>
+              <p:cNvPr id="34" name="内容占位符 2"/>
+              <p:cNvSpPr txBox="1">
+                <a:spLocks noRot="1" noChangeAspect="1" noMove="1" noResize="1" noEditPoints="1" noAdjustHandles="1" noChangeArrowheads="1" noChangeShapeType="1" noTextEdit="1"/>
+              </p:cNvSpPr>
+              <p:nvPr/>
+            </p:nvSpPr>
+            <p:spPr bwMode="auto">
+              <a:xfrm>
+                <a:off x="327111" y="3426182"/>
+                <a:ext cx="8021060" cy="829553"/>
+              </a:xfrm>
+              <a:prstGeom prst="rect">
+                <a:avLst/>
+              </a:prstGeom>
+              <a:blipFill rotWithShape="0">
+                <a:blip r:embed="rId5"/>
+                <a:stretch>
+                  <a:fillRect t="-9559" b="-13971"/>
+                </a:stretch>
+              </a:blipFill>
+              <a:ln w="9525">
+                <a:noFill/>
+                <a:miter lim="800000"/>
+                <a:headEnd/>
+                <a:tailEnd/>
+              </a:ln>
+              <a:effectLst/>
+            </p:spPr>
+            <p:txBody>
+              <a:bodyPr/>
+              <a:lstStyle/>
+              <a:p>
+                <a:r>
+                  <a:rPr lang="zh-CN" altLang="en-US">
+                    <a:noFill/>
+                  </a:rPr>
+                  <a:t> </a:t>
+                </a:r>
+              </a:p>
+            </p:txBody>
+          </p:sp>
+        </mc:Fallback>
+      </mc:AlternateContent>
+      <p:grpSp>
+        <p:nvGrpSpPr>
+          <p:cNvPr id="35" name="组合 34"/>
+          <p:cNvGrpSpPr/>
+          <p:nvPr/>
+        </p:nvGrpSpPr>
+        <p:grpSpPr>
+          <a:xfrm>
+            <a:off x="2041307" y="3062311"/>
+            <a:ext cx="5617425" cy="459500"/>
+            <a:chOff x="745438" y="5437288"/>
+            <a:chExt cx="6164414" cy="555527"/>
+          </a:xfrm>
+        </p:grpSpPr>
+        <p:sp>
+          <p:nvSpPr>
+            <p:cNvPr id="36" name="左大括号 35"/>
+            <p:cNvSpPr/>
+            <p:nvPr/>
+          </p:nvSpPr>
+          <p:spPr>
+            <a:xfrm rot="16200000">
+              <a:off x="1400555" y="4952108"/>
+              <a:ext cx="135376" cy="1105735"/>
+            </a:xfrm>
+            <a:prstGeom prst="leftBrace">
+              <a:avLst>
+                <a:gd name="adj1" fmla="val 30437"/>
+                <a:gd name="adj2" fmla="val 50000"/>
+              </a:avLst>
+            </a:prstGeom>
+            <a:ln w="12700">
+              <a:solidFill>
+                <a:schemeClr val="tx1"/>
+              </a:solidFill>
+            </a:ln>
+          </p:spPr>
+          <p:style>
+            <a:lnRef idx="1">
+              <a:schemeClr val="accent1"/>
+            </a:lnRef>
+            <a:fillRef idx="0">
+              <a:schemeClr val="accent1"/>
+            </a:fillRef>
+            <a:effectRef idx="0">
+              <a:schemeClr val="accent1"/>
+            </a:effectRef>
+            <a:fontRef idx="minor">
+              <a:schemeClr val="tx1"/>
+            </a:fontRef>
+          </p:style>
+          <p:txBody>
+            <a:bodyPr rtlCol="0" anchor="ctr"/>
+            <a:lstStyle/>
+            <a:p>
+              <a:pPr algn="ctr"/>
+              <a:endParaRPr lang="zh-CN" altLang="en-US"/>
+            </a:p>
+          </p:txBody>
+        </p:sp>
+        <p:sp>
+          <p:nvSpPr>
+            <p:cNvPr id="39" name="左大括号 38"/>
+            <p:cNvSpPr/>
+            <p:nvPr/>
+          </p:nvSpPr>
+          <p:spPr>
+            <a:xfrm rot="16200000">
+              <a:off x="3076698" y="4414322"/>
+              <a:ext cx="163986" cy="2209920"/>
+            </a:xfrm>
+            <a:prstGeom prst="leftBrace">
+              <a:avLst>
+                <a:gd name="adj1" fmla="val 30437"/>
+                <a:gd name="adj2" fmla="val 50000"/>
+              </a:avLst>
+            </a:prstGeom>
+            <a:ln w="12700">
+              <a:solidFill>
+                <a:schemeClr val="tx1"/>
+              </a:solidFill>
+            </a:ln>
+          </p:spPr>
+          <p:style>
+            <a:lnRef idx="1">
+              <a:schemeClr val="accent1"/>
+            </a:lnRef>
+            <a:fillRef idx="0">
+              <a:schemeClr val="accent1"/>
+            </a:fillRef>
+            <a:effectRef idx="0">
+              <a:schemeClr val="accent1"/>
+            </a:effectRef>
+            <a:fontRef idx="minor">
+              <a:schemeClr val="tx1"/>
+            </a:fontRef>
+          </p:style>
+          <p:txBody>
+            <a:bodyPr rtlCol="0" anchor="ctr"/>
+            <a:lstStyle/>
+            <a:p>
+              <a:pPr algn="ctr"/>
+              <a:endParaRPr lang="zh-CN" altLang="en-US"/>
+            </a:p>
+          </p:txBody>
+        </p:sp>
+        <p:sp>
+          <p:nvSpPr>
+            <p:cNvPr id="41" name="左大括号 40"/>
+            <p:cNvSpPr/>
+            <p:nvPr/>
+          </p:nvSpPr>
+          <p:spPr>
+            <a:xfrm rot="16200000">
+              <a:off x="5521069" y="4212490"/>
+              <a:ext cx="163984" cy="2613583"/>
+            </a:xfrm>
+            <a:prstGeom prst="leftBrace">
+              <a:avLst>
+                <a:gd name="adj1" fmla="val 30437"/>
+                <a:gd name="adj2" fmla="val 50000"/>
+              </a:avLst>
+            </a:prstGeom>
+            <a:ln w="12700">
+              <a:solidFill>
+                <a:schemeClr val="tx1"/>
+              </a:solidFill>
+            </a:ln>
+          </p:spPr>
+          <p:style>
+            <a:lnRef idx="1">
+              <a:schemeClr val="accent1"/>
+            </a:lnRef>
+            <a:fillRef idx="0">
+              <a:schemeClr val="accent1"/>
+            </a:fillRef>
+            <a:effectRef idx="0">
+              <a:schemeClr val="accent1"/>
+            </a:effectRef>
+            <a:fontRef idx="minor">
+              <a:schemeClr val="tx1"/>
+            </a:fontRef>
+          </p:style>
+          <p:txBody>
+            <a:bodyPr rtlCol="0" anchor="ctr"/>
+            <a:lstStyle/>
+            <a:p>
+              <a:pPr algn="ctr"/>
+              <a:endParaRPr lang="zh-CN" altLang="en-US"/>
+            </a:p>
+          </p:txBody>
+        </p:sp>
+        <p:sp>
+          <p:nvSpPr>
+            <p:cNvPr id="44" name="文本框 43"/>
+            <p:cNvSpPr txBox="1"/>
+            <p:nvPr/>
+          </p:nvSpPr>
+          <p:spPr>
+            <a:xfrm>
+              <a:off x="745438" y="5542311"/>
+              <a:ext cx="1458611" cy="450504"/>
+            </a:xfrm>
+            <a:prstGeom prst="rect">
+              <a:avLst/>
+            </a:prstGeom>
+            <a:noFill/>
+          </p:spPr>
+          <p:txBody>
+            <a:bodyPr wrap="square" rtlCol="0">
+              <a:spAutoFit/>
+            </a:bodyPr>
+            <a:lstStyle/>
+            <a:p>
+              <a:pPr algn="ctr"/>
+              <a:r>
+                <a:rPr lang="zh-CN" altLang="en-US" sz="1200" dirty="0"/>
+                <a:t>象限索引</a:t>
+              </a:r>
+            </a:p>
+          </p:txBody>
+        </p:sp>
+        <p:sp>
+          <p:nvSpPr>
+            <p:cNvPr id="45" name="文本框 44"/>
+            <p:cNvSpPr txBox="1"/>
+            <p:nvPr/>
+          </p:nvSpPr>
+          <p:spPr>
+            <a:xfrm>
+              <a:off x="2030747" y="5542315"/>
+              <a:ext cx="2255886" cy="334887"/>
+            </a:xfrm>
+            <a:prstGeom prst="rect">
+              <a:avLst/>
+            </a:prstGeom>
+            <a:noFill/>
+          </p:spPr>
+          <p:txBody>
+            <a:bodyPr wrap="square" rtlCol="0">
+              <a:spAutoFit/>
+            </a:bodyPr>
+            <a:lstStyle/>
+            <a:p>
+              <a:pPr algn="ctr"/>
+              <a:r>
+                <a:rPr lang="zh-CN" altLang="en-US" sz="1200" dirty="0"/>
+                <a:t>查找表索引</a:t>
+              </a:r>
+            </a:p>
+          </p:txBody>
+        </p:sp>
+        <p:sp>
+          <p:nvSpPr>
+            <p:cNvPr id="47" name="文本框 46"/>
+            <p:cNvSpPr txBox="1"/>
+            <p:nvPr/>
+          </p:nvSpPr>
+          <p:spPr>
+            <a:xfrm>
+              <a:off x="4296269" y="5544965"/>
+              <a:ext cx="2613581" cy="276999"/>
+            </a:xfrm>
+            <a:prstGeom prst="rect">
+              <a:avLst/>
+            </a:prstGeom>
+            <a:noFill/>
+          </p:spPr>
+          <p:txBody>
+            <a:bodyPr wrap="square" rtlCol="0">
+              <a:spAutoFit/>
+            </a:bodyPr>
+            <a:lstStyle/>
+            <a:p>
+              <a:pPr algn="ctr"/>
+              <a:r>
+                <a:rPr lang="zh-CN" altLang="en-US" sz="1200" dirty="0"/>
+                <a:t>旋转索引</a:t>
+              </a:r>
+            </a:p>
+          </p:txBody>
+        </p:sp>
+      </p:grpSp>
+      <p:graphicFrame>
+        <p:nvGraphicFramePr>
+          <p:cNvPr id="48" name="表格 47"/>
+          <p:cNvGraphicFramePr>
+            <a:graphicFrameLocks noGrp="1"/>
+          </p:cNvGraphicFramePr>
+          <p:nvPr>
+            <p:extLst>
+              <p:ext uri="{D42A27DB-BD31-4B8C-83A1-F6EECF244321}">
+                <p14:modId xmlns:p14="http://schemas.microsoft.com/office/powerpoint/2010/main" val="3435580667"/>
+              </p:ext>
+            </p:extLst>
+          </p:nvPr>
+        </p:nvGraphicFramePr>
+        <p:xfrm>
+          <a:off x="2156413" y="2686360"/>
+          <a:ext cx="5462576" cy="348304"/>
+        </p:xfrm>
+        <a:graphic>
+          <a:graphicData uri="http://schemas.openxmlformats.org/drawingml/2006/table">
+            <a:tbl>
+              <a:tblPr firstRow="1" bandRow="1">
+                <a:tableStyleId>{5C22544A-7EE6-4342-B048-85BDC9FD1C3A}</a:tableStyleId>
+              </a:tblPr>
+              <a:tblGrid>
+                <a:gridCol w="341411">
+                  <a:extLst>
+                    <a:ext uri="{9D8B030D-6E8A-4147-A177-3AD203B41FA5}">
+                      <a16:colId xmlns="" xmlns:a16="http://schemas.microsoft.com/office/drawing/2014/main" val="20000"/>
+                    </a:ext>
+                  </a:extLst>
+                </a:gridCol>
+                <a:gridCol w="341411">
+                  <a:extLst>
+                    <a:ext uri="{9D8B030D-6E8A-4147-A177-3AD203B41FA5}">
+                      <a16:colId xmlns="" xmlns:a16="http://schemas.microsoft.com/office/drawing/2014/main" val="20001"/>
+                    </a:ext>
+                  </a:extLst>
+                </a:gridCol>
+                <a:gridCol w="341411">
+                  <a:extLst>
+                    <a:ext uri="{9D8B030D-6E8A-4147-A177-3AD203B41FA5}">
+                      <a16:colId xmlns="" xmlns:a16="http://schemas.microsoft.com/office/drawing/2014/main" val="20002"/>
+                    </a:ext>
+                  </a:extLst>
+                </a:gridCol>
+                <a:gridCol w="341411">
+                  <a:extLst>
+                    <a:ext uri="{9D8B030D-6E8A-4147-A177-3AD203B41FA5}">
+                      <a16:colId xmlns="" xmlns:a16="http://schemas.microsoft.com/office/drawing/2014/main" val="20003"/>
+                    </a:ext>
+                  </a:extLst>
+                </a:gridCol>
+                <a:gridCol w="341411">
+                  <a:extLst>
+                    <a:ext uri="{9D8B030D-6E8A-4147-A177-3AD203B41FA5}">
+                      <a16:colId xmlns="" xmlns:a16="http://schemas.microsoft.com/office/drawing/2014/main" val="20004"/>
+                    </a:ext>
+                  </a:extLst>
+                </a:gridCol>
+                <a:gridCol w="341411">
+                  <a:extLst>
+                    <a:ext uri="{9D8B030D-6E8A-4147-A177-3AD203B41FA5}">
+                      <a16:colId xmlns="" xmlns:a16="http://schemas.microsoft.com/office/drawing/2014/main" val="20005"/>
+                    </a:ext>
+                  </a:extLst>
+                </a:gridCol>
+                <a:gridCol w="341411">
+                  <a:extLst>
+                    <a:ext uri="{9D8B030D-6E8A-4147-A177-3AD203B41FA5}">
+                      <a16:colId xmlns="" xmlns:a16="http://schemas.microsoft.com/office/drawing/2014/main" val="20006"/>
+                    </a:ext>
+                  </a:extLst>
+                </a:gridCol>
+                <a:gridCol w="341411">
+                  <a:extLst>
+                    <a:ext uri="{9D8B030D-6E8A-4147-A177-3AD203B41FA5}">
+                      <a16:colId xmlns="" xmlns:a16="http://schemas.microsoft.com/office/drawing/2014/main" val="20007"/>
+                    </a:ext>
+                  </a:extLst>
+                </a:gridCol>
+                <a:gridCol w="341411">
+                  <a:extLst>
+                    <a:ext uri="{9D8B030D-6E8A-4147-A177-3AD203B41FA5}">
+                      <a16:colId xmlns="" xmlns:a16="http://schemas.microsoft.com/office/drawing/2014/main" val="20008"/>
+                    </a:ext>
+                  </a:extLst>
+                </a:gridCol>
+                <a:gridCol w="341411">
+                  <a:extLst>
+                    <a:ext uri="{9D8B030D-6E8A-4147-A177-3AD203B41FA5}">
+                      <a16:colId xmlns="" xmlns:a16="http://schemas.microsoft.com/office/drawing/2014/main" val="20009"/>
+                    </a:ext>
+                  </a:extLst>
+                </a:gridCol>
+                <a:gridCol w="341411">
+                  <a:extLst>
+                    <a:ext uri="{9D8B030D-6E8A-4147-A177-3AD203B41FA5}">
+                      <a16:colId xmlns="" xmlns:a16="http://schemas.microsoft.com/office/drawing/2014/main" val="20010"/>
+                    </a:ext>
+                  </a:extLst>
+                </a:gridCol>
+                <a:gridCol w="341411">
+                  <a:extLst>
+                    <a:ext uri="{9D8B030D-6E8A-4147-A177-3AD203B41FA5}">
+                      <a16:colId xmlns="" xmlns:a16="http://schemas.microsoft.com/office/drawing/2014/main" val="20011"/>
+                    </a:ext>
+                  </a:extLst>
+                </a:gridCol>
+                <a:gridCol w="341411">
+                  <a:extLst>
+                    <a:ext uri="{9D8B030D-6E8A-4147-A177-3AD203B41FA5}">
+                      <a16:colId xmlns="" xmlns:a16="http://schemas.microsoft.com/office/drawing/2014/main" val="20012"/>
+                    </a:ext>
+                  </a:extLst>
+                </a:gridCol>
+                <a:gridCol w="341411">
+                  <a:extLst>
+                    <a:ext uri="{9D8B030D-6E8A-4147-A177-3AD203B41FA5}">
+                      <a16:colId xmlns="" xmlns:a16="http://schemas.microsoft.com/office/drawing/2014/main" val="20013"/>
+                    </a:ext>
+                  </a:extLst>
+                </a:gridCol>
+                <a:gridCol w="341411">
+                  <a:extLst>
+                    <a:ext uri="{9D8B030D-6E8A-4147-A177-3AD203B41FA5}">
+                      <a16:colId xmlns="" xmlns:a16="http://schemas.microsoft.com/office/drawing/2014/main" val="20014"/>
+                    </a:ext>
+                  </a:extLst>
+                </a:gridCol>
+                <a:gridCol w="341411">
+                  <a:extLst>
+                    <a:ext uri="{9D8B030D-6E8A-4147-A177-3AD203B41FA5}">
+                      <a16:colId xmlns="" xmlns:a16="http://schemas.microsoft.com/office/drawing/2014/main" val="20015"/>
+                    </a:ext>
+                  </a:extLst>
+                </a:gridCol>
+              </a:tblGrid>
+              <a:tr h="348304">
+                <a:tc>
+                  <a:txBody>
+                    <a:bodyPr/>
+                    <a:lstStyle/>
+                    <a:p>
+                      <a:endParaRPr lang="zh-CN" altLang="en-US" sz="1200" dirty="0"/>
+                    </a:p>
+                  </a:txBody>
+                  <a:tcPr marL="85883" marR="85883" marT="42942" marB="42942">
+                    <a:lnL w="12700" cap="flat" cmpd="sng" algn="ctr">
+                      <a:solidFill>
+                        <a:schemeClr val="tx1"/>
+                      </a:solidFill>
+                      <a:prstDash val="solid"/>
+                      <a:round/>
+                      <a:headEnd type="none" w="med" len="med"/>
+                      <a:tailEnd type="none" w="med" len="med"/>
+                    </a:lnL>
+                    <a:lnR w="12700" cap="flat" cmpd="sng" algn="ctr">
+                      <a:solidFill>
+                        <a:schemeClr val="tx1"/>
+                      </a:solidFill>
+                      <a:prstDash val="solid"/>
+                      <a:round/>
+                      <a:headEnd type="none" w="med" len="med"/>
+                      <a:tailEnd type="none" w="med" len="med"/>
+                    </a:lnR>
+                    <a:lnT w="12700" cap="flat" cmpd="sng" algn="ctr">
+                      <a:solidFill>
+                        <a:schemeClr val="tx1"/>
+                      </a:solidFill>
+                      <a:prstDash val="solid"/>
+                      <a:round/>
+                      <a:headEnd type="none" w="med" len="med"/>
+                      <a:tailEnd type="none" w="med" len="med"/>
+                    </a:lnT>
+                    <a:lnB w="12700" cap="flat" cmpd="sng" algn="ctr">
+                      <a:solidFill>
+                        <a:schemeClr val="tx1"/>
+                      </a:solidFill>
+                      <a:prstDash val="solid"/>
+                      <a:round/>
+                      <a:headEnd type="none" w="med" len="med"/>
+                      <a:tailEnd type="none" w="med" len="med"/>
+                    </a:lnB>
+                    <a:solidFill>
+                      <a:srgbClr val="FF0000"/>
+                    </a:solidFill>
+                  </a:tcPr>
+                </a:tc>
+                <a:tc>
+                  <a:txBody>
+                    <a:bodyPr/>
+                    <a:lstStyle/>
+                    <a:p>
+                      <a:endParaRPr lang="zh-CN" altLang="en-US" sz="1200" dirty="0"/>
+                    </a:p>
+                  </a:txBody>
+                  <a:tcPr marL="85883" marR="85883" marT="42942" marB="42942">
+                    <a:lnL w="12700" cap="flat" cmpd="sng" algn="ctr">
+                      <a:solidFill>
+                        <a:schemeClr val="tx1"/>
+                      </a:solidFill>
+                      <a:prstDash val="solid"/>
+                      <a:round/>
+                      <a:headEnd type="none" w="med" len="med"/>
+                      <a:tailEnd type="none" w="med" len="med"/>
+                    </a:lnL>
+                    <a:lnR w="12700" cap="flat" cmpd="sng" algn="ctr">
+                      <a:solidFill>
+                        <a:schemeClr val="tx1"/>
+                      </a:solidFill>
+                      <a:prstDash val="solid"/>
+                      <a:round/>
+                      <a:headEnd type="none" w="med" len="med"/>
+                      <a:tailEnd type="none" w="med" len="med"/>
+                    </a:lnR>
+                    <a:lnT w="12700" cap="flat" cmpd="sng" algn="ctr">
+                      <a:solidFill>
+                        <a:schemeClr val="tx1"/>
+                      </a:solidFill>
+                      <a:prstDash val="solid"/>
+                      <a:round/>
+                      <a:headEnd type="none" w="med" len="med"/>
+                      <a:tailEnd type="none" w="med" len="med"/>
+                    </a:lnT>
+                    <a:lnB w="12700" cap="flat" cmpd="sng" algn="ctr">
+                      <a:solidFill>
+                        <a:schemeClr val="tx1"/>
+                      </a:solidFill>
+                      <a:prstDash val="solid"/>
+                      <a:round/>
+                      <a:headEnd type="none" w="med" len="med"/>
+                      <a:tailEnd type="none" w="med" len="med"/>
+                    </a:lnB>
+                    <a:solidFill>
+                      <a:srgbClr val="FF0000"/>
+                    </a:solidFill>
+                  </a:tcPr>
+                </a:tc>
+                <a:tc>
+                  <a:txBody>
+                    <a:bodyPr/>
+                    <a:lstStyle/>
+                    <a:p>
+                      <a:endParaRPr lang="zh-CN" altLang="en-US" sz="1200" dirty="0"/>
+                    </a:p>
+                  </a:txBody>
+                  <a:tcPr marL="85883" marR="85883" marT="42942" marB="42942">
+                    <a:lnL w="12700" cap="flat" cmpd="sng" algn="ctr">
+                      <a:solidFill>
+                        <a:schemeClr val="tx1"/>
+                      </a:solidFill>
+                      <a:prstDash val="solid"/>
+                      <a:round/>
+                      <a:headEnd type="none" w="med" len="med"/>
+                      <a:tailEnd type="none" w="med" len="med"/>
+                    </a:lnL>
+                    <a:lnR w="12700" cap="flat" cmpd="sng" algn="ctr">
+                      <a:solidFill>
+                        <a:schemeClr val="tx1"/>
+                      </a:solidFill>
+                      <a:prstDash val="solid"/>
+                      <a:round/>
+                      <a:headEnd type="none" w="med" len="med"/>
+                      <a:tailEnd type="none" w="med" len="med"/>
+                    </a:lnR>
+                    <a:lnT w="12700" cap="flat" cmpd="sng" algn="ctr">
+                      <a:solidFill>
+                        <a:schemeClr val="tx1"/>
+                      </a:solidFill>
+                      <a:prstDash val="solid"/>
+                      <a:round/>
+                      <a:headEnd type="none" w="med" len="med"/>
+                      <a:tailEnd type="none" w="med" len="med"/>
+                    </a:lnT>
+                    <a:lnB w="12700" cap="flat" cmpd="sng" algn="ctr">
+                      <a:solidFill>
+                        <a:schemeClr val="tx1"/>
+                      </a:solidFill>
+                      <a:prstDash val="solid"/>
+                      <a:round/>
+                      <a:headEnd type="none" w="med" len="med"/>
+                      <a:tailEnd type="none" w="med" len="med"/>
+                    </a:lnB>
+                    <a:solidFill>
+                      <a:srgbClr val="FF0000"/>
+                    </a:solidFill>
+                  </a:tcPr>
+                </a:tc>
+                <a:tc>
+                  <a:txBody>
+                    <a:bodyPr/>
+                    <a:lstStyle/>
+                    <a:p>
+                      <a:endParaRPr lang="zh-CN" altLang="en-US" sz="1200" dirty="0">
+                        <a:solidFill>
+                          <a:srgbClr val="92D050"/>
+                        </a:solidFill>
+                      </a:endParaRPr>
+                    </a:p>
+                  </a:txBody>
+                  <a:tcPr marL="85883" marR="85883" marT="42942" marB="42942">
+                    <a:lnL w="12700" cap="flat" cmpd="sng" algn="ctr">
+                      <a:solidFill>
+                        <a:schemeClr val="tx1"/>
+                      </a:solidFill>
+                      <a:prstDash val="solid"/>
+                      <a:round/>
+                      <a:headEnd type="none" w="med" len="med"/>
+                      <a:tailEnd type="none" w="med" len="med"/>
+                    </a:lnL>
+                    <a:lnR w="12700" cap="flat" cmpd="sng" algn="ctr">
+                      <a:solidFill>
+                        <a:schemeClr val="tx1"/>
+                      </a:solidFill>
+                      <a:prstDash val="solid"/>
+                      <a:round/>
+                      <a:headEnd type="none" w="med" len="med"/>
+                      <a:tailEnd type="none" w="med" len="med"/>
+                    </a:lnR>
+                    <a:lnT w="12700" cap="flat" cmpd="sng" algn="ctr">
+                      <a:solidFill>
+                        <a:schemeClr val="tx1"/>
+                      </a:solidFill>
+                      <a:prstDash val="solid"/>
+                      <a:round/>
+                      <a:headEnd type="none" w="med" len="med"/>
+                      <a:tailEnd type="none" w="med" len="med"/>
+                    </a:lnT>
+                    <a:lnB w="12700" cap="flat" cmpd="sng" algn="ctr">
+                      <a:solidFill>
+                        <a:schemeClr val="tx1"/>
+                      </a:solidFill>
+                      <a:prstDash val="solid"/>
+                      <a:round/>
+                      <a:headEnd type="none" w="med" len="med"/>
+                      <a:tailEnd type="none" w="med" len="med"/>
+                    </a:lnB>
+                    <a:solidFill>
+                      <a:srgbClr val="92D050"/>
+                    </a:solidFill>
+                  </a:tcPr>
+                </a:tc>
+                <a:tc>
+                  <a:txBody>
+                    <a:bodyPr/>
+                    <a:lstStyle/>
+                    <a:p>
+                      <a:endParaRPr lang="zh-CN" altLang="en-US" sz="1200" dirty="0">
+                        <a:solidFill>
+                          <a:srgbClr val="92D050"/>
+                        </a:solidFill>
+                      </a:endParaRPr>
+                    </a:p>
+                  </a:txBody>
+                  <a:tcPr marL="85883" marR="85883" marT="42942" marB="42942">
+                    <a:lnL w="12700" cap="flat" cmpd="sng" algn="ctr">
+                      <a:solidFill>
+                        <a:schemeClr val="tx1"/>
+                      </a:solidFill>
+                      <a:prstDash val="solid"/>
+                      <a:round/>
+                      <a:headEnd type="none" w="med" len="med"/>
+                      <a:tailEnd type="none" w="med" len="med"/>
+                    </a:lnL>
+                    <a:lnR w="12700" cap="flat" cmpd="sng" algn="ctr">
+                      <a:solidFill>
+                        <a:schemeClr val="tx1"/>
+                      </a:solidFill>
+                      <a:prstDash val="solid"/>
+                      <a:round/>
+                      <a:headEnd type="none" w="med" len="med"/>
+                      <a:tailEnd type="none" w="med" len="med"/>
+                    </a:lnR>
+                    <a:lnT w="12700" cap="flat" cmpd="sng" algn="ctr">
+                      <a:solidFill>
+                        <a:schemeClr val="tx1"/>
+                      </a:solidFill>
+                      <a:prstDash val="solid"/>
+                      <a:round/>
+                      <a:headEnd type="none" w="med" len="med"/>
+                      <a:tailEnd type="none" w="med" len="med"/>
+                    </a:lnT>
+                    <a:lnB w="12700" cap="flat" cmpd="sng" algn="ctr">
+                      <a:solidFill>
+                        <a:schemeClr val="tx1"/>
+                      </a:solidFill>
+                      <a:prstDash val="solid"/>
+                      <a:round/>
+                      <a:headEnd type="none" w="med" len="med"/>
+                      <a:tailEnd type="none" w="med" len="med"/>
+                    </a:lnB>
+                    <a:solidFill>
+                      <a:srgbClr val="92D050"/>
+                    </a:solidFill>
+                  </a:tcPr>
+                </a:tc>
+                <a:tc>
+                  <a:txBody>
+                    <a:bodyPr/>
+                    <a:lstStyle/>
+                    <a:p>
+                      <a:endParaRPr lang="zh-CN" altLang="en-US" sz="1200" dirty="0">
+                        <a:solidFill>
+                          <a:srgbClr val="92D050"/>
+                        </a:solidFill>
+                      </a:endParaRPr>
+                    </a:p>
+                  </a:txBody>
+                  <a:tcPr marL="85883" marR="85883" marT="42942" marB="42942">
+                    <a:lnL w="12700" cap="flat" cmpd="sng" algn="ctr">
+                      <a:solidFill>
+                        <a:schemeClr val="tx1"/>
+                      </a:solidFill>
+                      <a:prstDash val="solid"/>
+                      <a:round/>
+                      <a:headEnd type="none" w="med" len="med"/>
+                      <a:tailEnd type="none" w="med" len="med"/>
+                    </a:lnL>
+                    <a:lnR w="12700" cap="flat" cmpd="sng" algn="ctr">
+                      <a:solidFill>
+                        <a:schemeClr val="tx1"/>
+                      </a:solidFill>
+                      <a:prstDash val="solid"/>
+                      <a:round/>
+                      <a:headEnd type="none" w="med" len="med"/>
+                      <a:tailEnd type="none" w="med" len="med"/>
+                    </a:lnR>
+                    <a:lnT w="12700" cap="flat" cmpd="sng" algn="ctr">
+                      <a:solidFill>
+                        <a:schemeClr val="tx1"/>
+                      </a:solidFill>
+                      <a:prstDash val="solid"/>
+                      <a:round/>
+                      <a:headEnd type="none" w="med" len="med"/>
+                      <a:tailEnd type="none" w="med" len="med"/>
+                    </a:lnT>
+                    <a:lnB w="12700" cap="flat" cmpd="sng" algn="ctr">
+                      <a:solidFill>
+                        <a:schemeClr val="tx1"/>
+                      </a:solidFill>
+                      <a:prstDash val="solid"/>
+                      <a:round/>
+                      <a:headEnd type="none" w="med" len="med"/>
+                      <a:tailEnd type="none" w="med" len="med"/>
+                    </a:lnB>
+                    <a:solidFill>
+                      <a:srgbClr val="92D050"/>
+                    </a:solidFill>
+                  </a:tcPr>
+                </a:tc>
+                <a:tc>
+                  <a:txBody>
+                    <a:bodyPr/>
+                    <a:lstStyle/>
+                    <a:p>
+                      <a:endParaRPr lang="zh-CN" altLang="en-US" sz="1200" dirty="0">
+                        <a:solidFill>
+                          <a:srgbClr val="92D050"/>
+                        </a:solidFill>
+                      </a:endParaRPr>
+                    </a:p>
+                  </a:txBody>
+                  <a:tcPr marL="85883" marR="85883" marT="42942" marB="42942">
+                    <a:lnL w="12700" cap="flat" cmpd="sng" algn="ctr">
+                      <a:solidFill>
+                        <a:schemeClr val="tx1"/>
+                      </a:solidFill>
+                      <a:prstDash val="solid"/>
+                      <a:round/>
+                      <a:headEnd type="none" w="med" len="med"/>
+                      <a:tailEnd type="none" w="med" len="med"/>
+                    </a:lnL>
+                    <a:lnR w="12700" cap="flat" cmpd="sng" algn="ctr">
+                      <a:solidFill>
+                        <a:schemeClr val="tx1"/>
+                      </a:solidFill>
+                      <a:prstDash val="solid"/>
+                      <a:round/>
+                      <a:headEnd type="none" w="med" len="med"/>
+                      <a:tailEnd type="none" w="med" len="med"/>
+                    </a:lnR>
+                    <a:lnT w="12700" cap="flat" cmpd="sng" algn="ctr">
+                      <a:solidFill>
+                        <a:schemeClr val="tx1"/>
+                      </a:solidFill>
+                      <a:prstDash val="solid"/>
+                      <a:round/>
+                      <a:headEnd type="none" w="med" len="med"/>
+                      <a:tailEnd type="none" w="med" len="med"/>
+                    </a:lnT>
+                    <a:lnB w="12700" cap="flat" cmpd="sng" algn="ctr">
+                      <a:solidFill>
+                        <a:schemeClr val="tx1"/>
+                      </a:solidFill>
+                      <a:prstDash val="solid"/>
+                      <a:round/>
+                      <a:headEnd type="none" w="med" len="med"/>
+                      <a:tailEnd type="none" w="med" len="med"/>
+                    </a:lnB>
+                    <a:solidFill>
+                      <a:srgbClr val="92D050"/>
+                    </a:solidFill>
+                  </a:tcPr>
+                </a:tc>
+                <a:tc>
+                  <a:txBody>
+                    <a:bodyPr/>
+                    <a:lstStyle/>
+                    <a:p>
+                      <a:endParaRPr lang="zh-CN" altLang="en-US" sz="1200" dirty="0">
+                        <a:solidFill>
+                          <a:srgbClr val="92D050"/>
+                        </a:solidFill>
+                      </a:endParaRPr>
+                    </a:p>
+                  </a:txBody>
+                  <a:tcPr marL="85883" marR="85883" marT="42942" marB="42942">
+                    <a:lnL w="12700" cap="flat" cmpd="sng" algn="ctr">
+                      <a:solidFill>
+                        <a:schemeClr val="tx1"/>
+                      </a:solidFill>
+                      <a:prstDash val="solid"/>
+                      <a:round/>
+                      <a:headEnd type="none" w="med" len="med"/>
+                      <a:tailEnd type="none" w="med" len="med"/>
+                    </a:lnL>
+                    <a:lnR w="12700" cap="flat" cmpd="sng" algn="ctr">
+                      <a:solidFill>
+                        <a:schemeClr val="tx1"/>
+                      </a:solidFill>
+                      <a:prstDash val="solid"/>
+                      <a:round/>
+                      <a:headEnd type="none" w="med" len="med"/>
+                      <a:tailEnd type="none" w="med" len="med"/>
+                    </a:lnR>
+                    <a:lnT w="12700" cap="flat" cmpd="sng" algn="ctr">
+                      <a:solidFill>
+                        <a:schemeClr val="tx1"/>
+                      </a:solidFill>
+                      <a:prstDash val="solid"/>
+                      <a:round/>
+                      <a:headEnd type="none" w="med" len="med"/>
+                      <a:tailEnd type="none" w="med" len="med"/>
+                    </a:lnT>
+                    <a:lnB w="12700" cap="flat" cmpd="sng" algn="ctr">
+                      <a:solidFill>
+                        <a:schemeClr val="tx1"/>
+                      </a:solidFill>
+                      <a:prstDash val="solid"/>
+                      <a:round/>
+                      <a:headEnd type="none" w="med" len="med"/>
+                      <a:tailEnd type="none" w="med" len="med"/>
+                    </a:lnB>
+                    <a:solidFill>
+                      <a:srgbClr val="92D050"/>
+                    </a:solidFill>
+                  </a:tcPr>
+                </a:tc>
+                <a:tc>
+                  <a:txBody>
+                    <a:bodyPr/>
+                    <a:lstStyle/>
+                    <a:p>
+                      <a:endParaRPr lang="zh-CN" altLang="en-US" sz="1200" dirty="0">
+                        <a:solidFill>
+                          <a:srgbClr val="92D050"/>
+                        </a:solidFill>
+                      </a:endParaRPr>
+                    </a:p>
+                  </a:txBody>
+                  <a:tcPr marL="85883" marR="85883" marT="42942" marB="42942">
+                    <a:lnL w="12700" cap="flat" cmpd="sng" algn="ctr">
+                      <a:solidFill>
+                        <a:schemeClr val="tx1"/>
+                      </a:solidFill>
+                      <a:prstDash val="solid"/>
+                      <a:round/>
+                      <a:headEnd type="none" w="med" len="med"/>
+                      <a:tailEnd type="none" w="med" len="med"/>
+                    </a:lnL>
+                    <a:lnR w="12700" cap="flat" cmpd="sng" algn="ctr">
+                      <a:solidFill>
+                        <a:schemeClr val="tx1"/>
+                      </a:solidFill>
+                      <a:prstDash val="solid"/>
+                      <a:round/>
+                      <a:headEnd type="none" w="med" len="med"/>
+                      <a:tailEnd type="none" w="med" len="med"/>
+                    </a:lnR>
+                    <a:lnT w="12700" cap="flat" cmpd="sng" algn="ctr">
+                      <a:solidFill>
+                        <a:schemeClr val="tx1"/>
+                      </a:solidFill>
+                      <a:prstDash val="solid"/>
+                      <a:round/>
+                      <a:headEnd type="none" w="med" len="med"/>
+                      <a:tailEnd type="none" w="med" len="med"/>
+                    </a:lnT>
+                    <a:lnB w="12700" cap="flat" cmpd="sng" algn="ctr">
+                      <a:solidFill>
+                        <a:schemeClr val="tx1"/>
+                      </a:solidFill>
+                      <a:prstDash val="solid"/>
+                      <a:round/>
+                      <a:headEnd type="none" w="med" len="med"/>
+                      <a:tailEnd type="none" w="med" len="med"/>
+                    </a:lnB>
+                    <a:solidFill>
+                      <a:srgbClr val="92D050"/>
+                    </a:solidFill>
+                  </a:tcPr>
+                </a:tc>
+                <a:tc>
+                  <a:txBody>
+                    <a:bodyPr/>
+                    <a:lstStyle/>
+                    <a:p>
+                      <a:endParaRPr lang="zh-CN" altLang="en-US" sz="1200" dirty="0"/>
+                    </a:p>
+                  </a:txBody>
+                  <a:tcPr marL="85883" marR="85883" marT="42942" marB="42942">
+                    <a:lnL w="12700" cap="flat" cmpd="sng" algn="ctr">
+                      <a:solidFill>
+                        <a:schemeClr val="tx1"/>
+                      </a:solidFill>
+                      <a:prstDash val="solid"/>
+                      <a:round/>
+                      <a:headEnd type="none" w="med" len="med"/>
+                      <a:tailEnd type="none" w="med" len="med"/>
+                    </a:lnL>
+                    <a:lnR w="12700" cap="flat" cmpd="sng" algn="ctr">
+                      <a:solidFill>
+                        <a:schemeClr val="tx1"/>
+                      </a:solidFill>
+                      <a:prstDash val="solid"/>
+                      <a:round/>
+                      <a:headEnd type="none" w="med" len="med"/>
+                      <a:tailEnd type="none" w="med" len="med"/>
+                    </a:lnR>
+                    <a:lnT w="12700" cap="flat" cmpd="sng" algn="ctr">
+                      <a:solidFill>
+                        <a:schemeClr val="tx1"/>
+                      </a:solidFill>
+                      <a:prstDash val="solid"/>
+                      <a:round/>
+                      <a:headEnd type="none" w="med" len="med"/>
+                      <a:tailEnd type="none" w="med" len="med"/>
+                    </a:lnT>
+                    <a:lnB w="12700" cap="flat" cmpd="sng" algn="ctr">
+                      <a:solidFill>
+                        <a:schemeClr val="tx1"/>
+                      </a:solidFill>
+                      <a:prstDash val="solid"/>
+                      <a:round/>
+                      <a:headEnd type="none" w="med" len="med"/>
+                      <a:tailEnd type="none" w="med" len="med"/>
+                    </a:lnB>
+                    <a:solidFill>
+                      <a:srgbClr val="00B0F0"/>
+                    </a:solidFill>
+                  </a:tcPr>
+                </a:tc>
+                <a:tc>
+                  <a:txBody>
+                    <a:bodyPr/>
+                    <a:lstStyle/>
+                    <a:p>
+                      <a:endParaRPr lang="zh-CN" altLang="en-US" sz="1200" dirty="0"/>
+                    </a:p>
+                  </a:txBody>
+                  <a:tcPr marL="85883" marR="85883" marT="42942" marB="42942">
+                    <a:lnL w="12700" cap="flat" cmpd="sng" algn="ctr">
+                      <a:solidFill>
+                        <a:schemeClr val="tx1"/>
+                      </a:solidFill>
+                      <a:prstDash val="solid"/>
+                      <a:round/>
+                      <a:headEnd type="none" w="med" len="med"/>
+                      <a:tailEnd type="none" w="med" len="med"/>
+                    </a:lnL>
+                    <a:lnR w="12700" cap="flat" cmpd="sng" algn="ctr">
+                      <a:solidFill>
+                        <a:schemeClr val="tx1"/>
+                      </a:solidFill>
+                      <a:prstDash val="solid"/>
+                      <a:round/>
+                      <a:headEnd type="none" w="med" len="med"/>
+                      <a:tailEnd type="none" w="med" len="med"/>
+                    </a:lnR>
+                    <a:lnT w="12700" cap="flat" cmpd="sng" algn="ctr">
+                      <a:solidFill>
+                        <a:schemeClr val="tx1"/>
+                      </a:solidFill>
+                      <a:prstDash val="solid"/>
+                      <a:round/>
+                      <a:headEnd type="none" w="med" len="med"/>
+                      <a:tailEnd type="none" w="med" len="med"/>
+                    </a:lnT>
+                    <a:lnB w="12700" cap="flat" cmpd="sng" algn="ctr">
+                      <a:solidFill>
+                        <a:schemeClr val="tx1"/>
+                      </a:solidFill>
+                      <a:prstDash val="solid"/>
+                      <a:round/>
+                      <a:headEnd type="none" w="med" len="med"/>
+                      <a:tailEnd type="none" w="med" len="med"/>
+                    </a:lnB>
+                    <a:solidFill>
+                      <a:srgbClr val="00B0F0"/>
+                    </a:solidFill>
+                  </a:tcPr>
+                </a:tc>
+                <a:tc>
+                  <a:txBody>
+                    <a:bodyPr/>
+                    <a:lstStyle/>
+                    <a:p>
+                      <a:endParaRPr lang="zh-CN" altLang="en-US" sz="1200" dirty="0"/>
+                    </a:p>
+                  </a:txBody>
+                  <a:tcPr marL="85883" marR="85883" marT="42942" marB="42942">
+                    <a:lnL w="12700" cap="flat" cmpd="sng" algn="ctr">
+                      <a:solidFill>
+                        <a:schemeClr val="tx1"/>
+                      </a:solidFill>
+                      <a:prstDash val="solid"/>
+                      <a:round/>
+                      <a:headEnd type="none" w="med" len="med"/>
+                      <a:tailEnd type="none" w="med" len="med"/>
+                    </a:lnL>
+                    <a:lnR w="12700" cap="flat" cmpd="sng" algn="ctr">
+                      <a:solidFill>
+                        <a:schemeClr val="tx1"/>
+                      </a:solidFill>
+                      <a:prstDash val="solid"/>
+                      <a:round/>
+                      <a:headEnd type="none" w="med" len="med"/>
+                      <a:tailEnd type="none" w="med" len="med"/>
+                    </a:lnR>
+                    <a:lnT w="12700" cap="flat" cmpd="sng" algn="ctr">
+                      <a:solidFill>
+                        <a:schemeClr val="tx1"/>
+                      </a:solidFill>
+                      <a:prstDash val="solid"/>
+                      <a:round/>
+                      <a:headEnd type="none" w="med" len="med"/>
+                      <a:tailEnd type="none" w="med" len="med"/>
+                    </a:lnT>
+                    <a:lnB w="12700" cap="flat" cmpd="sng" algn="ctr">
+                      <a:solidFill>
+                        <a:schemeClr val="tx1"/>
+                      </a:solidFill>
+                      <a:prstDash val="solid"/>
+                      <a:round/>
+                      <a:headEnd type="none" w="med" len="med"/>
+                      <a:tailEnd type="none" w="med" len="med"/>
+                    </a:lnB>
+                    <a:solidFill>
+                      <a:srgbClr val="00B0F0"/>
+                    </a:solidFill>
+                  </a:tcPr>
+                </a:tc>
+                <a:tc>
+                  <a:txBody>
+                    <a:bodyPr/>
+                    <a:lstStyle/>
+                    <a:p>
+                      <a:endParaRPr lang="zh-CN" altLang="en-US" sz="1200" dirty="0"/>
+                    </a:p>
+                  </a:txBody>
+                  <a:tcPr marL="85883" marR="85883" marT="42942" marB="42942">
+                    <a:lnL w="12700" cap="flat" cmpd="sng" algn="ctr">
+                      <a:solidFill>
+                        <a:schemeClr val="tx1"/>
+                      </a:solidFill>
+                      <a:prstDash val="solid"/>
+                      <a:round/>
+                      <a:headEnd type="none" w="med" len="med"/>
+                      <a:tailEnd type="none" w="med" len="med"/>
+                    </a:lnL>
+                    <a:lnR w="12700" cap="flat" cmpd="sng" algn="ctr">
+                      <a:solidFill>
+                        <a:schemeClr val="tx1"/>
+                      </a:solidFill>
+                      <a:prstDash val="solid"/>
+                      <a:round/>
+                      <a:headEnd type="none" w="med" len="med"/>
+                      <a:tailEnd type="none" w="med" len="med"/>
+                    </a:lnR>
+                    <a:lnT w="12700" cap="flat" cmpd="sng" algn="ctr">
+                      <a:solidFill>
+                        <a:schemeClr val="tx1"/>
+                      </a:solidFill>
+                      <a:prstDash val="solid"/>
+                      <a:round/>
+                      <a:headEnd type="none" w="med" len="med"/>
+                      <a:tailEnd type="none" w="med" len="med"/>
+                    </a:lnT>
+                    <a:lnB w="12700" cap="flat" cmpd="sng" algn="ctr">
+                      <a:solidFill>
+                        <a:schemeClr val="tx1"/>
+                      </a:solidFill>
+                      <a:prstDash val="solid"/>
+                      <a:round/>
+                      <a:headEnd type="none" w="med" len="med"/>
+                      <a:tailEnd type="none" w="med" len="med"/>
+                    </a:lnB>
+                    <a:solidFill>
+                      <a:srgbClr val="00B0F0"/>
+                    </a:solidFill>
+                  </a:tcPr>
+                </a:tc>
+                <a:tc>
+                  <a:txBody>
+                    <a:bodyPr/>
+                    <a:lstStyle/>
+                    <a:p>
+                      <a:endParaRPr lang="zh-CN" altLang="en-US" sz="1200" dirty="0"/>
+                    </a:p>
+                  </a:txBody>
+                  <a:tcPr marL="85883" marR="85883" marT="42942" marB="42942">
+                    <a:lnL w="12700" cap="flat" cmpd="sng" algn="ctr">
+                      <a:solidFill>
+                        <a:schemeClr val="tx1"/>
+                      </a:solidFill>
+                      <a:prstDash val="solid"/>
+                      <a:round/>
+                      <a:headEnd type="none" w="med" len="med"/>
+                      <a:tailEnd type="none" w="med" len="med"/>
+                    </a:lnL>
+                    <a:lnR w="12700" cap="flat" cmpd="sng" algn="ctr">
+                      <a:solidFill>
+                        <a:schemeClr val="tx1"/>
+                      </a:solidFill>
+                      <a:prstDash val="solid"/>
+                      <a:round/>
+                      <a:headEnd type="none" w="med" len="med"/>
+                      <a:tailEnd type="none" w="med" len="med"/>
+                    </a:lnR>
+                    <a:lnT w="12700" cap="flat" cmpd="sng" algn="ctr">
+                      <a:solidFill>
+                        <a:schemeClr val="tx1"/>
+                      </a:solidFill>
+                      <a:prstDash val="solid"/>
+                      <a:round/>
+                      <a:headEnd type="none" w="med" len="med"/>
+                      <a:tailEnd type="none" w="med" len="med"/>
+                    </a:lnT>
+                    <a:lnB w="12700" cap="flat" cmpd="sng" algn="ctr">
+                      <a:solidFill>
+                        <a:schemeClr val="tx1"/>
+                      </a:solidFill>
+                      <a:prstDash val="solid"/>
+                      <a:round/>
+                      <a:headEnd type="none" w="med" len="med"/>
+                      <a:tailEnd type="none" w="med" len="med"/>
+                    </a:lnB>
+                    <a:solidFill>
+                      <a:srgbClr val="00B0F0"/>
+                    </a:solidFill>
+                  </a:tcPr>
+                </a:tc>
+                <a:tc>
+                  <a:txBody>
+                    <a:bodyPr/>
+                    <a:lstStyle/>
+                    <a:p>
+                      <a:endParaRPr lang="zh-CN" altLang="en-US" sz="1200" dirty="0"/>
+                    </a:p>
+                  </a:txBody>
+                  <a:tcPr marL="85883" marR="85883" marT="42942" marB="42942">
+                    <a:lnL w="12700" cap="flat" cmpd="sng" algn="ctr">
+                      <a:solidFill>
+                        <a:schemeClr val="tx1"/>
+                      </a:solidFill>
+                      <a:prstDash val="solid"/>
+                      <a:round/>
+                      <a:headEnd type="none" w="med" len="med"/>
+                      <a:tailEnd type="none" w="med" len="med"/>
+                    </a:lnL>
+                    <a:lnR w="12700" cap="flat" cmpd="sng" algn="ctr">
+                      <a:solidFill>
+                        <a:schemeClr val="tx1"/>
+                      </a:solidFill>
+                      <a:prstDash val="solid"/>
+                      <a:round/>
+                      <a:headEnd type="none" w="med" len="med"/>
+                      <a:tailEnd type="none" w="med" len="med"/>
+                    </a:lnR>
+                    <a:lnT w="12700" cap="flat" cmpd="sng" algn="ctr">
+                      <a:solidFill>
+                        <a:schemeClr val="tx1"/>
+                      </a:solidFill>
+                      <a:prstDash val="solid"/>
+                      <a:round/>
+                      <a:headEnd type="none" w="med" len="med"/>
+                      <a:tailEnd type="none" w="med" len="med"/>
+                    </a:lnT>
+                    <a:lnB w="12700" cap="flat" cmpd="sng" algn="ctr">
+                      <a:solidFill>
+                        <a:schemeClr val="tx1"/>
+                      </a:solidFill>
+                      <a:prstDash val="solid"/>
+                      <a:round/>
+                      <a:headEnd type="none" w="med" len="med"/>
+                      <a:tailEnd type="none" w="med" len="med"/>
+                    </a:lnB>
+                    <a:solidFill>
+                      <a:srgbClr val="00B0F0"/>
+                    </a:solidFill>
+                  </a:tcPr>
+                </a:tc>
+                <a:tc>
+                  <a:txBody>
+                    <a:bodyPr/>
+                    <a:lstStyle/>
+                    <a:p>
+                      <a:endParaRPr lang="zh-CN" altLang="en-US" sz="1200" dirty="0"/>
+                    </a:p>
+                  </a:txBody>
+                  <a:tcPr marL="85883" marR="85883" marT="42942" marB="42942">
+                    <a:lnL w="12700" cap="flat" cmpd="sng" algn="ctr">
+                      <a:solidFill>
+                        <a:schemeClr val="tx1"/>
+                      </a:solidFill>
+                      <a:prstDash val="solid"/>
+                      <a:round/>
+                      <a:headEnd type="none" w="med" len="med"/>
+                      <a:tailEnd type="none" w="med" len="med"/>
+                    </a:lnL>
+                    <a:lnR w="12700" cap="flat" cmpd="sng" algn="ctr">
+                      <a:solidFill>
+                        <a:schemeClr val="tx1"/>
+                      </a:solidFill>
+                      <a:prstDash val="solid"/>
+                      <a:round/>
+                      <a:headEnd type="none" w="med" len="med"/>
+                      <a:tailEnd type="none" w="med" len="med"/>
+                    </a:lnR>
+                    <a:lnT w="12700" cap="flat" cmpd="sng" algn="ctr">
+                      <a:solidFill>
+                        <a:schemeClr val="tx1"/>
+                      </a:solidFill>
+                      <a:prstDash val="solid"/>
+                      <a:round/>
+                      <a:headEnd type="none" w="med" len="med"/>
+                      <a:tailEnd type="none" w="med" len="med"/>
+                    </a:lnT>
+                    <a:lnB w="12700" cap="flat" cmpd="sng" algn="ctr">
+                      <a:solidFill>
+                        <a:schemeClr val="tx1"/>
+                      </a:solidFill>
+                      <a:prstDash val="solid"/>
+                      <a:round/>
+                      <a:headEnd type="none" w="med" len="med"/>
+                      <a:tailEnd type="none" w="med" len="med"/>
+                    </a:lnB>
+                    <a:solidFill>
+                      <a:srgbClr val="00B0F0"/>
+                    </a:solidFill>
+                  </a:tcPr>
+                </a:tc>
+                <a:extLst>
+                  <a:ext uri="{0D108BD9-81ED-4DB2-BD59-A6C34878D82A}">
+                    <a16:rowId xmlns="" xmlns:a16="http://schemas.microsoft.com/office/drawing/2014/main" val="10000"/>
+                  </a:ext>
+                </a:extLst>
+              </a:tr>
+            </a:tbl>
+          </a:graphicData>
+        </a:graphic>
+      </p:graphicFrame>
+      <p:sp>
+        <p:nvSpPr>
+          <p:cNvPr id="50" name="文本框 49"/>
+          <p:cNvSpPr txBox="1"/>
+          <p:nvPr/>
+        </p:nvSpPr>
+        <p:spPr>
+          <a:xfrm>
+            <a:off x="706358" y="2669661"/>
+            <a:ext cx="1700839" cy="338554"/>
+          </a:xfrm>
+          <a:prstGeom prst="rect">
+            <a:avLst/>
+          </a:prstGeom>
+          <a:noFill/>
+        </p:spPr>
+        <p:txBody>
+          <a:bodyPr wrap="square" rtlCol="0">
+            <a:spAutoFit/>
+          </a:bodyPr>
+          <a:lstStyle/>
+          <a:p>
+            <a:pPr algn="ctr"/>
+            <a:r>
+              <a:rPr lang="en-US" altLang="zh-CN" sz="1600" dirty="0"/>
+              <a:t>16 </a:t>
+            </a:r>
+            <a:r>
+              <a:rPr lang="en-US" altLang="zh-CN" sz="1600" dirty="0" smtClean="0"/>
+              <a:t>bits</a:t>
+            </a:r>
+            <a:r>
+              <a:rPr lang="zh-CN" altLang="en-US" sz="1600" dirty="0" smtClean="0"/>
+              <a:t>索引</a:t>
+            </a:r>
+            <a:endParaRPr lang="en-US" altLang="zh-CN" sz="1600" dirty="0"/>
+          </a:p>
+        </p:txBody>
+      </p:sp>
+    </p:spTree>
+    <p:extLst>
+      <p:ext uri="{BB962C8B-B14F-4D97-AF65-F5344CB8AC3E}">
+        <p14:creationId xmlns:p14="http://schemas.microsoft.com/office/powerpoint/2010/main" val="1489851353"/>
+      </p:ext>
+    </p:extLst>
+  </p:cSld>
+  <p:clrMapOvr>
+    <a:masterClrMapping/>
+  </p:clrMapOvr>
+  <p:transition spd="med">
+    <p:pull/>
+  </p:transition>
+  <p:timing>
+    <p:tnLst>
+      <p:par>
+        <p:cTn id="1" dur="indefinite" restart="never" nodeType="tmRoot"/>
+      </p:par>
+    </p:tnLst>
+  </p:timing>
+</p:sld>
+</file>
+
+<file path=ppt/slides/slide11.xml><?xml version="1.0" encoding="utf-8"?>
+<p:sld xmlns:a="http://schemas.openxmlformats.org/drawingml/2006/main" xmlns:r="http://schemas.openxmlformats.org/officeDocument/2006/relationships" xmlns:p="http://schemas.openxmlformats.org/presentationml/2006/main">
+  <p:cSld>
+    <p:spTree>
+      <p:nvGrpSpPr>
+        <p:cNvPr id="1" name=""/>
+        <p:cNvGrpSpPr/>
+        <p:nvPr/>
+      </p:nvGrpSpPr>
+      <p:grpSpPr>
+        <a:xfrm>
+          <a:off x="0" y="0"/>
+          <a:ext cx="0" cy="0"/>
+          <a:chOff x="0" y="0"/>
+          <a:chExt cx="0" cy="0"/>
+        </a:xfrm>
+      </p:grpSpPr>
+      <p:sp>
+        <p:nvSpPr>
+          <p:cNvPr id="2" name="标题 1"/>
+          <p:cNvSpPr>
+            <a:spLocks noGrp="1"/>
+          </p:cNvSpPr>
+          <p:nvPr>
+            <p:ph type="title"/>
+          </p:nvPr>
+        </p:nvSpPr>
+        <p:spPr>
+          <a:xfrm>
+            <a:off x="381000" y="0"/>
             <a:ext cx="8229600" cy="783188"/>
           </a:xfrm>
         </p:spPr>
@@ -14642,8 +17866,12 @@
               <a:t>——</a:t>
             </a:r>
             <a:r>
+              <a:rPr lang="zh-CN" altLang="en-US" sz="3600" dirty="0" smtClean="0"/>
+              <a:t>流水线</a:t>
+            </a:r>
+            <a:r>
               <a:rPr lang="zh-CN" altLang="en-US" sz="3600" dirty="0"/>
-              <a:t>流水线加速</a:t>
+              <a:t>结构</a:t>
             </a:r>
           </a:p>
         </p:txBody>
@@ -15552,12 +18780,12 @@
           <a:p>
             <a:pPr algn="ctr"/>
             <a:r>
-              <a:rPr lang="en-US" altLang="zh-CN" sz="1200" smtClean="0">
+              <a:rPr lang="en-US" altLang="zh-CN" sz="1200" dirty="0" smtClean="0">
                 <a:solidFill>
                   <a:srgbClr val="000000"/>
                 </a:solidFill>
               </a:rPr>
-              <a:t>8/13</a:t>
+              <a:t>11/17</a:t>
             </a:r>
             <a:endParaRPr lang="en-US" altLang="zh-CN" sz="1200" dirty="0">
               <a:solidFill>
@@ -17433,7 +20661,7 @@
           <p:cNvPr id="142" name="图片 141" descr="D:\毕设\大四下\lunwen\图片\流水线.png">
             <a:extLst>
               <a:ext uri="{FF2B5EF4-FFF2-40B4-BE49-F238E27FC236}">
-                <a16:creationId xmlns:a16="http://schemas.microsoft.com/office/drawing/2014/main" xmlns="" id="{88C1B2C6-F47C-4F39-858E-CE78EBF99194}"/>
+                <a16:creationId xmlns="" xmlns:a16="http://schemas.microsoft.com/office/drawing/2014/main" id="{88C1B2C6-F47C-4F39-858E-CE78EBF99194}"/>
               </a:ext>
             </a:extLst>
           </p:cNvPr>
@@ -17487,2630 +20715,6 @@
       </p:par>
     </p:tnLst>
   </p:timing>
-</p:sld>
-</file>
-
-<file path=ppt/slides/slide11.xml><?xml version="1.0" encoding="utf-8"?>
-<p:sld xmlns:a="http://schemas.openxmlformats.org/drawingml/2006/main" xmlns:r="http://schemas.openxmlformats.org/officeDocument/2006/relationships" xmlns:p="http://schemas.openxmlformats.org/presentationml/2006/main">
-  <p:cSld>
-    <p:spTree>
-      <p:nvGrpSpPr>
-        <p:cNvPr id="1" name=""/>
-        <p:cNvGrpSpPr/>
-        <p:nvPr/>
-      </p:nvGrpSpPr>
-      <p:grpSpPr>
-        <a:xfrm>
-          <a:off x="0" y="0"/>
-          <a:ext cx="0" cy="0"/>
-          <a:chOff x="0" y="0"/>
-          <a:chExt cx="0" cy="0"/>
-        </a:xfrm>
-      </p:grpSpPr>
-      <p:sp>
-        <p:nvSpPr>
-          <p:cNvPr id="2" name="标题 1"/>
-          <p:cNvSpPr>
-            <a:spLocks noGrp="1"/>
-          </p:cNvSpPr>
-          <p:nvPr>
-            <p:ph type="title"/>
-          </p:nvPr>
-        </p:nvSpPr>
-        <p:spPr>
-          <a:xfrm>
-            <a:off x="381000" y="0"/>
-            <a:ext cx="8229600" cy="770291"/>
-          </a:xfrm>
-        </p:spPr>
-        <p:txBody>
-          <a:bodyPr/>
-          <a:lstStyle/>
-          <a:p>
-            <a:r>
-              <a:rPr lang="zh-CN" altLang="en-US" sz="3600" dirty="0"/>
-              <a:t>实施方案</a:t>
-            </a:r>
-            <a:r>
-              <a:rPr lang="en-US" altLang="zh-CN" sz="3600" dirty="0"/>
-              <a:t>——</a:t>
-            </a:r>
-            <a:r>
-              <a:rPr lang="zh-CN" altLang="en-US" sz="3600" dirty="0"/>
-              <a:t>抑制噪声</a:t>
-            </a:r>
-          </a:p>
-        </p:txBody>
-      </p:sp>
-      <p:grpSp>
-        <p:nvGrpSpPr>
-          <p:cNvPr id="75" name="组合 74"/>
-          <p:cNvGrpSpPr/>
-          <p:nvPr/>
-        </p:nvGrpSpPr>
-        <p:grpSpPr>
-          <a:xfrm>
-            <a:off x="2119408" y="3162092"/>
-            <a:ext cx="5617425" cy="459500"/>
-            <a:chOff x="745438" y="5437288"/>
-            <a:chExt cx="6164414" cy="555527"/>
-          </a:xfrm>
-        </p:grpSpPr>
-        <p:sp>
-          <p:nvSpPr>
-            <p:cNvPr id="78" name="左大括号 77"/>
-            <p:cNvSpPr/>
-            <p:nvPr/>
-          </p:nvSpPr>
-          <p:spPr>
-            <a:xfrm rot="16200000">
-              <a:off x="1400555" y="4952108"/>
-              <a:ext cx="135376" cy="1105735"/>
-            </a:xfrm>
-            <a:prstGeom prst="leftBrace">
-              <a:avLst>
-                <a:gd name="adj1" fmla="val 30437"/>
-                <a:gd name="adj2" fmla="val 50000"/>
-              </a:avLst>
-            </a:prstGeom>
-            <a:ln w="12700">
-              <a:solidFill>
-                <a:schemeClr val="tx1"/>
-              </a:solidFill>
-            </a:ln>
-          </p:spPr>
-          <p:style>
-            <a:lnRef idx="1">
-              <a:schemeClr val="accent1"/>
-            </a:lnRef>
-            <a:fillRef idx="0">
-              <a:schemeClr val="accent1"/>
-            </a:fillRef>
-            <a:effectRef idx="0">
-              <a:schemeClr val="accent1"/>
-            </a:effectRef>
-            <a:fontRef idx="minor">
-              <a:schemeClr val="tx1"/>
-            </a:fontRef>
-          </p:style>
-          <p:txBody>
-            <a:bodyPr rtlCol="0" anchor="ctr"/>
-            <a:lstStyle/>
-            <a:p>
-              <a:pPr algn="ctr"/>
-              <a:endParaRPr lang="zh-CN" altLang="en-US"/>
-            </a:p>
-          </p:txBody>
-        </p:sp>
-        <p:sp>
-          <p:nvSpPr>
-            <p:cNvPr id="79" name="左大括号 78"/>
-            <p:cNvSpPr/>
-            <p:nvPr/>
-          </p:nvSpPr>
-          <p:spPr>
-            <a:xfrm rot="16200000">
-              <a:off x="3076698" y="4414322"/>
-              <a:ext cx="163986" cy="2209920"/>
-            </a:xfrm>
-            <a:prstGeom prst="leftBrace">
-              <a:avLst>
-                <a:gd name="adj1" fmla="val 30437"/>
-                <a:gd name="adj2" fmla="val 50000"/>
-              </a:avLst>
-            </a:prstGeom>
-            <a:ln w="12700">
-              <a:solidFill>
-                <a:schemeClr val="tx1"/>
-              </a:solidFill>
-            </a:ln>
-          </p:spPr>
-          <p:style>
-            <a:lnRef idx="1">
-              <a:schemeClr val="accent1"/>
-            </a:lnRef>
-            <a:fillRef idx="0">
-              <a:schemeClr val="accent1"/>
-            </a:fillRef>
-            <a:effectRef idx="0">
-              <a:schemeClr val="accent1"/>
-            </a:effectRef>
-            <a:fontRef idx="minor">
-              <a:schemeClr val="tx1"/>
-            </a:fontRef>
-          </p:style>
-          <p:txBody>
-            <a:bodyPr rtlCol="0" anchor="ctr"/>
-            <a:lstStyle/>
-            <a:p>
-              <a:pPr algn="ctr"/>
-              <a:endParaRPr lang="zh-CN" altLang="en-US"/>
-            </a:p>
-          </p:txBody>
-        </p:sp>
-        <p:sp>
-          <p:nvSpPr>
-            <p:cNvPr id="80" name="左大括号 79"/>
-            <p:cNvSpPr/>
-            <p:nvPr/>
-          </p:nvSpPr>
-          <p:spPr>
-            <a:xfrm rot="16200000">
-              <a:off x="5521069" y="4212490"/>
-              <a:ext cx="163984" cy="2613583"/>
-            </a:xfrm>
-            <a:prstGeom prst="leftBrace">
-              <a:avLst>
-                <a:gd name="adj1" fmla="val 30437"/>
-                <a:gd name="adj2" fmla="val 50000"/>
-              </a:avLst>
-            </a:prstGeom>
-            <a:ln w="12700">
-              <a:solidFill>
-                <a:schemeClr val="tx1"/>
-              </a:solidFill>
-            </a:ln>
-          </p:spPr>
-          <p:style>
-            <a:lnRef idx="1">
-              <a:schemeClr val="accent1"/>
-            </a:lnRef>
-            <a:fillRef idx="0">
-              <a:schemeClr val="accent1"/>
-            </a:fillRef>
-            <a:effectRef idx="0">
-              <a:schemeClr val="accent1"/>
-            </a:effectRef>
-            <a:fontRef idx="minor">
-              <a:schemeClr val="tx1"/>
-            </a:fontRef>
-          </p:style>
-          <p:txBody>
-            <a:bodyPr rtlCol="0" anchor="ctr"/>
-            <a:lstStyle/>
-            <a:p>
-              <a:pPr algn="ctr"/>
-              <a:endParaRPr lang="zh-CN" altLang="en-US"/>
-            </a:p>
-          </p:txBody>
-        </p:sp>
-        <p:sp>
-          <p:nvSpPr>
-            <p:cNvPr id="81" name="文本框 80"/>
-            <p:cNvSpPr txBox="1"/>
-            <p:nvPr/>
-          </p:nvSpPr>
-          <p:spPr>
-            <a:xfrm>
-              <a:off x="745438" y="5542311"/>
-              <a:ext cx="1458611" cy="450504"/>
-            </a:xfrm>
-            <a:prstGeom prst="rect">
-              <a:avLst/>
-            </a:prstGeom>
-            <a:noFill/>
-          </p:spPr>
-          <p:txBody>
-            <a:bodyPr wrap="square" rtlCol="0">
-              <a:spAutoFit/>
-            </a:bodyPr>
-            <a:lstStyle/>
-            <a:p>
-              <a:pPr algn="ctr"/>
-              <a:r>
-                <a:rPr lang="zh-CN" altLang="en-US" sz="1200" dirty="0"/>
-                <a:t>象限索引</a:t>
-              </a:r>
-            </a:p>
-          </p:txBody>
-        </p:sp>
-        <p:sp>
-          <p:nvSpPr>
-            <p:cNvPr id="82" name="文本框 81"/>
-            <p:cNvSpPr txBox="1"/>
-            <p:nvPr/>
-          </p:nvSpPr>
-          <p:spPr>
-            <a:xfrm>
-              <a:off x="2030747" y="5542315"/>
-              <a:ext cx="2255886" cy="334887"/>
-            </a:xfrm>
-            <a:prstGeom prst="rect">
-              <a:avLst/>
-            </a:prstGeom>
-            <a:noFill/>
-          </p:spPr>
-          <p:txBody>
-            <a:bodyPr wrap="square" rtlCol="0">
-              <a:spAutoFit/>
-            </a:bodyPr>
-            <a:lstStyle/>
-            <a:p>
-              <a:pPr algn="ctr"/>
-              <a:r>
-                <a:rPr lang="zh-CN" altLang="en-US" sz="1200" dirty="0"/>
-                <a:t>查找表索引</a:t>
-              </a:r>
-            </a:p>
-          </p:txBody>
-        </p:sp>
-        <p:sp>
-          <p:nvSpPr>
-            <p:cNvPr id="83" name="文本框 82"/>
-            <p:cNvSpPr txBox="1"/>
-            <p:nvPr/>
-          </p:nvSpPr>
-          <p:spPr>
-            <a:xfrm>
-              <a:off x="4296269" y="5544965"/>
-              <a:ext cx="2613581" cy="276999"/>
-            </a:xfrm>
-            <a:prstGeom prst="rect">
-              <a:avLst/>
-            </a:prstGeom>
-            <a:noFill/>
-          </p:spPr>
-          <p:txBody>
-            <a:bodyPr wrap="square" rtlCol="0">
-              <a:spAutoFit/>
-            </a:bodyPr>
-            <a:lstStyle/>
-            <a:p>
-              <a:pPr algn="ctr"/>
-              <a:r>
-                <a:rPr lang="zh-CN" altLang="en-US" sz="1200" dirty="0"/>
-                <a:t>旋转索引</a:t>
-              </a:r>
-            </a:p>
-          </p:txBody>
-        </p:sp>
-      </p:grpSp>
-      <p:graphicFrame>
-        <p:nvGraphicFramePr>
-          <p:cNvPr id="84" name="表格 83"/>
-          <p:cNvGraphicFramePr>
-            <a:graphicFrameLocks noGrp="1"/>
-          </p:cNvGraphicFramePr>
-          <p:nvPr>
-            <p:extLst>
-              <p:ext uri="{D42A27DB-BD31-4B8C-83A1-F6EECF244321}">
-                <p14:modId xmlns:p14="http://schemas.microsoft.com/office/powerpoint/2010/main" val="2125350171"/>
-              </p:ext>
-            </p:extLst>
-          </p:nvPr>
-        </p:nvGraphicFramePr>
-        <p:xfrm>
-          <a:off x="2234514" y="2786141"/>
-          <a:ext cx="5462576" cy="348304"/>
-        </p:xfrm>
-        <a:graphic>
-          <a:graphicData uri="http://schemas.openxmlformats.org/drawingml/2006/table">
-            <a:tbl>
-              <a:tblPr firstRow="1" bandRow="1">
-                <a:tableStyleId>{5C22544A-7EE6-4342-B048-85BDC9FD1C3A}</a:tableStyleId>
-              </a:tblPr>
-              <a:tblGrid>
-                <a:gridCol w="341411">
-                  <a:extLst>
-                    <a:ext uri="{9D8B030D-6E8A-4147-A177-3AD203B41FA5}">
-                      <a16:colId xmlns:a16="http://schemas.microsoft.com/office/drawing/2014/main" xmlns="" val="20000"/>
-                    </a:ext>
-                  </a:extLst>
-                </a:gridCol>
-                <a:gridCol w="341411">
-                  <a:extLst>
-                    <a:ext uri="{9D8B030D-6E8A-4147-A177-3AD203B41FA5}">
-                      <a16:colId xmlns:a16="http://schemas.microsoft.com/office/drawing/2014/main" xmlns="" val="20001"/>
-                    </a:ext>
-                  </a:extLst>
-                </a:gridCol>
-                <a:gridCol w="341411">
-                  <a:extLst>
-                    <a:ext uri="{9D8B030D-6E8A-4147-A177-3AD203B41FA5}">
-                      <a16:colId xmlns:a16="http://schemas.microsoft.com/office/drawing/2014/main" xmlns="" val="20002"/>
-                    </a:ext>
-                  </a:extLst>
-                </a:gridCol>
-                <a:gridCol w="341411">
-                  <a:extLst>
-                    <a:ext uri="{9D8B030D-6E8A-4147-A177-3AD203B41FA5}">
-                      <a16:colId xmlns:a16="http://schemas.microsoft.com/office/drawing/2014/main" xmlns="" val="20003"/>
-                    </a:ext>
-                  </a:extLst>
-                </a:gridCol>
-                <a:gridCol w="341411">
-                  <a:extLst>
-                    <a:ext uri="{9D8B030D-6E8A-4147-A177-3AD203B41FA5}">
-                      <a16:colId xmlns:a16="http://schemas.microsoft.com/office/drawing/2014/main" xmlns="" val="20004"/>
-                    </a:ext>
-                  </a:extLst>
-                </a:gridCol>
-                <a:gridCol w="341411">
-                  <a:extLst>
-                    <a:ext uri="{9D8B030D-6E8A-4147-A177-3AD203B41FA5}">
-                      <a16:colId xmlns:a16="http://schemas.microsoft.com/office/drawing/2014/main" xmlns="" val="20005"/>
-                    </a:ext>
-                  </a:extLst>
-                </a:gridCol>
-                <a:gridCol w="341411">
-                  <a:extLst>
-                    <a:ext uri="{9D8B030D-6E8A-4147-A177-3AD203B41FA5}">
-                      <a16:colId xmlns:a16="http://schemas.microsoft.com/office/drawing/2014/main" xmlns="" val="20006"/>
-                    </a:ext>
-                  </a:extLst>
-                </a:gridCol>
-                <a:gridCol w="341411">
-                  <a:extLst>
-                    <a:ext uri="{9D8B030D-6E8A-4147-A177-3AD203B41FA5}">
-                      <a16:colId xmlns:a16="http://schemas.microsoft.com/office/drawing/2014/main" xmlns="" val="20007"/>
-                    </a:ext>
-                  </a:extLst>
-                </a:gridCol>
-                <a:gridCol w="341411">
-                  <a:extLst>
-                    <a:ext uri="{9D8B030D-6E8A-4147-A177-3AD203B41FA5}">
-                      <a16:colId xmlns:a16="http://schemas.microsoft.com/office/drawing/2014/main" xmlns="" val="20008"/>
-                    </a:ext>
-                  </a:extLst>
-                </a:gridCol>
-                <a:gridCol w="341411">
-                  <a:extLst>
-                    <a:ext uri="{9D8B030D-6E8A-4147-A177-3AD203B41FA5}">
-                      <a16:colId xmlns:a16="http://schemas.microsoft.com/office/drawing/2014/main" xmlns="" val="20009"/>
-                    </a:ext>
-                  </a:extLst>
-                </a:gridCol>
-                <a:gridCol w="341411">
-                  <a:extLst>
-                    <a:ext uri="{9D8B030D-6E8A-4147-A177-3AD203B41FA5}">
-                      <a16:colId xmlns:a16="http://schemas.microsoft.com/office/drawing/2014/main" xmlns="" val="20010"/>
-                    </a:ext>
-                  </a:extLst>
-                </a:gridCol>
-                <a:gridCol w="341411">
-                  <a:extLst>
-                    <a:ext uri="{9D8B030D-6E8A-4147-A177-3AD203B41FA5}">
-                      <a16:colId xmlns:a16="http://schemas.microsoft.com/office/drawing/2014/main" xmlns="" val="20011"/>
-                    </a:ext>
-                  </a:extLst>
-                </a:gridCol>
-                <a:gridCol w="341411">
-                  <a:extLst>
-                    <a:ext uri="{9D8B030D-6E8A-4147-A177-3AD203B41FA5}">
-                      <a16:colId xmlns:a16="http://schemas.microsoft.com/office/drawing/2014/main" xmlns="" val="20012"/>
-                    </a:ext>
-                  </a:extLst>
-                </a:gridCol>
-                <a:gridCol w="341411">
-                  <a:extLst>
-                    <a:ext uri="{9D8B030D-6E8A-4147-A177-3AD203B41FA5}">
-                      <a16:colId xmlns:a16="http://schemas.microsoft.com/office/drawing/2014/main" xmlns="" val="20013"/>
-                    </a:ext>
-                  </a:extLst>
-                </a:gridCol>
-                <a:gridCol w="341411">
-                  <a:extLst>
-                    <a:ext uri="{9D8B030D-6E8A-4147-A177-3AD203B41FA5}">
-                      <a16:colId xmlns:a16="http://schemas.microsoft.com/office/drawing/2014/main" xmlns="" val="20014"/>
-                    </a:ext>
-                  </a:extLst>
-                </a:gridCol>
-                <a:gridCol w="341411">
-                  <a:extLst>
-                    <a:ext uri="{9D8B030D-6E8A-4147-A177-3AD203B41FA5}">
-                      <a16:colId xmlns:a16="http://schemas.microsoft.com/office/drawing/2014/main" xmlns="" val="20015"/>
-                    </a:ext>
-                  </a:extLst>
-                </a:gridCol>
-              </a:tblGrid>
-              <a:tr h="348304">
-                <a:tc>
-                  <a:txBody>
-                    <a:bodyPr/>
-                    <a:lstStyle/>
-                    <a:p>
-                      <a:endParaRPr lang="zh-CN" altLang="en-US" sz="1200" dirty="0"/>
-                    </a:p>
-                  </a:txBody>
-                  <a:tcPr marL="85883" marR="85883" marT="42942" marB="42942">
-                    <a:lnL w="12700" cap="flat" cmpd="sng" algn="ctr">
-                      <a:solidFill>
-                        <a:schemeClr val="tx1"/>
-                      </a:solidFill>
-                      <a:prstDash val="solid"/>
-                      <a:round/>
-                      <a:headEnd type="none" w="med" len="med"/>
-                      <a:tailEnd type="none" w="med" len="med"/>
-                    </a:lnL>
-                    <a:lnR w="12700" cap="flat" cmpd="sng" algn="ctr">
-                      <a:solidFill>
-                        <a:schemeClr val="tx1"/>
-                      </a:solidFill>
-                      <a:prstDash val="solid"/>
-                      <a:round/>
-                      <a:headEnd type="none" w="med" len="med"/>
-                      <a:tailEnd type="none" w="med" len="med"/>
-                    </a:lnR>
-                    <a:lnT w="12700" cap="flat" cmpd="sng" algn="ctr">
-                      <a:solidFill>
-                        <a:schemeClr val="tx1"/>
-                      </a:solidFill>
-                      <a:prstDash val="solid"/>
-                      <a:round/>
-                      <a:headEnd type="none" w="med" len="med"/>
-                      <a:tailEnd type="none" w="med" len="med"/>
-                    </a:lnT>
-                    <a:lnB w="12700" cap="flat" cmpd="sng" algn="ctr">
-                      <a:solidFill>
-                        <a:schemeClr val="tx1"/>
-                      </a:solidFill>
-                      <a:prstDash val="solid"/>
-                      <a:round/>
-                      <a:headEnd type="none" w="med" len="med"/>
-                      <a:tailEnd type="none" w="med" len="med"/>
-                    </a:lnB>
-                    <a:solidFill>
-                      <a:srgbClr val="FF0000"/>
-                    </a:solidFill>
-                  </a:tcPr>
-                </a:tc>
-                <a:tc>
-                  <a:txBody>
-                    <a:bodyPr/>
-                    <a:lstStyle/>
-                    <a:p>
-                      <a:endParaRPr lang="zh-CN" altLang="en-US" sz="1200" dirty="0"/>
-                    </a:p>
-                  </a:txBody>
-                  <a:tcPr marL="85883" marR="85883" marT="42942" marB="42942">
-                    <a:lnL w="12700" cap="flat" cmpd="sng" algn="ctr">
-                      <a:solidFill>
-                        <a:schemeClr val="tx1"/>
-                      </a:solidFill>
-                      <a:prstDash val="solid"/>
-                      <a:round/>
-                      <a:headEnd type="none" w="med" len="med"/>
-                      <a:tailEnd type="none" w="med" len="med"/>
-                    </a:lnL>
-                    <a:lnR w="12700" cap="flat" cmpd="sng" algn="ctr">
-                      <a:solidFill>
-                        <a:schemeClr val="tx1"/>
-                      </a:solidFill>
-                      <a:prstDash val="solid"/>
-                      <a:round/>
-                      <a:headEnd type="none" w="med" len="med"/>
-                      <a:tailEnd type="none" w="med" len="med"/>
-                    </a:lnR>
-                    <a:lnT w="12700" cap="flat" cmpd="sng" algn="ctr">
-                      <a:solidFill>
-                        <a:schemeClr val="tx1"/>
-                      </a:solidFill>
-                      <a:prstDash val="solid"/>
-                      <a:round/>
-                      <a:headEnd type="none" w="med" len="med"/>
-                      <a:tailEnd type="none" w="med" len="med"/>
-                    </a:lnT>
-                    <a:lnB w="12700" cap="flat" cmpd="sng" algn="ctr">
-                      <a:solidFill>
-                        <a:schemeClr val="tx1"/>
-                      </a:solidFill>
-                      <a:prstDash val="solid"/>
-                      <a:round/>
-                      <a:headEnd type="none" w="med" len="med"/>
-                      <a:tailEnd type="none" w="med" len="med"/>
-                    </a:lnB>
-                    <a:solidFill>
-                      <a:srgbClr val="FF0000"/>
-                    </a:solidFill>
-                  </a:tcPr>
-                </a:tc>
-                <a:tc>
-                  <a:txBody>
-                    <a:bodyPr/>
-                    <a:lstStyle/>
-                    <a:p>
-                      <a:endParaRPr lang="zh-CN" altLang="en-US" sz="1200" dirty="0"/>
-                    </a:p>
-                  </a:txBody>
-                  <a:tcPr marL="85883" marR="85883" marT="42942" marB="42942">
-                    <a:lnL w="12700" cap="flat" cmpd="sng" algn="ctr">
-                      <a:solidFill>
-                        <a:schemeClr val="tx1"/>
-                      </a:solidFill>
-                      <a:prstDash val="solid"/>
-                      <a:round/>
-                      <a:headEnd type="none" w="med" len="med"/>
-                      <a:tailEnd type="none" w="med" len="med"/>
-                    </a:lnL>
-                    <a:lnR w="12700" cap="flat" cmpd="sng" algn="ctr">
-                      <a:solidFill>
-                        <a:schemeClr val="tx1"/>
-                      </a:solidFill>
-                      <a:prstDash val="solid"/>
-                      <a:round/>
-                      <a:headEnd type="none" w="med" len="med"/>
-                      <a:tailEnd type="none" w="med" len="med"/>
-                    </a:lnR>
-                    <a:lnT w="12700" cap="flat" cmpd="sng" algn="ctr">
-                      <a:solidFill>
-                        <a:schemeClr val="tx1"/>
-                      </a:solidFill>
-                      <a:prstDash val="solid"/>
-                      <a:round/>
-                      <a:headEnd type="none" w="med" len="med"/>
-                      <a:tailEnd type="none" w="med" len="med"/>
-                    </a:lnT>
-                    <a:lnB w="12700" cap="flat" cmpd="sng" algn="ctr">
-                      <a:solidFill>
-                        <a:schemeClr val="tx1"/>
-                      </a:solidFill>
-                      <a:prstDash val="solid"/>
-                      <a:round/>
-                      <a:headEnd type="none" w="med" len="med"/>
-                      <a:tailEnd type="none" w="med" len="med"/>
-                    </a:lnB>
-                    <a:solidFill>
-                      <a:srgbClr val="FF0000"/>
-                    </a:solidFill>
-                  </a:tcPr>
-                </a:tc>
-                <a:tc>
-                  <a:txBody>
-                    <a:bodyPr/>
-                    <a:lstStyle/>
-                    <a:p>
-                      <a:endParaRPr lang="zh-CN" altLang="en-US" sz="1200" dirty="0">
-                        <a:solidFill>
-                          <a:srgbClr val="92D050"/>
-                        </a:solidFill>
-                      </a:endParaRPr>
-                    </a:p>
-                  </a:txBody>
-                  <a:tcPr marL="85883" marR="85883" marT="42942" marB="42942">
-                    <a:lnL w="12700" cap="flat" cmpd="sng" algn="ctr">
-                      <a:solidFill>
-                        <a:schemeClr val="tx1"/>
-                      </a:solidFill>
-                      <a:prstDash val="solid"/>
-                      <a:round/>
-                      <a:headEnd type="none" w="med" len="med"/>
-                      <a:tailEnd type="none" w="med" len="med"/>
-                    </a:lnL>
-                    <a:lnR w="12700" cap="flat" cmpd="sng" algn="ctr">
-                      <a:solidFill>
-                        <a:schemeClr val="tx1"/>
-                      </a:solidFill>
-                      <a:prstDash val="solid"/>
-                      <a:round/>
-                      <a:headEnd type="none" w="med" len="med"/>
-                      <a:tailEnd type="none" w="med" len="med"/>
-                    </a:lnR>
-                    <a:lnT w="12700" cap="flat" cmpd="sng" algn="ctr">
-                      <a:solidFill>
-                        <a:schemeClr val="tx1"/>
-                      </a:solidFill>
-                      <a:prstDash val="solid"/>
-                      <a:round/>
-                      <a:headEnd type="none" w="med" len="med"/>
-                      <a:tailEnd type="none" w="med" len="med"/>
-                    </a:lnT>
-                    <a:lnB w="12700" cap="flat" cmpd="sng" algn="ctr">
-                      <a:solidFill>
-                        <a:schemeClr val="tx1"/>
-                      </a:solidFill>
-                      <a:prstDash val="solid"/>
-                      <a:round/>
-                      <a:headEnd type="none" w="med" len="med"/>
-                      <a:tailEnd type="none" w="med" len="med"/>
-                    </a:lnB>
-                    <a:solidFill>
-                      <a:srgbClr val="92D050"/>
-                    </a:solidFill>
-                  </a:tcPr>
-                </a:tc>
-                <a:tc>
-                  <a:txBody>
-                    <a:bodyPr/>
-                    <a:lstStyle/>
-                    <a:p>
-                      <a:endParaRPr lang="zh-CN" altLang="en-US" sz="1200" dirty="0">
-                        <a:solidFill>
-                          <a:srgbClr val="92D050"/>
-                        </a:solidFill>
-                      </a:endParaRPr>
-                    </a:p>
-                  </a:txBody>
-                  <a:tcPr marL="85883" marR="85883" marT="42942" marB="42942">
-                    <a:lnL w="12700" cap="flat" cmpd="sng" algn="ctr">
-                      <a:solidFill>
-                        <a:schemeClr val="tx1"/>
-                      </a:solidFill>
-                      <a:prstDash val="solid"/>
-                      <a:round/>
-                      <a:headEnd type="none" w="med" len="med"/>
-                      <a:tailEnd type="none" w="med" len="med"/>
-                    </a:lnL>
-                    <a:lnR w="12700" cap="flat" cmpd="sng" algn="ctr">
-                      <a:solidFill>
-                        <a:schemeClr val="tx1"/>
-                      </a:solidFill>
-                      <a:prstDash val="solid"/>
-                      <a:round/>
-                      <a:headEnd type="none" w="med" len="med"/>
-                      <a:tailEnd type="none" w="med" len="med"/>
-                    </a:lnR>
-                    <a:lnT w="12700" cap="flat" cmpd="sng" algn="ctr">
-                      <a:solidFill>
-                        <a:schemeClr val="tx1"/>
-                      </a:solidFill>
-                      <a:prstDash val="solid"/>
-                      <a:round/>
-                      <a:headEnd type="none" w="med" len="med"/>
-                      <a:tailEnd type="none" w="med" len="med"/>
-                    </a:lnT>
-                    <a:lnB w="12700" cap="flat" cmpd="sng" algn="ctr">
-                      <a:solidFill>
-                        <a:schemeClr val="tx1"/>
-                      </a:solidFill>
-                      <a:prstDash val="solid"/>
-                      <a:round/>
-                      <a:headEnd type="none" w="med" len="med"/>
-                      <a:tailEnd type="none" w="med" len="med"/>
-                    </a:lnB>
-                    <a:solidFill>
-                      <a:srgbClr val="92D050"/>
-                    </a:solidFill>
-                  </a:tcPr>
-                </a:tc>
-                <a:tc>
-                  <a:txBody>
-                    <a:bodyPr/>
-                    <a:lstStyle/>
-                    <a:p>
-                      <a:endParaRPr lang="zh-CN" altLang="en-US" sz="1200" dirty="0">
-                        <a:solidFill>
-                          <a:srgbClr val="92D050"/>
-                        </a:solidFill>
-                      </a:endParaRPr>
-                    </a:p>
-                  </a:txBody>
-                  <a:tcPr marL="85883" marR="85883" marT="42942" marB="42942">
-                    <a:lnL w="12700" cap="flat" cmpd="sng" algn="ctr">
-                      <a:solidFill>
-                        <a:schemeClr val="tx1"/>
-                      </a:solidFill>
-                      <a:prstDash val="solid"/>
-                      <a:round/>
-                      <a:headEnd type="none" w="med" len="med"/>
-                      <a:tailEnd type="none" w="med" len="med"/>
-                    </a:lnL>
-                    <a:lnR w="12700" cap="flat" cmpd="sng" algn="ctr">
-                      <a:solidFill>
-                        <a:schemeClr val="tx1"/>
-                      </a:solidFill>
-                      <a:prstDash val="solid"/>
-                      <a:round/>
-                      <a:headEnd type="none" w="med" len="med"/>
-                      <a:tailEnd type="none" w="med" len="med"/>
-                    </a:lnR>
-                    <a:lnT w="12700" cap="flat" cmpd="sng" algn="ctr">
-                      <a:solidFill>
-                        <a:schemeClr val="tx1"/>
-                      </a:solidFill>
-                      <a:prstDash val="solid"/>
-                      <a:round/>
-                      <a:headEnd type="none" w="med" len="med"/>
-                      <a:tailEnd type="none" w="med" len="med"/>
-                    </a:lnT>
-                    <a:lnB w="12700" cap="flat" cmpd="sng" algn="ctr">
-                      <a:solidFill>
-                        <a:schemeClr val="tx1"/>
-                      </a:solidFill>
-                      <a:prstDash val="solid"/>
-                      <a:round/>
-                      <a:headEnd type="none" w="med" len="med"/>
-                      <a:tailEnd type="none" w="med" len="med"/>
-                    </a:lnB>
-                    <a:solidFill>
-                      <a:srgbClr val="92D050"/>
-                    </a:solidFill>
-                  </a:tcPr>
-                </a:tc>
-                <a:tc>
-                  <a:txBody>
-                    <a:bodyPr/>
-                    <a:lstStyle/>
-                    <a:p>
-                      <a:endParaRPr lang="zh-CN" altLang="en-US" sz="1200" dirty="0">
-                        <a:solidFill>
-                          <a:srgbClr val="92D050"/>
-                        </a:solidFill>
-                      </a:endParaRPr>
-                    </a:p>
-                  </a:txBody>
-                  <a:tcPr marL="85883" marR="85883" marT="42942" marB="42942">
-                    <a:lnL w="12700" cap="flat" cmpd="sng" algn="ctr">
-                      <a:solidFill>
-                        <a:schemeClr val="tx1"/>
-                      </a:solidFill>
-                      <a:prstDash val="solid"/>
-                      <a:round/>
-                      <a:headEnd type="none" w="med" len="med"/>
-                      <a:tailEnd type="none" w="med" len="med"/>
-                    </a:lnL>
-                    <a:lnR w="12700" cap="flat" cmpd="sng" algn="ctr">
-                      <a:solidFill>
-                        <a:schemeClr val="tx1"/>
-                      </a:solidFill>
-                      <a:prstDash val="solid"/>
-                      <a:round/>
-                      <a:headEnd type="none" w="med" len="med"/>
-                      <a:tailEnd type="none" w="med" len="med"/>
-                    </a:lnR>
-                    <a:lnT w="12700" cap="flat" cmpd="sng" algn="ctr">
-                      <a:solidFill>
-                        <a:schemeClr val="tx1"/>
-                      </a:solidFill>
-                      <a:prstDash val="solid"/>
-                      <a:round/>
-                      <a:headEnd type="none" w="med" len="med"/>
-                      <a:tailEnd type="none" w="med" len="med"/>
-                    </a:lnT>
-                    <a:lnB w="12700" cap="flat" cmpd="sng" algn="ctr">
-                      <a:solidFill>
-                        <a:schemeClr val="tx1"/>
-                      </a:solidFill>
-                      <a:prstDash val="solid"/>
-                      <a:round/>
-                      <a:headEnd type="none" w="med" len="med"/>
-                      <a:tailEnd type="none" w="med" len="med"/>
-                    </a:lnB>
-                    <a:solidFill>
-                      <a:srgbClr val="92D050"/>
-                    </a:solidFill>
-                  </a:tcPr>
-                </a:tc>
-                <a:tc>
-                  <a:txBody>
-                    <a:bodyPr/>
-                    <a:lstStyle/>
-                    <a:p>
-                      <a:endParaRPr lang="zh-CN" altLang="en-US" sz="1200" dirty="0">
-                        <a:solidFill>
-                          <a:srgbClr val="92D050"/>
-                        </a:solidFill>
-                      </a:endParaRPr>
-                    </a:p>
-                  </a:txBody>
-                  <a:tcPr marL="85883" marR="85883" marT="42942" marB="42942">
-                    <a:lnL w="12700" cap="flat" cmpd="sng" algn="ctr">
-                      <a:solidFill>
-                        <a:schemeClr val="tx1"/>
-                      </a:solidFill>
-                      <a:prstDash val="solid"/>
-                      <a:round/>
-                      <a:headEnd type="none" w="med" len="med"/>
-                      <a:tailEnd type="none" w="med" len="med"/>
-                    </a:lnL>
-                    <a:lnR w="12700" cap="flat" cmpd="sng" algn="ctr">
-                      <a:solidFill>
-                        <a:schemeClr val="tx1"/>
-                      </a:solidFill>
-                      <a:prstDash val="solid"/>
-                      <a:round/>
-                      <a:headEnd type="none" w="med" len="med"/>
-                      <a:tailEnd type="none" w="med" len="med"/>
-                    </a:lnR>
-                    <a:lnT w="12700" cap="flat" cmpd="sng" algn="ctr">
-                      <a:solidFill>
-                        <a:schemeClr val="tx1"/>
-                      </a:solidFill>
-                      <a:prstDash val="solid"/>
-                      <a:round/>
-                      <a:headEnd type="none" w="med" len="med"/>
-                      <a:tailEnd type="none" w="med" len="med"/>
-                    </a:lnT>
-                    <a:lnB w="12700" cap="flat" cmpd="sng" algn="ctr">
-                      <a:solidFill>
-                        <a:schemeClr val="tx1"/>
-                      </a:solidFill>
-                      <a:prstDash val="solid"/>
-                      <a:round/>
-                      <a:headEnd type="none" w="med" len="med"/>
-                      <a:tailEnd type="none" w="med" len="med"/>
-                    </a:lnB>
-                    <a:solidFill>
-                      <a:srgbClr val="92D050"/>
-                    </a:solidFill>
-                  </a:tcPr>
-                </a:tc>
-                <a:tc>
-                  <a:txBody>
-                    <a:bodyPr/>
-                    <a:lstStyle/>
-                    <a:p>
-                      <a:endParaRPr lang="zh-CN" altLang="en-US" sz="1200" dirty="0">
-                        <a:solidFill>
-                          <a:srgbClr val="92D050"/>
-                        </a:solidFill>
-                      </a:endParaRPr>
-                    </a:p>
-                  </a:txBody>
-                  <a:tcPr marL="85883" marR="85883" marT="42942" marB="42942">
-                    <a:lnL w="12700" cap="flat" cmpd="sng" algn="ctr">
-                      <a:solidFill>
-                        <a:schemeClr val="tx1"/>
-                      </a:solidFill>
-                      <a:prstDash val="solid"/>
-                      <a:round/>
-                      <a:headEnd type="none" w="med" len="med"/>
-                      <a:tailEnd type="none" w="med" len="med"/>
-                    </a:lnL>
-                    <a:lnR w="12700" cap="flat" cmpd="sng" algn="ctr">
-                      <a:solidFill>
-                        <a:schemeClr val="tx1"/>
-                      </a:solidFill>
-                      <a:prstDash val="solid"/>
-                      <a:round/>
-                      <a:headEnd type="none" w="med" len="med"/>
-                      <a:tailEnd type="none" w="med" len="med"/>
-                    </a:lnR>
-                    <a:lnT w="12700" cap="flat" cmpd="sng" algn="ctr">
-                      <a:solidFill>
-                        <a:schemeClr val="tx1"/>
-                      </a:solidFill>
-                      <a:prstDash val="solid"/>
-                      <a:round/>
-                      <a:headEnd type="none" w="med" len="med"/>
-                      <a:tailEnd type="none" w="med" len="med"/>
-                    </a:lnT>
-                    <a:lnB w="12700" cap="flat" cmpd="sng" algn="ctr">
-                      <a:solidFill>
-                        <a:schemeClr val="tx1"/>
-                      </a:solidFill>
-                      <a:prstDash val="solid"/>
-                      <a:round/>
-                      <a:headEnd type="none" w="med" len="med"/>
-                      <a:tailEnd type="none" w="med" len="med"/>
-                    </a:lnB>
-                    <a:solidFill>
-                      <a:srgbClr val="92D050"/>
-                    </a:solidFill>
-                  </a:tcPr>
-                </a:tc>
-                <a:tc>
-                  <a:txBody>
-                    <a:bodyPr/>
-                    <a:lstStyle/>
-                    <a:p>
-                      <a:endParaRPr lang="zh-CN" altLang="en-US" sz="1200" dirty="0"/>
-                    </a:p>
-                  </a:txBody>
-                  <a:tcPr marL="85883" marR="85883" marT="42942" marB="42942">
-                    <a:lnL w="12700" cap="flat" cmpd="sng" algn="ctr">
-                      <a:solidFill>
-                        <a:schemeClr val="tx1"/>
-                      </a:solidFill>
-                      <a:prstDash val="solid"/>
-                      <a:round/>
-                      <a:headEnd type="none" w="med" len="med"/>
-                      <a:tailEnd type="none" w="med" len="med"/>
-                    </a:lnL>
-                    <a:lnR w="12700" cap="flat" cmpd="sng" algn="ctr">
-                      <a:solidFill>
-                        <a:schemeClr val="tx1"/>
-                      </a:solidFill>
-                      <a:prstDash val="solid"/>
-                      <a:round/>
-                      <a:headEnd type="none" w="med" len="med"/>
-                      <a:tailEnd type="none" w="med" len="med"/>
-                    </a:lnR>
-                    <a:lnT w="12700" cap="flat" cmpd="sng" algn="ctr">
-                      <a:solidFill>
-                        <a:schemeClr val="tx1"/>
-                      </a:solidFill>
-                      <a:prstDash val="solid"/>
-                      <a:round/>
-                      <a:headEnd type="none" w="med" len="med"/>
-                      <a:tailEnd type="none" w="med" len="med"/>
-                    </a:lnT>
-                    <a:lnB w="12700" cap="flat" cmpd="sng" algn="ctr">
-                      <a:solidFill>
-                        <a:schemeClr val="tx1"/>
-                      </a:solidFill>
-                      <a:prstDash val="solid"/>
-                      <a:round/>
-                      <a:headEnd type="none" w="med" len="med"/>
-                      <a:tailEnd type="none" w="med" len="med"/>
-                    </a:lnB>
-                    <a:solidFill>
-                      <a:srgbClr val="00B0F0"/>
-                    </a:solidFill>
-                  </a:tcPr>
-                </a:tc>
-                <a:tc>
-                  <a:txBody>
-                    <a:bodyPr/>
-                    <a:lstStyle/>
-                    <a:p>
-                      <a:endParaRPr lang="zh-CN" altLang="en-US" sz="1200" dirty="0"/>
-                    </a:p>
-                  </a:txBody>
-                  <a:tcPr marL="85883" marR="85883" marT="42942" marB="42942">
-                    <a:lnL w="12700" cap="flat" cmpd="sng" algn="ctr">
-                      <a:solidFill>
-                        <a:schemeClr val="tx1"/>
-                      </a:solidFill>
-                      <a:prstDash val="solid"/>
-                      <a:round/>
-                      <a:headEnd type="none" w="med" len="med"/>
-                      <a:tailEnd type="none" w="med" len="med"/>
-                    </a:lnL>
-                    <a:lnR w="12700" cap="flat" cmpd="sng" algn="ctr">
-                      <a:solidFill>
-                        <a:schemeClr val="tx1"/>
-                      </a:solidFill>
-                      <a:prstDash val="solid"/>
-                      <a:round/>
-                      <a:headEnd type="none" w="med" len="med"/>
-                      <a:tailEnd type="none" w="med" len="med"/>
-                    </a:lnR>
-                    <a:lnT w="12700" cap="flat" cmpd="sng" algn="ctr">
-                      <a:solidFill>
-                        <a:schemeClr val="tx1"/>
-                      </a:solidFill>
-                      <a:prstDash val="solid"/>
-                      <a:round/>
-                      <a:headEnd type="none" w="med" len="med"/>
-                      <a:tailEnd type="none" w="med" len="med"/>
-                    </a:lnT>
-                    <a:lnB w="12700" cap="flat" cmpd="sng" algn="ctr">
-                      <a:solidFill>
-                        <a:schemeClr val="tx1"/>
-                      </a:solidFill>
-                      <a:prstDash val="solid"/>
-                      <a:round/>
-                      <a:headEnd type="none" w="med" len="med"/>
-                      <a:tailEnd type="none" w="med" len="med"/>
-                    </a:lnB>
-                    <a:solidFill>
-                      <a:srgbClr val="00B0F0"/>
-                    </a:solidFill>
-                  </a:tcPr>
-                </a:tc>
-                <a:tc>
-                  <a:txBody>
-                    <a:bodyPr/>
-                    <a:lstStyle/>
-                    <a:p>
-                      <a:endParaRPr lang="zh-CN" altLang="en-US" sz="1200" dirty="0"/>
-                    </a:p>
-                  </a:txBody>
-                  <a:tcPr marL="85883" marR="85883" marT="42942" marB="42942">
-                    <a:lnL w="12700" cap="flat" cmpd="sng" algn="ctr">
-                      <a:solidFill>
-                        <a:schemeClr val="tx1"/>
-                      </a:solidFill>
-                      <a:prstDash val="solid"/>
-                      <a:round/>
-                      <a:headEnd type="none" w="med" len="med"/>
-                      <a:tailEnd type="none" w="med" len="med"/>
-                    </a:lnL>
-                    <a:lnR w="12700" cap="flat" cmpd="sng" algn="ctr">
-                      <a:solidFill>
-                        <a:schemeClr val="tx1"/>
-                      </a:solidFill>
-                      <a:prstDash val="solid"/>
-                      <a:round/>
-                      <a:headEnd type="none" w="med" len="med"/>
-                      <a:tailEnd type="none" w="med" len="med"/>
-                    </a:lnR>
-                    <a:lnT w="12700" cap="flat" cmpd="sng" algn="ctr">
-                      <a:solidFill>
-                        <a:schemeClr val="tx1"/>
-                      </a:solidFill>
-                      <a:prstDash val="solid"/>
-                      <a:round/>
-                      <a:headEnd type="none" w="med" len="med"/>
-                      <a:tailEnd type="none" w="med" len="med"/>
-                    </a:lnT>
-                    <a:lnB w="12700" cap="flat" cmpd="sng" algn="ctr">
-                      <a:solidFill>
-                        <a:schemeClr val="tx1"/>
-                      </a:solidFill>
-                      <a:prstDash val="solid"/>
-                      <a:round/>
-                      <a:headEnd type="none" w="med" len="med"/>
-                      <a:tailEnd type="none" w="med" len="med"/>
-                    </a:lnB>
-                    <a:solidFill>
-                      <a:srgbClr val="00B0F0"/>
-                    </a:solidFill>
-                  </a:tcPr>
-                </a:tc>
-                <a:tc>
-                  <a:txBody>
-                    <a:bodyPr/>
-                    <a:lstStyle/>
-                    <a:p>
-                      <a:endParaRPr lang="zh-CN" altLang="en-US" sz="1200" dirty="0"/>
-                    </a:p>
-                  </a:txBody>
-                  <a:tcPr marL="85883" marR="85883" marT="42942" marB="42942">
-                    <a:lnL w="12700" cap="flat" cmpd="sng" algn="ctr">
-                      <a:solidFill>
-                        <a:schemeClr val="tx1"/>
-                      </a:solidFill>
-                      <a:prstDash val="solid"/>
-                      <a:round/>
-                      <a:headEnd type="none" w="med" len="med"/>
-                      <a:tailEnd type="none" w="med" len="med"/>
-                    </a:lnL>
-                    <a:lnR w="12700" cap="flat" cmpd="sng" algn="ctr">
-                      <a:solidFill>
-                        <a:schemeClr val="tx1"/>
-                      </a:solidFill>
-                      <a:prstDash val="solid"/>
-                      <a:round/>
-                      <a:headEnd type="none" w="med" len="med"/>
-                      <a:tailEnd type="none" w="med" len="med"/>
-                    </a:lnR>
-                    <a:lnT w="12700" cap="flat" cmpd="sng" algn="ctr">
-                      <a:solidFill>
-                        <a:schemeClr val="tx1"/>
-                      </a:solidFill>
-                      <a:prstDash val="solid"/>
-                      <a:round/>
-                      <a:headEnd type="none" w="med" len="med"/>
-                      <a:tailEnd type="none" w="med" len="med"/>
-                    </a:lnT>
-                    <a:lnB w="12700" cap="flat" cmpd="sng" algn="ctr">
-                      <a:solidFill>
-                        <a:schemeClr val="tx1"/>
-                      </a:solidFill>
-                      <a:prstDash val="solid"/>
-                      <a:round/>
-                      <a:headEnd type="none" w="med" len="med"/>
-                      <a:tailEnd type="none" w="med" len="med"/>
-                    </a:lnB>
-                    <a:solidFill>
-                      <a:srgbClr val="00B0F0"/>
-                    </a:solidFill>
-                  </a:tcPr>
-                </a:tc>
-                <a:tc>
-                  <a:txBody>
-                    <a:bodyPr/>
-                    <a:lstStyle/>
-                    <a:p>
-                      <a:endParaRPr lang="zh-CN" altLang="en-US" sz="1200" dirty="0"/>
-                    </a:p>
-                  </a:txBody>
-                  <a:tcPr marL="85883" marR="85883" marT="42942" marB="42942">
-                    <a:lnL w="12700" cap="flat" cmpd="sng" algn="ctr">
-                      <a:solidFill>
-                        <a:schemeClr val="tx1"/>
-                      </a:solidFill>
-                      <a:prstDash val="solid"/>
-                      <a:round/>
-                      <a:headEnd type="none" w="med" len="med"/>
-                      <a:tailEnd type="none" w="med" len="med"/>
-                    </a:lnL>
-                    <a:lnR w="12700" cap="flat" cmpd="sng" algn="ctr">
-                      <a:solidFill>
-                        <a:schemeClr val="tx1"/>
-                      </a:solidFill>
-                      <a:prstDash val="solid"/>
-                      <a:round/>
-                      <a:headEnd type="none" w="med" len="med"/>
-                      <a:tailEnd type="none" w="med" len="med"/>
-                    </a:lnR>
-                    <a:lnT w="12700" cap="flat" cmpd="sng" algn="ctr">
-                      <a:solidFill>
-                        <a:schemeClr val="tx1"/>
-                      </a:solidFill>
-                      <a:prstDash val="solid"/>
-                      <a:round/>
-                      <a:headEnd type="none" w="med" len="med"/>
-                      <a:tailEnd type="none" w="med" len="med"/>
-                    </a:lnT>
-                    <a:lnB w="12700" cap="flat" cmpd="sng" algn="ctr">
-                      <a:solidFill>
-                        <a:schemeClr val="tx1"/>
-                      </a:solidFill>
-                      <a:prstDash val="solid"/>
-                      <a:round/>
-                      <a:headEnd type="none" w="med" len="med"/>
-                      <a:tailEnd type="none" w="med" len="med"/>
-                    </a:lnB>
-                    <a:solidFill>
-                      <a:srgbClr val="00B0F0"/>
-                    </a:solidFill>
-                  </a:tcPr>
-                </a:tc>
-                <a:tc>
-                  <a:txBody>
-                    <a:bodyPr/>
-                    <a:lstStyle/>
-                    <a:p>
-                      <a:endParaRPr lang="zh-CN" altLang="en-US" sz="1200" dirty="0"/>
-                    </a:p>
-                  </a:txBody>
-                  <a:tcPr marL="85883" marR="85883" marT="42942" marB="42942">
-                    <a:lnL w="12700" cap="flat" cmpd="sng" algn="ctr">
-                      <a:solidFill>
-                        <a:schemeClr val="tx1"/>
-                      </a:solidFill>
-                      <a:prstDash val="solid"/>
-                      <a:round/>
-                      <a:headEnd type="none" w="med" len="med"/>
-                      <a:tailEnd type="none" w="med" len="med"/>
-                    </a:lnL>
-                    <a:lnR w="12700" cap="flat" cmpd="sng" algn="ctr">
-                      <a:solidFill>
-                        <a:schemeClr val="tx1"/>
-                      </a:solidFill>
-                      <a:prstDash val="solid"/>
-                      <a:round/>
-                      <a:headEnd type="none" w="med" len="med"/>
-                      <a:tailEnd type="none" w="med" len="med"/>
-                    </a:lnR>
-                    <a:lnT w="12700" cap="flat" cmpd="sng" algn="ctr">
-                      <a:solidFill>
-                        <a:schemeClr val="tx1"/>
-                      </a:solidFill>
-                      <a:prstDash val="solid"/>
-                      <a:round/>
-                      <a:headEnd type="none" w="med" len="med"/>
-                      <a:tailEnd type="none" w="med" len="med"/>
-                    </a:lnT>
-                    <a:lnB w="12700" cap="flat" cmpd="sng" algn="ctr">
-                      <a:solidFill>
-                        <a:schemeClr val="tx1"/>
-                      </a:solidFill>
-                      <a:prstDash val="solid"/>
-                      <a:round/>
-                      <a:headEnd type="none" w="med" len="med"/>
-                      <a:tailEnd type="none" w="med" len="med"/>
-                    </a:lnB>
-                    <a:solidFill>
-                      <a:srgbClr val="00B0F0"/>
-                    </a:solidFill>
-                  </a:tcPr>
-                </a:tc>
-                <a:tc>
-                  <a:txBody>
-                    <a:bodyPr/>
-                    <a:lstStyle/>
-                    <a:p>
-                      <a:endParaRPr lang="zh-CN" altLang="en-US" sz="1200" dirty="0"/>
-                    </a:p>
-                  </a:txBody>
-                  <a:tcPr marL="85883" marR="85883" marT="42942" marB="42942">
-                    <a:lnL w="12700" cap="flat" cmpd="sng" algn="ctr">
-                      <a:solidFill>
-                        <a:schemeClr val="tx1"/>
-                      </a:solidFill>
-                      <a:prstDash val="solid"/>
-                      <a:round/>
-                      <a:headEnd type="none" w="med" len="med"/>
-                      <a:tailEnd type="none" w="med" len="med"/>
-                    </a:lnL>
-                    <a:lnR w="12700" cap="flat" cmpd="sng" algn="ctr">
-                      <a:solidFill>
-                        <a:schemeClr val="tx1"/>
-                      </a:solidFill>
-                      <a:prstDash val="solid"/>
-                      <a:round/>
-                      <a:headEnd type="none" w="med" len="med"/>
-                      <a:tailEnd type="none" w="med" len="med"/>
-                    </a:lnR>
-                    <a:lnT w="12700" cap="flat" cmpd="sng" algn="ctr">
-                      <a:solidFill>
-                        <a:schemeClr val="tx1"/>
-                      </a:solidFill>
-                      <a:prstDash val="solid"/>
-                      <a:round/>
-                      <a:headEnd type="none" w="med" len="med"/>
-                      <a:tailEnd type="none" w="med" len="med"/>
-                    </a:lnT>
-                    <a:lnB w="12700" cap="flat" cmpd="sng" algn="ctr">
-                      <a:solidFill>
-                        <a:schemeClr val="tx1"/>
-                      </a:solidFill>
-                      <a:prstDash val="solid"/>
-                      <a:round/>
-                      <a:headEnd type="none" w="med" len="med"/>
-                      <a:tailEnd type="none" w="med" len="med"/>
-                    </a:lnB>
-                    <a:solidFill>
-                      <a:srgbClr val="00B0F0"/>
-                    </a:solidFill>
-                  </a:tcPr>
-                </a:tc>
-                <a:extLst>
-                  <a:ext uri="{0D108BD9-81ED-4DB2-BD59-A6C34878D82A}">
-                    <a16:rowId xmlns:a16="http://schemas.microsoft.com/office/drawing/2014/main" xmlns="" val="10000"/>
-                  </a:ext>
-                </a:extLst>
-              </a:tr>
-            </a:tbl>
-          </a:graphicData>
-        </a:graphic>
-      </p:graphicFrame>
-      <p:sp>
-        <p:nvSpPr>
-          <p:cNvPr id="86" name="文本框 85"/>
-          <p:cNvSpPr txBox="1"/>
-          <p:nvPr/>
-        </p:nvSpPr>
-        <p:spPr>
-          <a:xfrm>
-            <a:off x="686455" y="2765469"/>
-            <a:ext cx="1700839" cy="338554"/>
-          </a:xfrm>
-          <a:prstGeom prst="rect">
-            <a:avLst/>
-          </a:prstGeom>
-          <a:noFill/>
-        </p:spPr>
-        <p:txBody>
-          <a:bodyPr wrap="square" rtlCol="0">
-            <a:spAutoFit/>
-          </a:bodyPr>
-          <a:lstStyle/>
-          <a:p>
-            <a:pPr algn="ctr"/>
-            <a:r>
-              <a:rPr lang="en-US" altLang="zh-CN" sz="1600" dirty="0"/>
-              <a:t>16 bit</a:t>
-            </a:r>
-            <a:r>
-              <a:rPr lang="zh-CN" altLang="en-US" sz="1600" dirty="0"/>
-              <a:t>索引</a:t>
-            </a:r>
-            <a:endParaRPr lang="en-US" altLang="zh-CN" sz="1600" dirty="0"/>
-          </a:p>
-        </p:txBody>
-      </p:sp>
-      <p:sp>
-        <p:nvSpPr>
-          <p:cNvPr id="88" name="内容占位符 2"/>
-          <p:cNvSpPr>
-            <a:spLocks noGrp="1"/>
-          </p:cNvSpPr>
-          <p:nvPr>
-            <p:ph idx="1"/>
-          </p:nvPr>
-        </p:nvSpPr>
-        <p:spPr>
-          <a:xfrm>
-            <a:off x="327111" y="1140314"/>
-            <a:ext cx="4528908" cy="1222242"/>
-          </a:xfrm>
-        </p:spPr>
-        <p:txBody>
-          <a:bodyPr/>
-          <a:lstStyle/>
-          <a:p>
-            <a:pPr lvl="1">
-              <a:spcBef>
-                <a:spcPts val="900"/>
-              </a:spcBef>
-              <a:spcAft>
-                <a:spcPts val="900"/>
-              </a:spcAft>
-            </a:pPr>
-            <a:r>
-              <a:rPr lang="zh-CN" altLang="en-US" sz="2200" dirty="0">
-                <a:latin typeface="微软雅黑" panose="020B0503020204020204" pitchFamily="34" charset="-122"/>
-                <a:ea typeface="微软雅黑" panose="020B0503020204020204" pitchFamily="34" charset="-122"/>
-                <a:cs typeface="+mn-cs"/>
-              </a:rPr>
-              <a:t>增加索引位数和量化位数</a:t>
-            </a:r>
-            <a:endParaRPr lang="en-US" altLang="zh-CN" sz="2200" dirty="0">
-              <a:latin typeface="微软雅黑" panose="020B0503020204020204" pitchFamily="34" charset="-122"/>
-              <a:ea typeface="微软雅黑" panose="020B0503020204020204" pitchFamily="34" charset="-122"/>
-              <a:cs typeface="+mn-cs"/>
-            </a:endParaRPr>
-          </a:p>
-          <a:p>
-            <a:pPr lvl="2">
-              <a:spcBef>
-                <a:spcPts val="300"/>
-              </a:spcBef>
-              <a:spcAft>
-                <a:spcPts val="300"/>
-              </a:spcAft>
-            </a:pPr>
-            <a:r>
-              <a:rPr lang="zh-CN" altLang="en-US" sz="1500" dirty="0">
-                <a:latin typeface="微软雅黑" panose="020B0503020204020204" pitchFamily="34" charset="-122"/>
-                <a:ea typeface="微软雅黑" panose="020B0503020204020204" pitchFamily="34" charset="-122"/>
-              </a:rPr>
-              <a:t>索引截断产生</a:t>
-            </a:r>
-            <a:r>
-              <a:rPr lang="zh-CN" altLang="en-US" sz="1500" b="1" dirty="0">
-                <a:latin typeface="微软雅黑" panose="020B0503020204020204" pitchFamily="34" charset="-122"/>
-                <a:ea typeface="微软雅黑" panose="020B0503020204020204" pitchFamily="34" charset="-122"/>
-              </a:rPr>
-              <a:t>周期性</a:t>
-            </a:r>
-            <a:r>
-              <a:rPr lang="zh-CN" altLang="en-US" sz="1500" dirty="0">
-                <a:latin typeface="微软雅黑" panose="020B0503020204020204" pitchFamily="34" charset="-122"/>
-                <a:ea typeface="微软雅黑" panose="020B0503020204020204" pitchFamily="34" charset="-122"/>
-              </a:rPr>
-              <a:t>噪声，影响杂散性能</a:t>
-            </a:r>
-            <a:endParaRPr lang="en-US" altLang="zh-CN" sz="1500" dirty="0">
-              <a:latin typeface="微软雅黑" panose="020B0503020204020204" pitchFamily="34" charset="-122"/>
-              <a:ea typeface="微软雅黑" panose="020B0503020204020204" pitchFamily="34" charset="-122"/>
-            </a:endParaRPr>
-          </a:p>
-          <a:p>
-            <a:pPr lvl="2">
-              <a:spcBef>
-                <a:spcPts val="300"/>
-              </a:spcBef>
-              <a:spcAft>
-                <a:spcPts val="300"/>
-              </a:spcAft>
-            </a:pPr>
-            <a:r>
-              <a:rPr lang="zh-CN" altLang="en-US" sz="1500" dirty="0">
-                <a:latin typeface="微软雅黑" panose="020B0503020204020204" pitchFamily="34" charset="-122"/>
-                <a:ea typeface="微软雅黑" panose="020B0503020204020204" pitchFamily="34" charset="-122"/>
-              </a:rPr>
-              <a:t>量化截断产生</a:t>
-            </a:r>
-            <a:r>
-              <a:rPr lang="zh-CN" altLang="en-US" sz="1500" b="1" dirty="0">
-                <a:latin typeface="微软雅黑" panose="020B0503020204020204" pitchFamily="34" charset="-122"/>
-                <a:ea typeface="微软雅黑" panose="020B0503020204020204" pitchFamily="34" charset="-122"/>
-              </a:rPr>
-              <a:t>高斯白</a:t>
-            </a:r>
-            <a:r>
-              <a:rPr lang="zh-CN" altLang="en-US" sz="1500" dirty="0">
-                <a:latin typeface="微软雅黑" panose="020B0503020204020204" pitchFamily="34" charset="-122"/>
-                <a:ea typeface="微软雅黑" panose="020B0503020204020204" pitchFamily="34" charset="-122"/>
-              </a:rPr>
-              <a:t>噪声，影响底噪</a:t>
-            </a:r>
-            <a:endParaRPr lang="en-US" altLang="zh-CN" sz="1500" dirty="0">
-              <a:latin typeface="微软雅黑" panose="020B0503020204020204" pitchFamily="34" charset="-122"/>
-              <a:ea typeface="微软雅黑" panose="020B0503020204020204" pitchFamily="34" charset="-122"/>
-            </a:endParaRPr>
-          </a:p>
-        </p:txBody>
-      </p:sp>
-      <p:sp>
-        <p:nvSpPr>
-          <p:cNvPr id="24" name="页脚占位符 4"/>
-          <p:cNvSpPr>
-            <a:spLocks noGrp="1"/>
-          </p:cNvSpPr>
-          <p:nvPr>
-            <p:ph type="ftr" sz="quarter" idx="4294967295"/>
-          </p:nvPr>
-        </p:nvSpPr>
-        <p:spPr>
-          <a:xfrm>
-            <a:off x="3048000" y="6527223"/>
-            <a:ext cx="2895600" cy="476250"/>
-          </a:xfrm>
-          <a:prstGeom prst="rect">
-            <a:avLst/>
-          </a:prstGeom>
-        </p:spPr>
-        <p:txBody>
-          <a:bodyPr/>
-          <a:lstStyle/>
-          <a:p>
-            <a:pPr algn="ctr"/>
-            <a:r>
-              <a:rPr lang="en-US" altLang="zh-CN" sz="1200" smtClean="0">
-                <a:solidFill>
-                  <a:srgbClr val="000000"/>
-                </a:solidFill>
-              </a:rPr>
-              <a:t>7/13</a:t>
-            </a:r>
-            <a:endParaRPr lang="en-US" altLang="zh-CN" sz="1200" dirty="0">
-              <a:solidFill>
-                <a:srgbClr val="000000"/>
-              </a:solidFill>
-            </a:endParaRPr>
-          </a:p>
-        </p:txBody>
-      </p:sp>
-      <p:grpSp>
-        <p:nvGrpSpPr>
-          <p:cNvPr id="10" name="组合 9">
-            <a:extLst>
-              <a:ext uri="{FF2B5EF4-FFF2-40B4-BE49-F238E27FC236}">
-                <a16:creationId xmlns:a16="http://schemas.microsoft.com/office/drawing/2014/main" xmlns="" id="{4DD9D7DF-D2A9-48F0-8613-66CCA440EF90}"/>
-              </a:ext>
-            </a:extLst>
-          </p:cNvPr>
-          <p:cNvGrpSpPr/>
-          <p:nvPr/>
-        </p:nvGrpSpPr>
-        <p:grpSpPr>
-          <a:xfrm>
-            <a:off x="4942334" y="1092555"/>
-            <a:ext cx="3514003" cy="1270001"/>
-            <a:chOff x="4942334" y="1092555"/>
-            <a:chExt cx="3514003" cy="1270001"/>
-          </a:xfrm>
-        </p:grpSpPr>
-        <p:grpSp>
-          <p:nvGrpSpPr>
-            <p:cNvPr id="9" name="组合 8"/>
-            <p:cNvGrpSpPr/>
-            <p:nvPr/>
-          </p:nvGrpSpPr>
-          <p:grpSpPr>
-            <a:xfrm>
-              <a:off x="5004315" y="1092555"/>
-              <a:ext cx="3452022" cy="1270001"/>
-              <a:chOff x="5400531" y="1092555"/>
-              <a:chExt cx="3452022" cy="1270001"/>
-            </a:xfrm>
-          </p:grpSpPr>
-          <p:grpSp>
-            <p:nvGrpSpPr>
-              <p:cNvPr id="7" name="组合 6"/>
-              <p:cNvGrpSpPr/>
-              <p:nvPr/>
-            </p:nvGrpSpPr>
-            <p:grpSpPr>
-              <a:xfrm>
-                <a:off x="5400531" y="1092555"/>
-                <a:ext cx="3452022" cy="1270001"/>
-                <a:chOff x="5349084" y="1247734"/>
-                <a:chExt cx="3452022" cy="1270001"/>
-              </a:xfrm>
-            </p:grpSpPr>
-            <p:grpSp>
-              <p:nvGrpSpPr>
-                <p:cNvPr id="6" name="组合 5"/>
-                <p:cNvGrpSpPr/>
-                <p:nvPr/>
-              </p:nvGrpSpPr>
-              <p:grpSpPr>
-                <a:xfrm>
-                  <a:off x="5399911" y="1288461"/>
-                  <a:ext cx="3401194" cy="1225950"/>
-                  <a:chOff x="5518572" y="1228017"/>
-                  <a:chExt cx="3401194" cy="1225950"/>
-                </a:xfrm>
-              </p:grpSpPr>
-              <p:grpSp>
-                <p:nvGrpSpPr>
-                  <p:cNvPr id="3" name="组合 2"/>
-                  <p:cNvGrpSpPr/>
-                  <p:nvPr/>
-                </p:nvGrpSpPr>
-                <p:grpSpPr>
-                  <a:xfrm>
-                    <a:off x="5518572" y="1228017"/>
-                    <a:ext cx="3346918" cy="1012027"/>
-                    <a:chOff x="6391950" y="1668269"/>
-                    <a:chExt cx="3346918" cy="1012027"/>
-                  </a:xfrm>
-                </p:grpSpPr>
-                <p:sp>
-                  <p:nvSpPr>
-                    <p:cNvPr id="25" name="矩形 24"/>
-                    <p:cNvSpPr/>
-                    <p:nvPr/>
-                  </p:nvSpPr>
-                  <p:spPr>
-                    <a:xfrm>
-                      <a:off x="7152539" y="1932296"/>
-                      <a:ext cx="522879" cy="748000"/>
-                    </a:xfrm>
-                    <a:prstGeom prst="rect">
-                      <a:avLst/>
-                    </a:prstGeom>
-                    <a:solidFill>
-                      <a:schemeClr val="bg1"/>
-                    </a:solidFill>
-                    <a:ln>
-                      <a:solidFill>
-                        <a:schemeClr val="tx1"/>
-                      </a:solidFill>
-                    </a:ln>
-                  </p:spPr>
-                  <p:style>
-                    <a:lnRef idx="2">
-                      <a:schemeClr val="accent1">
-                        <a:shade val="50000"/>
-                      </a:schemeClr>
-                    </a:lnRef>
-                    <a:fillRef idx="1">
-                      <a:schemeClr val="accent1"/>
-                    </a:fillRef>
-                    <a:effectRef idx="0">
-                      <a:schemeClr val="accent1"/>
-                    </a:effectRef>
-                    <a:fontRef idx="minor">
-                      <a:schemeClr val="lt1"/>
-                    </a:fontRef>
-                  </p:style>
-                  <p:txBody>
-                    <a:bodyPr rtlCol="0" anchor="ctr"/>
-                    <a:lstStyle/>
-                    <a:p>
-                      <a:pPr algn="ctr"/>
-                      <a:r>
-                        <a:rPr lang="en-US" altLang="zh-CN" sz="1400" dirty="0">
-                          <a:solidFill>
-                            <a:schemeClr val="tx1"/>
-                          </a:solidFill>
-                        </a:rPr>
-                        <a:t>PC</a:t>
-                      </a:r>
-                      <a:endParaRPr lang="zh-CN" altLang="en-US" sz="1400" dirty="0">
-                        <a:solidFill>
-                          <a:schemeClr val="tx1"/>
-                        </a:solidFill>
-                      </a:endParaRPr>
-                    </a:p>
-                  </p:txBody>
-                </p:sp>
-                <p:sp>
-                  <p:nvSpPr>
-                    <p:cNvPr id="26" name="箭头: 右 26"/>
-                    <p:cNvSpPr/>
-                    <p:nvPr/>
-                  </p:nvSpPr>
-                  <p:spPr>
-                    <a:xfrm>
-                      <a:off x="6391950" y="2239161"/>
-                      <a:ext cx="674274" cy="140970"/>
-                    </a:xfrm>
-                    <a:prstGeom prst="rightArrow">
-                      <a:avLst>
-                        <a:gd name="adj1" fmla="val 31100"/>
-                        <a:gd name="adj2" fmla="val 76937"/>
-                      </a:avLst>
-                    </a:prstGeom>
-                    <a:solidFill>
-                      <a:schemeClr val="bg1"/>
-                    </a:solidFill>
-                    <a:ln w="12700">
-                      <a:solidFill>
-                        <a:schemeClr val="tx1"/>
-                      </a:solidFill>
-                    </a:ln>
-                  </p:spPr>
-                  <p:style>
-                    <a:lnRef idx="2">
-                      <a:schemeClr val="accent1">
-                        <a:shade val="50000"/>
-                      </a:schemeClr>
-                    </a:lnRef>
-                    <a:fillRef idx="1">
-                      <a:schemeClr val="accent1"/>
-                    </a:fillRef>
-                    <a:effectRef idx="0">
-                      <a:schemeClr val="accent1"/>
-                    </a:effectRef>
-                    <a:fontRef idx="minor">
-                      <a:schemeClr val="lt1"/>
-                    </a:fontRef>
-                  </p:style>
-                  <p:txBody>
-                    <a:bodyPr rtlCol="0" anchor="ctr"/>
-                    <a:lstStyle/>
-                    <a:p>
-                      <a:pPr algn="ctr"/>
-                      <a:endParaRPr lang="zh-CN" altLang="en-US" dirty="0"/>
-                    </a:p>
-                  </p:txBody>
-                </p:sp>
-                <p:pic>
-                  <p:nvPicPr>
-                    <p:cNvPr id="27" name="图片 26"/>
-                    <p:cNvPicPr>
-                      <a:picLocks noChangeAspect="1"/>
-                    </p:cNvPicPr>
-                    <p:nvPr/>
-                  </p:nvPicPr>
-                  <p:blipFill>
-                    <a:blip r:embed="rId3"/>
-                    <a:stretch>
-                      <a:fillRect/>
-                    </a:stretch>
-                  </p:blipFill>
-                  <p:spPr>
-                    <a:xfrm>
-                      <a:off x="6408877" y="1668269"/>
-                      <a:ext cx="640842" cy="457744"/>
-                    </a:xfrm>
-                    <a:prstGeom prst="rect">
-                      <a:avLst/>
-                    </a:prstGeom>
-                  </p:spPr>
-                </p:pic>
-                <p:sp>
-                  <p:nvSpPr>
-                    <p:cNvPr id="28" name="矩形 27"/>
-                    <p:cNvSpPr/>
-                    <p:nvPr/>
-                  </p:nvSpPr>
-                  <p:spPr>
-                    <a:xfrm>
-                      <a:off x="8418753" y="1922013"/>
-                      <a:ext cx="537044" cy="758283"/>
-                    </a:xfrm>
-                    <a:prstGeom prst="rect">
-                      <a:avLst/>
-                    </a:prstGeom>
-                    <a:solidFill>
-                      <a:schemeClr val="bg1"/>
-                    </a:solidFill>
-                    <a:ln>
-                      <a:solidFill>
-                        <a:schemeClr val="tx1"/>
-                      </a:solidFill>
-                    </a:ln>
-                  </p:spPr>
-                  <p:style>
-                    <a:lnRef idx="2">
-                      <a:schemeClr val="accent1">
-                        <a:shade val="50000"/>
-                      </a:schemeClr>
-                    </a:lnRef>
-                    <a:fillRef idx="1">
-                      <a:schemeClr val="accent1"/>
-                    </a:fillRef>
-                    <a:effectRef idx="0">
-                      <a:schemeClr val="accent1"/>
-                    </a:effectRef>
-                    <a:fontRef idx="minor">
-                      <a:schemeClr val="lt1"/>
-                    </a:fontRef>
-                  </p:style>
-                  <p:txBody>
-                    <a:bodyPr rtlCol="0" anchor="ctr"/>
-                    <a:lstStyle/>
-                    <a:p>
-                      <a:pPr algn="ctr"/>
-                      <a:r>
-                        <a:rPr lang="en-US" altLang="zh-CN" sz="1400" dirty="0">
-                          <a:solidFill>
-                            <a:schemeClr val="tx1"/>
-                          </a:solidFill>
-                        </a:rPr>
-                        <a:t>PAC</a:t>
-                      </a:r>
-                    </a:p>
-                  </p:txBody>
-                </p:sp>
-                <p:sp>
-                  <p:nvSpPr>
-                    <p:cNvPr id="29" name="箭头: 右 29"/>
-                    <p:cNvSpPr/>
-                    <p:nvPr/>
-                  </p:nvSpPr>
-                  <p:spPr>
-                    <a:xfrm>
-                      <a:off x="7727968" y="2234441"/>
-                      <a:ext cx="640038" cy="140970"/>
-                    </a:xfrm>
-                    <a:prstGeom prst="rightArrow">
-                      <a:avLst>
-                        <a:gd name="adj1" fmla="val 31100"/>
-                        <a:gd name="adj2" fmla="val 76937"/>
-                      </a:avLst>
-                    </a:prstGeom>
-                    <a:solidFill>
-                      <a:schemeClr val="bg1"/>
-                    </a:solidFill>
-                    <a:ln w="12700">
-                      <a:solidFill>
-                        <a:schemeClr val="tx1"/>
-                      </a:solidFill>
-                    </a:ln>
-                  </p:spPr>
-                  <p:style>
-                    <a:lnRef idx="2">
-                      <a:schemeClr val="accent1">
-                        <a:shade val="50000"/>
-                      </a:schemeClr>
-                    </a:lnRef>
-                    <a:fillRef idx="1">
-                      <a:schemeClr val="accent1"/>
-                    </a:fillRef>
-                    <a:effectRef idx="0">
-                      <a:schemeClr val="accent1"/>
-                    </a:effectRef>
-                    <a:fontRef idx="minor">
-                      <a:schemeClr val="lt1"/>
-                    </a:fontRef>
-                  </p:style>
-                  <p:txBody>
-                    <a:bodyPr rtlCol="0" anchor="ctr"/>
-                    <a:lstStyle/>
-                    <a:p>
-                      <a:pPr algn="ctr"/>
-                      <a:endParaRPr lang="zh-CN" altLang="en-US" dirty="0"/>
-                    </a:p>
-                  </p:txBody>
-                </p:sp>
-                <p:sp>
-                  <p:nvSpPr>
-                    <p:cNvPr id="30" name="箭头: 右 30"/>
-                    <p:cNvSpPr/>
-                    <p:nvPr/>
-                  </p:nvSpPr>
-                  <p:spPr>
-                    <a:xfrm>
-                      <a:off x="9032641" y="2234441"/>
-                      <a:ext cx="706227" cy="140970"/>
-                    </a:xfrm>
-                    <a:prstGeom prst="rightArrow">
-                      <a:avLst>
-                        <a:gd name="adj1" fmla="val 31100"/>
-                        <a:gd name="adj2" fmla="val 76937"/>
-                      </a:avLst>
-                    </a:prstGeom>
-                    <a:solidFill>
-                      <a:schemeClr val="bg1"/>
-                    </a:solidFill>
-                    <a:ln w="12700">
-                      <a:solidFill>
-                        <a:schemeClr val="tx1"/>
-                      </a:solidFill>
-                    </a:ln>
-                  </p:spPr>
-                  <p:style>
-                    <a:lnRef idx="2">
-                      <a:schemeClr val="accent1">
-                        <a:shade val="50000"/>
-                      </a:schemeClr>
-                    </a:lnRef>
-                    <a:fillRef idx="1">
-                      <a:schemeClr val="accent1"/>
-                    </a:fillRef>
-                    <a:effectRef idx="0">
-                      <a:schemeClr val="accent1"/>
-                    </a:effectRef>
-                    <a:fontRef idx="minor">
-                      <a:schemeClr val="lt1"/>
-                    </a:fontRef>
-                  </p:style>
-                  <p:txBody>
-                    <a:bodyPr rtlCol="0" anchor="ctr"/>
-                    <a:lstStyle/>
-                    <a:p>
-                      <a:pPr algn="ctr"/>
-                      <a:endParaRPr lang="zh-CN" altLang="en-US"/>
-                    </a:p>
-                  </p:txBody>
-                </p:sp>
-                <p:pic>
-                  <p:nvPicPr>
-                    <p:cNvPr id="31" name="图片 30"/>
-                    <p:cNvPicPr>
-                      <a:picLocks noChangeAspect="1"/>
-                    </p:cNvPicPr>
-                    <p:nvPr/>
-                  </p:nvPicPr>
-                  <p:blipFill>
-                    <a:blip r:embed="rId4"/>
-                    <a:stretch>
-                      <a:fillRect/>
-                    </a:stretch>
-                  </p:blipFill>
-                  <p:spPr>
-                    <a:xfrm>
-                      <a:off x="9073641" y="1668269"/>
-                      <a:ext cx="562459" cy="457744"/>
-                    </a:xfrm>
-                    <a:prstGeom prst="rect">
-                      <a:avLst/>
-                    </a:prstGeom>
-                  </p:spPr>
-                </p:pic>
-              </p:grpSp>
-              <p:sp>
-                <p:nvSpPr>
-                  <p:cNvPr id="37" name="文本框 36"/>
-                  <p:cNvSpPr txBox="1"/>
-                  <p:nvPr/>
-                </p:nvSpPr>
-                <p:spPr>
-                  <a:xfrm>
-                    <a:off x="6742003" y="1869192"/>
-                    <a:ext cx="871454" cy="584775"/>
-                  </a:xfrm>
-                  <a:prstGeom prst="rect">
-                    <a:avLst/>
-                  </a:prstGeom>
-                  <a:noFill/>
-                </p:spPr>
-                <p:txBody>
-                  <a:bodyPr wrap="square" rtlCol="0">
-                    <a:spAutoFit/>
-                  </a:bodyPr>
-                  <a:lstStyle/>
-                  <a:p>
-                    <a:pPr algn="ctr"/>
-                    <a:r>
-                      <a:rPr lang="zh-CN" altLang="en-US" sz="1600" dirty="0">
-                        <a:latin typeface="微软雅黑" panose="020B0503020204020204" pitchFamily="34" charset="-122"/>
-                        <a:ea typeface="微软雅黑" panose="020B0503020204020204" pitchFamily="34" charset="-122"/>
-                      </a:rPr>
-                      <a:t>索引</a:t>
-                    </a:r>
-                    <a:endParaRPr lang="en-US" altLang="zh-CN" sz="1600" dirty="0">
-                      <a:latin typeface="微软雅黑" panose="020B0503020204020204" pitchFamily="34" charset="-122"/>
-                      <a:ea typeface="微软雅黑" panose="020B0503020204020204" pitchFamily="34" charset="-122"/>
-                    </a:endParaRPr>
-                  </a:p>
-                  <a:p>
-                    <a:pPr algn="ctr"/>
-                    <a:r>
-                      <a:rPr lang="zh-CN" altLang="en-US" sz="1600" dirty="0">
-                        <a:latin typeface="微软雅黑" panose="020B0503020204020204" pitchFamily="34" charset="-122"/>
-                        <a:ea typeface="微软雅黑" panose="020B0503020204020204" pitchFamily="34" charset="-122"/>
-                      </a:rPr>
-                      <a:t>压缩</a:t>
-                    </a:r>
-                    <a:endParaRPr lang="en-US" altLang="zh-CN" sz="1600" dirty="0">
-                      <a:latin typeface="微软雅黑" panose="020B0503020204020204" pitchFamily="34" charset="-122"/>
-                      <a:ea typeface="微软雅黑" panose="020B0503020204020204" pitchFamily="34" charset="-122"/>
-                    </a:endParaRPr>
-                  </a:p>
-                </p:txBody>
-              </p:sp>
-              <p:sp>
-                <p:nvSpPr>
-                  <p:cNvPr id="38" name="文本框 37"/>
-                  <p:cNvSpPr txBox="1"/>
-                  <p:nvPr/>
-                </p:nvSpPr>
-                <p:spPr>
-                  <a:xfrm>
-                    <a:off x="8048312" y="1863193"/>
-                    <a:ext cx="871454" cy="584775"/>
-                  </a:xfrm>
-                  <a:prstGeom prst="rect">
-                    <a:avLst/>
-                  </a:prstGeom>
-                  <a:noFill/>
-                </p:spPr>
-                <p:txBody>
-                  <a:bodyPr wrap="square" rtlCol="0">
-                    <a:spAutoFit/>
-                  </a:bodyPr>
-                  <a:lstStyle/>
-                  <a:p>
-                    <a:pPr algn="ctr"/>
-                    <a:r>
-                      <a:rPr lang="zh-CN" altLang="en-US" sz="1600" dirty="0">
-                        <a:latin typeface="微软雅黑" panose="020B0503020204020204" pitchFamily="34" charset="-122"/>
-                        <a:ea typeface="微软雅黑" panose="020B0503020204020204" pitchFamily="34" charset="-122"/>
-                      </a:rPr>
-                      <a:t>输出</a:t>
-                    </a:r>
-                    <a:endParaRPr lang="en-US" altLang="zh-CN" sz="1600" dirty="0">
-                      <a:latin typeface="微软雅黑" panose="020B0503020204020204" pitchFamily="34" charset="-122"/>
-                      <a:ea typeface="微软雅黑" panose="020B0503020204020204" pitchFamily="34" charset="-122"/>
-                    </a:endParaRPr>
-                  </a:p>
-                  <a:p>
-                    <a:pPr algn="ctr"/>
-                    <a:r>
-                      <a:rPr lang="zh-CN" altLang="en-US" sz="1600" dirty="0">
-                        <a:latin typeface="微软雅黑" panose="020B0503020204020204" pitchFamily="34" charset="-122"/>
-                        <a:ea typeface="微软雅黑" panose="020B0503020204020204" pitchFamily="34" charset="-122"/>
-                      </a:rPr>
-                      <a:t>量化</a:t>
-                    </a:r>
-                  </a:p>
-                </p:txBody>
-              </p:sp>
-            </p:grpSp>
-            <p:sp>
-              <p:nvSpPr>
-                <p:cNvPr id="40" name="矩形 39"/>
-                <p:cNvSpPr/>
-                <p:nvPr/>
-              </p:nvSpPr>
-              <p:spPr>
-                <a:xfrm>
-                  <a:off x="5349084" y="1247734"/>
-                  <a:ext cx="3452022" cy="1270001"/>
-                </a:xfrm>
-                <a:prstGeom prst="rect">
-                  <a:avLst/>
-                </a:prstGeom>
-                <a:noFill/>
-                <a:ln w="12700">
-                  <a:solidFill>
-                    <a:schemeClr val="tx1"/>
-                  </a:solidFill>
-                </a:ln>
-              </p:spPr>
-              <p:style>
-                <a:lnRef idx="2">
-                  <a:schemeClr val="accent1">
-                    <a:shade val="50000"/>
-                  </a:schemeClr>
-                </a:lnRef>
-                <a:fillRef idx="1">
-                  <a:schemeClr val="accent1"/>
-                </a:fillRef>
-                <a:effectRef idx="0">
-                  <a:schemeClr val="accent1"/>
-                </a:effectRef>
-                <a:fontRef idx="minor">
-                  <a:schemeClr val="lt1"/>
-                </a:fontRef>
-              </p:style>
-              <p:txBody>
-                <a:bodyPr rtlCol="0" anchor="ctr"/>
-                <a:lstStyle/>
-                <a:p>
-                  <a:pPr algn="ctr"/>
-                  <a:endParaRPr lang="zh-CN" altLang="en-US"/>
-                </a:p>
-              </p:txBody>
-            </p:sp>
-          </p:grpSp>
-          <p:grpSp>
-            <p:nvGrpSpPr>
-              <p:cNvPr id="8" name="组合 7"/>
-              <p:cNvGrpSpPr/>
-              <p:nvPr/>
-            </p:nvGrpSpPr>
-            <p:grpSpPr>
-              <a:xfrm>
-                <a:off x="6842187" y="1289099"/>
-                <a:ext cx="478929" cy="299509"/>
-                <a:chOff x="6800667" y="1437994"/>
-                <a:chExt cx="325747" cy="203713"/>
-              </a:xfrm>
-            </p:grpSpPr>
-            <p:pic>
-              <p:nvPicPr>
-                <p:cNvPr id="42" name="图片 41"/>
-                <p:cNvPicPr>
-                  <a:picLocks noChangeAspect="1"/>
-                </p:cNvPicPr>
-                <p:nvPr/>
-              </p:nvPicPr>
-              <p:blipFill rotWithShape="1">
-                <a:blip r:embed="rId3"/>
-                <a:srcRect t="56178" r="74704"/>
-                <a:stretch/>
-              </p:blipFill>
-              <p:spPr>
-                <a:xfrm>
-                  <a:off x="6800667" y="1441116"/>
-                  <a:ext cx="162108" cy="200591"/>
-                </a:xfrm>
-                <a:prstGeom prst="rect">
-                  <a:avLst/>
-                </a:prstGeom>
-              </p:spPr>
-            </p:pic>
-            <p:pic>
-              <p:nvPicPr>
-                <p:cNvPr id="43" name="图片 42"/>
-                <p:cNvPicPr>
-                  <a:picLocks noChangeAspect="1"/>
-                </p:cNvPicPr>
-                <p:nvPr/>
-              </p:nvPicPr>
-              <p:blipFill rotWithShape="1">
-                <a:blip r:embed="rId3"/>
-                <a:srcRect t="56178" r="74704"/>
-                <a:stretch/>
-              </p:blipFill>
-              <p:spPr>
-                <a:xfrm>
-                  <a:off x="6964306" y="1437994"/>
-                  <a:ext cx="162108" cy="200591"/>
-                </a:xfrm>
-                <a:prstGeom prst="rect">
-                  <a:avLst/>
-                </a:prstGeom>
-              </p:spPr>
-            </p:pic>
-          </p:grpSp>
-        </p:grpSp>
-        <p:sp>
-          <p:nvSpPr>
-            <p:cNvPr id="49" name="文本框 48"/>
-            <p:cNvSpPr txBox="1"/>
-            <p:nvPr/>
-          </p:nvSpPr>
-          <p:spPr>
-            <a:xfrm>
-              <a:off x="4942334" y="1745170"/>
-              <a:ext cx="871454" cy="584775"/>
-            </a:xfrm>
-            <a:prstGeom prst="rect">
-              <a:avLst/>
-            </a:prstGeom>
-            <a:noFill/>
-          </p:spPr>
-          <p:txBody>
-            <a:bodyPr wrap="square" rtlCol="0">
-              <a:spAutoFit/>
-            </a:bodyPr>
-            <a:lstStyle/>
-            <a:p>
-              <a:pPr algn="ctr"/>
-              <a:r>
-                <a:rPr lang="en-US" altLang="zh-CN" sz="1600" dirty="0">
-                  <a:latin typeface="微软雅黑" panose="020B0503020204020204" pitchFamily="34" charset="-122"/>
-                  <a:ea typeface="微软雅黑" panose="020B0503020204020204" pitchFamily="34" charset="-122"/>
-                </a:rPr>
-                <a:t>16bit</a:t>
-              </a:r>
-            </a:p>
-            <a:p>
-              <a:pPr algn="ctr"/>
-              <a:r>
-                <a:rPr lang="zh-CN" altLang="en-US" sz="1600" dirty="0">
-                  <a:latin typeface="微软雅黑" panose="020B0503020204020204" pitchFamily="34" charset="-122"/>
-                  <a:ea typeface="微软雅黑" panose="020B0503020204020204" pitchFamily="34" charset="-122"/>
-                </a:rPr>
-                <a:t>相位</a:t>
-              </a:r>
-              <a:endParaRPr lang="en-US" altLang="zh-CN" sz="1600" dirty="0">
-                <a:latin typeface="微软雅黑" panose="020B0503020204020204" pitchFamily="34" charset="-122"/>
-                <a:ea typeface="微软雅黑" panose="020B0503020204020204" pitchFamily="34" charset="-122"/>
-              </a:endParaRPr>
-            </a:p>
-          </p:txBody>
-        </p:sp>
-      </p:grpSp>
-      <mc:AlternateContent xmlns:mc="http://schemas.openxmlformats.org/markup-compatibility/2006" xmlns:a14="http://schemas.microsoft.com/office/drawing/2010/main">
-        <mc:Choice Requires="a14">
-          <p:sp>
-            <p:nvSpPr>
-              <p:cNvPr id="46" name="内容占位符 2">
-                <a:extLst>
-                  <a:ext uri="{FF2B5EF4-FFF2-40B4-BE49-F238E27FC236}">
-                    <a16:creationId xmlns:a16="http://schemas.microsoft.com/office/drawing/2014/main" xmlns="" id="{046C888F-2A1E-465C-80A4-AACC140F0EAF}"/>
-                  </a:ext>
-                </a:extLst>
-              </p:cNvPr>
-              <p:cNvSpPr txBox="1">
-                <a:spLocks/>
-              </p:cNvSpPr>
-              <p:nvPr/>
-            </p:nvSpPr>
-            <p:spPr bwMode="auto">
-              <a:xfrm>
-                <a:off x="327111" y="3821033"/>
-                <a:ext cx="7130964" cy="2303896"/>
-              </a:xfrm>
-              <a:prstGeom prst="rect">
-                <a:avLst/>
-              </a:prstGeom>
-              <a:noFill/>
-              <a:ln w="9525">
-                <a:noFill/>
-                <a:miter lim="800000"/>
-                <a:headEnd/>
-                <a:tailEnd/>
-              </a:ln>
-              <a:effectLst/>
-            </p:spPr>
-            <p:txBody>
-              <a:bodyPr vert="horz" wrap="square" lIns="91440" tIns="45720" rIns="91440" bIns="45720" numCol="1" anchor="t" anchorCtr="0" compatLnSpc="1">
-                <a:prstTxWarp prst="textNoShape">
-                  <a:avLst/>
-                </a:prstTxWarp>
-              </a:bodyPr>
-              <a:lstStyle>
-                <a:lvl1pPr marL="257175" indent="-257175" algn="l" rtl="0" fontAlgn="base">
-                  <a:spcBef>
-                    <a:spcPct val="20000"/>
-                  </a:spcBef>
-                  <a:spcAft>
-                    <a:spcPct val="0"/>
-                  </a:spcAft>
-                  <a:buChar char="•"/>
-                  <a:defRPr sz="2400">
-                    <a:solidFill>
-                      <a:schemeClr val="tx1"/>
-                    </a:solidFill>
-                    <a:latin typeface="Arial Unicode MS" pitchFamily="34" charset="-122"/>
-                    <a:ea typeface="Arial Unicode MS" pitchFamily="34" charset="-122"/>
-                    <a:cs typeface="Arial Unicode MS" pitchFamily="34" charset="-122"/>
-                  </a:defRPr>
-                </a:lvl1pPr>
-                <a:lvl2pPr marL="557213" indent="-214313" algn="l" rtl="0" fontAlgn="base">
-                  <a:spcBef>
-                    <a:spcPct val="20000"/>
-                  </a:spcBef>
-                  <a:spcAft>
-                    <a:spcPct val="0"/>
-                  </a:spcAft>
-                  <a:buChar char="–"/>
-                  <a:defRPr sz="2100">
-                    <a:solidFill>
-                      <a:schemeClr val="tx1"/>
-                    </a:solidFill>
-                    <a:latin typeface="Arial Unicode MS" pitchFamily="34" charset="-122"/>
-                    <a:ea typeface="Arial Unicode MS" pitchFamily="34" charset="-122"/>
-                    <a:cs typeface="Arial Unicode MS" pitchFamily="34" charset="-122"/>
-                  </a:defRPr>
-                </a:lvl2pPr>
-                <a:lvl3pPr marL="857250" indent="-171450" algn="l" rtl="0" fontAlgn="base">
-                  <a:spcBef>
-                    <a:spcPct val="20000"/>
-                  </a:spcBef>
-                  <a:spcAft>
-                    <a:spcPct val="0"/>
-                  </a:spcAft>
-                  <a:buChar char="•"/>
-                  <a:defRPr sz="1800">
-                    <a:solidFill>
-                      <a:schemeClr val="tx1"/>
-                    </a:solidFill>
-                    <a:latin typeface="Arial Unicode MS" pitchFamily="34" charset="-122"/>
-                    <a:ea typeface="Arial Unicode MS" pitchFamily="34" charset="-122"/>
-                    <a:cs typeface="Arial Unicode MS" pitchFamily="34" charset="-122"/>
-                  </a:defRPr>
-                </a:lvl3pPr>
-                <a:lvl4pPr marL="1200150" indent="-171450" algn="l" rtl="0" fontAlgn="base">
-                  <a:spcBef>
-                    <a:spcPct val="20000"/>
-                  </a:spcBef>
-                  <a:spcAft>
-                    <a:spcPct val="0"/>
-                  </a:spcAft>
-                  <a:buChar char="–"/>
-                  <a:defRPr sz="1500">
-                    <a:solidFill>
-                      <a:schemeClr val="tx1"/>
-                    </a:solidFill>
-                    <a:latin typeface="Arial Unicode MS" pitchFamily="34" charset="-122"/>
-                    <a:ea typeface="Arial Unicode MS" pitchFamily="34" charset="-122"/>
-                    <a:cs typeface="Arial Unicode MS" pitchFamily="34" charset="-122"/>
-                  </a:defRPr>
-                </a:lvl4pPr>
-                <a:lvl5pPr marL="1543050" indent="-171450" algn="l" rtl="0" fontAlgn="base">
-                  <a:spcBef>
-                    <a:spcPct val="20000"/>
-                  </a:spcBef>
-                  <a:spcAft>
-                    <a:spcPct val="0"/>
-                  </a:spcAft>
-                  <a:buChar char="»"/>
-                  <a:defRPr sz="1500">
-                    <a:solidFill>
-                      <a:schemeClr val="tx1"/>
-                    </a:solidFill>
-                    <a:latin typeface="Arial Unicode MS" pitchFamily="34" charset="-122"/>
-                    <a:ea typeface="Arial Unicode MS" pitchFamily="34" charset="-122"/>
-                    <a:cs typeface="Arial Unicode MS" pitchFamily="34" charset="-122"/>
-                  </a:defRPr>
-                </a:lvl5pPr>
-                <a:lvl6pPr marL="1885950" indent="-171450" algn="l" rtl="0" fontAlgn="base">
-                  <a:spcBef>
-                    <a:spcPct val="20000"/>
-                  </a:spcBef>
-                  <a:spcAft>
-                    <a:spcPct val="0"/>
-                  </a:spcAft>
-                  <a:buChar char="»"/>
-                  <a:defRPr sz="1500">
-                    <a:solidFill>
-                      <a:schemeClr val="tx1"/>
-                    </a:solidFill>
-                    <a:latin typeface="+mn-lt"/>
-                    <a:ea typeface="+mn-ea"/>
-                  </a:defRPr>
-                </a:lvl6pPr>
-                <a:lvl7pPr marL="2228850" indent="-171450" algn="l" rtl="0" fontAlgn="base">
-                  <a:spcBef>
-                    <a:spcPct val="20000"/>
-                  </a:spcBef>
-                  <a:spcAft>
-                    <a:spcPct val="0"/>
-                  </a:spcAft>
-                  <a:buChar char="»"/>
-                  <a:defRPr sz="1500">
-                    <a:solidFill>
-                      <a:schemeClr val="tx1"/>
-                    </a:solidFill>
-                    <a:latin typeface="+mn-lt"/>
-                    <a:ea typeface="+mn-ea"/>
-                  </a:defRPr>
-                </a:lvl7pPr>
-                <a:lvl8pPr marL="2571750" indent="-171450" algn="l" rtl="0" fontAlgn="base">
-                  <a:spcBef>
-                    <a:spcPct val="20000"/>
-                  </a:spcBef>
-                  <a:spcAft>
-                    <a:spcPct val="0"/>
-                  </a:spcAft>
-                  <a:buChar char="»"/>
-                  <a:defRPr sz="1500">
-                    <a:solidFill>
-                      <a:schemeClr val="tx1"/>
-                    </a:solidFill>
-                    <a:latin typeface="+mn-lt"/>
-                    <a:ea typeface="+mn-ea"/>
-                  </a:defRPr>
-                </a:lvl8pPr>
-                <a:lvl9pPr marL="2914650" indent="-171450" algn="l" rtl="0" fontAlgn="base">
-                  <a:spcBef>
-                    <a:spcPct val="20000"/>
-                  </a:spcBef>
-                  <a:spcAft>
-                    <a:spcPct val="0"/>
-                  </a:spcAft>
-                  <a:buChar char="»"/>
-                  <a:defRPr sz="1500">
-                    <a:solidFill>
-                      <a:schemeClr val="tx1"/>
-                    </a:solidFill>
-                    <a:latin typeface="+mn-lt"/>
-                    <a:ea typeface="+mn-ea"/>
-                  </a:defRPr>
-                </a:lvl9pPr>
-              </a:lstStyle>
-              <a:p>
-                <a:pPr lvl="1">
-                  <a:spcBef>
-                    <a:spcPts val="900"/>
-                  </a:spcBef>
-                  <a:spcAft>
-                    <a:spcPts val="900"/>
-                  </a:spcAft>
-                </a:pPr>
-                <a:r>
-                  <a:rPr lang="zh-CN" altLang="en-US" sz="2200" kern="0" dirty="0">
-                    <a:latin typeface="微软雅黑" panose="020B0503020204020204" pitchFamily="34" charset="-122"/>
-                    <a:ea typeface="微软雅黑" panose="020B0503020204020204" pitchFamily="34" charset="-122"/>
-                  </a:rPr>
-                  <a:t>合理分配索引</a:t>
-                </a:r>
-                <a:endParaRPr lang="en-US" altLang="zh-CN" sz="2200" kern="0" dirty="0">
-                  <a:latin typeface="微软雅黑" panose="020B0503020204020204" pitchFamily="34" charset="-122"/>
-                  <a:ea typeface="微软雅黑" panose="020B0503020204020204" pitchFamily="34" charset="-122"/>
-                  <a:cs typeface="+mn-cs"/>
-                </a:endParaRPr>
-              </a:p>
-              <a:p>
-                <a:pPr lvl="2">
-                  <a:spcBef>
-                    <a:spcPts val="300"/>
-                  </a:spcBef>
-                  <a:spcAft>
-                    <a:spcPts val="300"/>
-                  </a:spcAft>
-                </a:pPr>
-                <a:r>
-                  <a:rPr lang="zh-CN" altLang="en-US" sz="1500" kern="0" dirty="0">
-                    <a:latin typeface="微软雅黑" panose="020B0503020204020204" pitchFamily="34" charset="-122"/>
-                    <a:ea typeface="微软雅黑" panose="020B0503020204020204" pitchFamily="34" charset="-122"/>
-                  </a:rPr>
-                  <a:t>旋转操作累加的截断噪声</a:t>
-                </a:r>
-                <a:endParaRPr lang="en-US" altLang="zh-CN" sz="1500" kern="0" dirty="0">
-                  <a:latin typeface="微软雅黑" panose="020B0503020204020204" pitchFamily="34" charset="-122"/>
-                  <a:ea typeface="微软雅黑" panose="020B0503020204020204" pitchFamily="34" charset="-122"/>
-                </a:endParaRPr>
-              </a:p>
-              <a:p>
-                <a:pPr lvl="3">
-                  <a:spcBef>
-                    <a:spcPts val="300"/>
-                  </a:spcBef>
-                  <a:spcAft>
-                    <a:spcPts val="300"/>
-                  </a:spcAft>
-                </a:pPr>
-                <a:r>
-                  <a:rPr lang="zh-CN" altLang="en-US" dirty="0"/>
-                  <a:t>旋转索引位数</a:t>
-                </a:r>
-                <a:r>
-                  <a:rPr lang="en-US" altLang="zh-CN" dirty="0"/>
-                  <a:t>K</a:t>
-                </a:r>
-                <a:r>
-                  <a:rPr lang="zh-CN" altLang="en-US" dirty="0"/>
-                  <a:t>不宜过大</a:t>
-                </a:r>
-                <a:endParaRPr lang="en-US" altLang="zh-CN" dirty="0"/>
-              </a:p>
-              <a:p>
-                <a:pPr lvl="2">
-                  <a:spcBef>
-                    <a:spcPts val="300"/>
-                  </a:spcBef>
-                  <a:spcAft>
-                    <a:spcPts val="300"/>
-                  </a:spcAft>
-                </a:pPr>
-                <a:r>
-                  <a:rPr lang="zh-CN" altLang="en-US" sz="1500" kern="0" dirty="0">
-                    <a:latin typeface="微软雅黑" panose="020B0503020204020204" pitchFamily="34" charset="-122"/>
-                    <a:ea typeface="微软雅黑" panose="020B0503020204020204" pitchFamily="34" charset="-122"/>
-                  </a:rPr>
-                  <a:t>缩放因子</a:t>
-                </a:r>
-                <a:r>
-                  <a:rPr lang="en-US" altLang="zh-CN" sz="1500" kern="0" dirty="0">
-                    <a:latin typeface="微软雅黑" panose="020B0503020204020204" pitchFamily="34" charset="-122"/>
-                    <a:ea typeface="微软雅黑" panose="020B0503020204020204" pitchFamily="34" charset="-122"/>
-                  </a:rPr>
-                  <a:t>T</a:t>
-                </a:r>
-                <a:r>
-                  <a:rPr lang="zh-CN" altLang="en-US" sz="1500" kern="0" dirty="0">
-                    <a:latin typeface="微软雅黑" panose="020B0503020204020204" pitchFamily="34" charset="-122"/>
-                    <a:ea typeface="微软雅黑" panose="020B0503020204020204" pitchFamily="34" charset="-122"/>
-                  </a:rPr>
-                  <a:t>产生的近似</a:t>
-                </a:r>
-                <a:endParaRPr lang="en-US" altLang="zh-CN" sz="1500" kern="0" dirty="0">
-                  <a:latin typeface="微软雅黑" panose="020B0503020204020204" pitchFamily="34" charset="-122"/>
-                  <a:ea typeface="微软雅黑" panose="020B0503020204020204" pitchFamily="34" charset="-122"/>
-                </a:endParaRPr>
-              </a:p>
-              <a:p>
-                <a:pPr lvl="3">
-                  <a:spcBef>
-                    <a:spcPts val="300"/>
-                  </a:spcBef>
-                  <a:spcAft>
-                    <a:spcPts val="300"/>
-                  </a:spcAft>
-                </a:pPr>
-                <a:r>
-                  <a:rPr lang="zh-CN" altLang="en-US" dirty="0"/>
-                  <a:t>近似条件：</a:t>
-                </a:r>
-                <a:r>
-                  <a:rPr lang="zh-CN" altLang="zh-CN" sz="1400" dirty="0"/>
-                  <a:t> </a:t>
-                </a:r>
-                <a14:m>
-                  <m:oMath xmlns:m="http://schemas.openxmlformats.org/officeDocument/2006/math">
-                    <m:func>
-                      <m:funcPr>
-                        <m:ctrlPr>
-                          <a:rPr lang="zh-CN" altLang="zh-CN" sz="1400" i="1">
-                            <a:latin typeface="Cambria Math" panose="02040503050406030204" pitchFamily="18" charset="0"/>
-                          </a:rPr>
-                        </m:ctrlPr>
-                      </m:funcPr>
-                      <m:fName>
-                        <m:r>
-                          <m:rPr>
-                            <m:nor/>
-                          </m:rPr>
-                          <a:rPr lang="en-US" altLang="zh-CN" sz="1400"/>
-                          <m:t>cos</m:t>
-                        </m:r>
-                      </m:fName>
-                      <m:e>
-                        <m:d>
-                          <m:dPr>
-                            <m:ctrlPr>
-                              <a:rPr lang="zh-CN" altLang="zh-CN" sz="1400" i="1">
-                                <a:latin typeface="Cambria Math" panose="02040503050406030204" pitchFamily="18" charset="0"/>
-                              </a:rPr>
-                            </m:ctrlPr>
-                          </m:dPr>
-                          <m:e>
-                            <m:sSub>
-                              <m:sSubPr>
-                                <m:ctrlPr>
-                                  <a:rPr lang="en-US" altLang="zh-CN" sz="1400" i="1">
-                                    <a:latin typeface="Cambria Math" panose="02040503050406030204" pitchFamily="18" charset="0"/>
-                                  </a:rPr>
-                                </m:ctrlPr>
-                              </m:sSubPr>
-                              <m:e>
-                                <m:r>
-                                  <m:rPr>
-                                    <m:sty m:val="p"/>
-                                  </m:rPr>
-                                  <a:rPr lang="zh-CN" altLang="en-US" sz="1400" i="0">
-                                    <a:latin typeface="Cambria Math" panose="02040503050406030204" pitchFamily="18" charset="0"/>
-                                  </a:rPr>
-                                  <m:t>θ</m:t>
-                                </m:r>
-                              </m:e>
-                              <m:sub>
-                                <m:r>
-                                  <m:rPr>
-                                    <m:sty m:val="p"/>
-                                  </m:rPr>
-                                  <a:rPr lang="en-US" altLang="zh-CN" sz="1400" i="0">
-                                    <a:latin typeface="Cambria Math" panose="02040503050406030204" pitchFamily="18" charset="0"/>
-                                  </a:rPr>
-                                  <m:t>R</m:t>
-                                </m:r>
-                              </m:sub>
-                            </m:sSub>
-                          </m:e>
-                        </m:d>
-                      </m:e>
-                    </m:func>
-                    <m:r>
-                      <a:rPr lang="en-US" altLang="zh-CN" sz="1400" i="0">
-                        <a:latin typeface="Cambria Math" panose="02040503050406030204" pitchFamily="18" charset="0"/>
-                        <a:ea typeface="Cambria Math" panose="02040503050406030204" pitchFamily="18" charset="0"/>
-                      </a:rPr>
-                      <m:t>→</m:t>
-                    </m:r>
-                    <m:r>
-                      <m:rPr>
-                        <m:sty m:val="p"/>
-                      </m:rPr>
-                      <a:rPr lang="en-US" altLang="zh-CN" sz="1400" i="0">
-                        <a:latin typeface="Cambria Math" panose="02040503050406030204" pitchFamily="18" charset="0"/>
-                        <a:ea typeface="Cambria Math" panose="02040503050406030204" pitchFamily="18" charset="0"/>
-                      </a:rPr>
-                      <m:t>T</m:t>
-                    </m:r>
-                    <m:r>
-                      <a:rPr lang="en-US" altLang="zh-CN" sz="1400" i="0">
-                        <a:latin typeface="Cambria Math" panose="02040503050406030204" pitchFamily="18" charset="0"/>
-                        <a:ea typeface="Cambria Math" panose="02040503050406030204" pitchFamily="18" charset="0"/>
-                      </a:rPr>
-                      <m:t>(常数)</m:t>
-                    </m:r>
-                  </m:oMath>
-                </a14:m>
-                <a:r>
-                  <a:rPr lang="en-US" altLang="zh-CN" sz="1100" kern="0" dirty="0">
-                    <a:latin typeface="微软雅黑" panose="020B0503020204020204" pitchFamily="34" charset="-122"/>
-                    <a:ea typeface="微软雅黑" panose="020B0503020204020204" pitchFamily="34" charset="-122"/>
-                  </a:rPr>
-                  <a:t> </a:t>
-                </a:r>
-                <a:endParaRPr lang="en-US" altLang="zh-CN" sz="1300" kern="0" dirty="0">
-                  <a:latin typeface="微软雅黑" panose="020B0503020204020204" pitchFamily="34" charset="-122"/>
-                  <a:ea typeface="微软雅黑" panose="020B0503020204020204" pitchFamily="34" charset="-122"/>
-                </a:endParaRPr>
-              </a:p>
-              <a:p>
-                <a:pPr lvl="3">
-                  <a:spcBef>
-                    <a:spcPts val="300"/>
-                  </a:spcBef>
-                  <a:spcAft>
-                    <a:spcPts val="300"/>
-                  </a:spcAft>
-                </a:pPr>
-                <a:r>
-                  <a:rPr lang="zh-CN" altLang="en-US" dirty="0"/>
-                  <a:t>约束条件：查找表索引 </a:t>
-                </a:r>
-                <a:r>
-                  <a:rPr lang="en-US" altLang="zh-CN" dirty="0"/>
-                  <a:t>+ 2 &gt; </a:t>
-                </a:r>
-                <a:r>
-                  <a:rPr lang="zh-CN" altLang="en-US" dirty="0"/>
-                  <a:t>旋转索引</a:t>
-                </a:r>
-                <a:endParaRPr lang="zh-CN" altLang="en-US" sz="1400" dirty="0"/>
-              </a:p>
-              <a:p>
-                <a:pPr lvl="3">
-                  <a:spcBef>
-                    <a:spcPts val="300"/>
-                  </a:spcBef>
-                  <a:spcAft>
-                    <a:spcPts val="300"/>
-                  </a:spcAft>
-                </a:pPr>
-                <a:endParaRPr lang="en-US" altLang="zh-CN" sz="1300" kern="0" dirty="0">
-                  <a:latin typeface="微软雅黑" panose="020B0503020204020204" pitchFamily="34" charset="-122"/>
-                  <a:ea typeface="微软雅黑" panose="020B0503020204020204" pitchFamily="34" charset="-122"/>
-                </a:endParaRPr>
-              </a:p>
-            </p:txBody>
-          </p:sp>
-        </mc:Choice>
-        <mc:Fallback xmlns="">
-          <p:sp>
-            <p:nvSpPr>
-              <p:cNvPr id="46" name="内容占位符 2">
-                <a:extLst>
-                  <a:ext uri="{FF2B5EF4-FFF2-40B4-BE49-F238E27FC236}">
-                    <a16:creationId xmlns:a16="http://schemas.microsoft.com/office/drawing/2014/main" id="{046C888F-2A1E-465C-80A4-AACC140F0EAF}"/>
-                  </a:ext>
-                </a:extLst>
-              </p:cNvPr>
-              <p:cNvSpPr txBox="1">
-                <a:spLocks noRot="1" noChangeAspect="1" noMove="1" noResize="1" noEditPoints="1" noAdjustHandles="1" noChangeArrowheads="1" noChangeShapeType="1" noTextEdit="1"/>
-              </p:cNvSpPr>
-              <p:nvPr/>
-            </p:nvSpPr>
-            <p:spPr bwMode="auto">
-              <a:xfrm>
-                <a:off x="327111" y="3821033"/>
-                <a:ext cx="7130964" cy="2303896"/>
-              </a:xfrm>
-              <a:prstGeom prst="rect">
-                <a:avLst/>
-              </a:prstGeom>
-              <a:blipFill>
-                <a:blip r:embed="rId5"/>
-                <a:stretch>
-                  <a:fillRect t="-3439"/>
-                </a:stretch>
-              </a:blipFill>
-              <a:ln w="9525">
-                <a:noFill/>
-                <a:miter lim="800000"/>
-                <a:headEnd/>
-                <a:tailEnd/>
-              </a:ln>
-              <a:effectLst/>
-            </p:spPr>
-            <p:txBody>
-              <a:bodyPr/>
-              <a:lstStyle/>
-              <a:p>
-                <a:r>
-                  <a:rPr lang="zh-CN" altLang="en-US">
-                    <a:noFill/>
-                  </a:rPr>
-                  <a:t> </a:t>
-                </a:r>
-              </a:p>
-            </p:txBody>
-          </p:sp>
-        </mc:Fallback>
-      </mc:AlternateContent>
-    </p:spTree>
-    <p:extLst>
-      <p:ext uri="{BB962C8B-B14F-4D97-AF65-F5344CB8AC3E}">
-        <p14:creationId xmlns:p14="http://schemas.microsoft.com/office/powerpoint/2010/main" val="2926693878"/>
-      </p:ext>
-    </p:extLst>
-  </p:cSld>
-  <p:clrMapOvr>
-    <a:masterClrMapping/>
-  </p:clrMapOvr>
-  <p:transition spd="med">
-    <p:pull/>
-  </p:transition>
 </p:sld>
 </file>
 
@@ -20908,17 +21512,15 @@
                     </a:spcAft>
                   </a:pPr>
                   <a:r>
-                    <a:rPr lang="zh-CN" altLang="en-US" sz="2800" dirty="0">
+                    <a:rPr lang="zh-CN" altLang="en-US" sz="2200" dirty="0">
                       <a:latin typeface="微软雅黑" panose="020B0503020204020204" pitchFamily="34" charset="-122"/>
                       <a:ea typeface="微软雅黑" panose="020B0503020204020204" pitchFamily="34" charset="-122"/>
-                      <a:cs typeface="+mn-cs"/>
                     </a:rPr>
                     <a:t>功能性仿真结果</a:t>
                   </a:r>
-                  <a:endParaRPr lang="en-US" altLang="zh-CN" sz="2800" dirty="0">
+                  <a:endParaRPr lang="en-US" altLang="zh-CN" sz="2200" dirty="0">
                     <a:latin typeface="微软雅黑" panose="020B0503020204020204" pitchFamily="34" charset="-122"/>
                     <a:ea typeface="微软雅黑" panose="020B0503020204020204" pitchFamily="34" charset="-122"/>
-                    <a:cs typeface="+mn-cs"/>
                   </a:endParaRPr>
                 </a:p>
                 <a:p>
@@ -21287,7 +21889,7 @@
                   <a:t> </a:t>
                 </a:r>
                 <a:r>
-                  <a:rPr lang="zh-CN" altLang="en-US" sz="1400" dirty="0">
+                  <a:rPr lang="zh-CN" altLang="en-US" sz="1400" b="1" dirty="0">
                     <a:latin typeface="微软雅黑" panose="020B0503020204020204" pitchFamily="34" charset="-122"/>
                     <a:ea typeface="微软雅黑" panose="020B0503020204020204" pitchFamily="34" charset="-122"/>
                   </a:rPr>
@@ -21316,7 +21918,14 @@
                     <a:latin typeface="微软雅黑" panose="020B0503020204020204" pitchFamily="34" charset="-122"/>
                     <a:ea typeface="微软雅黑" panose="020B0503020204020204" pitchFamily="34" charset="-122"/>
                   </a:rPr>
-                  <a:t>杂散性能：均达到理论值</a:t>
+                  <a:t>杂散性能：均达到理论</a:t>
+                </a:r>
+                <a:r>
+                  <a:rPr lang="zh-CN" altLang="en-US" sz="1400" dirty="0" smtClean="0">
+                    <a:latin typeface="微软雅黑" panose="020B0503020204020204" pitchFamily="34" charset="-122"/>
+                    <a:ea typeface="微软雅黑" panose="020B0503020204020204" pitchFamily="34" charset="-122"/>
+                  </a:rPr>
+                  <a:t>值</a:t>
                 </a:r>
                 <a:endParaRPr lang="en-US" altLang="zh-CN" sz="1400" dirty="0">
                   <a:latin typeface="微软雅黑" panose="020B0503020204020204" pitchFamily="34" charset="-122"/>
@@ -21414,18 +22023,11 @@
                 <a:t>Fig9 </a:t>
               </a:r>
               <a:r>
-                <a:rPr lang="en-US" altLang="zh-CN" sz="1000" kern="0" dirty="0" err="1">
+                <a:rPr lang="en-US" altLang="zh-CN" sz="1000" kern="0" dirty="0" smtClean="0">
                   <a:latin typeface="微软雅黑" panose="020B0503020204020204" pitchFamily="34" charset="-122"/>
                   <a:ea typeface="微软雅黑" panose="020B0503020204020204" pitchFamily="34" charset="-122"/>
                 </a:rPr>
-                <a:t>fft</a:t>
-              </a:r>
-              <a:r>
-                <a:rPr lang="en-US" altLang="zh-CN" sz="1000" kern="0" dirty="0">
-                  <a:latin typeface="微软雅黑" panose="020B0503020204020204" pitchFamily="34" charset="-122"/>
-                  <a:ea typeface="微软雅黑" panose="020B0503020204020204" pitchFamily="34" charset="-122"/>
-                </a:rPr>
-                <a:t> </a:t>
+                <a:t>FFT </a:t>
               </a:r>
               <a:r>
                 <a:rPr lang="zh-CN" altLang="en-US" sz="1000" kern="0" dirty="0">
@@ -21503,12 +22105,12 @@
           <a:p>
             <a:pPr algn="ctr"/>
             <a:r>
-              <a:rPr lang="en-US" altLang="zh-CN" sz="1200" smtClean="0">
+              <a:rPr lang="en-US" altLang="zh-CN" sz="1200" dirty="0" smtClean="0">
                 <a:solidFill>
                   <a:srgbClr val="000000"/>
                 </a:solidFill>
               </a:rPr>
-              <a:t>9/13</a:t>
+              <a:t>12/17</a:t>
             </a:r>
             <a:endParaRPr lang="en-US" altLang="zh-CN" sz="1200" dirty="0">
               <a:solidFill>
@@ -21540,6 +22142,13 @@
       </p:transition>
     </mc:Fallback>
   </mc:AlternateContent>
+  <p:timing>
+    <p:tnLst>
+      <p:par>
+        <p:cTn id="1" dur="indefinite" restart="never" nodeType="tmRoot"/>
+      </p:par>
+    </p:tnLst>
+  </p:timing>
 </p:sld>
 </file>
 
@@ -21662,15 +22271,17 @@
               <a:buChar char="–"/>
             </a:pPr>
             <a:r>
-              <a:rPr lang="zh-CN" altLang="en-US" sz="1600" kern="0" dirty="0">
+              <a:rPr lang="zh-CN" altLang="en-US" sz="1500" dirty="0">
                 <a:latin typeface="微软雅黑" panose="020B0503020204020204" pitchFamily="34" charset="-122"/>
                 <a:ea typeface="微软雅黑" panose="020B0503020204020204" pitchFamily="34" charset="-122"/>
+                <a:cs typeface="Arial Unicode MS" pitchFamily="34" charset="-122"/>
               </a:rPr>
               <a:t>对关键路径上的电路进行了优化</a:t>
             </a:r>
-            <a:endParaRPr lang="en-US" altLang="zh-CN" sz="1600" kern="0" dirty="0">
+            <a:endParaRPr lang="en-US" altLang="zh-CN" sz="1500" dirty="0">
               <a:latin typeface="微软雅黑" panose="020B0503020204020204" pitchFamily="34" charset="-122"/>
               <a:ea typeface="微软雅黑" panose="020B0503020204020204" pitchFamily="34" charset="-122"/>
+              <a:cs typeface="Arial Unicode MS" pitchFamily="34" charset="-122"/>
             </a:endParaRPr>
           </a:p>
           <a:p>
@@ -21687,16 +22298,18 @@
               <a:buChar char="–"/>
             </a:pPr>
             <a:r>
-              <a:rPr lang="zh-CN" altLang="en-US" sz="1600" kern="0" dirty="0">
+              <a:rPr lang="zh-CN" altLang="en-US" sz="1500" dirty="0">
                 <a:latin typeface="微软雅黑" panose="020B0503020204020204" pitchFamily="34" charset="-122"/>
                 <a:ea typeface="微软雅黑" panose="020B0503020204020204" pitchFamily="34" charset="-122"/>
+                <a:cs typeface="Arial Unicode MS" pitchFamily="34" charset="-122"/>
               </a:rPr>
               <a:t>综合时钟频率 </a:t>
             </a:r>
             <a:r>
-              <a:rPr lang="en-US" altLang="zh-CN" sz="1600" kern="0" dirty="0">
+              <a:rPr lang="en-US" altLang="zh-CN" sz="1500" dirty="0">
                 <a:latin typeface="微软雅黑" panose="020B0503020204020204" pitchFamily="34" charset="-122"/>
                 <a:ea typeface="微软雅黑" panose="020B0503020204020204" pitchFamily="34" charset="-122"/>
+                <a:cs typeface="Arial Unicode MS" pitchFamily="34" charset="-122"/>
               </a:rPr>
               <a:t>2.0 GHz </a:t>
             </a:r>
@@ -21715,15 +22328,17 @@
               <a:buChar char="–"/>
             </a:pPr>
             <a:r>
-              <a:rPr lang="zh-CN" altLang="en-US" sz="1600" kern="0" dirty="0">
+              <a:rPr lang="zh-CN" altLang="en-US" sz="1500" dirty="0">
                 <a:latin typeface="微软雅黑" panose="020B0503020204020204" pitchFamily="34" charset="-122"/>
                 <a:ea typeface="微软雅黑" panose="020B0503020204020204" pitchFamily="34" charset="-122"/>
+                <a:cs typeface="Arial Unicode MS" pitchFamily="34" charset="-122"/>
               </a:rPr>
               <a:t>前仿时序、波形正确</a:t>
             </a:r>
-            <a:endParaRPr lang="en-US" altLang="zh-CN" sz="1600" kern="0" dirty="0">
+            <a:endParaRPr lang="en-US" altLang="zh-CN" sz="1500" dirty="0">
               <a:latin typeface="微软雅黑" panose="020B0503020204020204" pitchFamily="34" charset="-122"/>
               <a:ea typeface="微软雅黑" panose="020B0503020204020204" pitchFamily="34" charset="-122"/>
+              <a:cs typeface="Arial Unicode MS" pitchFamily="34" charset="-122"/>
             </a:endParaRPr>
           </a:p>
         </p:txBody>
@@ -21753,12 +22368,12 @@
           <a:p>
             <a:pPr algn="ctr"/>
             <a:r>
-              <a:rPr lang="en-US" altLang="zh-CN" sz="1200" smtClean="0">
+              <a:rPr lang="en-US" altLang="zh-CN" sz="1200" dirty="0" smtClean="0">
                 <a:solidFill>
                   <a:srgbClr val="000000"/>
                 </a:solidFill>
               </a:rPr>
-              <a:t>10/13</a:t>
+              <a:t>13/17</a:t>
             </a:r>
             <a:endParaRPr lang="en-US" altLang="zh-CN" sz="1200" dirty="0">
               <a:solidFill>
@@ -21792,18 +22407,18 @@
           <a:p>
             <a:pPr algn="ctr"/>
             <a:r>
-              <a:rPr lang="en-US" altLang="zh-CN" sz="1200" kern="0" dirty="0">
+              <a:rPr lang="zh-CN" altLang="en-US" sz="1200" kern="0" dirty="0" smtClean="0">
                 <a:latin typeface="微软雅黑" panose="020B0503020204020204" pitchFamily="34" charset="-122"/>
                 <a:ea typeface="微软雅黑" panose="020B0503020204020204" pitchFamily="34" charset="-122"/>
               </a:rPr>
-              <a:t>Fig11 </a:t>
+              <a:t>综合</a:t>
             </a:r>
             <a:r>
               <a:rPr lang="zh-CN" altLang="en-US" sz="1200" kern="0" dirty="0">
                 <a:latin typeface="微软雅黑" panose="020B0503020204020204" pitchFamily="34" charset="-122"/>
                 <a:ea typeface="微软雅黑" panose="020B0503020204020204" pitchFamily="34" charset="-122"/>
               </a:rPr>
-              <a:t>综合结果时序约束</a:t>
+              <a:t>结果时序约束</a:t>
             </a:r>
             <a:r>
               <a:rPr lang="en-US" altLang="zh-CN" sz="1200" kern="0" dirty="0">
@@ -21824,7 +22439,7 @@
           <p:cNvPr id="15" name="图片 14" descr="C:\Users\win7\AppData\Local\Temp\1495293424(1).png">
             <a:extLst>
               <a:ext uri="{FF2B5EF4-FFF2-40B4-BE49-F238E27FC236}">
-                <a16:creationId xmlns:a16="http://schemas.microsoft.com/office/drawing/2014/main" xmlns="" id="{2D2BA207-2233-4ACA-82FE-835DED8C6361}"/>
+                <a16:creationId xmlns="" xmlns:a16="http://schemas.microsoft.com/office/drawing/2014/main" id="{2D2BA207-2233-4ACA-82FE-835DED8C6361}"/>
               </a:ext>
             </a:extLst>
           </p:cNvPr>
@@ -21863,7 +22478,7 @@
           <p:cNvPr id="29" name="文本框 28">
             <a:extLst>
               <a:ext uri="{FF2B5EF4-FFF2-40B4-BE49-F238E27FC236}">
-                <a16:creationId xmlns:a16="http://schemas.microsoft.com/office/drawing/2014/main" xmlns="" id="{21A92C2A-9F8A-44C9-8AF2-6E0A6BBDE87A}"/>
+                <a16:creationId xmlns="" xmlns:a16="http://schemas.microsoft.com/office/drawing/2014/main" id="{21A92C2A-9F8A-44C9-8AF2-6E0A6BBDE87A}"/>
               </a:ext>
             </a:extLst>
           </p:cNvPr>
@@ -21931,29 +22546,33 @@
               <a:buChar char="–"/>
             </a:pPr>
             <a:r>
-              <a:rPr lang="zh-CN" altLang="en-US" sz="1600" kern="0" dirty="0">
+              <a:rPr lang="zh-CN" altLang="en-US" sz="1500" dirty="0">
                 <a:latin typeface="微软雅黑" panose="020B0503020204020204" pitchFamily="34" charset="-122"/>
                 <a:ea typeface="微软雅黑" panose="020B0503020204020204" pitchFamily="34" charset="-122"/>
+                <a:cs typeface="Arial Unicode MS" pitchFamily="34" charset="-122"/>
               </a:rPr>
               <a:t>添加了电源、时钟树、</a:t>
             </a:r>
             <a:r>
-              <a:rPr lang="en-US" altLang="zh-CN" sz="1600" kern="0" dirty="0">
+              <a:rPr lang="en-US" altLang="zh-CN" sz="1500" dirty="0">
                 <a:latin typeface="微软雅黑" panose="020B0503020204020204" pitchFamily="34" charset="-122"/>
                 <a:ea typeface="微软雅黑" panose="020B0503020204020204" pitchFamily="34" charset="-122"/>
+                <a:cs typeface="Arial Unicode MS" pitchFamily="34" charset="-122"/>
               </a:rPr>
               <a:t>IO</a:t>
             </a:r>
             <a:r>
-              <a:rPr lang="zh-CN" altLang="en-US" sz="1600" kern="0" dirty="0">
+              <a:rPr lang="zh-CN" altLang="en-US" sz="1500" dirty="0">
                 <a:latin typeface="微软雅黑" panose="020B0503020204020204" pitchFamily="34" charset="-122"/>
                 <a:ea typeface="微软雅黑" panose="020B0503020204020204" pitchFamily="34" charset="-122"/>
+                <a:cs typeface="Arial Unicode MS" pitchFamily="34" charset="-122"/>
               </a:rPr>
               <a:t>接口等</a:t>
             </a:r>
-            <a:endParaRPr lang="en-US" altLang="zh-CN" sz="1600" kern="0" dirty="0">
+            <a:endParaRPr lang="en-US" altLang="zh-CN" sz="1500" dirty="0">
               <a:latin typeface="微软雅黑" panose="020B0503020204020204" pitchFamily="34" charset="-122"/>
               <a:ea typeface="微软雅黑" panose="020B0503020204020204" pitchFamily="34" charset="-122"/>
+              <a:cs typeface="Arial Unicode MS" pitchFamily="34" charset="-122"/>
             </a:endParaRPr>
           </a:p>
           <a:p>
@@ -21970,16 +22589,18 @@
               <a:buChar char="–"/>
             </a:pPr>
             <a:r>
-              <a:rPr lang="zh-CN" altLang="en-US" sz="1600" kern="0" dirty="0">
+              <a:rPr lang="zh-CN" altLang="en-US" sz="1500" dirty="0">
                 <a:latin typeface="微软雅黑" panose="020B0503020204020204" pitchFamily="34" charset="-122"/>
                 <a:ea typeface="微软雅黑" panose="020B0503020204020204" pitchFamily="34" charset="-122"/>
+                <a:cs typeface="Arial Unicode MS" pitchFamily="34" charset="-122"/>
               </a:rPr>
               <a:t>布局布线后时钟频率可达</a:t>
             </a:r>
             <a:r>
-              <a:rPr lang="en-US" altLang="zh-CN" sz="1600" kern="0" dirty="0">
+              <a:rPr lang="en-US" altLang="zh-CN" sz="1500" dirty="0">
                 <a:latin typeface="微软雅黑" panose="020B0503020204020204" pitchFamily="34" charset="-122"/>
                 <a:ea typeface="微软雅黑" panose="020B0503020204020204" pitchFamily="34" charset="-122"/>
+                <a:cs typeface="Arial Unicode MS" pitchFamily="34" charset="-122"/>
               </a:rPr>
               <a:t>1.7 GHz </a:t>
             </a:r>
@@ -21998,15 +22619,17 @@
               <a:buChar char="–"/>
             </a:pPr>
             <a:r>
-              <a:rPr lang="zh-CN" altLang="en-US" sz="1600" kern="0" dirty="0">
+              <a:rPr lang="zh-CN" altLang="en-US" sz="1500" dirty="0">
                 <a:latin typeface="微软雅黑" panose="020B0503020204020204" pitchFamily="34" charset="-122"/>
                 <a:ea typeface="微软雅黑" panose="020B0503020204020204" pitchFamily="34" charset="-122"/>
+                <a:cs typeface="Arial Unicode MS" pitchFamily="34" charset="-122"/>
               </a:rPr>
               <a:t>后仿时序、波形正确</a:t>
             </a:r>
-            <a:endParaRPr lang="en-US" altLang="zh-CN" sz="1600" kern="0" dirty="0">
+            <a:endParaRPr lang="en-US" altLang="zh-CN" sz="1500" dirty="0">
               <a:latin typeface="微软雅黑" panose="020B0503020204020204" pitchFamily="34" charset="-122"/>
               <a:ea typeface="微软雅黑" panose="020B0503020204020204" pitchFamily="34" charset="-122"/>
+              <a:cs typeface="Arial Unicode MS" pitchFamily="34" charset="-122"/>
             </a:endParaRPr>
           </a:p>
         </p:txBody>
@@ -22016,7 +22639,7 @@
           <p:cNvPr id="31" name="文本框 30">
             <a:extLst>
               <a:ext uri="{FF2B5EF4-FFF2-40B4-BE49-F238E27FC236}">
-                <a16:creationId xmlns:a16="http://schemas.microsoft.com/office/drawing/2014/main" xmlns="" id="{DD62E0AC-DF65-42C7-AC0B-2992FA46EE8A}"/>
+                <a16:creationId xmlns="" xmlns:a16="http://schemas.microsoft.com/office/drawing/2014/main" id="{DD62E0AC-DF65-42C7-AC0B-2992FA46EE8A}"/>
               </a:ext>
             </a:extLst>
           </p:cNvPr>
@@ -22041,18 +22664,18 @@
           <a:p>
             <a:pPr algn="ctr"/>
             <a:r>
-              <a:rPr lang="en-US" altLang="zh-CN" sz="1200" kern="0" dirty="0">
+              <a:rPr lang="zh-CN" altLang="en-US" sz="1200" kern="0" dirty="0" smtClean="0">
                 <a:latin typeface="微软雅黑" panose="020B0503020204020204" pitchFamily="34" charset="-122"/>
                 <a:ea typeface="微软雅黑" panose="020B0503020204020204" pitchFamily="34" charset="-122"/>
               </a:rPr>
-              <a:t>Fig12 </a:t>
+              <a:t>数字</a:t>
             </a:r>
             <a:r>
               <a:rPr lang="zh-CN" altLang="en-US" sz="1200" kern="0" dirty="0">
                 <a:latin typeface="微软雅黑" panose="020B0503020204020204" pitchFamily="34" charset="-122"/>
                 <a:ea typeface="微软雅黑" panose="020B0503020204020204" pitchFamily="34" charset="-122"/>
               </a:rPr>
-              <a:t>数字后端版图</a:t>
+              <a:t>后端版图</a:t>
             </a:r>
           </a:p>
         </p:txBody>
@@ -22062,7 +22685,7 @@
           <p:cNvPr id="32" name="图片 31">
             <a:extLst>
               <a:ext uri="{FF2B5EF4-FFF2-40B4-BE49-F238E27FC236}">
-                <a16:creationId xmlns:a16="http://schemas.microsoft.com/office/drawing/2014/main" xmlns="" id="{F9456A7B-D389-4434-B493-B98BC9629D0B}"/>
+                <a16:creationId xmlns="" xmlns:a16="http://schemas.microsoft.com/office/drawing/2014/main" id="{F9456A7B-D389-4434-B493-B98BC9629D0B}"/>
               </a:ext>
             </a:extLst>
           </p:cNvPr>
@@ -22105,6 +22728,13 @@
   <p:transition spd="med">
     <p:pull/>
   </p:transition>
+  <p:timing>
+    <p:tnLst>
+      <p:par>
+        <p:cTn id="1" dur="indefinite" restart="never" nodeType="tmRoot"/>
+      </p:par>
+    </p:tnLst>
+  </p:timing>
 </p:sld>
 </file>
 
@@ -22130,7 +22760,7 @@
           <p:cNvPr id="2" name="标题 1">
             <a:extLst>
               <a:ext uri="{FF2B5EF4-FFF2-40B4-BE49-F238E27FC236}">
-                <a16:creationId xmlns:a16="http://schemas.microsoft.com/office/drawing/2014/main" xmlns="" id="{79C72F44-5573-4C5C-9BDE-903DE9D4CED2}"/>
+                <a16:creationId xmlns="" xmlns:a16="http://schemas.microsoft.com/office/drawing/2014/main" id="{79C72F44-5573-4C5C-9BDE-903DE9D4CED2}"/>
               </a:ext>
             </a:extLst>
           </p:cNvPr>
@@ -22173,7 +22803,7 @@
           <p:cNvPr id="5" name="文本框 4">
             <a:extLst>
               <a:ext uri="{FF2B5EF4-FFF2-40B4-BE49-F238E27FC236}">
-                <a16:creationId xmlns:a16="http://schemas.microsoft.com/office/drawing/2014/main" xmlns="" id="{4006F415-CC0A-4D2C-B1BF-6E04DAA3F10F}"/>
+                <a16:creationId xmlns="" xmlns:a16="http://schemas.microsoft.com/office/drawing/2014/main" id="{4006F415-CC0A-4D2C-B1BF-6E04DAA3F10F}"/>
               </a:ext>
             </a:extLst>
           </p:cNvPr>
@@ -22182,8 +22812,8 @@
         </p:nvSpPr>
         <p:spPr>
           <a:xfrm>
-            <a:off x="190499" y="1163519"/>
-            <a:ext cx="8705851" cy="1709699"/>
+            <a:off x="190499" y="914400"/>
+            <a:ext cx="8705851" cy="3613297"/>
           </a:xfrm>
           <a:prstGeom prst="rect">
             <a:avLst/>
@@ -22209,13 +22839,26 @@
               <a:buChar char="–"/>
             </a:pPr>
             <a:r>
-              <a:rPr lang="zh-CN" altLang="en-US" sz="2500" dirty="0">
+              <a:rPr lang="zh-CN" altLang="en-US" sz="2200" dirty="0">
                 <a:latin typeface="微软雅黑" panose="020B0503020204020204" pitchFamily="34" charset="-122"/>
                 <a:ea typeface="微软雅黑" panose="020B0503020204020204" pitchFamily="34" charset="-122"/>
                 <a:cs typeface="Arial Unicode MS" pitchFamily="34" charset="-122"/>
               </a:rPr>
-              <a:t>毕业设计最终结果</a:t>
-            </a:r>
+              <a:t>毕业设计最终</a:t>
+            </a:r>
+            <a:r>
+              <a:rPr lang="zh-CN" altLang="en-US" sz="2200" dirty="0" smtClean="0">
+                <a:latin typeface="微软雅黑" panose="020B0503020204020204" pitchFamily="34" charset="-122"/>
+                <a:ea typeface="微软雅黑" panose="020B0503020204020204" pitchFamily="34" charset="-122"/>
+                <a:cs typeface="Arial Unicode MS" pitchFamily="34" charset="-122"/>
+              </a:rPr>
+              <a:t>结果</a:t>
+            </a:r>
+            <a:endParaRPr lang="en-US" altLang="zh-CN" sz="2200" dirty="0" smtClean="0">
+              <a:latin typeface="微软雅黑" panose="020B0503020204020204" pitchFamily="34" charset="-122"/>
+              <a:ea typeface="微软雅黑" panose="020B0503020204020204" pitchFamily="34" charset="-122"/>
+              <a:cs typeface="Arial Unicode MS" pitchFamily="34" charset="-122"/>
+            </a:endParaRPr>
           </a:p>
           <a:p>
             <a:pPr marL="1014413" lvl="2" indent="-214313" fontAlgn="base">
@@ -22231,79 +22874,85 @@
               <a:buChar char="–"/>
             </a:pPr>
             <a:r>
-              <a:rPr lang="zh-CN" altLang="en-US" sz="1600" kern="0" dirty="0">
+              <a:rPr lang="zh-CN" altLang="en-US" sz="1500" dirty="0">
                 <a:latin typeface="微软雅黑" panose="020B0503020204020204" pitchFamily="34" charset="-122"/>
                 <a:ea typeface="微软雅黑" panose="020B0503020204020204" pitchFamily="34" charset="-122"/>
+                <a:cs typeface="Arial Unicode MS" pitchFamily="34" charset="-122"/>
               </a:rPr>
               <a:t>使用</a:t>
             </a:r>
             <a:r>
-              <a:rPr lang="en-US" altLang="zh-CN" sz="1600" kern="0" dirty="0">
+              <a:rPr lang="en-US" altLang="zh-CN" sz="1500" dirty="0">
                 <a:latin typeface="微软雅黑" panose="020B0503020204020204" pitchFamily="34" charset="-122"/>
                 <a:ea typeface="微软雅黑" panose="020B0503020204020204" pitchFamily="34" charset="-122"/>
+                <a:cs typeface="Arial Unicode MS" pitchFamily="34" charset="-122"/>
               </a:rPr>
               <a:t>65nm</a:t>
             </a:r>
             <a:r>
-              <a:rPr lang="zh-CN" altLang="en-US" sz="1600" kern="0" dirty="0">
+              <a:rPr lang="zh-CN" altLang="en-US" sz="1500" dirty="0">
                 <a:latin typeface="微软雅黑" panose="020B0503020204020204" pitchFamily="34" charset="-122"/>
                 <a:ea typeface="微软雅黑" panose="020B0503020204020204" pitchFamily="34" charset="-122"/>
-              </a:rPr>
-              <a:t>工艺，实现一个</a:t>
-            </a:r>
-            <a:r>
-              <a:rPr lang="en-US" altLang="zh-CN" sz="1600" kern="0" dirty="0">
+                <a:cs typeface="Arial Unicode MS" pitchFamily="34" charset="-122"/>
+              </a:rPr>
+              <a:t>工艺，实现输入为</a:t>
+            </a:r>
+            <a:r>
+              <a:rPr lang="en-US" altLang="zh-CN" sz="1500" dirty="0">
                 <a:latin typeface="微软雅黑" panose="020B0503020204020204" pitchFamily="34" charset="-122"/>
                 <a:ea typeface="微软雅黑" panose="020B0503020204020204" pitchFamily="34" charset="-122"/>
-              </a:rPr>
-              <a:t>16 </a:t>
-            </a:r>
-            <a:r>
-              <a:rPr lang="en-US" altLang="zh-CN" sz="1600" kern="0" dirty="0" smtClean="0">
+                <a:cs typeface="Arial Unicode MS" pitchFamily="34" charset="-122"/>
+              </a:rPr>
+              <a:t>16 bits</a:t>
+            </a:r>
+            <a:r>
+              <a:rPr lang="zh-CN" altLang="en-US" sz="1500" dirty="0">
                 <a:latin typeface="微软雅黑" panose="020B0503020204020204" pitchFamily="34" charset="-122"/>
                 <a:ea typeface="微软雅黑" panose="020B0503020204020204" pitchFamily="34" charset="-122"/>
-              </a:rPr>
-              <a:t>bits</a:t>
-            </a:r>
-            <a:r>
-              <a:rPr lang="zh-CN" altLang="en-US" sz="1600" kern="0" dirty="0" smtClean="0">
+                <a:cs typeface="Arial Unicode MS" pitchFamily="34" charset="-122"/>
+              </a:rPr>
+              <a:t>频率控制字</a:t>
+            </a:r>
+            <a:r>
+              <a:rPr lang="en-US" altLang="zh-CN" sz="1500" dirty="0">
                 <a:latin typeface="微软雅黑" panose="020B0503020204020204" pitchFamily="34" charset="-122"/>
                 <a:ea typeface="微软雅黑" panose="020B0503020204020204" pitchFamily="34" charset="-122"/>
-              </a:rPr>
-              <a:t>频率控制字输入</a:t>
-            </a:r>
-            <a:r>
-              <a:rPr lang="en-US" altLang="zh-CN" sz="1600" kern="0" dirty="0">
+                <a:cs typeface="Arial Unicode MS" pitchFamily="34" charset="-122"/>
+              </a:rPr>
+              <a:t>,</a:t>
+            </a:r>
+            <a:r>
+              <a:rPr lang="zh-CN" altLang="en-US" sz="1500" dirty="0">
                 <a:latin typeface="微软雅黑" panose="020B0503020204020204" pitchFamily="34" charset="-122"/>
                 <a:ea typeface="微软雅黑" panose="020B0503020204020204" pitchFamily="34" charset="-122"/>
-              </a:rPr>
-              <a:t>,</a:t>
-            </a:r>
-            <a:r>
-              <a:rPr lang="en-US" altLang="zh-CN" sz="1600" kern="0" dirty="0" smtClean="0">
+                <a:cs typeface="Arial Unicode MS" pitchFamily="34" charset="-122"/>
+              </a:rPr>
+              <a:t>输出位</a:t>
+            </a:r>
+            <a:r>
+              <a:rPr lang="en-US" altLang="zh-CN" sz="1500" dirty="0">
                 <a:latin typeface="微软雅黑" panose="020B0503020204020204" pitchFamily="34" charset="-122"/>
                 <a:ea typeface="微软雅黑" panose="020B0503020204020204" pitchFamily="34" charset="-122"/>
+                <a:cs typeface="Arial Unicode MS" pitchFamily="34" charset="-122"/>
               </a:rPr>
               <a:t>16</a:t>
             </a:r>
             <a:r>
-              <a:rPr lang="zh-CN" altLang="en-US" sz="1600" kern="0" dirty="0" smtClean="0">
+              <a:rPr lang="zh-CN" altLang="en-US" sz="1500" dirty="0">
                 <a:latin typeface="微软雅黑" panose="020B0503020204020204" pitchFamily="34" charset="-122"/>
                 <a:ea typeface="微软雅黑" panose="020B0503020204020204" pitchFamily="34" charset="-122"/>
-              </a:rPr>
-              <a:t>位正弦信号输出</a:t>
-            </a:r>
-            <a:r>
-              <a:rPr lang="zh-CN" altLang="en-US" sz="1600" kern="0" dirty="0">
+                <a:cs typeface="Arial Unicode MS" pitchFamily="34" charset="-122"/>
+              </a:rPr>
+              <a:t>位正弦信号的</a:t>
+            </a:r>
+            <a:r>
+              <a:rPr lang="en-US" altLang="zh-CN" sz="1500" dirty="0">
                 <a:latin typeface="微软雅黑" panose="020B0503020204020204" pitchFamily="34" charset="-122"/>
                 <a:ea typeface="微软雅黑" panose="020B0503020204020204" pitchFamily="34" charset="-122"/>
-              </a:rPr>
-              <a:t>的数控振荡器</a:t>
-            </a:r>
-            <a:endParaRPr lang="en-US" altLang="zh-CN" sz="1600" kern="0" dirty="0">
-              <a:latin typeface="微软雅黑" panose="020B0503020204020204" pitchFamily="34" charset="-122"/>
-              <a:ea typeface="微软雅黑" panose="020B0503020204020204" pitchFamily="34" charset="-122"/>
-            </a:endParaRPr>
+                <a:cs typeface="Arial Unicode MS" pitchFamily="34" charset="-122"/>
+              </a:rPr>
+              <a:t>NCO</a:t>
+            </a:r>
           </a:p>
           <a:p>
             <a:pPr marL="1014413" lvl="2" indent="-214313" fontAlgn="base">
@@ -22319,64 +22968,65 @@
               <a:buChar char="–"/>
             </a:pPr>
             <a:r>
-              <a:rPr lang="zh-CN" altLang="en-US" sz="1600" kern="0" dirty="0" smtClean="0">
+              <a:rPr lang="zh-CN" altLang="en-US" sz="1500" dirty="0">
                 <a:latin typeface="微软雅黑" panose="020B0503020204020204" pitchFamily="34" charset="-122"/>
                 <a:ea typeface="微软雅黑" panose="020B0503020204020204" pitchFamily="34" charset="-122"/>
-              </a:rPr>
-              <a:t>本</a:t>
-            </a:r>
-            <a:r>
-              <a:rPr lang="zh-CN" altLang="en-US" sz="1600" kern="0" dirty="0" smtClean="0">
+                <a:cs typeface="Arial Unicode MS" pitchFamily="34" charset="-122"/>
+              </a:rPr>
+              <a:t>本设计仿真结果中，相位截断位数为</a:t>
+            </a:r>
+            <a:r>
+              <a:rPr lang="en-US" altLang="zh-CN" sz="1500" dirty="0">
                 <a:latin typeface="微软雅黑" panose="020B0503020204020204" pitchFamily="34" charset="-122"/>
                 <a:ea typeface="微软雅黑" panose="020B0503020204020204" pitchFamily="34" charset="-122"/>
-              </a:rPr>
-              <a:t>设计经仿真得到结果，实现了</a:t>
-            </a:r>
-            <a:r>
-              <a:rPr lang="en-US" altLang="zh-CN" sz="1600" kern="0" dirty="0" smtClean="0">
+                <a:cs typeface="Arial Unicode MS" pitchFamily="34" charset="-122"/>
+              </a:rPr>
+              <a:t>16 bits</a:t>
+            </a:r>
+            <a:r>
+              <a:rPr lang="zh-CN" altLang="en-US" sz="1500" dirty="0">
                 <a:latin typeface="微软雅黑" panose="020B0503020204020204" pitchFamily="34" charset="-122"/>
                 <a:ea typeface="微软雅黑" panose="020B0503020204020204" pitchFamily="34" charset="-122"/>
-              </a:rPr>
-              <a:t>1.7GHz </a:t>
-            </a:r>
-            <a:r>
-              <a:rPr lang="zh-CN" altLang="en-US" sz="1600" kern="0" dirty="0" smtClean="0">
+                <a:cs typeface="Arial Unicode MS" pitchFamily="34" charset="-122"/>
+              </a:rPr>
+              <a:t>，输出正弦波</a:t>
+            </a:r>
+            <a:r>
+              <a:rPr lang="en-US" altLang="zh-CN" sz="1500" dirty="0">
                 <a:latin typeface="微软雅黑" panose="020B0503020204020204" pitchFamily="34" charset="-122"/>
                 <a:ea typeface="微软雅黑" panose="020B0503020204020204" pitchFamily="34" charset="-122"/>
-              </a:rPr>
-              <a:t>时钟下，输出正弦波</a:t>
-            </a:r>
-            <a:r>
-              <a:rPr lang="en-US" altLang="zh-CN" sz="1600" kern="0" dirty="0" smtClean="0">
+                <a:cs typeface="Arial Unicode MS" pitchFamily="34" charset="-122"/>
+              </a:rPr>
+              <a:t>SFDR</a:t>
+            </a:r>
+            <a:r>
+              <a:rPr lang="zh-CN" altLang="en-US" sz="1500" dirty="0">
                 <a:latin typeface="微软雅黑" panose="020B0503020204020204" pitchFamily="34" charset="-122"/>
                 <a:ea typeface="微软雅黑" panose="020B0503020204020204" pitchFamily="34" charset="-122"/>
-              </a:rPr>
-              <a:t>SFDR</a:t>
-            </a:r>
-            <a:r>
-              <a:rPr lang="zh-CN" altLang="en-US" sz="1600" kern="0" dirty="0" smtClean="0">
+                <a:cs typeface="Arial Unicode MS" pitchFamily="34" charset="-122"/>
+              </a:rPr>
+              <a:t>达到</a:t>
+            </a:r>
+            <a:r>
+              <a:rPr lang="en-US" altLang="zh-CN" sz="1500" dirty="0">
                 <a:latin typeface="微软雅黑" panose="020B0503020204020204" pitchFamily="34" charset="-122"/>
                 <a:ea typeface="微软雅黑" panose="020B0503020204020204" pitchFamily="34" charset="-122"/>
-              </a:rPr>
-              <a:t>达到</a:t>
-            </a:r>
-            <a:r>
-              <a:rPr lang="en-US" altLang="zh-CN" sz="1600" kern="0" dirty="0" smtClean="0">
+                <a:cs typeface="Arial Unicode MS" pitchFamily="34" charset="-122"/>
+              </a:rPr>
+              <a:t>100 </a:t>
+            </a:r>
+            <a:r>
+              <a:rPr lang="en-US" altLang="zh-CN" sz="1500" dirty="0" err="1">
                 <a:latin typeface="微软雅黑" panose="020B0503020204020204" pitchFamily="34" charset="-122"/>
                 <a:ea typeface="微软雅黑" panose="020B0503020204020204" pitchFamily="34" charset="-122"/>
-              </a:rPr>
-              <a:t>100 </a:t>
-            </a:r>
-            <a:r>
-              <a:rPr lang="en-US" altLang="zh-CN" sz="1600" kern="0" dirty="0" err="1" smtClean="0">
-                <a:latin typeface="微软雅黑" panose="020B0503020204020204" pitchFamily="34" charset="-122"/>
-                <a:ea typeface="微软雅黑" panose="020B0503020204020204" pitchFamily="34" charset="-122"/>
+                <a:cs typeface="Arial Unicode MS" pitchFamily="34" charset="-122"/>
               </a:rPr>
               <a:t>dBc</a:t>
             </a:r>
-            <a:endParaRPr lang="en-US" altLang="zh-CN" sz="1600" kern="0" dirty="0" smtClean="0">
+            <a:endParaRPr lang="en-US" altLang="zh-CN" sz="1500" dirty="0">
               <a:latin typeface="微软雅黑" panose="020B0503020204020204" pitchFamily="34" charset="-122"/>
               <a:ea typeface="微软雅黑" panose="020B0503020204020204" pitchFamily="34" charset="-122"/>
+              <a:cs typeface="Arial Unicode MS" pitchFamily="34" charset="-122"/>
             </a:endParaRPr>
           </a:p>
           <a:p>
@@ -22394,50 +23044,353 @@
               <a:buChar char="–"/>
             </a:pPr>
             <a:r>
-              <a:rPr lang="zh-CN" altLang="en-US" sz="1600" kern="0" dirty="0" smtClean="0">
+              <a:rPr lang="zh-CN" altLang="en-US" sz="1500" dirty="0">
                 <a:latin typeface="微软雅黑" panose="020B0503020204020204" pitchFamily="34" charset="-122"/>
                 <a:ea typeface="微软雅黑" panose="020B0503020204020204" pitchFamily="34" charset="-122"/>
-              </a:rPr>
-              <a:t>“</a:t>
-            </a:r>
-            <a:r>
-              <a:rPr lang="zh-CN" altLang="en-US" sz="1600" kern="0" dirty="0">
+                <a:cs typeface="Arial Unicode MS" pitchFamily="34" charset="-122"/>
+              </a:rPr>
+              <a:t>系统时钟频率可运行在</a:t>
+            </a:r>
+            <a:r>
+              <a:rPr lang="en-US" altLang="zh-CN" sz="1500" dirty="0">
                 <a:latin typeface="微软雅黑" panose="020B0503020204020204" pitchFamily="34" charset="-122"/>
                 <a:ea typeface="微软雅黑" panose="020B0503020204020204" pitchFamily="34" charset="-122"/>
-              </a:rPr>
-              <a:t>功耗</a:t>
-            </a:r>
-            <a:r>
-              <a:rPr lang="en-US" altLang="zh-CN" sz="1600" kern="0" dirty="0">
+                <a:cs typeface="Arial Unicode MS" pitchFamily="34" charset="-122"/>
+              </a:rPr>
+              <a:t>1.7 GHz</a:t>
+            </a:r>
+            <a:r>
+              <a:rPr lang="zh-CN" altLang="en-US" sz="1500" dirty="0">
                 <a:latin typeface="微软雅黑" panose="020B0503020204020204" pitchFamily="34" charset="-122"/>
                 <a:ea typeface="微软雅黑" panose="020B0503020204020204" pitchFamily="34" charset="-122"/>
-              </a:rPr>
-              <a:t>/</a:t>
-            </a:r>
-            <a:r>
-              <a:rPr lang="zh-CN" altLang="en-US" sz="1600" kern="0" dirty="0">
+                <a:cs typeface="Arial Unicode MS" pitchFamily="34" charset="-122"/>
+              </a:rPr>
+              <a:t>，在过去几年相似方法中表现最高</a:t>
+            </a:r>
+            <a:endParaRPr lang="en-US" altLang="zh-CN" sz="1500" dirty="0">
+              <a:latin typeface="微软雅黑" panose="020B0503020204020204" pitchFamily="34" charset="-122"/>
+              <a:ea typeface="微软雅黑" panose="020B0503020204020204" pitchFamily="34" charset="-122"/>
+              <a:cs typeface="Arial Unicode MS" pitchFamily="34" charset="-122"/>
+            </a:endParaRPr>
+          </a:p>
+          <a:p>
+            <a:pPr marL="1014413" lvl="2" indent="-214313" fontAlgn="base">
+              <a:lnSpc>
+                <a:spcPct val="120000"/>
+              </a:lnSpc>
+              <a:spcBef>
+                <a:spcPts val="300"/>
+              </a:spcBef>
+              <a:spcAft>
+                <a:spcPts val="300"/>
+              </a:spcAft>
+              <a:buFontTx/>
+              <a:buChar char="–"/>
+            </a:pPr>
+            <a:r>
+              <a:rPr lang="zh-CN" altLang="en-US" sz="1500" dirty="0">
                 <a:latin typeface="微软雅黑" panose="020B0503020204020204" pitchFamily="34" charset="-122"/>
                 <a:ea typeface="微软雅黑" panose="020B0503020204020204" pitchFamily="34" charset="-122"/>
-              </a:rPr>
-              <a:t>时钟频率”降低至之前工作的</a:t>
-            </a:r>
-            <a:r>
-              <a:rPr lang="en-US" altLang="zh-CN" sz="1600" kern="0" dirty="0">
+                <a:cs typeface="Arial Unicode MS" pitchFamily="34" charset="-122"/>
+              </a:rPr>
+              <a:t>“功耗</a:t>
+            </a:r>
+            <a:r>
+              <a:rPr lang="en-US" altLang="zh-CN" sz="1500" dirty="0">
                 <a:latin typeface="微软雅黑" panose="020B0503020204020204" pitchFamily="34" charset="-122"/>
                 <a:ea typeface="微软雅黑" panose="020B0503020204020204" pitchFamily="34" charset="-122"/>
-              </a:rPr>
-              <a:t>25%</a:t>
-            </a:r>
-            <a:r>
-              <a:rPr lang="zh-CN" altLang="en-US" sz="1600" kern="0" dirty="0" smtClean="0">
+                <a:cs typeface="Arial Unicode MS" pitchFamily="34" charset="-122"/>
+              </a:rPr>
+              <a:t>/</a:t>
+            </a:r>
+            <a:r>
+              <a:rPr lang="zh-CN" altLang="en-US" sz="1500" dirty="0">
                 <a:latin typeface="微软雅黑" panose="020B0503020204020204" pitchFamily="34" charset="-122"/>
                 <a:ea typeface="微软雅黑" panose="020B0503020204020204" pitchFamily="34" charset="-122"/>
+                <a:cs typeface="Arial Unicode MS" pitchFamily="34" charset="-122"/>
+              </a:rPr>
+              <a:t>时钟频率”仅为</a:t>
+            </a:r>
+            <a:r>
+              <a:rPr lang="en-US" altLang="zh-CN" sz="1500" dirty="0">
+                <a:latin typeface="微软雅黑" panose="020B0503020204020204" pitchFamily="34" charset="-122"/>
+                <a:ea typeface="微软雅黑" panose="020B0503020204020204" pitchFamily="34" charset="-122"/>
+                <a:cs typeface="Arial Unicode MS" pitchFamily="34" charset="-122"/>
+              </a:rPr>
+              <a:t>13.8 </a:t>
+            </a:r>
+            <a:r>
+              <a:rPr lang="en-US" altLang="zh-CN" sz="1500" dirty="0" err="1">
+                <a:latin typeface="微软雅黑" panose="020B0503020204020204" pitchFamily="34" charset="-122"/>
+                <a:ea typeface="微软雅黑" panose="020B0503020204020204" pitchFamily="34" charset="-122"/>
+                <a:cs typeface="Arial Unicode MS" pitchFamily="34" charset="-122"/>
+              </a:rPr>
+              <a:t>mW</a:t>
+            </a:r>
+            <a:r>
+              <a:rPr lang="en-US" altLang="zh-CN" sz="1500" dirty="0">
+                <a:latin typeface="微软雅黑" panose="020B0503020204020204" pitchFamily="34" charset="-122"/>
+                <a:ea typeface="微软雅黑" panose="020B0503020204020204" pitchFamily="34" charset="-122"/>
+                <a:cs typeface="Arial Unicode MS" pitchFamily="34" charset="-122"/>
+              </a:rPr>
+              <a:t>/GHz</a:t>
+            </a:r>
+            <a:r>
+              <a:rPr lang="zh-CN" altLang="en-US" sz="1500" dirty="0">
+                <a:latin typeface="微软雅黑" panose="020B0503020204020204" pitchFamily="34" charset="-122"/>
+                <a:ea typeface="微软雅黑" panose="020B0503020204020204" pitchFamily="34" charset="-122"/>
+                <a:cs typeface="Arial Unicode MS" pitchFamily="34" charset="-122"/>
+              </a:rPr>
+              <a:t>，降低至之前工作的</a:t>
+            </a:r>
+            <a:r>
+              <a:rPr lang="en-US" altLang="zh-CN" sz="1500" dirty="0">
+                <a:latin typeface="微软雅黑" panose="020B0503020204020204" pitchFamily="34" charset="-122"/>
+                <a:ea typeface="微软雅黑" panose="020B0503020204020204" pitchFamily="34" charset="-122"/>
+                <a:cs typeface="Arial Unicode MS" pitchFamily="34" charset="-122"/>
+              </a:rPr>
+              <a:t>25%</a:t>
+            </a:r>
+            <a:r>
+              <a:rPr lang="zh-CN" altLang="en-US" sz="1500" dirty="0" smtClean="0">
+                <a:latin typeface="微软雅黑" panose="020B0503020204020204" pitchFamily="34" charset="-122"/>
+                <a:ea typeface="微软雅黑" panose="020B0503020204020204" pitchFamily="34" charset="-122"/>
+                <a:cs typeface="Arial Unicode MS" pitchFamily="34" charset="-122"/>
               </a:rPr>
               <a:t>以下</a:t>
             </a:r>
-            <a:endParaRPr lang="en-US" altLang="zh-CN" sz="1600" kern="0" dirty="0">
+            <a:endParaRPr lang="en-US" altLang="zh-CN" sz="2200" dirty="0" smtClean="0">
               <a:latin typeface="微软雅黑" panose="020B0503020204020204" pitchFamily="34" charset="-122"/>
               <a:ea typeface="微软雅黑" panose="020B0503020204020204" pitchFamily="34" charset="-122"/>
+              <a:cs typeface="Arial Unicode MS" pitchFamily="34" charset="-122"/>
+            </a:endParaRPr>
+          </a:p>
+          <a:p>
+            <a:pPr marL="557213" lvl="1" indent="-214313" fontAlgn="base">
+              <a:lnSpc>
+                <a:spcPct val="120000"/>
+              </a:lnSpc>
+              <a:spcBef>
+                <a:spcPts val="600"/>
+              </a:spcBef>
+              <a:spcAft>
+                <a:spcPts val="600"/>
+              </a:spcAft>
+              <a:buChar char="–"/>
+            </a:pPr>
+            <a:r>
+              <a:rPr lang="zh-CN" altLang="en-US" sz="2200" dirty="0" smtClean="0">
+                <a:latin typeface="微软雅黑" panose="020B0503020204020204" pitchFamily="34" charset="-122"/>
+                <a:ea typeface="微软雅黑" panose="020B0503020204020204" pitchFamily="34" charset="-122"/>
+                <a:cs typeface="Arial Unicode MS" pitchFamily="34" charset="-122"/>
+              </a:rPr>
+              <a:t>工作总结</a:t>
+            </a:r>
+            <a:endParaRPr lang="en-US" altLang="zh-CN" sz="2200" dirty="0" smtClean="0">
+              <a:latin typeface="微软雅黑" panose="020B0503020204020204" pitchFamily="34" charset="-122"/>
+              <a:ea typeface="微软雅黑" panose="020B0503020204020204" pitchFamily="34" charset="-122"/>
+              <a:cs typeface="Arial Unicode MS" pitchFamily="34" charset="-122"/>
+            </a:endParaRPr>
+          </a:p>
+          <a:p>
+            <a:pPr marL="1014413" lvl="2" indent="-214313" fontAlgn="base">
+              <a:lnSpc>
+                <a:spcPct val="120000"/>
+              </a:lnSpc>
+              <a:spcBef>
+                <a:spcPts val="300"/>
+              </a:spcBef>
+              <a:spcAft>
+                <a:spcPts val="300"/>
+              </a:spcAft>
+              <a:buChar char="–"/>
+            </a:pPr>
+            <a:r>
+              <a:rPr lang="zh-CN" altLang="en-US" sz="1500" dirty="0" smtClean="0">
+                <a:latin typeface="微软雅黑" panose="020B0503020204020204" pitchFamily="34" charset="-122"/>
+                <a:ea typeface="微软雅黑" panose="020B0503020204020204" pitchFamily="34" charset="-122"/>
+                <a:cs typeface="Arial Unicode MS" pitchFamily="34" charset="-122"/>
+              </a:rPr>
+              <a:t>使用</a:t>
+            </a:r>
+            <a:r>
+              <a:rPr lang="zh-CN" altLang="en-US" sz="1500" dirty="0">
+                <a:latin typeface="微软雅黑" panose="020B0503020204020204" pitchFamily="34" charset="-122"/>
+                <a:ea typeface="微软雅黑" panose="020B0503020204020204" pitchFamily="34" charset="-122"/>
+                <a:cs typeface="Arial Unicode MS" pitchFamily="34" charset="-122"/>
+              </a:rPr>
+              <a:t>级联的</a:t>
+            </a:r>
+            <a:r>
+              <a:rPr lang="zh-CN" altLang="en-US" sz="1500">
+                <a:latin typeface="微软雅黑" panose="020B0503020204020204" pitchFamily="34" charset="-122"/>
+                <a:ea typeface="微软雅黑" panose="020B0503020204020204" pitchFamily="34" charset="-122"/>
+                <a:cs typeface="Arial Unicode MS" pitchFamily="34" charset="-122"/>
+              </a:rPr>
+              <a:t>旋转</a:t>
+            </a:r>
+            <a:r>
+              <a:rPr lang="zh-CN" altLang="en-US" sz="1500" smtClean="0">
+                <a:latin typeface="微软雅黑" panose="020B0503020204020204" pitchFamily="34" charset="-122"/>
+                <a:ea typeface="微软雅黑" panose="020B0503020204020204" pitchFamily="34" charset="-122"/>
+                <a:cs typeface="Arial Unicode MS" pitchFamily="34" charset="-122"/>
+              </a:rPr>
+              <a:t>单元进行流水线加速，</a:t>
+            </a:r>
+            <a:r>
+              <a:rPr lang="zh-CN" altLang="en-US" sz="1500" dirty="0" smtClean="0">
+                <a:latin typeface="微软雅黑" panose="020B0503020204020204" pitchFamily="34" charset="-122"/>
+                <a:ea typeface="微软雅黑" panose="020B0503020204020204" pitchFamily="34" charset="-122"/>
+                <a:cs typeface="Arial Unicode MS" pitchFamily="34" charset="-122"/>
+              </a:rPr>
+              <a:t>替换</a:t>
+            </a:r>
+            <a:r>
+              <a:rPr lang="zh-CN" altLang="en-US" sz="1500" dirty="0">
+                <a:latin typeface="微软雅黑" panose="020B0503020204020204" pitchFamily="34" charset="-122"/>
+                <a:ea typeface="微软雅黑" panose="020B0503020204020204" pitchFamily="34" charset="-122"/>
+                <a:cs typeface="Arial Unicode MS" pitchFamily="34" charset="-122"/>
+              </a:rPr>
+              <a:t>参考文献</a:t>
+            </a:r>
+            <a:r>
+              <a:rPr lang="en-US" altLang="zh-CN" sz="1500" baseline="30000" dirty="0" smtClean="0">
+                <a:latin typeface="微软雅黑" panose="020B0503020204020204" pitchFamily="34" charset="-122"/>
+                <a:ea typeface="微软雅黑" panose="020B0503020204020204" pitchFamily="34" charset="-122"/>
+                <a:cs typeface="Arial Unicode MS" pitchFamily="34" charset="-122"/>
+              </a:rPr>
+              <a:t>[5]</a:t>
+            </a:r>
+            <a:r>
+              <a:rPr lang="zh-CN" altLang="en-US" sz="1500" dirty="0" smtClean="0">
+                <a:latin typeface="微软雅黑" panose="020B0503020204020204" pitchFamily="34" charset="-122"/>
+                <a:ea typeface="微软雅黑" panose="020B0503020204020204" pitchFamily="34" charset="-122"/>
+                <a:cs typeface="Arial Unicode MS" pitchFamily="34" charset="-122"/>
+              </a:rPr>
+              <a:t>中</a:t>
+            </a:r>
+            <a:r>
+              <a:rPr lang="zh-CN" altLang="en-US" sz="1500" dirty="0" smtClean="0">
+                <a:latin typeface="微软雅黑" panose="020B0503020204020204" pitchFamily="34" charset="-122"/>
+                <a:ea typeface="微软雅黑" panose="020B0503020204020204" pitchFamily="34" charset="-122"/>
+                <a:cs typeface="Arial Unicode MS" pitchFamily="34" charset="-122"/>
+              </a:rPr>
+              <a:t>乘法器</a:t>
+            </a:r>
+            <a:endParaRPr lang="en-US" altLang="zh-CN" sz="1500" dirty="0" smtClean="0">
+              <a:latin typeface="微软雅黑" panose="020B0503020204020204" pitchFamily="34" charset="-122"/>
+              <a:ea typeface="微软雅黑" panose="020B0503020204020204" pitchFamily="34" charset="-122"/>
+              <a:cs typeface="Arial Unicode MS" pitchFamily="34" charset="-122"/>
+            </a:endParaRPr>
+          </a:p>
+          <a:p>
+            <a:pPr marL="1014413" lvl="2" indent="-214313" fontAlgn="base">
+              <a:lnSpc>
+                <a:spcPct val="120000"/>
+              </a:lnSpc>
+              <a:spcBef>
+                <a:spcPts val="300"/>
+              </a:spcBef>
+              <a:spcAft>
+                <a:spcPts val="300"/>
+              </a:spcAft>
+              <a:buChar char="–"/>
+            </a:pPr>
+            <a:r>
+              <a:rPr lang="zh-CN" altLang="en-US" sz="1500" dirty="0">
+                <a:latin typeface="微软雅黑" panose="020B0503020204020204" pitchFamily="34" charset="-122"/>
+                <a:ea typeface="微软雅黑" panose="020B0503020204020204" pitchFamily="34" charset="-122"/>
+                <a:cs typeface="Arial Unicode MS" pitchFamily="34" charset="-122"/>
+              </a:rPr>
+              <a:t>分析</a:t>
+            </a:r>
+            <a:r>
+              <a:rPr lang="zh-CN" altLang="en-US" sz="1500" dirty="0" smtClean="0">
+                <a:latin typeface="微软雅黑" panose="020B0503020204020204" pitchFamily="34" charset="-122"/>
+                <a:ea typeface="微软雅黑" panose="020B0503020204020204" pitchFamily="34" charset="-122"/>
+                <a:cs typeface="Arial Unicode MS" pitchFamily="34" charset="-122"/>
+              </a:rPr>
+              <a:t>相位截断和近似失真两类噪声，给出了约束条件和索引分配方案</a:t>
+            </a:r>
+            <a:endParaRPr lang="en-US" altLang="zh-CN" sz="1500" dirty="0" smtClean="0">
+              <a:latin typeface="微软雅黑" panose="020B0503020204020204" pitchFamily="34" charset="-122"/>
+              <a:ea typeface="微软雅黑" panose="020B0503020204020204" pitchFamily="34" charset="-122"/>
+              <a:cs typeface="Arial Unicode MS" pitchFamily="34" charset="-122"/>
+            </a:endParaRPr>
+          </a:p>
+          <a:p>
+            <a:pPr marL="1014413" lvl="2" indent="-214313" fontAlgn="base">
+              <a:lnSpc>
+                <a:spcPct val="120000"/>
+              </a:lnSpc>
+              <a:spcBef>
+                <a:spcPts val="600"/>
+              </a:spcBef>
+              <a:spcAft>
+                <a:spcPts val="600"/>
+              </a:spcAft>
+              <a:buChar char="–"/>
+            </a:pPr>
+            <a:r>
+              <a:rPr lang="zh-CN" altLang="en-US" sz="1500" dirty="0">
+                <a:latin typeface="微软雅黑" panose="020B0503020204020204" pitchFamily="34" charset="-122"/>
+                <a:ea typeface="微软雅黑" panose="020B0503020204020204" pitchFamily="34" charset="-122"/>
+                <a:cs typeface="Arial Unicode MS" pitchFamily="34" charset="-122"/>
+              </a:rPr>
+              <a:t>规范</a:t>
+            </a:r>
+            <a:r>
+              <a:rPr lang="zh-CN" altLang="en-US" sz="1500" dirty="0" smtClean="0">
+                <a:latin typeface="微软雅黑" panose="020B0503020204020204" pitchFamily="34" charset="-122"/>
+                <a:ea typeface="微软雅黑" panose="020B0503020204020204" pitchFamily="34" charset="-122"/>
+                <a:cs typeface="Arial Unicode MS" pitchFamily="34" charset="-122"/>
+              </a:rPr>
+              <a:t>电路布局、优化关键路径，</a:t>
+            </a:r>
+            <a:r>
+              <a:rPr lang="zh-CN" altLang="en-US" sz="1500" dirty="0" smtClean="0">
+                <a:latin typeface="微软雅黑" panose="020B0503020204020204" pitchFamily="34" charset="-122"/>
+                <a:ea typeface="微软雅黑" panose="020B0503020204020204" pitchFamily="34" charset="-122"/>
+                <a:cs typeface="Arial Unicode MS" pitchFamily="34" charset="-122"/>
+              </a:rPr>
+              <a:t>最终</a:t>
+            </a:r>
+            <a:r>
+              <a:rPr lang="zh-CN" altLang="en-US" sz="1500" dirty="0" smtClean="0">
+                <a:latin typeface="微软雅黑" panose="020B0503020204020204" pitchFamily="34" charset="-122"/>
+                <a:ea typeface="微软雅黑" panose="020B0503020204020204" pitchFamily="34" charset="-122"/>
+                <a:cs typeface="Arial Unicode MS" pitchFamily="34" charset="-122"/>
+              </a:rPr>
+              <a:t>在</a:t>
+            </a:r>
+            <a:r>
+              <a:rPr lang="zh-CN" altLang="en-US" sz="1500" dirty="0">
+                <a:latin typeface="微软雅黑" panose="020B0503020204020204" pitchFamily="34" charset="-122"/>
+                <a:ea typeface="微软雅黑" panose="020B0503020204020204" pitchFamily="34" charset="-122"/>
+                <a:cs typeface="Arial Unicode MS" pitchFamily="34" charset="-122"/>
+              </a:rPr>
+              <a:t>速度</a:t>
+            </a:r>
+            <a:r>
+              <a:rPr lang="zh-CN" altLang="en-US" sz="1500" dirty="0" smtClean="0">
+                <a:latin typeface="微软雅黑" panose="020B0503020204020204" pitchFamily="34" charset="-122"/>
+                <a:ea typeface="微软雅黑" panose="020B0503020204020204" pitchFamily="34" charset="-122"/>
+                <a:cs typeface="Arial Unicode MS" pitchFamily="34" charset="-122"/>
+              </a:rPr>
+              <a:t>和</a:t>
+            </a:r>
+            <a:r>
+              <a:rPr lang="zh-CN" altLang="en-US" sz="1500" dirty="0" smtClean="0">
+                <a:latin typeface="微软雅黑" panose="020B0503020204020204" pitchFamily="34" charset="-122"/>
+                <a:ea typeface="微软雅黑" panose="020B0503020204020204" pitchFamily="34" charset="-122"/>
+                <a:cs typeface="Arial Unicode MS" pitchFamily="34" charset="-122"/>
+              </a:rPr>
+              <a:t>功耗上取得突破</a:t>
+            </a:r>
+            <a:endParaRPr lang="zh-CN" altLang="en-US" sz="1500" dirty="0">
+              <a:latin typeface="微软雅黑" panose="020B0503020204020204" pitchFamily="34" charset="-122"/>
+              <a:ea typeface="微软雅黑" panose="020B0503020204020204" pitchFamily="34" charset="-122"/>
+              <a:cs typeface="Arial Unicode MS" pitchFamily="34" charset="-122"/>
             </a:endParaRPr>
           </a:p>
         </p:txBody>
@@ -22447,7 +23400,7 @@
           <p:cNvPr id="7" name="页脚占位符 4">
             <a:extLst>
               <a:ext uri="{FF2B5EF4-FFF2-40B4-BE49-F238E27FC236}">
-                <a16:creationId xmlns:a16="http://schemas.microsoft.com/office/drawing/2014/main" xmlns="" id="{698B0707-EE31-4310-A762-FD65345E21BF}"/>
+                <a16:creationId xmlns="" xmlns:a16="http://schemas.microsoft.com/office/drawing/2014/main" id="{698B0707-EE31-4310-A762-FD65345E21BF}"/>
               </a:ext>
             </a:extLst>
           </p:cNvPr>
@@ -22473,12 +23426,12 @@
           <a:p>
             <a:pPr algn="ctr"/>
             <a:r>
-              <a:rPr lang="en-US" altLang="zh-CN" sz="1200" smtClean="0">
+              <a:rPr lang="en-US" altLang="zh-CN" sz="1200" dirty="0" smtClean="0">
                 <a:solidFill>
                   <a:srgbClr val="000000"/>
                 </a:solidFill>
               </a:rPr>
-              <a:t>11/13</a:t>
+              <a:t>14/17</a:t>
             </a:r>
             <a:endParaRPr lang="en-US" altLang="zh-CN" sz="1200" dirty="0">
               <a:solidFill>
@@ -22493,7 +23446,7 @@
           <p:cNvPr id="12" name="表格 11">
             <a:extLst>
               <a:ext uri="{FF2B5EF4-FFF2-40B4-BE49-F238E27FC236}">
-                <a16:creationId xmlns:a16="http://schemas.microsoft.com/office/drawing/2014/main" xmlns="" id="{B8C7FB25-E5EF-45FD-A921-2588A4047AB4}"/>
+                <a16:creationId xmlns="" xmlns:a16="http://schemas.microsoft.com/office/drawing/2014/main" id="{B8C7FB25-E5EF-45FD-A921-2588A4047AB4}"/>
               </a:ext>
             </a:extLst>
           </p:cNvPr>
@@ -22503,14 +23456,14 @@
           <p:nvPr>
             <p:extLst>
               <p:ext uri="{D42A27DB-BD31-4B8C-83A1-F6EECF244321}">
-                <p14:modId xmlns:p14="http://schemas.microsoft.com/office/powerpoint/2010/main" val="796020186"/>
+                <p14:modId xmlns:p14="http://schemas.microsoft.com/office/powerpoint/2010/main" val="2627102611"/>
               </p:ext>
             </p:extLst>
           </p:nvPr>
         </p:nvGraphicFramePr>
         <p:xfrm>
-          <a:off x="559403" y="3375169"/>
-          <a:ext cx="7927372" cy="1963646"/>
+          <a:off x="683228" y="4605385"/>
+          <a:ext cx="7927372" cy="1709646"/>
         </p:xfrm>
         <a:graphic>
           <a:graphicData uri="http://schemas.openxmlformats.org/drawingml/2006/table">
@@ -22522,49 +23475,49 @@
                 <a:gridCol w="1505175">
                   <a:extLst>
                     <a:ext uri="{9D8B030D-6E8A-4147-A177-3AD203B41FA5}">
-                      <a16:colId xmlns:a16="http://schemas.microsoft.com/office/drawing/2014/main" xmlns="" val="2858620335"/>
+                      <a16:colId xmlns="" xmlns:a16="http://schemas.microsoft.com/office/drawing/2014/main" val="2858620335"/>
                     </a:ext>
                   </a:extLst>
                 </a:gridCol>
                 <a:gridCol w="2002597">
                   <a:extLst>
                     <a:ext uri="{9D8B030D-6E8A-4147-A177-3AD203B41FA5}">
-                      <a16:colId xmlns:a16="http://schemas.microsoft.com/office/drawing/2014/main" xmlns="" val="356612817"/>
+                      <a16:colId xmlns="" xmlns:a16="http://schemas.microsoft.com/office/drawing/2014/main" val="356612817"/>
                     </a:ext>
                   </a:extLst>
                 </a:gridCol>
                 <a:gridCol w="895350">
                   <a:extLst>
                     <a:ext uri="{9D8B030D-6E8A-4147-A177-3AD203B41FA5}">
-                      <a16:colId xmlns:a16="http://schemas.microsoft.com/office/drawing/2014/main" xmlns="" val="3443046802"/>
+                      <a16:colId xmlns="" xmlns:a16="http://schemas.microsoft.com/office/drawing/2014/main" val="3443046802"/>
                     </a:ext>
                   </a:extLst>
                 </a:gridCol>
                 <a:gridCol w="723900">
                   <a:extLst>
                     <a:ext uri="{9D8B030D-6E8A-4147-A177-3AD203B41FA5}">
-                      <a16:colId xmlns:a16="http://schemas.microsoft.com/office/drawing/2014/main" xmlns="" val="3383779701"/>
+                      <a16:colId xmlns="" xmlns:a16="http://schemas.microsoft.com/office/drawing/2014/main" val="3383779701"/>
                     </a:ext>
                   </a:extLst>
                 </a:gridCol>
                 <a:gridCol w="942975">
                   <a:extLst>
                     <a:ext uri="{9D8B030D-6E8A-4147-A177-3AD203B41FA5}">
-                      <a16:colId xmlns:a16="http://schemas.microsoft.com/office/drawing/2014/main" xmlns="" val="763895054"/>
+                      <a16:colId xmlns="" xmlns:a16="http://schemas.microsoft.com/office/drawing/2014/main" val="763895054"/>
                     </a:ext>
                   </a:extLst>
                 </a:gridCol>
                 <a:gridCol w="727709">
                   <a:extLst>
                     <a:ext uri="{9D8B030D-6E8A-4147-A177-3AD203B41FA5}">
-                      <a16:colId xmlns:a16="http://schemas.microsoft.com/office/drawing/2014/main" xmlns="" val="3722313938"/>
+                      <a16:colId xmlns="" xmlns:a16="http://schemas.microsoft.com/office/drawing/2014/main" val="3722313938"/>
                     </a:ext>
                   </a:extLst>
                 </a:gridCol>
                 <a:gridCol w="1129666">
                   <a:extLst>
                     <a:ext uri="{9D8B030D-6E8A-4147-A177-3AD203B41FA5}">
-                      <a16:colId xmlns:a16="http://schemas.microsoft.com/office/drawing/2014/main" xmlns="" val="3933127361"/>
+                      <a16:colId xmlns="" xmlns:a16="http://schemas.microsoft.com/office/drawing/2014/main" val="3933127361"/>
                     </a:ext>
                   </a:extLst>
                 </a:gridCol>
@@ -22913,7 +23866,7 @@
                 </a:tc>
                 <a:extLst>
                   <a:ext uri="{0D108BD9-81ED-4DB2-BD59-A6C34878D82A}">
-                    <a16:rowId xmlns:a16="http://schemas.microsoft.com/office/drawing/2014/main" xmlns="" val="205457031"/>
+                    <a16:rowId xmlns="" xmlns:a16="http://schemas.microsoft.com/office/drawing/2014/main" val="205457031"/>
                   </a:ext>
                 </a:extLst>
               </a:tr>
@@ -22935,9 +23888,21 @@
                         <a:rPr lang="en-US" sz="1200" kern="100" dirty="0">
                           <a:effectLst/>
                         </a:rPr>
-                        <a:t>2007 JSSC</a:t>
+                        <a:t>2007 </a:t>
                       </a:r>
-                      <a:endParaRPr lang="zh-CN" sz="1300" kern="100" dirty="0">
+                      <a:r>
+                        <a:rPr lang="en-US" sz="1200" kern="100" dirty="0" smtClean="0">
+                          <a:effectLst/>
+                        </a:rPr>
+                        <a:t>JSSC</a:t>
+                      </a:r>
+                      <a:r>
+                        <a:rPr lang="en-US" sz="1200" kern="100" baseline="30000" dirty="0" smtClean="0">
+                          <a:effectLst/>
+                        </a:rPr>
+                        <a:t>[6]</a:t>
+                      </a:r>
+                      <a:endParaRPr lang="zh-CN" sz="1300" kern="100" baseline="30000" dirty="0">
                         <a:effectLst/>
                         <a:latin typeface="Times New Roman" panose="02020603050405020304" pitchFamily="18" charset="0"/>
                         <a:ea typeface="宋体" panose="02010600030101010101" pitchFamily="2" charset="-122"/>
@@ -23159,7 +24124,7 @@
                 </a:tc>
                 <a:extLst>
                   <a:ext uri="{0D108BD9-81ED-4DB2-BD59-A6C34878D82A}">
-                    <a16:rowId xmlns:a16="http://schemas.microsoft.com/office/drawing/2014/main" xmlns="" val="129675508"/>
+                    <a16:rowId xmlns="" xmlns:a16="http://schemas.microsoft.com/office/drawing/2014/main" val="129675508"/>
                   </a:ext>
                 </a:extLst>
               </a:tr>
@@ -23181,9 +24146,21 @@
                         <a:rPr lang="en-US" sz="1200" kern="100" dirty="0">
                           <a:effectLst/>
                         </a:rPr>
-                        <a:t>2011 JSSC</a:t>
+                        <a:t>2011 </a:t>
                       </a:r>
-                      <a:endParaRPr lang="zh-CN" sz="1300" kern="100" dirty="0">
+                      <a:r>
+                        <a:rPr lang="en-US" sz="1200" kern="100" dirty="0" smtClean="0">
+                          <a:effectLst/>
+                        </a:rPr>
+                        <a:t>JSSC</a:t>
+                      </a:r>
+                      <a:r>
+                        <a:rPr lang="en-US" sz="1200" kern="100" baseline="30000" dirty="0" smtClean="0">
+                          <a:effectLst/>
+                        </a:rPr>
+                        <a:t>[3]</a:t>
+                      </a:r>
+                      <a:endParaRPr lang="zh-CN" sz="1300" kern="100" baseline="30000" dirty="0">
                         <a:effectLst/>
                         <a:latin typeface="Times New Roman" panose="02020603050405020304" pitchFamily="18" charset="0"/>
                         <a:ea typeface="宋体" panose="02010600030101010101" pitchFamily="2" charset="-122"/>
@@ -23369,7 +24346,7 @@
                 </a:tc>
                 <a:extLst>
                   <a:ext uri="{0D108BD9-81ED-4DB2-BD59-A6C34878D82A}">
-                    <a16:rowId xmlns:a16="http://schemas.microsoft.com/office/drawing/2014/main" xmlns="" val="1933070713"/>
+                    <a16:rowId xmlns="" xmlns:a16="http://schemas.microsoft.com/office/drawing/2014/main" val="1933070713"/>
                   </a:ext>
                 </a:extLst>
               </a:tr>
@@ -23391,9 +24368,21 @@
                         <a:rPr lang="en-US" sz="1200" kern="100" dirty="0">
                           <a:effectLst/>
                         </a:rPr>
-                        <a:t>2014 ISCAS</a:t>
+                        <a:t>2014 </a:t>
                       </a:r>
-                      <a:endParaRPr lang="zh-CN" sz="1300" kern="100" dirty="0">
+                      <a:r>
+                        <a:rPr lang="en-US" sz="1200" kern="100" dirty="0" smtClean="0">
+                          <a:effectLst/>
+                        </a:rPr>
+                        <a:t>ISCAS</a:t>
+                      </a:r>
+                      <a:r>
+                        <a:rPr lang="en-US" sz="1200" kern="100" baseline="30000" dirty="0" smtClean="0">
+                          <a:effectLst/>
+                        </a:rPr>
+                        <a:t>[5]</a:t>
+                      </a:r>
+                      <a:endParaRPr lang="zh-CN" sz="1300" kern="100" baseline="30000" dirty="0">
                         <a:effectLst/>
                         <a:latin typeface="Times New Roman" panose="02020603050405020304" pitchFamily="18" charset="0"/>
                         <a:ea typeface="宋体" panose="02010600030101010101" pitchFamily="2" charset="-122"/>
@@ -23585,280 +24574,7 @@
                 </a:tc>
                 <a:extLst>
                   <a:ext uri="{0D108BD9-81ED-4DB2-BD59-A6C34878D82A}">
-                    <a16:rowId xmlns:a16="http://schemas.microsoft.com/office/drawing/2014/main" xmlns="" val="1368412510"/>
-                  </a:ext>
-                </a:extLst>
-              </a:tr>
-              <a:tr h="249395">
-                <a:tc>
-                  <a:txBody>
-                    <a:bodyPr/>
-                    <a:lstStyle/>
-                    <a:p>
-                      <a:pPr indent="0" algn="ctr">
-                        <a:lnSpc>
-                          <a:spcPts val="2000"/>
-                        </a:lnSpc>
-                        <a:spcAft>
-                          <a:spcPts val="0"/>
-                        </a:spcAft>
-                      </a:pPr>
-                      <a:r>
-                        <a:rPr lang="en-US" altLang="zh-CN" sz="1200" b="1" kern="100" dirty="0">
-                          <a:solidFill>
-                            <a:schemeClr val="dk1"/>
-                          </a:solidFill>
-                          <a:effectLst/>
-                          <a:latin typeface="+mn-lt"/>
-                          <a:ea typeface="+mn-ea"/>
-                          <a:cs typeface="+mn-cs"/>
-                        </a:rPr>
-                        <a:t>2014 JSSC</a:t>
-                      </a:r>
-                      <a:endParaRPr lang="zh-CN" altLang="en-US" sz="1200" b="1" kern="100" dirty="0">
-                        <a:solidFill>
-                          <a:schemeClr val="dk1"/>
-                        </a:solidFill>
-                        <a:effectLst/>
-                        <a:latin typeface="+mn-lt"/>
-                        <a:ea typeface="+mn-ea"/>
-                        <a:cs typeface="+mn-cs"/>
-                      </a:endParaRPr>
-                    </a:p>
-                  </a:txBody>
-                  <a:tcPr marL="76934" marR="76934" marT="0" marB="0"/>
-                </a:tc>
-                <a:tc>
-                  <a:txBody>
-                    <a:bodyPr/>
-                    <a:lstStyle/>
-                    <a:p>
-                      <a:pPr indent="0" algn="ctr">
-                        <a:lnSpc>
-                          <a:spcPts val="2000"/>
-                        </a:lnSpc>
-                        <a:spcAft>
-                          <a:spcPts val="0"/>
-                        </a:spcAft>
-                      </a:pPr>
-                      <a:r>
-                        <a:rPr lang="en-US" altLang="zh-CN" sz="1200" kern="100" dirty="0">
-                          <a:solidFill>
-                            <a:schemeClr val="dk1"/>
-                          </a:solidFill>
-                          <a:effectLst/>
-                          <a:latin typeface="+mn-lt"/>
-                          <a:ea typeface="+mn-ea"/>
-                          <a:cs typeface="+mn-cs"/>
-                        </a:rPr>
-                        <a:t>Nonlinear DAC</a:t>
-                      </a:r>
-                      <a:endParaRPr lang="zh-CN" altLang="en-US" sz="1200" kern="100" dirty="0">
-                        <a:solidFill>
-                          <a:schemeClr val="dk1"/>
-                        </a:solidFill>
-                        <a:effectLst/>
-                        <a:latin typeface="+mn-lt"/>
-                        <a:ea typeface="+mn-ea"/>
-                        <a:cs typeface="+mn-cs"/>
-                      </a:endParaRPr>
-                    </a:p>
-                  </a:txBody>
-                  <a:tcPr marL="76934" marR="76934" marT="0" marB="0"/>
-                </a:tc>
-                <a:tc>
-                  <a:txBody>
-                    <a:bodyPr/>
-                    <a:lstStyle/>
-                    <a:p>
-                      <a:pPr indent="0" algn="ctr">
-                        <a:lnSpc>
-                          <a:spcPts val="2000"/>
-                        </a:lnSpc>
-                        <a:spcAft>
-                          <a:spcPts val="0"/>
-                        </a:spcAft>
-                      </a:pPr>
-                      <a:r>
-                        <a:rPr lang="en-US" altLang="zh-CN" sz="1200" kern="100" dirty="0">
-                          <a:solidFill>
-                            <a:schemeClr val="dk1"/>
-                          </a:solidFill>
-                          <a:effectLst/>
-                          <a:latin typeface="+mn-lt"/>
-                          <a:ea typeface="+mn-ea"/>
-                          <a:cs typeface="+mn-cs"/>
-                        </a:rPr>
-                        <a:t>55 nm</a:t>
-                      </a:r>
-                      <a:endParaRPr lang="zh-CN" altLang="en-US" sz="1200" kern="100" dirty="0">
-                        <a:solidFill>
-                          <a:schemeClr val="dk1"/>
-                        </a:solidFill>
-                        <a:effectLst/>
-                        <a:latin typeface="+mn-lt"/>
-                        <a:ea typeface="+mn-ea"/>
-                        <a:cs typeface="+mn-cs"/>
-                      </a:endParaRPr>
-                    </a:p>
-                  </a:txBody>
-                  <a:tcPr marL="76934" marR="76934" marT="0" marB="0"/>
-                </a:tc>
-                <a:tc>
-                  <a:txBody>
-                    <a:bodyPr/>
-                    <a:lstStyle/>
-                    <a:p>
-                      <a:pPr indent="0" algn="ctr">
-                        <a:lnSpc>
-                          <a:spcPts val="2000"/>
-                        </a:lnSpc>
-                        <a:spcAft>
-                          <a:spcPts val="0"/>
-                        </a:spcAft>
-                      </a:pPr>
-                      <a:r>
-                        <a:rPr lang="en-US" altLang="zh-CN" sz="1200" b="0" kern="100" dirty="0">
-                          <a:solidFill>
-                            <a:schemeClr val="tx1"/>
-                          </a:solidFill>
-                          <a:effectLst/>
-                          <a:latin typeface="+mn-lt"/>
-                          <a:ea typeface="+mn-ea"/>
-                          <a:cs typeface="+mn-cs"/>
-                        </a:rPr>
-                        <a:t>2000</a:t>
-                      </a:r>
-                      <a:endParaRPr lang="zh-CN" altLang="en-US" sz="1200" b="0" kern="100" dirty="0">
-                        <a:solidFill>
-                          <a:schemeClr val="tx1"/>
-                        </a:solidFill>
-                        <a:effectLst/>
-                        <a:latin typeface="+mn-lt"/>
-                        <a:ea typeface="+mn-ea"/>
-                        <a:cs typeface="+mn-cs"/>
-                      </a:endParaRPr>
-                    </a:p>
-                  </a:txBody>
-                  <a:tcPr marL="76934" marR="76934" marT="0" marB="0"/>
-                </a:tc>
-                <a:tc>
-                  <a:txBody>
-                    <a:bodyPr/>
-                    <a:lstStyle/>
-                    <a:p>
-                      <a:pPr indent="0" algn="ctr">
-                        <a:lnSpc>
-                          <a:spcPts val="2000"/>
-                        </a:lnSpc>
-                        <a:spcAft>
-                          <a:spcPts val="0"/>
-                        </a:spcAft>
-                      </a:pPr>
-                      <a:r>
-                        <a:rPr lang="en-US" altLang="zh-CN" sz="1200" kern="100" dirty="0">
-                          <a:solidFill>
-                            <a:schemeClr val="dk1"/>
-                          </a:solidFill>
-                          <a:effectLst/>
-                          <a:latin typeface="+mn-lt"/>
-                          <a:ea typeface="+mn-ea"/>
-                          <a:cs typeface="+mn-cs"/>
-                        </a:rPr>
-                        <a:t>10</a:t>
-                      </a:r>
-                      <a:endParaRPr lang="zh-CN" altLang="en-US" sz="1200" kern="100" dirty="0">
-                        <a:solidFill>
-                          <a:schemeClr val="dk1"/>
-                        </a:solidFill>
-                        <a:effectLst/>
-                        <a:latin typeface="+mn-lt"/>
-                        <a:ea typeface="+mn-ea"/>
-                        <a:cs typeface="+mn-cs"/>
-                      </a:endParaRPr>
-                    </a:p>
-                  </a:txBody>
-                  <a:tcPr marL="76934" marR="76934" marT="0" marB="0"/>
-                </a:tc>
-                <a:tc>
-                  <a:txBody>
-                    <a:bodyPr/>
-                    <a:lstStyle/>
-                    <a:p>
-                      <a:pPr indent="0" algn="ctr">
-                        <a:lnSpc>
-                          <a:spcPts val="2000"/>
-                        </a:lnSpc>
-                        <a:spcAft>
-                          <a:spcPts val="0"/>
-                        </a:spcAft>
-                      </a:pPr>
-                      <a:r>
-                        <a:rPr lang="en-US" altLang="zh-CN" sz="1200" kern="100" dirty="0">
-                          <a:solidFill>
-                            <a:schemeClr val="dk1"/>
-                          </a:solidFill>
-                          <a:effectLst/>
-                          <a:latin typeface="+mn-lt"/>
-                          <a:ea typeface="+mn-ea"/>
-                          <a:cs typeface="+mn-cs"/>
-                        </a:rPr>
-                        <a:t>55</a:t>
-                      </a:r>
-                      <a:endParaRPr lang="zh-CN" altLang="en-US" sz="1200" kern="100" dirty="0">
-                        <a:solidFill>
-                          <a:schemeClr val="dk1"/>
-                        </a:solidFill>
-                        <a:effectLst/>
-                        <a:latin typeface="+mn-lt"/>
-                        <a:ea typeface="+mn-ea"/>
-                        <a:cs typeface="+mn-cs"/>
-                      </a:endParaRPr>
-                    </a:p>
-                  </a:txBody>
-                  <a:tcPr marL="76934" marR="76934" marT="0" marB="0"/>
-                </a:tc>
-                <a:tc>
-                  <a:txBody>
-                    <a:bodyPr/>
-                    <a:lstStyle/>
-                    <a:p>
-                      <a:pPr indent="0" algn="ctr">
-                        <a:lnSpc>
-                          <a:spcPts val="2000"/>
-                        </a:lnSpc>
-                        <a:spcAft>
-                          <a:spcPts val="0"/>
-                        </a:spcAft>
-                      </a:pPr>
-                      <a:r>
-                        <a:rPr lang="en-US" altLang="zh-CN" sz="1200" kern="100" dirty="0" smtClean="0">
-                          <a:solidFill>
-                            <a:schemeClr val="dk1"/>
-                          </a:solidFill>
-                          <a:effectLst/>
-                          <a:latin typeface="+mn-lt"/>
-                          <a:ea typeface="+mn-ea"/>
-                          <a:cs typeface="+mn-cs"/>
-                        </a:rPr>
-                        <a:t>65.0</a:t>
-                      </a:r>
-                      <a:endParaRPr lang="zh-CN" altLang="en-US" sz="1200" kern="100" dirty="0">
-                        <a:solidFill>
-                          <a:schemeClr val="dk1"/>
-                        </a:solidFill>
-                        <a:effectLst/>
-                        <a:latin typeface="+mn-lt"/>
-                        <a:ea typeface="+mn-ea"/>
-                        <a:cs typeface="+mn-cs"/>
-                      </a:endParaRPr>
-                    </a:p>
-                  </a:txBody>
-                  <a:tcPr marL="76934" marR="76934" marT="0" marB="0"/>
-                </a:tc>
-                <a:extLst>
-                  <a:ext uri="{0D108BD9-81ED-4DB2-BD59-A6C34878D82A}">
-                    <a16:rowId xmlns:a16="http://schemas.microsoft.com/office/drawing/2014/main" xmlns="" val="3516263648"/>
+                    <a16:rowId xmlns="" xmlns:a16="http://schemas.microsoft.com/office/drawing/2014/main" val="1368412510"/>
                   </a:ext>
                 </a:extLst>
               </a:tr>
@@ -23898,7 +24614,7 @@
                         <a:rPr lang="zh-CN" altLang="en-US" sz="1200" kern="100" dirty="0" smtClean="0">
                           <a:effectLst/>
                         </a:rPr>
-                        <a:t>仿真</a:t>
+                        <a:t>后仿</a:t>
                       </a:r>
                       <a:r>
                         <a:rPr lang="en-US" altLang="zh-CN" sz="1200" kern="100" dirty="0" smtClean="0">
@@ -23930,12 +24646,12 @@
                         </a:spcAft>
                       </a:pPr>
                       <a:r>
-                        <a:rPr lang="en-US" sz="1200" kern="100">
+                        <a:rPr lang="en-US" sz="1200" kern="100" dirty="0">
                           <a:effectLst/>
                         </a:rPr>
                         <a:t>ROM-CORDIC</a:t>
                       </a:r>
-                      <a:endParaRPr lang="zh-CN" sz="1300" kern="100">
+                      <a:endParaRPr lang="zh-CN" sz="1300" kern="100" dirty="0">
                         <a:effectLst/>
                         <a:latin typeface="Times New Roman" panose="02020603050405020304" pitchFamily="18" charset="0"/>
                         <a:ea typeface="宋体" panose="02010600030101010101" pitchFamily="2" charset="-122"/>
@@ -24104,7 +24820,7 @@
                 </a:tc>
                 <a:extLst>
                   <a:ext uri="{0D108BD9-81ED-4DB2-BD59-A6C34878D82A}">
-                    <a16:rowId xmlns:a16="http://schemas.microsoft.com/office/drawing/2014/main" xmlns="" val="3083826517"/>
+                    <a16:rowId xmlns="" xmlns:a16="http://schemas.microsoft.com/office/drawing/2014/main" val="3083826517"/>
                   </a:ext>
                 </a:extLst>
               </a:tr>
@@ -24122,6 +24838,13 @@
   <p:clrMapOvr>
     <a:masterClrMapping/>
   </p:clrMapOvr>
+  <p:timing>
+    <p:tnLst>
+      <p:par>
+        <p:cTn id="1" dur="indefinite" restart="never" nodeType="tmRoot"/>
+      </p:par>
+    </p:tnLst>
+  </p:timing>
 </p:sld>
 </file>
 
@@ -24147,7 +24870,7 @@
           <p:cNvPr id="2" name="标题 1">
             <a:extLst>
               <a:ext uri="{FF2B5EF4-FFF2-40B4-BE49-F238E27FC236}">
-                <a16:creationId xmlns:a16="http://schemas.microsoft.com/office/drawing/2014/main" xmlns="" id="{79C72F44-5573-4C5C-9BDE-903DE9D4CED2}"/>
+                <a16:creationId xmlns="" xmlns:a16="http://schemas.microsoft.com/office/drawing/2014/main" id="{79C72F44-5573-4C5C-9BDE-903DE9D4CED2}"/>
               </a:ext>
             </a:extLst>
           </p:cNvPr>
@@ -24165,23 +24888,14 @@
           <a:p>
             <a:pPr marL="342900" lvl="1"/>
             <a:r>
-              <a:rPr lang="zh-CN" altLang="en-US" sz="3600" dirty="0">
+              <a:rPr lang="zh-CN" altLang="en-US" sz="3600" dirty="0" smtClean="0">
                 <a:ea typeface="Arial Unicode MS" pitchFamily="34" charset="-122"/>
               </a:rPr>
-              <a:t>进展情况</a:t>
-            </a:r>
-            <a:r>
-              <a:rPr lang="en-US" altLang="zh-CN" sz="3600" dirty="0" smtClean="0">
-                <a:ea typeface="Arial Unicode MS" pitchFamily="34" charset="-122"/>
-              </a:rPr>
-              <a:t>——</a:t>
-            </a:r>
-            <a:r>
-              <a:rPr lang="zh-CN" altLang="en-US" sz="3600" dirty="0">
-                <a:ea typeface="Arial Unicode MS" pitchFamily="34" charset="-122"/>
-              </a:rPr>
-              <a:t>贡献点总结</a:t>
-            </a:r>
+              <a:t>参考文献</a:t>
+            </a:r>
+            <a:endParaRPr lang="zh-CN" altLang="en-US" sz="3600" dirty="0">
+              <a:ea typeface="Arial Unicode MS" pitchFamily="34" charset="-122"/>
+            </a:endParaRPr>
           </a:p>
         </p:txBody>
       </p:sp>
@@ -24190,7 +24904,7 @@
           <p:cNvPr id="5" name="文本框 4">
             <a:extLst>
               <a:ext uri="{FF2B5EF4-FFF2-40B4-BE49-F238E27FC236}">
-                <a16:creationId xmlns:a16="http://schemas.microsoft.com/office/drawing/2014/main" xmlns="" id="{4006F415-CC0A-4D2C-B1BF-6E04DAA3F10F}"/>
+                <a16:creationId xmlns="" xmlns:a16="http://schemas.microsoft.com/office/drawing/2014/main" id="{4006F415-CC0A-4D2C-B1BF-6E04DAA3F10F}"/>
               </a:ext>
             </a:extLst>
           </p:cNvPr>
@@ -24199,8 +24913,8 @@
         </p:nvSpPr>
         <p:spPr>
           <a:xfrm>
-            <a:off x="190500" y="1163519"/>
-            <a:ext cx="7594600" cy="464166"/>
+            <a:off x="698500" y="1163519"/>
+            <a:ext cx="7594600" cy="3576941"/>
           </a:xfrm>
           <a:prstGeom prst="rect">
             <a:avLst/>
@@ -24213,25 +24927,330 @@
           </a:bodyPr>
           <a:lstStyle/>
           <a:p>
-            <a:pPr marL="557213" lvl="1" indent="-214313" fontAlgn="base">
+            <a:pPr marL="0" lvl="2" algn="just" fontAlgn="base">
               <a:lnSpc>
                 <a:spcPct val="120000"/>
               </a:lnSpc>
               <a:spcBef>
-                <a:spcPts val="600"/>
+                <a:spcPts val="300"/>
               </a:spcBef>
               <a:spcAft>
-                <a:spcPts val="600"/>
+                <a:spcPts val="300"/>
               </a:spcAft>
-              <a:buChar char="–"/>
             </a:pPr>
             <a:r>
-              <a:rPr lang="zh-CN" altLang="en-US" sz="2200" kern="0" dirty="0" smtClean="0">
-                <a:latin typeface="微软雅黑" panose="020B0503020204020204" pitchFamily="34" charset="-122"/>
+              <a:rPr lang="en-US" altLang="zh-CN" sz="1300" dirty="0" smtClean="0">
+                <a:latin typeface="Times New Roman" panose="02020603050405020304" pitchFamily="18" charset="0"/>
+                <a:cs typeface="Times New Roman" panose="02020603050405020304" pitchFamily="18" charset="0"/>
+              </a:rPr>
+              <a:t>[1] Nicholas H T, </a:t>
+            </a:r>
+            <a:r>
+              <a:rPr lang="en-US" altLang="zh-CN" sz="1300" dirty="0" err="1" smtClean="0">
+                <a:latin typeface="Times New Roman" panose="02020603050405020304" pitchFamily="18" charset="0"/>
+                <a:cs typeface="Times New Roman" panose="02020603050405020304" pitchFamily="18" charset="0"/>
+              </a:rPr>
+              <a:t>Samueli</a:t>
+            </a:r>
+            <a:r>
+              <a:rPr lang="en-US" altLang="zh-CN" sz="1300" dirty="0" smtClean="0">
+                <a:latin typeface="Times New Roman" panose="02020603050405020304" pitchFamily="18" charset="0"/>
+                <a:cs typeface="Times New Roman" panose="02020603050405020304" pitchFamily="18" charset="0"/>
+              </a:rPr>
+              <a:t> H. A 150-MHz Direct Digital Frequency Synthesizer In 1.25/</a:t>
+            </a:r>
+            <a:r>
+              <a:rPr lang="en-US" altLang="zh-CN" sz="1300" dirty="0" err="1" smtClean="0">
+                <a:latin typeface="Times New Roman" panose="02020603050405020304" pitchFamily="18" charset="0"/>
+                <a:cs typeface="Times New Roman" panose="02020603050405020304" pitchFamily="18" charset="0"/>
+              </a:rPr>
+              <a:t>spl</a:t>
+            </a:r>
+            <a:r>
+              <a:rPr lang="en-US" altLang="zh-CN" sz="1300" dirty="0" smtClean="0">
+                <a:latin typeface="Times New Roman" panose="02020603050405020304" pitchFamily="18" charset="0"/>
+                <a:cs typeface="Times New Roman" panose="02020603050405020304" pitchFamily="18" charset="0"/>
+              </a:rPr>
+              <a:t> mu/m CMOS With -90dBc Spurious Performance[C]// Solid-State Circuits Conference, 1991. Digest of Technical Papers. </a:t>
+            </a:r>
+            <a:r>
+              <a:rPr lang="en-US" altLang="zh-CN" sz="1300" dirty="0" err="1" smtClean="0">
+                <a:latin typeface="Times New Roman" panose="02020603050405020304" pitchFamily="18" charset="0"/>
+                <a:cs typeface="Times New Roman" panose="02020603050405020304" pitchFamily="18" charset="0"/>
+              </a:rPr>
+              <a:t>Isscc</a:t>
+            </a:r>
+            <a:r>
+              <a:rPr lang="en-US" altLang="zh-CN" sz="1300" dirty="0" smtClean="0">
+                <a:latin typeface="Times New Roman" panose="02020603050405020304" pitchFamily="18" charset="0"/>
+                <a:cs typeface="Times New Roman" panose="02020603050405020304" pitchFamily="18" charset="0"/>
+              </a:rPr>
+              <a:t>. 1991 IEEE International. IEEE, 1991:42-286.</a:t>
+            </a:r>
+          </a:p>
+          <a:p>
+            <a:pPr marL="0" lvl="2" algn="just" fontAlgn="base">
+              <a:lnSpc>
+                <a:spcPct val="120000"/>
+              </a:lnSpc>
+              <a:spcBef>
+                <a:spcPts val="300"/>
+              </a:spcBef>
+              <a:spcAft>
+                <a:spcPts val="300"/>
+              </a:spcAft>
+            </a:pPr>
+            <a:r>
+              <a:rPr lang="en-US" altLang="zh-CN" sz="1300" kern="0" dirty="0" smtClean="0">
+                <a:latin typeface="Times New Roman" panose="02020603050405020304" pitchFamily="18" charset="0"/>
                 <a:ea typeface="微软雅黑" panose="020B0503020204020204" pitchFamily="34" charset="-122"/>
-              </a:rPr>
-              <a:t>毕业设计最终结果</a:t>
-            </a:r>
+                <a:cs typeface="Times New Roman" panose="02020603050405020304" pitchFamily="18" charset="0"/>
+              </a:rPr>
+              <a:t>[2] </a:t>
+            </a:r>
+            <a:r>
+              <a:rPr lang="en-US" altLang="zh-CN" sz="1300" dirty="0" err="1" smtClean="0">
+                <a:latin typeface="Times New Roman" panose="02020603050405020304" pitchFamily="18" charset="0"/>
+                <a:cs typeface="Times New Roman" panose="02020603050405020304" pitchFamily="18" charset="0"/>
+              </a:rPr>
+              <a:t>Ashrafi</a:t>
+            </a:r>
+            <a:r>
+              <a:rPr lang="en-US" altLang="zh-CN" sz="1300" dirty="0" smtClean="0">
+                <a:latin typeface="Times New Roman" panose="02020603050405020304" pitchFamily="18" charset="0"/>
+                <a:cs typeface="Times New Roman" panose="02020603050405020304" pitchFamily="18" charset="0"/>
+              </a:rPr>
+              <a:t> A, </a:t>
+            </a:r>
+            <a:r>
+              <a:rPr lang="en-US" altLang="zh-CN" sz="1300" dirty="0" err="1" smtClean="0">
+                <a:latin typeface="Times New Roman" panose="02020603050405020304" pitchFamily="18" charset="0"/>
+                <a:cs typeface="Times New Roman" panose="02020603050405020304" pitchFamily="18" charset="0"/>
+              </a:rPr>
+              <a:t>Adhami</a:t>
+            </a:r>
+            <a:r>
+              <a:rPr lang="en-US" altLang="zh-CN" sz="1300" dirty="0" smtClean="0">
+                <a:latin typeface="Times New Roman" panose="02020603050405020304" pitchFamily="18" charset="0"/>
+                <a:cs typeface="Times New Roman" panose="02020603050405020304" pitchFamily="18" charset="0"/>
+              </a:rPr>
+              <a:t> R, </a:t>
+            </a:r>
+            <a:r>
+              <a:rPr lang="en-US" altLang="zh-CN" sz="1300" dirty="0" err="1" smtClean="0">
+                <a:latin typeface="Times New Roman" panose="02020603050405020304" pitchFamily="18" charset="0"/>
+                <a:cs typeface="Times New Roman" panose="02020603050405020304" pitchFamily="18" charset="0"/>
+              </a:rPr>
+              <a:t>Milenkovic</a:t>
+            </a:r>
+            <a:r>
+              <a:rPr lang="en-US" altLang="zh-CN" sz="1300" dirty="0" smtClean="0">
+                <a:latin typeface="Times New Roman" panose="02020603050405020304" pitchFamily="18" charset="0"/>
+                <a:cs typeface="Times New Roman" panose="02020603050405020304" pitchFamily="18" charset="0"/>
+              </a:rPr>
+              <a:t> A. A Direct Digital Frequency Synthesizer Based on the Quasi-Linear Interpolation Method[J]. IEEE Transactions on Circuits &amp; Systems I Regular Papers, 2005, 57(4):863-872.</a:t>
+            </a:r>
+          </a:p>
+          <a:p>
+            <a:pPr marL="0" lvl="2" algn="just" fontAlgn="base">
+              <a:lnSpc>
+                <a:spcPct val="120000"/>
+              </a:lnSpc>
+              <a:spcBef>
+                <a:spcPts val="300"/>
+              </a:spcBef>
+              <a:spcAft>
+                <a:spcPts val="300"/>
+              </a:spcAft>
+            </a:pPr>
+            <a:r>
+              <a:rPr lang="en-US" altLang="zh-CN" sz="1300" kern="0" dirty="0" smtClean="0">
+                <a:latin typeface="Times New Roman" panose="02020603050405020304" pitchFamily="18" charset="0"/>
+                <a:ea typeface="微软雅黑" panose="020B0503020204020204" pitchFamily="34" charset="-122"/>
+                <a:cs typeface="Times New Roman" panose="02020603050405020304" pitchFamily="18" charset="0"/>
+              </a:rPr>
+              <a:t>[3] </a:t>
+            </a:r>
+            <a:r>
+              <a:rPr lang="en-US" altLang="zh-CN" sz="1300" dirty="0" err="1" smtClean="0">
+                <a:latin typeface="Times New Roman" panose="02020603050405020304" pitchFamily="18" charset="0"/>
+                <a:cs typeface="Times New Roman" panose="02020603050405020304" pitchFamily="18" charset="0"/>
+              </a:rPr>
+              <a:t>Willson</a:t>
+            </a:r>
+            <a:r>
+              <a:rPr lang="en-US" altLang="zh-CN" sz="1300" dirty="0" smtClean="0">
+                <a:latin typeface="Times New Roman" panose="02020603050405020304" pitchFamily="18" charset="0"/>
+                <a:cs typeface="Times New Roman" panose="02020603050405020304" pitchFamily="18" charset="0"/>
+              </a:rPr>
+              <a:t> A, </a:t>
+            </a:r>
+            <a:r>
+              <a:rPr lang="en-US" altLang="zh-CN" sz="1300" dirty="0" err="1" smtClean="0">
+                <a:latin typeface="Times New Roman" panose="02020603050405020304" pitchFamily="18" charset="0"/>
+                <a:cs typeface="Times New Roman" panose="02020603050405020304" pitchFamily="18" charset="0"/>
+              </a:rPr>
+              <a:t>Ojha</a:t>
+            </a:r>
+            <a:r>
+              <a:rPr lang="en-US" altLang="zh-CN" sz="1300" dirty="0" smtClean="0">
+                <a:latin typeface="Times New Roman" panose="02020603050405020304" pitchFamily="18" charset="0"/>
+                <a:cs typeface="Times New Roman" panose="02020603050405020304" pitchFamily="18" charset="0"/>
+              </a:rPr>
+              <a:t> M, Agarwal S, et al. A direct digital frequency synthesizer with minimized tuning latency of 12ns[C]// IEEE International Solid-State Circuits Conference. IEEE, 2011:138-140.</a:t>
+            </a:r>
+          </a:p>
+          <a:p>
+            <a:pPr marL="0" lvl="2" algn="just" fontAlgn="base">
+              <a:lnSpc>
+                <a:spcPct val="120000"/>
+              </a:lnSpc>
+              <a:spcBef>
+                <a:spcPts val="300"/>
+              </a:spcBef>
+              <a:spcAft>
+                <a:spcPts val="300"/>
+              </a:spcAft>
+            </a:pPr>
+            <a:r>
+              <a:rPr lang="en-US" altLang="zh-CN" sz="1300" kern="0" dirty="0" smtClean="0">
+                <a:latin typeface="Times New Roman" panose="02020603050405020304" pitchFamily="18" charset="0"/>
+                <a:ea typeface="微软雅黑" panose="020B0503020204020204" pitchFamily="34" charset="-122"/>
+                <a:cs typeface="Times New Roman" panose="02020603050405020304" pitchFamily="18" charset="0"/>
+              </a:rPr>
+              <a:t>[4] </a:t>
+            </a:r>
+            <a:r>
+              <a:rPr lang="en-US" altLang="zh-CN" sz="1300" dirty="0" err="1" smtClean="0">
+                <a:latin typeface="Times New Roman" panose="02020603050405020304" pitchFamily="18" charset="0"/>
+                <a:cs typeface="Times New Roman" panose="02020603050405020304" pitchFamily="18" charset="0"/>
+              </a:rPr>
+              <a:t>Yoo</a:t>
+            </a:r>
+            <a:r>
+              <a:rPr lang="en-US" altLang="zh-CN" sz="1300" dirty="0" smtClean="0">
+                <a:latin typeface="Times New Roman" panose="02020603050405020304" pitchFamily="18" charset="0"/>
+                <a:cs typeface="Times New Roman" panose="02020603050405020304" pitchFamily="18" charset="0"/>
+              </a:rPr>
+              <a:t> T, Hong C Y, Jung Y H, et al. A 2 GHz 130 </a:t>
+            </a:r>
+            <a:r>
+              <a:rPr lang="en-US" altLang="zh-CN" sz="1300" dirty="0" err="1" smtClean="0">
+                <a:latin typeface="Times New Roman" panose="02020603050405020304" pitchFamily="18" charset="0"/>
+                <a:cs typeface="Times New Roman" panose="02020603050405020304" pitchFamily="18" charset="0"/>
+              </a:rPr>
+              <a:t>mW</a:t>
+            </a:r>
+            <a:r>
+              <a:rPr lang="en-US" altLang="zh-CN" sz="1300" dirty="0" smtClean="0">
+                <a:latin typeface="Times New Roman" panose="02020603050405020304" pitchFamily="18" charset="0"/>
+                <a:cs typeface="Times New Roman" panose="02020603050405020304" pitchFamily="18" charset="0"/>
+              </a:rPr>
+              <a:t> Direct-Digital Frequency Synthesizer With a Nonlinear DAC in 55 nm CMOS[J]. IEEE Journal of Solid-State Circuits, 2014, 49(12):2976-2989.</a:t>
+            </a:r>
+          </a:p>
+          <a:p>
+            <a:pPr marL="0" lvl="2" algn="just" fontAlgn="base">
+              <a:lnSpc>
+                <a:spcPct val="120000"/>
+              </a:lnSpc>
+              <a:spcBef>
+                <a:spcPts val="300"/>
+              </a:spcBef>
+              <a:spcAft>
+                <a:spcPts val="300"/>
+              </a:spcAft>
+            </a:pPr>
+            <a:r>
+              <a:rPr lang="en-US" altLang="zh-CN" sz="1300" kern="0" dirty="0" smtClean="0">
+                <a:latin typeface="Times New Roman" panose="02020603050405020304" pitchFamily="18" charset="0"/>
+                <a:ea typeface="微软雅黑" panose="020B0503020204020204" pitchFamily="34" charset="-122"/>
+                <a:cs typeface="Times New Roman" panose="02020603050405020304" pitchFamily="18" charset="0"/>
+              </a:rPr>
+              <a:t>[5] </a:t>
+            </a:r>
+            <a:r>
+              <a:rPr lang="en-US" altLang="zh-CN" sz="1300" dirty="0" smtClean="0">
+                <a:latin typeface="Times New Roman" panose="02020603050405020304" pitchFamily="18" charset="0"/>
+                <a:cs typeface="Times New Roman" panose="02020603050405020304" pitchFamily="18" charset="0"/>
+              </a:rPr>
+              <a:t>Bergeron M, </a:t>
+            </a:r>
+            <a:r>
+              <a:rPr lang="en-US" altLang="zh-CN" sz="1300" dirty="0" err="1" smtClean="0">
+                <a:latin typeface="Times New Roman" panose="02020603050405020304" pitchFamily="18" charset="0"/>
+                <a:cs typeface="Times New Roman" panose="02020603050405020304" pitchFamily="18" charset="0"/>
+              </a:rPr>
+              <a:t>Willson</a:t>
+            </a:r>
+            <a:r>
+              <a:rPr lang="en-US" altLang="zh-CN" sz="1300" dirty="0" smtClean="0">
+                <a:latin typeface="Times New Roman" panose="02020603050405020304" pitchFamily="18" charset="0"/>
+                <a:cs typeface="Times New Roman" panose="02020603050405020304" pitchFamily="18" charset="0"/>
+              </a:rPr>
+              <a:t> A N. A 1-GHz direct digital frequency synthesizer in an FPGA[C]// IEEE International Symposium on Circuits and Systems. IEEE, 2014:329-332.</a:t>
+            </a:r>
+          </a:p>
+          <a:p>
+            <a:pPr marL="0" lvl="2" algn="just" fontAlgn="base">
+              <a:lnSpc>
+                <a:spcPct val="120000"/>
+              </a:lnSpc>
+              <a:spcBef>
+                <a:spcPts val="300"/>
+              </a:spcBef>
+              <a:spcAft>
+                <a:spcPts val="300"/>
+              </a:spcAft>
+            </a:pPr>
+            <a:r>
+              <a:rPr lang="en-US" altLang="zh-CN" sz="1300" kern="0" dirty="0" smtClean="0">
+                <a:latin typeface="Times New Roman" panose="02020603050405020304" pitchFamily="18" charset="0"/>
+                <a:ea typeface="微软雅黑" panose="020B0503020204020204" pitchFamily="34" charset="-122"/>
+                <a:cs typeface="Times New Roman" panose="02020603050405020304" pitchFamily="18" charset="0"/>
+              </a:rPr>
+              <a:t>[6] </a:t>
+            </a:r>
+            <a:r>
+              <a:rPr lang="en-US" altLang="zh-CN" sz="1300" dirty="0" smtClean="0">
+                <a:latin typeface="Times New Roman" panose="02020603050405020304" pitchFamily="18" charset="0"/>
+                <a:cs typeface="Times New Roman" panose="02020603050405020304" pitchFamily="18" charset="0"/>
+              </a:rPr>
+              <a:t>Caro D </a:t>
+            </a:r>
+            <a:r>
+              <a:rPr lang="en-US" altLang="zh-CN" sz="1300" dirty="0" err="1" smtClean="0">
+                <a:latin typeface="Times New Roman" panose="02020603050405020304" pitchFamily="18" charset="0"/>
+                <a:cs typeface="Times New Roman" panose="02020603050405020304" pitchFamily="18" charset="0"/>
+              </a:rPr>
+              <a:t>D</a:t>
+            </a:r>
+            <a:r>
+              <a:rPr lang="en-US" altLang="zh-CN" sz="1300" dirty="0" smtClean="0">
+                <a:latin typeface="Times New Roman" panose="02020603050405020304" pitchFamily="18" charset="0"/>
+                <a:cs typeface="Times New Roman" panose="02020603050405020304" pitchFamily="18" charset="0"/>
+              </a:rPr>
+              <a:t>, Petra N, </a:t>
+            </a:r>
+            <a:r>
+              <a:rPr lang="en-US" altLang="zh-CN" sz="1300" dirty="0" err="1" smtClean="0">
+                <a:latin typeface="Times New Roman" panose="02020603050405020304" pitchFamily="18" charset="0"/>
+                <a:cs typeface="Times New Roman" panose="02020603050405020304" pitchFamily="18" charset="0"/>
+              </a:rPr>
+              <a:t>Strollo</a:t>
+            </a:r>
+            <a:r>
+              <a:rPr lang="en-US" altLang="zh-CN" sz="1300" dirty="0" smtClean="0">
+                <a:latin typeface="Times New Roman" panose="02020603050405020304" pitchFamily="18" charset="0"/>
+                <a:cs typeface="Times New Roman" panose="02020603050405020304" pitchFamily="18" charset="0"/>
+              </a:rPr>
+              <a:t> A G M. A 380 MHz Direct Digital Synthesizer/Mixer With Hybrid CORDIC Architecture in 0.25 um CMOS[J]. IEEE Journal of Solid-State Circuits, 2006, 42(1):151-160.</a:t>
+            </a:r>
+            <a:endParaRPr lang="zh-CN" altLang="en-US" sz="1300" kern="0" dirty="0">
+              <a:latin typeface="Times New Roman" panose="02020603050405020304" pitchFamily="18" charset="0"/>
+              <a:ea typeface="微软雅黑" panose="020B0503020204020204" pitchFamily="34" charset="-122"/>
+              <a:cs typeface="Times New Roman" panose="02020603050405020304" pitchFamily="18" charset="0"/>
+            </a:endParaRPr>
           </a:p>
         </p:txBody>
       </p:sp>
@@ -24240,7 +25259,7 @@
           <p:cNvPr id="7" name="页脚占位符 4">
             <a:extLst>
               <a:ext uri="{FF2B5EF4-FFF2-40B4-BE49-F238E27FC236}">
-                <a16:creationId xmlns:a16="http://schemas.microsoft.com/office/drawing/2014/main" xmlns="" id="{698B0707-EE31-4310-A762-FD65345E21BF}"/>
+                <a16:creationId xmlns="" xmlns:a16="http://schemas.microsoft.com/office/drawing/2014/main" id="{698B0707-EE31-4310-A762-FD65345E21BF}"/>
               </a:ext>
             </a:extLst>
           </p:cNvPr>
@@ -24266,175 +25285,12 @@
           <a:p>
             <a:pPr algn="ctr"/>
             <a:r>
-              <a:rPr lang="en-US" altLang="zh-CN" sz="1200" smtClean="0">
+              <a:rPr lang="en-US" altLang="zh-CN" sz="1200" dirty="0" smtClean="0">
                 <a:solidFill>
                   <a:srgbClr val="000000"/>
                 </a:solidFill>
               </a:rPr>
-              <a:t>11/13</a:t>
-            </a:r>
-            <a:endParaRPr lang="en-US" altLang="zh-CN" sz="1200" dirty="0">
-              <a:solidFill>
-                <a:srgbClr val="000000"/>
-              </a:solidFill>
-            </a:endParaRPr>
-          </a:p>
-        </p:txBody>
-      </p:sp>
-    </p:spTree>
-    <p:extLst>
-      <p:ext uri="{BB962C8B-B14F-4D97-AF65-F5344CB8AC3E}">
-        <p14:creationId xmlns:p14="http://schemas.microsoft.com/office/powerpoint/2010/main" val="2443964179"/>
-      </p:ext>
-    </p:extLst>
-  </p:cSld>
-  <p:clrMapOvr>
-    <a:masterClrMapping/>
-  </p:clrMapOvr>
-</p:sld>
-</file>
-
-<file path=ppt/slides/slide16.xml><?xml version="1.0" encoding="utf-8"?>
-<p:sld xmlns:a="http://schemas.openxmlformats.org/drawingml/2006/main" xmlns:r="http://schemas.openxmlformats.org/officeDocument/2006/relationships" xmlns:p="http://schemas.openxmlformats.org/presentationml/2006/main">
-  <p:cSld>
-    <p:spTree>
-      <p:nvGrpSpPr>
-        <p:cNvPr id="1" name=""/>
-        <p:cNvGrpSpPr/>
-        <p:nvPr/>
-      </p:nvGrpSpPr>
-      <p:grpSpPr>
-        <a:xfrm>
-          <a:off x="0" y="0"/>
-          <a:ext cx="0" cy="0"/>
-          <a:chOff x="0" y="0"/>
-          <a:chExt cx="0" cy="0"/>
-        </a:xfrm>
-      </p:grpSpPr>
-      <p:sp>
-        <p:nvSpPr>
-          <p:cNvPr id="2" name="标题 1">
-            <a:extLst>
-              <a:ext uri="{FF2B5EF4-FFF2-40B4-BE49-F238E27FC236}">
-                <a16:creationId xmlns:a16="http://schemas.microsoft.com/office/drawing/2014/main" xmlns="" id="{79C72F44-5573-4C5C-9BDE-903DE9D4CED2}"/>
-              </a:ext>
-            </a:extLst>
-          </p:cNvPr>
-          <p:cNvSpPr>
-            <a:spLocks noGrp="1"/>
-          </p:cNvSpPr>
-          <p:nvPr>
-            <p:ph type="title"/>
-          </p:nvPr>
-        </p:nvSpPr>
-        <p:spPr/>
-        <p:txBody>
-          <a:bodyPr/>
-          <a:lstStyle/>
-          <a:p>
-            <a:pPr marL="342900" lvl="1"/>
-            <a:r>
-              <a:rPr lang="zh-CN" altLang="en-US" sz="3600" dirty="0" smtClean="0">
-                <a:ea typeface="Arial Unicode MS" pitchFamily="34" charset="-122"/>
-              </a:rPr>
-              <a:t>参考文献</a:t>
-            </a:r>
-            <a:endParaRPr lang="zh-CN" altLang="en-US" sz="3600" dirty="0">
-              <a:ea typeface="Arial Unicode MS" pitchFamily="34" charset="-122"/>
-            </a:endParaRPr>
-          </a:p>
-        </p:txBody>
-      </p:sp>
-      <p:sp>
-        <p:nvSpPr>
-          <p:cNvPr id="5" name="文本框 4">
-            <a:extLst>
-              <a:ext uri="{FF2B5EF4-FFF2-40B4-BE49-F238E27FC236}">
-                <a16:creationId xmlns:a16="http://schemas.microsoft.com/office/drawing/2014/main" xmlns="" id="{4006F415-CC0A-4D2C-B1BF-6E04DAA3F10F}"/>
-              </a:ext>
-            </a:extLst>
-          </p:cNvPr>
-          <p:cNvSpPr txBox="1"/>
-          <p:nvPr/>
-        </p:nvSpPr>
-        <p:spPr>
-          <a:xfrm>
-            <a:off x="698500" y="1163519"/>
-            <a:ext cx="7594600" cy="464166"/>
-          </a:xfrm>
-          <a:prstGeom prst="rect">
-            <a:avLst/>
-          </a:prstGeom>
-          <a:noFill/>
-        </p:spPr>
-        <p:txBody>
-          <a:bodyPr wrap="square" rtlCol="0">
-            <a:spAutoFit/>
-          </a:bodyPr>
-          <a:lstStyle/>
-          <a:p>
-            <a:pPr marL="342900" lvl="1" fontAlgn="base">
-              <a:lnSpc>
-                <a:spcPct val="120000"/>
-              </a:lnSpc>
-              <a:spcBef>
-                <a:spcPts val="600"/>
-              </a:spcBef>
-              <a:spcAft>
-                <a:spcPts val="600"/>
-              </a:spcAft>
-            </a:pPr>
-            <a:r>
-              <a:rPr lang="en-US" altLang="zh-CN" sz="2200" kern="0" dirty="0" smtClean="0">
-                <a:latin typeface="微软雅黑" panose="020B0503020204020204" pitchFamily="34" charset="-122"/>
-                <a:ea typeface="微软雅黑" panose="020B0503020204020204" pitchFamily="34" charset="-122"/>
-              </a:rPr>
-              <a:t>【1】</a:t>
-            </a:r>
-            <a:endParaRPr lang="zh-CN" altLang="en-US" sz="2200" kern="0" dirty="0" smtClean="0">
-              <a:latin typeface="微软雅黑" panose="020B0503020204020204" pitchFamily="34" charset="-122"/>
-              <a:ea typeface="微软雅黑" panose="020B0503020204020204" pitchFamily="34" charset="-122"/>
-            </a:endParaRPr>
-          </a:p>
-        </p:txBody>
-      </p:sp>
-      <p:sp>
-        <p:nvSpPr>
-          <p:cNvPr id="7" name="页脚占位符 4">
-            <a:extLst>
-              <a:ext uri="{FF2B5EF4-FFF2-40B4-BE49-F238E27FC236}">
-                <a16:creationId xmlns:a16="http://schemas.microsoft.com/office/drawing/2014/main" xmlns="" id="{698B0707-EE31-4310-A762-FD65345E21BF}"/>
-              </a:ext>
-            </a:extLst>
-          </p:cNvPr>
-          <p:cNvSpPr>
-            <a:spLocks noGrp="1"/>
-          </p:cNvSpPr>
-          <p:nvPr>
-            <p:ph type="ftr" sz="quarter" idx="4294967295"/>
-          </p:nvPr>
-        </p:nvSpPr>
-        <p:spPr>
-          <a:xfrm>
-            <a:off x="3048000" y="6527223"/>
-            <a:ext cx="2895600" cy="476250"/>
-          </a:xfrm>
-          <a:prstGeom prst="rect">
-            <a:avLst/>
-          </a:prstGeom>
-        </p:spPr>
-        <p:txBody>
-          <a:bodyPr/>
-          <a:lstStyle/>
-          <a:p>
-            <a:pPr algn="ctr"/>
-            <a:r>
-              <a:rPr lang="en-US" altLang="zh-CN" sz="1200" smtClean="0">
-                <a:solidFill>
-                  <a:srgbClr val="000000"/>
-                </a:solidFill>
-              </a:rPr>
-              <a:t>11/13</a:t>
+              <a:t>15/17</a:t>
             </a:r>
             <a:endParaRPr lang="en-US" altLang="zh-CN" sz="1200" dirty="0">
               <a:solidFill>
@@ -24457,7 +25313,7 @@
 </p:sld>
 </file>
 
-<file path=ppt/slides/slide17.xml><?xml version="1.0" encoding="utf-8"?>
+<file path=ppt/slides/slide16.xml><?xml version="1.0" encoding="utf-8"?>
 <p:sld xmlns:a="http://schemas.openxmlformats.org/drawingml/2006/main" xmlns:r="http://schemas.openxmlformats.org/officeDocument/2006/relationships" xmlns:p="http://schemas.openxmlformats.org/presentationml/2006/main">
   <p:cSld>
     <p:spTree>
@@ -29486,12 +30342,12 @@
           <a:p>
             <a:pPr algn="ctr"/>
             <a:r>
-              <a:rPr lang="en-US" altLang="zh-CN" sz="1200" smtClean="0">
+              <a:rPr lang="en-US" altLang="zh-CN" sz="1200" dirty="0" smtClean="0">
                 <a:solidFill>
                   <a:srgbClr val="000000"/>
                 </a:solidFill>
               </a:rPr>
-              <a:t>12/13</a:t>
+              <a:t>16/17</a:t>
             </a:r>
             <a:endParaRPr lang="en-US" altLang="zh-CN" sz="1200" dirty="0">
               <a:solidFill>
@@ -29517,7 +30373,7 @@
 </p:sld>
 </file>
 
-<file path=ppt/slides/slide18.xml><?xml version="1.0" encoding="utf-8"?>
+<file path=ppt/slides/slide17.xml><?xml version="1.0" encoding="utf-8"?>
 <p:sld xmlns:a="http://schemas.openxmlformats.org/drawingml/2006/main" xmlns:r="http://schemas.openxmlformats.org/officeDocument/2006/relationships" xmlns:p="http://schemas.openxmlformats.org/presentationml/2006/main">
   <p:cSld>
     <p:spTree>
@@ -29590,12 +30446,12 @@
           <a:p>
             <a:pPr algn="ctr"/>
             <a:r>
-              <a:rPr lang="en-US" altLang="zh-CN" sz="1200" smtClean="0">
+              <a:rPr lang="en-US" altLang="zh-CN" sz="1200" dirty="0" smtClean="0">
                 <a:solidFill>
                   <a:srgbClr val="000000"/>
                 </a:solidFill>
               </a:rPr>
-              <a:t>13/13</a:t>
+              <a:t>17/17</a:t>
             </a:r>
             <a:endParaRPr lang="en-US" altLang="zh-CN" sz="1200" dirty="0">
               <a:solidFill>
@@ -30015,12 +30871,12 @@
           <a:p>
             <a:pPr algn="ctr"/>
             <a:r>
-              <a:rPr lang="en-US" altLang="zh-CN" sz="1200" smtClean="0">
+              <a:rPr lang="en-US" altLang="zh-CN" sz="1200" dirty="0" smtClean="0">
                 <a:solidFill>
                   <a:srgbClr val="000000"/>
                 </a:solidFill>
               </a:rPr>
-              <a:t>3/13</a:t>
+              <a:t>3/17</a:t>
             </a:r>
             <a:endParaRPr lang="en-US" altLang="zh-CN" sz="1200" dirty="0">
               <a:solidFill>
@@ -31360,12 +32216,12 @@
           <a:p>
             <a:pPr algn="ctr"/>
             <a:r>
-              <a:rPr lang="en-US" altLang="zh-CN" sz="1200" smtClean="0">
+              <a:rPr lang="en-US" altLang="zh-CN" sz="1200" dirty="0" smtClean="0">
                 <a:solidFill>
                   <a:srgbClr val="000000"/>
                 </a:solidFill>
               </a:rPr>
-              <a:t>4/13</a:t>
+              <a:t>4/17</a:t>
             </a:r>
             <a:endParaRPr lang="en-US" altLang="zh-CN" sz="1200" dirty="0">
               <a:solidFill>
@@ -31416,7 +32272,7 @@
           <p:cNvPr id="11" name="内容占位符 2">
             <a:extLst>
               <a:ext uri="{FF2B5EF4-FFF2-40B4-BE49-F238E27FC236}">
-                <a16:creationId xmlns:a16="http://schemas.microsoft.com/office/drawing/2014/main" xmlns="" id="{173EE2C7-4115-41F7-9A14-07F65F3BB05E}"/>
+                <a16:creationId xmlns="" xmlns:a16="http://schemas.microsoft.com/office/drawing/2014/main" id="{173EE2C7-4115-41F7-9A14-07F65F3BB05E}"/>
               </a:ext>
             </a:extLst>
           </p:cNvPr>
@@ -31641,7 +32497,7 @@
           <p:cNvPr id="12" name="图片 11" descr="D:\毕设\大四下\lunwen\图片\DDS传统架构.png">
             <a:extLst>
               <a:ext uri="{FF2B5EF4-FFF2-40B4-BE49-F238E27FC236}">
-                <a16:creationId xmlns:a16="http://schemas.microsoft.com/office/drawing/2014/main" xmlns="" id="{2C5E50B7-3E70-460B-A338-BD70B411DA19}"/>
+                <a16:creationId xmlns="" xmlns:a16="http://schemas.microsoft.com/office/drawing/2014/main" id="{2C5E50B7-3E70-460B-A338-BD70B411DA19}"/>
               </a:ext>
             </a:extLst>
           </p:cNvPr>
@@ -32083,7 +32939,7 @@
                   <a:srgbClr val="000000"/>
                 </a:solidFill>
               </a:rPr>
-              <a:t>5/16</a:t>
+              <a:t>5/17</a:t>
             </a:r>
             <a:endParaRPr lang="en-US" altLang="zh-CN" sz="1200" dirty="0">
               <a:solidFill>
@@ -32098,7 +32954,7 @@
           <p:cNvPr id="16" name="内容占位符 2">
             <a:extLst>
               <a:ext uri="{FF2B5EF4-FFF2-40B4-BE49-F238E27FC236}">
-                <a16:creationId xmlns:a16="http://schemas.microsoft.com/office/drawing/2014/main" xmlns="" id="{772844F7-7D52-4ACF-908A-2B07AD3E014E}"/>
+                <a16:creationId xmlns="" xmlns:a16="http://schemas.microsoft.com/office/drawing/2014/main" id="{772844F7-7D52-4ACF-908A-2B07AD3E014E}"/>
               </a:ext>
             </a:extLst>
           </p:cNvPr>
@@ -32428,7 +33284,7 @@
           <p:cNvPr id="17" name="内容占位符 2">
             <a:extLst>
               <a:ext uri="{FF2B5EF4-FFF2-40B4-BE49-F238E27FC236}">
-                <a16:creationId xmlns:a16="http://schemas.microsoft.com/office/drawing/2014/main" xmlns="" id="{772844F7-7D52-4ACF-908A-2B07AD3E014E}"/>
+                <a16:creationId xmlns="" xmlns:a16="http://schemas.microsoft.com/office/drawing/2014/main" id="{772844F7-7D52-4ACF-908A-2B07AD3E014E}"/>
               </a:ext>
             </a:extLst>
           </p:cNvPr>
@@ -33821,7 +34677,7 @@
           <p:cNvPr id="14" name="内容占位符 2">
             <a:extLst>
               <a:ext uri="{FF2B5EF4-FFF2-40B4-BE49-F238E27FC236}">
-                <a16:creationId xmlns:a16="http://schemas.microsoft.com/office/drawing/2014/main" xmlns="" id="{772844F7-7D52-4ACF-908A-2B07AD3E014E}"/>
+                <a16:creationId xmlns="" xmlns:a16="http://schemas.microsoft.com/office/drawing/2014/main" id="{772844F7-7D52-4ACF-908A-2B07AD3E014E}"/>
               </a:ext>
             </a:extLst>
           </p:cNvPr>
@@ -34039,21 +34895,7 @@
                 <a:latin typeface="微软雅黑" panose="020B0503020204020204" pitchFamily="34" charset="-122"/>
                 <a:ea typeface="微软雅黑" panose="020B0503020204020204" pitchFamily="34" charset="-122"/>
               </a:rPr>
-              <a:t>基于二阶内插法的查找</a:t>
-            </a:r>
-            <a:r>
-              <a:rPr lang="zh-CN" altLang="en-US" sz="1600" dirty="0">
-                <a:latin typeface="微软雅黑" panose="020B0503020204020204" pitchFamily="34" charset="-122"/>
-                <a:ea typeface="微软雅黑" panose="020B0503020204020204" pitchFamily="34" charset="-122"/>
-              </a:rPr>
-              <a:t>表</a:t>
-            </a:r>
-            <a:r>
-              <a:rPr lang="zh-CN" altLang="en-US" sz="1600" dirty="0">
-                <a:latin typeface="微软雅黑" panose="020B0503020204020204" pitchFamily="34" charset="-122"/>
-                <a:ea typeface="微软雅黑" panose="020B0503020204020204" pitchFamily="34" charset="-122"/>
-              </a:rPr>
-              <a:t>压缩</a:t>
+              <a:t>基于二阶内插法的查找表压缩</a:t>
             </a:r>
             <a:endParaRPr lang="en-US" altLang="zh-CN" sz="1600" dirty="0">
               <a:latin typeface="微软雅黑" panose="020B0503020204020204" pitchFamily="34" charset="-122"/>
@@ -34231,14 +35073,7 @@
                 <a:latin typeface="微软雅黑" panose="020B0503020204020204" pitchFamily="34" charset="-122"/>
                 <a:ea typeface="微软雅黑" panose="020B0503020204020204" pitchFamily="34" charset="-122"/>
               </a:rPr>
-              <a:t>的</a:t>
-            </a:r>
-            <a:r>
-              <a:rPr lang="zh-CN" altLang="en-US" sz="1600" dirty="0" smtClean="0">
-                <a:latin typeface="微软雅黑" panose="020B0503020204020204" pitchFamily="34" charset="-122"/>
-                <a:ea typeface="微软雅黑" panose="020B0503020204020204" pitchFamily="34" charset="-122"/>
-              </a:rPr>
-              <a:t>压缩</a:t>
+              <a:t>的压缩</a:t>
             </a:r>
             <a:endParaRPr lang="en-US" altLang="zh-CN" sz="1600" dirty="0" smtClean="0">
               <a:latin typeface="微软雅黑" panose="020B0503020204020204" pitchFamily="34" charset="-122"/>
@@ -34578,12 +35413,12 @@
           <a:p>
             <a:pPr algn="ctr"/>
             <a:r>
-              <a:rPr lang="en-US" altLang="zh-CN" sz="1200" smtClean="0">
+              <a:rPr lang="en-US" altLang="zh-CN" sz="1200" dirty="0" smtClean="0">
                 <a:solidFill>
                   <a:srgbClr val="000000"/>
                 </a:solidFill>
               </a:rPr>
-              <a:t>4/13</a:t>
+              <a:t>6/17</a:t>
             </a:r>
             <a:endParaRPr lang="en-US" altLang="zh-CN" sz="1200" dirty="0">
               <a:solidFill>
@@ -34602,7 +35437,7 @@
           <p:nvPr>
             <p:extLst>
               <p:ext uri="{D42A27DB-BD31-4B8C-83A1-F6EECF244321}">
-                <p14:modId xmlns:p14="http://schemas.microsoft.com/office/powerpoint/2010/main" val="4232286771"/>
+                <p14:modId xmlns:p14="http://schemas.microsoft.com/office/powerpoint/2010/main" val="3302662305"/>
               </p:ext>
             </p:extLst>
           </p:nvPr>
@@ -34618,45 +35453,45 @@
                 <a:tableStyleId>{D7AC3CCA-C797-4891-BE02-D94E43425B78}</a:tableStyleId>
               </a:tblPr>
               <a:tblGrid>
-                <a:gridCol w="1191270">
+                <a:gridCol w="1210880">
                   <a:extLst>
                     <a:ext uri="{9D8B030D-6E8A-4147-A177-3AD203B41FA5}">
-                      <a16:colId xmlns:a16="http://schemas.microsoft.com/office/drawing/2014/main" xmlns="" val="20000"/>
+                      <a16:colId xmlns="" xmlns:a16="http://schemas.microsoft.com/office/drawing/2014/main" val="20000"/>
                     </a:ext>
                   </a:extLst>
                 </a:gridCol>
-                <a:gridCol w="555812">
+                <a:gridCol w="536202">
                   <a:extLst>
                     <a:ext uri="{9D8B030D-6E8A-4147-A177-3AD203B41FA5}">
-                      <a16:colId xmlns:a16="http://schemas.microsoft.com/office/drawing/2014/main" xmlns="" val="20001"/>
+                      <a16:colId xmlns="" xmlns:a16="http://schemas.microsoft.com/office/drawing/2014/main" val="20001"/>
                     </a:ext>
                   </a:extLst>
                 </a:gridCol>
                 <a:gridCol w="573741">
                   <a:extLst>
                     <a:ext uri="{9D8B030D-6E8A-4147-A177-3AD203B41FA5}">
-                      <a16:colId xmlns:a16="http://schemas.microsoft.com/office/drawing/2014/main" xmlns="" val="20002"/>
+                      <a16:colId xmlns="" xmlns:a16="http://schemas.microsoft.com/office/drawing/2014/main" val="20002"/>
                     </a:ext>
                   </a:extLst>
                 </a:gridCol>
                 <a:gridCol w="797859">
                   <a:extLst>
                     <a:ext uri="{9D8B030D-6E8A-4147-A177-3AD203B41FA5}">
-                      <a16:colId xmlns:a16="http://schemas.microsoft.com/office/drawing/2014/main" xmlns="" val="20003"/>
+                      <a16:colId xmlns="" xmlns:a16="http://schemas.microsoft.com/office/drawing/2014/main" val="20003"/>
                     </a:ext>
                   </a:extLst>
                 </a:gridCol>
                 <a:gridCol w="600635">
                   <a:extLst>
                     <a:ext uri="{9D8B030D-6E8A-4147-A177-3AD203B41FA5}">
-                      <a16:colId xmlns:a16="http://schemas.microsoft.com/office/drawing/2014/main" xmlns="" val="20004"/>
+                      <a16:colId xmlns="" xmlns:a16="http://schemas.microsoft.com/office/drawing/2014/main" val="20004"/>
                     </a:ext>
                   </a:extLst>
                 </a:gridCol>
                 <a:gridCol w="510988">
                   <a:extLst>
                     <a:ext uri="{9D8B030D-6E8A-4147-A177-3AD203B41FA5}">
-                      <a16:colId xmlns:a16="http://schemas.microsoft.com/office/drawing/2014/main" xmlns="" val="20005"/>
+                      <a16:colId xmlns="" xmlns:a16="http://schemas.microsoft.com/office/drawing/2014/main" val="20005"/>
                     </a:ext>
                   </a:extLst>
                 </a:gridCol>
@@ -34965,7 +35800,7 @@
                 </a:tc>
                 <a:extLst>
                   <a:ext uri="{0D108BD9-81ED-4DB2-BD59-A6C34878D82A}">
-                    <a16:rowId xmlns:a16="http://schemas.microsoft.com/office/drawing/2014/main" xmlns="" val="10000"/>
+                    <a16:rowId xmlns="" xmlns:a16="http://schemas.microsoft.com/office/drawing/2014/main" val="10000"/>
                   </a:ext>
                 </a:extLst>
               </a:tr>
@@ -34975,7 +35810,7 @@
                     <a:bodyPr/>
                     <a:lstStyle/>
                     <a:p>
-                      <a:pPr indent="0" algn="ctr">
+                      <a:pPr indent="0" algn="l">
                         <a:lnSpc>
                           <a:spcPts val="2000"/>
                         </a:lnSpc>
@@ -34984,7 +35819,7 @@
                         </a:spcAft>
                       </a:pPr>
                       <a:r>
-                        <a:rPr lang="zh-CN" altLang="en-US" sz="1300" kern="100" dirty="0" smtClean="0">
+                        <a:rPr lang="zh-CN" altLang="en-US" sz="1300" b="0" kern="100" dirty="0" smtClean="0">
                           <a:effectLst/>
                           <a:latin typeface="+mn-lt"/>
                           <a:ea typeface="+mn-ea"/>
@@ -34992,7 +35827,16 @@
                         </a:rPr>
                         <a:t>传统方法</a:t>
                       </a:r>
-                      <a:endParaRPr lang="zh-CN" sz="1300" kern="100" dirty="0">
+                      <a:r>
+                        <a:rPr lang="en-US" altLang="zh-CN" sz="1300" b="0" kern="100" baseline="30000" dirty="0" smtClean="0">
+                          <a:effectLst/>
+                          <a:latin typeface="+mn-lt"/>
+                          <a:ea typeface="+mn-ea"/>
+                          <a:cs typeface="+mn-cs"/>
+                        </a:rPr>
+                        <a:t>[1]</a:t>
+                      </a:r>
+                      <a:endParaRPr lang="zh-CN" sz="1300" b="0" kern="100" baseline="30000" dirty="0">
                         <a:effectLst/>
                         <a:latin typeface="Times New Roman" panose="02020603050405020304" pitchFamily="18" charset="0"/>
                         <a:ea typeface="宋体" panose="02010600030101010101" pitchFamily="2" charset="-122"/>
@@ -35155,7 +35999,7 @@
                 </a:tc>
                 <a:extLst>
                   <a:ext uri="{0D108BD9-81ED-4DB2-BD59-A6C34878D82A}">
-                    <a16:rowId xmlns:a16="http://schemas.microsoft.com/office/drawing/2014/main" xmlns="" val="10001"/>
+                    <a16:rowId xmlns="" xmlns:a16="http://schemas.microsoft.com/office/drawing/2014/main" val="10001"/>
                   </a:ext>
                 </a:extLst>
               </a:tr>
@@ -35165,7 +36009,7 @@
                     <a:bodyPr/>
                     <a:lstStyle/>
                     <a:p>
-                      <a:pPr indent="0" algn="ctr">
+                      <a:pPr indent="0" algn="l">
                         <a:lnSpc>
                           <a:spcPts val="2000"/>
                         </a:lnSpc>
@@ -35174,24 +36018,30 @@
                         </a:spcAft>
                       </a:pPr>
                       <a:r>
-                        <a:rPr lang="zh-CN" altLang="en-US" sz="1300" kern="0" dirty="0" smtClean="0">
+                        <a:rPr lang="zh-CN" altLang="en-US" sz="1300" b="0" kern="0" dirty="0" smtClean="0">
                           <a:effectLst/>
                         </a:rPr>
                         <a:t>二阶</a:t>
                       </a:r>
                       <a:r>
-                        <a:rPr lang="zh-CN" sz="1300" kern="0" dirty="0" smtClean="0">
+                        <a:rPr lang="zh-CN" sz="1300" b="0" kern="0" dirty="0" smtClean="0">
                           <a:effectLst/>
                         </a:rPr>
                         <a:t>内插</a:t>
                       </a:r>
                       <a:r>
-                        <a:rPr lang="zh-CN" altLang="en-US" sz="1300" kern="0" dirty="0" smtClean="0">
+                        <a:rPr lang="zh-CN" altLang="en-US" sz="1300" b="0" kern="0" dirty="0" smtClean="0">
                           <a:effectLst/>
                         </a:rPr>
                         <a:t>法</a:t>
                       </a:r>
-                      <a:endParaRPr lang="zh-CN" sz="1300" kern="100" dirty="0">
+                      <a:r>
+                        <a:rPr lang="en-US" altLang="zh-CN" sz="1300" b="0" kern="0" baseline="30000" dirty="0" smtClean="0">
+                          <a:effectLst/>
+                        </a:rPr>
+                        <a:t>[2]</a:t>
+                      </a:r>
+                      <a:endParaRPr lang="zh-CN" sz="1300" b="0" kern="100" baseline="30000" dirty="0">
                         <a:effectLst/>
                         <a:latin typeface="Times New Roman" panose="02020603050405020304" pitchFamily="18" charset="0"/>
                         <a:ea typeface="宋体" panose="02010600030101010101" pitchFamily="2" charset="-122"/>
@@ -35348,7 +36198,7 @@
                 </a:tc>
                 <a:extLst>
                   <a:ext uri="{0D108BD9-81ED-4DB2-BD59-A6C34878D82A}">
-                    <a16:rowId xmlns:a16="http://schemas.microsoft.com/office/drawing/2014/main" xmlns="" val="10002"/>
+                    <a16:rowId xmlns="" xmlns:a16="http://schemas.microsoft.com/office/drawing/2014/main" val="10002"/>
                   </a:ext>
                 </a:extLst>
               </a:tr>
@@ -35358,7 +36208,7 @@
                     <a:bodyPr/>
                     <a:lstStyle/>
                     <a:p>
-                      <a:pPr indent="0" algn="ctr">
+                      <a:pPr indent="0" algn="l">
                         <a:lnSpc>
                           <a:spcPts val="2000"/>
                         </a:lnSpc>
@@ -35367,18 +36217,24 @@
                         </a:spcAft>
                       </a:pPr>
                       <a:r>
-                        <a:rPr lang="zh-CN" sz="1300" kern="0" dirty="0">
+                        <a:rPr lang="zh-CN" sz="1300" b="0" kern="0" dirty="0">
                           <a:effectLst/>
                         </a:rPr>
                         <a:t>角度</a:t>
                       </a:r>
                       <a:r>
-                        <a:rPr lang="zh-CN" sz="1300" kern="0" dirty="0" smtClean="0">
+                        <a:rPr lang="zh-CN" sz="1300" b="0" kern="0" dirty="0" smtClean="0">
                           <a:effectLst/>
                         </a:rPr>
                         <a:t>旋转</a:t>
                       </a:r>
-                      <a:endParaRPr lang="zh-CN" sz="1300" kern="100" dirty="0">
+                      <a:r>
+                        <a:rPr lang="en-US" altLang="zh-CN" sz="1300" b="0" kern="0" baseline="30000" dirty="0" smtClean="0">
+                          <a:effectLst/>
+                        </a:rPr>
+                        <a:t>[3]</a:t>
+                      </a:r>
+                      <a:endParaRPr lang="zh-CN" sz="1300" b="0" kern="100" baseline="30000" dirty="0">
                         <a:effectLst/>
                         <a:latin typeface="Times New Roman" panose="02020603050405020304" pitchFamily="18" charset="0"/>
                         <a:ea typeface="宋体" panose="02010600030101010101" pitchFamily="2" charset="-122"/>
@@ -35535,7 +36391,7 @@
                 </a:tc>
                 <a:extLst>
                   <a:ext uri="{0D108BD9-81ED-4DB2-BD59-A6C34878D82A}">
-                    <a16:rowId xmlns:a16="http://schemas.microsoft.com/office/drawing/2014/main" xmlns="" val="10003"/>
+                    <a16:rowId xmlns="" xmlns:a16="http://schemas.microsoft.com/office/drawing/2014/main" val="10003"/>
                   </a:ext>
                 </a:extLst>
               </a:tr>
@@ -35545,7 +36401,7 @@
                     <a:bodyPr/>
                     <a:lstStyle/>
                     <a:p>
-                      <a:pPr indent="0" algn="ctr">
+                      <a:pPr indent="0" algn="l">
                         <a:lnSpc>
                           <a:spcPts val="2000"/>
                         </a:lnSpc>
@@ -35554,18 +36410,24 @@
                         </a:spcAft>
                       </a:pPr>
                       <a:r>
-                        <a:rPr lang="zh-CN" sz="1300" kern="0" dirty="0">
+                        <a:rPr lang="zh-CN" sz="1300" b="0" kern="0" dirty="0">
                           <a:effectLst/>
                         </a:rPr>
                         <a:t>非线性</a:t>
                       </a:r>
                       <a:r>
-                        <a:rPr lang="en-US" sz="1300" kern="0" dirty="0" smtClean="0">
+                        <a:rPr lang="en-US" sz="1300" b="0" kern="0" dirty="0" smtClean="0">
                           <a:effectLst/>
                         </a:rPr>
                         <a:t>DAC</a:t>
                       </a:r>
-                      <a:endParaRPr lang="zh-CN" sz="1300" kern="100" dirty="0">
+                      <a:r>
+                        <a:rPr lang="en-US" sz="1300" b="0" kern="0" baseline="30000" dirty="0" smtClean="0">
+                          <a:effectLst/>
+                        </a:rPr>
+                        <a:t>[4]</a:t>
+                      </a:r>
+                      <a:endParaRPr lang="zh-CN" sz="1300" b="0" kern="100" baseline="30000" dirty="0">
                         <a:effectLst/>
                         <a:latin typeface="Times New Roman" panose="02020603050405020304" pitchFamily="18" charset="0"/>
                         <a:ea typeface="宋体" panose="02010600030101010101" pitchFamily="2" charset="-122"/>
@@ -35725,7 +36587,7 @@
                 </a:tc>
                 <a:extLst>
                   <a:ext uri="{0D108BD9-81ED-4DB2-BD59-A6C34878D82A}">
-                    <a16:rowId xmlns:a16="http://schemas.microsoft.com/office/drawing/2014/main" xmlns="" val="10004"/>
+                    <a16:rowId xmlns="" xmlns:a16="http://schemas.microsoft.com/office/drawing/2014/main" val="10004"/>
                   </a:ext>
                 </a:extLst>
               </a:tr>
@@ -35864,13 +36726,20 @@
               <a:t>A 1-GHz Direct Digital Frequency Synthesizer in an FPGA</a:t>
             </a:r>
             <a:r>
-              <a:rPr lang="zh-CN" altLang="en-US" sz="1800" dirty="0">
+              <a:rPr lang="zh-CN" altLang="en-US" sz="1800" dirty="0" smtClean="0">
                 <a:latin typeface="微软雅黑" panose="020B0503020204020204" pitchFamily="34" charset="-122"/>
                 <a:ea typeface="微软雅黑" panose="020B0503020204020204" pitchFamily="34" charset="-122"/>
               </a:rPr>
               <a:t>”</a:t>
             </a:r>
-            <a:endParaRPr lang="en-US" altLang="zh-CN" sz="1800" dirty="0">
+            <a:r>
+              <a:rPr lang="en-US" altLang="zh-CN" sz="1800" baseline="30000" dirty="0" smtClean="0">
+                <a:latin typeface="微软雅黑" panose="020B0503020204020204" pitchFamily="34" charset="-122"/>
+                <a:ea typeface="微软雅黑" panose="020B0503020204020204" pitchFamily="34" charset="-122"/>
+              </a:rPr>
+              <a:t>[5]</a:t>
+            </a:r>
+            <a:endParaRPr lang="en-US" altLang="zh-CN" sz="1800" baseline="30000" dirty="0">
               <a:latin typeface="微软雅黑" panose="020B0503020204020204" pitchFamily="34" charset="-122"/>
               <a:ea typeface="微软雅黑" panose="020B0503020204020204" pitchFamily="34" charset="-122"/>
             </a:endParaRPr>
@@ -35987,14 +36856,7 @@
                 <a:latin typeface="微软雅黑" panose="020B0503020204020204" pitchFamily="34" charset="-122"/>
                 <a:ea typeface="微软雅黑" panose="020B0503020204020204" pitchFamily="34" charset="-122"/>
               </a:rPr>
-              <a:t>使用查找表</a:t>
-            </a:r>
-            <a:r>
-              <a:rPr lang="zh-CN" altLang="en-US" sz="1500" dirty="0" smtClean="0">
-                <a:latin typeface="微软雅黑" panose="020B0503020204020204" pitchFamily="34" charset="-122"/>
-                <a:ea typeface="微软雅黑" panose="020B0503020204020204" pitchFamily="34" charset="-122"/>
-              </a:rPr>
-              <a:t>，再经一次乘法和加法完成计算</a:t>
+              <a:t>使用查找表，再经一次乘法和加法完成计算</a:t>
             </a:r>
             <a:endParaRPr lang="en-US" altLang="zh-CN" sz="1500" dirty="0">
               <a:latin typeface="微软雅黑" panose="020B0503020204020204" pitchFamily="34" charset="-122"/>
@@ -36161,12 +37023,12 @@
           <a:p>
             <a:pPr algn="ctr"/>
             <a:r>
-              <a:rPr lang="en-US" altLang="zh-CN" sz="1200" smtClean="0">
+              <a:rPr lang="en-US" altLang="zh-CN" sz="1200" dirty="0" smtClean="0">
                 <a:solidFill>
                   <a:srgbClr val="000000"/>
                 </a:solidFill>
               </a:rPr>
-              <a:t>5/13</a:t>
+              <a:t>7/17</a:t>
             </a:r>
             <a:endParaRPr lang="en-US" altLang="zh-CN" sz="1200" dirty="0">
               <a:solidFill>
@@ -36181,7 +37043,7 @@
           <p:cNvPr id="8" name="图片 7">
             <a:extLst>
               <a:ext uri="{FF2B5EF4-FFF2-40B4-BE49-F238E27FC236}">
-                <a16:creationId xmlns:a16="http://schemas.microsoft.com/office/drawing/2014/main" xmlns="" id="{D66A4827-A107-4E76-9AFA-A332527FB4CB}"/>
+                <a16:creationId xmlns="" xmlns:a16="http://schemas.microsoft.com/office/drawing/2014/main" id="{D66A4827-A107-4E76-9AFA-A332527FB4CB}"/>
               </a:ext>
             </a:extLst>
           </p:cNvPr>
@@ -36209,7 +37071,7 @@
           <p:cNvPr id="9" name="内容占位符 2">
             <a:extLst>
               <a:ext uri="{FF2B5EF4-FFF2-40B4-BE49-F238E27FC236}">
-                <a16:creationId xmlns:a16="http://schemas.microsoft.com/office/drawing/2014/main" xmlns="" id="{D7EAE30E-6355-4F16-A9DF-D3AB86615C57}"/>
+                <a16:creationId xmlns="" xmlns:a16="http://schemas.microsoft.com/office/drawing/2014/main" id="{D7EAE30E-6355-4F16-A9DF-D3AB86615C57}"/>
               </a:ext>
             </a:extLst>
           </p:cNvPr>
@@ -36406,7 +37268,21 @@
                 <a:latin typeface="微软雅黑" panose="020B0503020204020204" pitchFamily="34" charset="-122"/>
                 <a:ea typeface="微软雅黑" panose="020B0503020204020204" pitchFamily="34" charset="-122"/>
               </a:rPr>
-              <a:t>本次毕设的主要改进点</a:t>
+              <a:t>本</a:t>
+            </a:r>
+            <a:r>
+              <a:rPr lang="zh-CN" altLang="en-US" sz="2500" dirty="0" smtClean="0">
+                <a:latin typeface="微软雅黑" panose="020B0503020204020204" pitchFamily="34" charset="-122"/>
+                <a:ea typeface="微软雅黑" panose="020B0503020204020204" pitchFamily="34" charset="-122"/>
+              </a:rPr>
+              <a:t>次设计的</a:t>
+            </a:r>
+            <a:r>
+              <a:rPr lang="zh-CN" altLang="en-US" sz="2500" dirty="0">
+                <a:latin typeface="微软雅黑" panose="020B0503020204020204" pitchFamily="34" charset="-122"/>
+                <a:ea typeface="微软雅黑" panose="020B0503020204020204" pitchFamily="34" charset="-122"/>
+              </a:rPr>
+              <a:t>主要改进点</a:t>
             </a:r>
             <a:endParaRPr lang="en-US" altLang="zh-CN" sz="2500" dirty="0">
               <a:latin typeface="微软雅黑" panose="020B0503020204020204" pitchFamily="34" charset="-122"/>
@@ -36633,8 +37509,8 @@
           </a:p>
         </p:txBody>
       </p:sp>
-      <mc:AlternateContent xmlns:mc="http://schemas.openxmlformats.org/markup-compatibility/2006">
-        <mc:Choice xmlns:a14="http://schemas.microsoft.com/office/drawing/2010/main" Requires="a14">
+      <mc:AlternateContent xmlns:mc="http://schemas.openxmlformats.org/markup-compatibility/2006" xmlns:a14="http://schemas.microsoft.com/office/drawing/2010/main">
+        <mc:Choice Requires="a14">
           <p:sp>
             <p:nvSpPr>
               <p:cNvPr id="5" name="内容占位符 2"/>
@@ -36681,10 +37557,10 @@
               <a:p>
                 <a:pPr lvl="2">
                   <a:spcBef>
-                    <a:spcPts val="600"/>
+                    <a:spcPts val="1200"/>
                   </a:spcBef>
                   <a:spcAft>
-                    <a:spcPts val="600"/>
+                    <a:spcPts val="1200"/>
                   </a:spcAft>
                 </a:pPr>
                 <a:r>
@@ -36733,10 +37609,10 @@
               <a:p>
                 <a:pPr lvl="2">
                   <a:spcBef>
-                    <a:spcPts val="600"/>
+                    <a:spcPts val="1200"/>
                   </a:spcBef>
                   <a:spcAft>
-                    <a:spcPts val="600"/>
+                    <a:spcPts val="1200"/>
                   </a:spcAft>
                 </a:pPr>
                 <a:r>
@@ -36751,8 +37627,8 @@
                     <m:f>
                       <m:fPr>
                         <m:ctrlPr>
-                          <a:rPr lang="en-US" altLang="zh-CN" sz="1600" kern="1200">
-                            <a:latin typeface="微软雅黑" panose="020B0503020204020204" pitchFamily="34" charset="-122"/>
+                          <a:rPr lang="en-US" altLang="zh-CN" sz="1600" i="1" kern="1200">
+                            <a:latin typeface="Cambria Math" panose="02040503050406030204" pitchFamily="18" charset="0"/>
                             <a:ea typeface="微软雅黑" panose="020B0503020204020204" pitchFamily="34" charset="-122"/>
                           </a:rPr>
                         </m:ctrlPr>
@@ -36760,7 +37636,7 @@
                       <m:num>
                         <m:r>
                           <a:rPr lang="en-US" altLang="zh-CN" sz="1600" kern="1200">
-                            <a:latin typeface="微软雅黑" panose="020B0503020204020204" pitchFamily="34" charset="-122"/>
+                            <a:latin typeface="Cambria Math" panose="02040503050406030204" pitchFamily="18" charset="0"/>
                             <a:ea typeface="微软雅黑" panose="020B0503020204020204" pitchFamily="34" charset="-122"/>
                           </a:rPr>
                           <m:t>1</m:t>
@@ -36769,7 +37645,7 @@
                       <m:den>
                         <m:r>
                           <a:rPr lang="en-US" altLang="zh-CN" sz="1600" kern="1200">
-                            <a:latin typeface="微软雅黑" panose="020B0503020204020204" pitchFamily="34" charset="-122"/>
+                            <a:latin typeface="Cambria Math" panose="02040503050406030204" pitchFamily="18" charset="0"/>
                             <a:ea typeface="微软雅黑" panose="020B0503020204020204" pitchFamily="34" charset="-122"/>
                           </a:rPr>
                           <m:t>4</m:t>
@@ -36778,14 +37654,14 @@
                     </m:f>
                     <m:r>
                       <a:rPr lang="zh-CN" altLang="en-US" sz="1600" kern="1200">
-                        <a:latin typeface="微软雅黑" panose="020B0503020204020204" pitchFamily="34" charset="-122"/>
+                        <a:latin typeface="Cambria Math" panose="02040503050406030204" pitchFamily="18" charset="0"/>
                         <a:ea typeface="微软雅黑" panose="020B0503020204020204" pitchFamily="34" charset="-122"/>
                       </a:rPr>
                       <m:t>𝜋</m:t>
                     </m:r>
                     <m:r>
                       <a:rPr lang="zh-CN" altLang="en-US" sz="1600" kern="1200">
-                        <a:latin typeface="微软雅黑" panose="020B0503020204020204" pitchFamily="34" charset="-122"/>
+                        <a:latin typeface="Cambria Math" panose="02040503050406030204" pitchFamily="18" charset="0"/>
                         <a:ea typeface="微软雅黑" panose="020B0503020204020204" pitchFamily="34" charset="-122"/>
                       </a:rPr>
                       <m:t>压缩方法</m:t>
@@ -36841,10 +37717,10 @@
               <a:p>
                 <a:pPr lvl="2">
                   <a:spcBef>
-                    <a:spcPts val="600"/>
+                    <a:spcPts val="1200"/>
                   </a:spcBef>
                   <a:spcAft>
-                    <a:spcPts val="600"/>
+                    <a:spcPts val="1200"/>
                   </a:spcAft>
                 </a:pPr>
                 <a:r>
@@ -36881,10 +37757,10 @@
               <a:p>
                 <a:pPr lvl="2">
                   <a:spcBef>
-                    <a:spcPts val="600"/>
+                    <a:spcPts val="1200"/>
                   </a:spcBef>
                   <a:spcAft>
-                    <a:spcPts val="600"/>
+                    <a:spcPts val="1200"/>
                   </a:spcAft>
                 </a:pPr>
                 <a:r>
@@ -36928,10 +37804,10 @@
               <a:p>
                 <a:pPr lvl="2">
                   <a:spcBef>
-                    <a:spcPts val="600"/>
+                    <a:spcPts val="1200"/>
                   </a:spcBef>
                   <a:spcAft>
-                    <a:spcPts val="600"/>
+                    <a:spcPts val="1200"/>
                   </a:spcAft>
                 </a:pPr>
                 <a:r>
@@ -36952,7 +37828,7 @@
             </p:txBody>
           </p:sp>
         </mc:Choice>
-        <mc:Fallback>
+        <mc:Fallback xmlns="">
           <p:sp>
             <p:nvSpPr>
               <p:cNvPr id="5" name="内容占位符 2"/>
@@ -36971,7 +37847,7 @@
               <a:blipFill rotWithShape="0">
                 <a:blip r:embed="rId3"/>
                 <a:stretch>
-                  <a:fillRect t="-2322"/>
+                  <a:fillRect t="-2322" b="-11920"/>
                 </a:stretch>
               </a:blipFill>
             </p:spPr>
@@ -37015,12 +37891,12 @@
           <a:p>
             <a:pPr algn="ctr"/>
             <a:r>
-              <a:rPr lang="en-US" altLang="zh-CN" sz="1200" smtClean="0">
+              <a:rPr lang="en-US" altLang="zh-CN" sz="1200" dirty="0" smtClean="0">
                 <a:solidFill>
                   <a:srgbClr val="000000"/>
                 </a:solidFill>
               </a:rPr>
-              <a:t>6/13</a:t>
+              <a:t>8/17</a:t>
             </a:r>
             <a:endParaRPr lang="en-US" altLang="zh-CN" sz="1200" dirty="0">
               <a:solidFill>
@@ -37049,7 +37925,7 @@
             <p:cNvPr id="117" name="图片 116" descr="D:\毕设\大四下\lunwen\图片\DDS改进架构.png">
               <a:extLst>
                 <a:ext uri="{FF2B5EF4-FFF2-40B4-BE49-F238E27FC236}">
-                  <a16:creationId xmlns:a16="http://schemas.microsoft.com/office/drawing/2014/main" xmlns="" id="{3EDD7146-5C7E-429D-8FC3-A0A66DD752D7}"/>
+                  <a16:creationId xmlns="" xmlns:a16="http://schemas.microsoft.com/office/drawing/2014/main" id="{3EDD7146-5C7E-429D-8FC3-A0A66DD752D7}"/>
                 </a:ext>
               </a:extLst>
             </p:cNvPr>
@@ -37186,13 +38062,13 @@
   <p:clrMapOvr>
     <a:masterClrMapping/>
   </p:clrMapOvr>
-  <mc:AlternateContent xmlns:mc="http://schemas.openxmlformats.org/markup-compatibility/2006">
-    <mc:Choice xmlns:p14="http://schemas.microsoft.com/office/powerpoint/2010/main" Requires="p14">
+  <mc:AlternateContent xmlns:mc="http://schemas.openxmlformats.org/markup-compatibility/2006" xmlns:p14="http://schemas.microsoft.com/office/powerpoint/2010/main">
+    <mc:Choice Requires="p14">
       <p:transition spd="slow" p14:dur="2000">
         <p14:prism isContent="1"/>
       </p:transition>
     </mc:Choice>
-    <mc:Fallback>
+    <mc:Fallback xmlns="">
       <p:transition spd="slow">
         <p:fade/>
       </p:transition>
@@ -37255,14 +38131,22 @@
             </a:r>
             <a:r>
               <a:rPr lang="zh-CN" altLang="en-US" sz="3600" dirty="0" smtClean="0"/>
-              <a:t>工作原理</a:t>
+              <a:t>查找表压缩 </a:t>
+            </a:r>
+            <a:r>
+              <a:rPr lang="en-US" altLang="zh-CN" sz="3600" dirty="0" smtClean="0"/>
+              <a:t>&amp; </a:t>
+            </a:r>
+            <a:r>
+              <a:rPr lang="zh-CN" altLang="en-US" sz="3600" dirty="0" smtClean="0"/>
+              <a:t>角度旋转</a:t>
             </a:r>
             <a:endParaRPr lang="zh-CN" altLang="en-US" sz="3600" dirty="0"/>
           </a:p>
         </p:txBody>
       </p:sp>
-      <mc:AlternateContent xmlns:mc="http://schemas.openxmlformats.org/markup-compatibility/2006">
-        <mc:Choice xmlns:a14="http://schemas.microsoft.com/office/drawing/2010/main" Requires="a14">
+      <mc:AlternateContent xmlns:mc="http://schemas.openxmlformats.org/markup-compatibility/2006" xmlns:a14="http://schemas.microsoft.com/office/drawing/2010/main">
+        <mc:Choice Requires="a14">
           <p:sp>
             <p:nvSpPr>
               <p:cNvPr id="5" name="内容占位符 2"/>
@@ -37393,7 +38277,7 @@
                   <m:oMath xmlns:m="http://schemas.openxmlformats.org/officeDocument/2006/math">
                     <m:r>
                       <a:rPr lang="zh-CN" altLang="en-US" sz="1600" kern="1200">
-                        <a:latin typeface="微软雅黑" panose="020B0503020204020204" pitchFamily="34" charset="-122"/>
+                        <a:latin typeface="Cambria Math" panose="02040503050406030204" pitchFamily="18" charset="0"/>
                         <a:ea typeface="微软雅黑" panose="020B0503020204020204" pitchFamily="34" charset="-122"/>
                       </a:rPr>
                       <m:t>𝜋</m:t>
@@ -37433,8 +38317,8 @@
                     <m:f>
                       <m:fPr>
                         <m:ctrlPr>
-                          <a:rPr lang="en-US" altLang="zh-CN" sz="1600" kern="1200">
-                            <a:latin typeface="微软雅黑" panose="020B0503020204020204" pitchFamily="34" charset="-122"/>
+                          <a:rPr lang="en-US" altLang="zh-CN" sz="1600" i="1" kern="1200">
+                            <a:latin typeface="Cambria Math" panose="02040503050406030204" pitchFamily="18" charset="0"/>
                             <a:ea typeface="微软雅黑" panose="020B0503020204020204" pitchFamily="34" charset="-122"/>
                           </a:rPr>
                         </m:ctrlPr>
@@ -37442,7 +38326,7 @@
                       <m:num>
                         <m:r>
                           <a:rPr lang="en-US" altLang="zh-CN" sz="1600" kern="1200">
-                            <a:latin typeface="微软雅黑" panose="020B0503020204020204" pitchFamily="34" charset="-122"/>
+                            <a:latin typeface="Cambria Math" panose="02040503050406030204" pitchFamily="18" charset="0"/>
                             <a:ea typeface="微软雅黑" panose="020B0503020204020204" pitchFamily="34" charset="-122"/>
                           </a:rPr>
                           <m:t>1</m:t>
@@ -37451,7 +38335,7 @@
                       <m:den>
                         <m:r>
                           <a:rPr lang="en-US" altLang="zh-CN" sz="1600" kern="1200">
-                            <a:latin typeface="微软雅黑" panose="020B0503020204020204" pitchFamily="34" charset="-122"/>
+                            <a:latin typeface="Cambria Math" panose="02040503050406030204" pitchFamily="18" charset="0"/>
                             <a:ea typeface="微软雅黑" panose="020B0503020204020204" pitchFamily="34" charset="-122"/>
                           </a:rPr>
                           <m:t>4</m:t>
@@ -37460,7 +38344,7 @@
                     </m:f>
                     <m:r>
                       <a:rPr lang="zh-CN" altLang="en-US" sz="1600" kern="1200">
-                        <a:latin typeface="微软雅黑" panose="020B0503020204020204" pitchFamily="34" charset="-122"/>
+                        <a:latin typeface="Cambria Math" panose="02040503050406030204" pitchFamily="18" charset="0"/>
                         <a:ea typeface="微软雅黑" panose="020B0503020204020204" pitchFamily="34" charset="-122"/>
                       </a:rPr>
                       <m:t>𝜋</m:t>
@@ -37468,7 +38352,7 @@
                   </m:oMath>
                 </a14:m>
                 <a:r>
-                  <a:rPr lang="en-US" altLang="zh-CN" sz="1600" kern="1200" dirty="0">
+                  <a:rPr lang="en-US" altLang="zh-CN" sz="1600" kern="1200" dirty="0" smtClean="0">
                     <a:latin typeface="微软雅黑" panose="020B0503020204020204" pitchFamily="34" charset="-122"/>
                     <a:ea typeface="微软雅黑" panose="020B0503020204020204" pitchFamily="34" charset="-122"/>
                   </a:rPr>
@@ -37489,37 +38373,9 @@
                     <a:latin typeface="微软雅黑" panose="020B0503020204020204" pitchFamily="34" charset="-122"/>
                     <a:ea typeface="微软雅黑" panose="020B0503020204020204" pitchFamily="34" charset="-122"/>
                   </a:rPr>
-                  <a:t>相位</a:t>
+                  <a:t>区间用于输出进行对称操作</a:t>
                 </a:r>
-                <a:r>
-                  <a:rPr lang="zh-CN" altLang="en-US" sz="1300" kern="1200" dirty="0" smtClean="0">
-                    <a:latin typeface="微软雅黑" panose="020B0503020204020204" pitchFamily="34" charset="-122"/>
-                    <a:ea typeface="微软雅黑" panose="020B0503020204020204" pitchFamily="34" charset="-122"/>
-                  </a:rPr>
-                  <a:t>前</a:t>
-                </a:r>
-                <a:r>
-                  <a:rPr lang="en-US" altLang="zh-CN" sz="1300" kern="1200" dirty="0">
-                    <a:latin typeface="微软雅黑" panose="020B0503020204020204" pitchFamily="34" charset="-122"/>
-                    <a:ea typeface="微软雅黑" panose="020B0503020204020204" pitchFamily="34" charset="-122"/>
-                  </a:rPr>
-                  <a:t>3 </a:t>
-                </a:r>
-                <a:r>
-                  <a:rPr lang="en-US" altLang="zh-CN" sz="1300" kern="1200" dirty="0" smtClean="0">
-                    <a:latin typeface="微软雅黑" panose="020B0503020204020204" pitchFamily="34" charset="-122"/>
-                    <a:ea typeface="微软雅黑" panose="020B0503020204020204" pitchFamily="34" charset="-122"/>
-                  </a:rPr>
-                  <a:t>bit</a:t>
-                </a:r>
-                <a:r>
-                  <a:rPr lang="zh-CN" altLang="en-US" sz="1300" kern="1200" dirty="0" smtClean="0">
-                    <a:latin typeface="微软雅黑" panose="020B0503020204020204" pitchFamily="34" charset="-122"/>
-                    <a:ea typeface="微软雅黑" panose="020B0503020204020204" pitchFamily="34" charset="-122"/>
-                  </a:rPr>
-                  <a:t>不用查表</a:t>
-                </a:r>
-                <a:endParaRPr lang="en-US" altLang="zh-CN" sz="1300" kern="1200" dirty="0" smtClean="0">
+                <a:endParaRPr lang="en-US" altLang="zh-CN" sz="1300" kern="1200" dirty="0">
                   <a:latin typeface="微软雅黑" panose="020B0503020204020204" pitchFamily="34" charset="-122"/>
                   <a:ea typeface="微软雅黑" panose="020B0503020204020204" pitchFamily="34" charset="-122"/>
                 </a:endParaRPr>
@@ -37534,7 +38390,7 @@
                   </a:spcAft>
                 </a:pPr>
                 <a:r>
-                  <a:rPr lang="zh-CN" altLang="en-US" sz="1400" dirty="0" smtClean="0"/>
+                  <a:rPr lang="zh-CN" altLang="en-US" sz="1400" dirty="0"/>
                   <a:t>粗相位</a:t>
                 </a:r>
                 <a14:m>
@@ -37567,13 +38423,13 @@
                   </m:oMath>
                 </a14:m>
                 <a:r>
-                  <a:rPr lang="zh-CN" altLang="en-US" sz="1300" kern="1200" dirty="0" smtClean="0">
+                  <a:rPr lang="zh-CN" altLang="en-US" sz="1300" kern="1200" dirty="0">
                     <a:latin typeface="微软雅黑" panose="020B0503020204020204" pitchFamily="34" charset="-122"/>
                     <a:ea typeface="微软雅黑" panose="020B0503020204020204" pitchFamily="34" charset="-122"/>
                   </a:rPr>
                   <a:t>用于查表</a:t>
                 </a:r>
-                <a:endParaRPr lang="en-US" altLang="zh-CN" sz="1300" kern="1200" dirty="0" smtClean="0">
+                <a:endParaRPr lang="en-US" altLang="zh-CN" sz="1300" kern="1200" dirty="0">
                   <a:latin typeface="微软雅黑" panose="020B0503020204020204" pitchFamily="34" charset="-122"/>
                   <a:ea typeface="微软雅黑" panose="020B0503020204020204" pitchFamily="34" charset="-122"/>
                 </a:endParaRPr>
@@ -37588,7 +38444,7 @@
                   </a:spcAft>
                 </a:pPr>
                 <a:r>
-                  <a:rPr lang="zh-CN" altLang="en-US" sz="1300" kern="1200" dirty="0" smtClean="0">
+                  <a:rPr lang="zh-CN" altLang="en-US" sz="1300" kern="1200" dirty="0">
                     <a:latin typeface="微软雅黑" panose="020B0503020204020204" pitchFamily="34" charset="-122"/>
                     <a:ea typeface="微软雅黑" panose="020B0503020204020204" pitchFamily="34" charset="-122"/>
                   </a:rPr>
@@ -37624,13 +38480,48 @@
                   </m:oMath>
                 </a14:m>
                 <a:r>
+                  <a:rPr lang="zh-CN" altLang="en-US" sz="1300" kern="1200" dirty="0">
+                    <a:latin typeface="微软雅黑" panose="020B0503020204020204" pitchFamily="34" charset="-122"/>
+                    <a:ea typeface="微软雅黑" panose="020B0503020204020204" pitchFamily="34" charset="-122"/>
+                  </a:rPr>
+                  <a:t>用于</a:t>
+                </a:r>
+                <a:r>
                   <a:rPr lang="zh-CN" altLang="en-US" sz="1300" kern="1200" dirty="0" smtClean="0">
                     <a:latin typeface="微软雅黑" panose="020B0503020204020204" pitchFamily="34" charset="-122"/>
                     <a:ea typeface="微软雅黑" panose="020B0503020204020204" pitchFamily="34" charset="-122"/>
                   </a:rPr>
-                  <a:t>用于旋转</a:t>
+                  <a:t>旋转</a:t>
                 </a:r>
-                <a:endParaRPr lang="en-US" altLang="zh-CN" sz="1300" kern="1200" dirty="0">
+                <a:endParaRPr lang="en-US" altLang="zh-CN" sz="1600" kern="1200" dirty="0" smtClean="0">
+                  <a:latin typeface="微软雅黑" panose="020B0503020204020204" pitchFamily="34" charset="-122"/>
+                  <a:ea typeface="微软雅黑" panose="020B0503020204020204" pitchFamily="34" charset="-122"/>
+                </a:endParaRPr>
+              </a:p>
+              <a:p>
+                <a:pPr lvl="2">
+                  <a:spcBef>
+                    <a:spcPts val="300"/>
+                  </a:spcBef>
+                  <a:spcAft>
+                    <a:spcPts val="300"/>
+                  </a:spcAft>
+                </a:pPr>
+                <a:r>
+                  <a:rPr lang="zh-CN" altLang="en-US" sz="1600" kern="1200" dirty="0" smtClean="0">
+                    <a:latin typeface="微软雅黑" panose="020B0503020204020204" pitchFamily="34" charset="-122"/>
+                    <a:ea typeface="微软雅黑" panose="020B0503020204020204" pitchFamily="34" charset="-122"/>
+                  </a:rPr>
+                  <a:t>查找表索引长度减少</a:t>
+                </a:r>
+                <a:r>
+                  <a:rPr lang="en-US" altLang="zh-CN" sz="1600" kern="1200" dirty="0" smtClean="0">
+                    <a:latin typeface="微软雅黑" panose="020B0503020204020204" pitchFamily="34" charset="-122"/>
+                    <a:ea typeface="微软雅黑" panose="020B0503020204020204" pitchFamily="34" charset="-122"/>
+                  </a:rPr>
+                  <a:t>3 bits</a:t>
+                </a:r>
+                <a:endParaRPr lang="en-US" altLang="zh-CN" sz="1600" kern="1200" dirty="0">
                   <a:latin typeface="微软雅黑" panose="020B0503020204020204" pitchFamily="34" charset="-122"/>
                   <a:ea typeface="微软雅黑" panose="020B0503020204020204" pitchFamily="34" charset="-122"/>
                 </a:endParaRPr>
@@ -37638,7 +38529,7 @@
             </p:txBody>
           </p:sp>
         </mc:Choice>
-        <mc:Fallback>
+        <mc:Fallback xmlns="">
           <p:sp>
             <p:nvSpPr>
               <p:cNvPr id="5" name="内容占位符 2"/>
@@ -37657,7 +38548,7 @@
               <a:blipFill rotWithShape="0">
                 <a:blip r:embed="rId3"/>
                 <a:stretch>
-                  <a:fillRect t="-940" b="-2508"/>
+                  <a:fillRect t="-940" b="-20063"/>
                 </a:stretch>
               </a:blipFill>
             </p:spPr>
@@ -37704,70 +38595,70 @@
                 <a:gridCol w="369345">
                   <a:extLst>
                     <a:ext uri="{9D8B030D-6E8A-4147-A177-3AD203B41FA5}">
-                      <a16:colId xmlns:a16="http://schemas.microsoft.com/office/drawing/2014/main" xmlns="" val="20000"/>
+                      <a16:colId xmlns="" xmlns:a16="http://schemas.microsoft.com/office/drawing/2014/main" val="20000"/>
                     </a:ext>
                   </a:extLst>
                 </a:gridCol>
                 <a:gridCol w="369345">
                   <a:extLst>
                     <a:ext uri="{9D8B030D-6E8A-4147-A177-3AD203B41FA5}">
-                      <a16:colId xmlns:a16="http://schemas.microsoft.com/office/drawing/2014/main" xmlns="" val="20001"/>
+                      <a16:colId xmlns="" xmlns:a16="http://schemas.microsoft.com/office/drawing/2014/main" val="20001"/>
                     </a:ext>
                   </a:extLst>
                 </a:gridCol>
                 <a:gridCol w="369345">
                   <a:extLst>
                     <a:ext uri="{9D8B030D-6E8A-4147-A177-3AD203B41FA5}">
-                      <a16:colId xmlns:a16="http://schemas.microsoft.com/office/drawing/2014/main" xmlns="" val="20002"/>
+                      <a16:colId xmlns="" xmlns:a16="http://schemas.microsoft.com/office/drawing/2014/main" val="20002"/>
                     </a:ext>
                   </a:extLst>
                 </a:gridCol>
                 <a:gridCol w="369345">
                   <a:extLst>
                     <a:ext uri="{9D8B030D-6E8A-4147-A177-3AD203B41FA5}">
-                      <a16:colId xmlns:a16="http://schemas.microsoft.com/office/drawing/2014/main" xmlns="" val="20003"/>
+                      <a16:colId xmlns="" xmlns:a16="http://schemas.microsoft.com/office/drawing/2014/main" val="20003"/>
                     </a:ext>
                   </a:extLst>
                 </a:gridCol>
                 <a:gridCol w="369345">
                   <a:extLst>
                     <a:ext uri="{9D8B030D-6E8A-4147-A177-3AD203B41FA5}">
-                      <a16:colId xmlns:a16="http://schemas.microsoft.com/office/drawing/2014/main" xmlns="" val="20004"/>
+                      <a16:colId xmlns="" xmlns:a16="http://schemas.microsoft.com/office/drawing/2014/main" val="20004"/>
                     </a:ext>
                   </a:extLst>
                 </a:gridCol>
                 <a:gridCol w="369345">
                   <a:extLst>
                     <a:ext uri="{9D8B030D-6E8A-4147-A177-3AD203B41FA5}">
-                      <a16:colId xmlns:a16="http://schemas.microsoft.com/office/drawing/2014/main" xmlns="" val="20005"/>
+                      <a16:colId xmlns="" xmlns:a16="http://schemas.microsoft.com/office/drawing/2014/main" val="20005"/>
                     </a:ext>
                   </a:extLst>
                 </a:gridCol>
                 <a:gridCol w="369345">
                   <a:extLst>
                     <a:ext uri="{9D8B030D-6E8A-4147-A177-3AD203B41FA5}">
-                      <a16:colId xmlns:a16="http://schemas.microsoft.com/office/drawing/2014/main" xmlns="" val="20006"/>
+                      <a16:colId xmlns="" xmlns:a16="http://schemas.microsoft.com/office/drawing/2014/main" val="20006"/>
                     </a:ext>
                   </a:extLst>
                 </a:gridCol>
                 <a:gridCol w="369345">
                   <a:extLst>
                     <a:ext uri="{9D8B030D-6E8A-4147-A177-3AD203B41FA5}">
-                      <a16:colId xmlns:a16="http://schemas.microsoft.com/office/drawing/2014/main" xmlns="" val="20007"/>
+                      <a16:colId xmlns="" xmlns:a16="http://schemas.microsoft.com/office/drawing/2014/main" val="20007"/>
                     </a:ext>
                   </a:extLst>
                 </a:gridCol>
                 <a:gridCol w="355483">
                   <a:extLst>
                     <a:ext uri="{9D8B030D-6E8A-4147-A177-3AD203B41FA5}">
-                      <a16:colId xmlns:a16="http://schemas.microsoft.com/office/drawing/2014/main" xmlns="" val="20008"/>
+                      <a16:colId xmlns="" xmlns:a16="http://schemas.microsoft.com/office/drawing/2014/main" val="20008"/>
                     </a:ext>
                   </a:extLst>
                 </a:gridCol>
                 <a:gridCol w="384062">
                   <a:extLst>
                     <a:ext uri="{9D8B030D-6E8A-4147-A177-3AD203B41FA5}">
-                      <a16:colId xmlns:a16="http://schemas.microsoft.com/office/drawing/2014/main" xmlns="" val="20009"/>
+                      <a16:colId xmlns="" xmlns:a16="http://schemas.microsoft.com/office/drawing/2014/main" val="20009"/>
                     </a:ext>
                   </a:extLst>
                 </a:gridCol>
@@ -38291,7 +39182,7 @@
                 </a:tc>
                 <a:extLst>
                   <a:ext uri="{0D108BD9-81ED-4DB2-BD59-A6C34878D82A}">
-                    <a16:rowId xmlns:a16="http://schemas.microsoft.com/office/drawing/2014/main" xmlns="" val="10000"/>
+                    <a16:rowId xmlns="" xmlns:a16="http://schemas.microsoft.com/office/drawing/2014/main" val="10000"/>
                   </a:ext>
                 </a:extLst>
               </a:tr>
@@ -38624,12 +39515,12 @@
           <a:p>
             <a:pPr algn="ctr"/>
             <a:r>
-              <a:rPr lang="en-US" altLang="zh-CN" sz="1200" smtClean="0">
+              <a:rPr lang="en-US" altLang="zh-CN" sz="1200" dirty="0" smtClean="0">
                 <a:solidFill>
                   <a:srgbClr val="000000"/>
                 </a:solidFill>
               </a:rPr>
-              <a:t>6/13</a:t>
+              <a:t>9/17</a:t>
             </a:r>
             <a:endParaRPr lang="en-US" altLang="zh-CN" sz="1200" dirty="0">
               <a:solidFill>
@@ -38667,70 +39558,70 @@
                 <a:gridCol w="369345">
                   <a:extLst>
                     <a:ext uri="{9D8B030D-6E8A-4147-A177-3AD203B41FA5}">
-                      <a16:colId xmlns:a16="http://schemas.microsoft.com/office/drawing/2014/main" xmlns="" val="20000"/>
+                      <a16:colId xmlns="" xmlns:a16="http://schemas.microsoft.com/office/drawing/2014/main" val="20000"/>
                     </a:ext>
                   </a:extLst>
                 </a:gridCol>
                 <a:gridCol w="369345">
                   <a:extLst>
                     <a:ext uri="{9D8B030D-6E8A-4147-A177-3AD203B41FA5}">
-                      <a16:colId xmlns:a16="http://schemas.microsoft.com/office/drawing/2014/main" xmlns="" val="20001"/>
+                      <a16:colId xmlns="" xmlns:a16="http://schemas.microsoft.com/office/drawing/2014/main" val="20001"/>
                     </a:ext>
                   </a:extLst>
                 </a:gridCol>
                 <a:gridCol w="369345">
                   <a:extLst>
                     <a:ext uri="{9D8B030D-6E8A-4147-A177-3AD203B41FA5}">
-                      <a16:colId xmlns:a16="http://schemas.microsoft.com/office/drawing/2014/main" xmlns="" val="20002"/>
+                      <a16:colId xmlns="" xmlns:a16="http://schemas.microsoft.com/office/drawing/2014/main" val="20002"/>
                     </a:ext>
                   </a:extLst>
                 </a:gridCol>
                 <a:gridCol w="369345">
                   <a:extLst>
                     <a:ext uri="{9D8B030D-6E8A-4147-A177-3AD203B41FA5}">
-                      <a16:colId xmlns:a16="http://schemas.microsoft.com/office/drawing/2014/main" xmlns="" val="20003"/>
+                      <a16:colId xmlns="" xmlns:a16="http://schemas.microsoft.com/office/drawing/2014/main" val="20003"/>
                     </a:ext>
                   </a:extLst>
                 </a:gridCol>
                 <a:gridCol w="369345">
                   <a:extLst>
                     <a:ext uri="{9D8B030D-6E8A-4147-A177-3AD203B41FA5}">
-                      <a16:colId xmlns:a16="http://schemas.microsoft.com/office/drawing/2014/main" xmlns="" val="20004"/>
+                      <a16:colId xmlns="" xmlns:a16="http://schemas.microsoft.com/office/drawing/2014/main" val="20004"/>
                     </a:ext>
                   </a:extLst>
                 </a:gridCol>
                 <a:gridCol w="369345">
                   <a:extLst>
                     <a:ext uri="{9D8B030D-6E8A-4147-A177-3AD203B41FA5}">
-                      <a16:colId xmlns:a16="http://schemas.microsoft.com/office/drawing/2014/main" xmlns="" val="20005"/>
+                      <a16:colId xmlns="" xmlns:a16="http://schemas.microsoft.com/office/drawing/2014/main" val="20005"/>
                     </a:ext>
                   </a:extLst>
                 </a:gridCol>
                 <a:gridCol w="369345">
                   <a:extLst>
                     <a:ext uri="{9D8B030D-6E8A-4147-A177-3AD203B41FA5}">
-                      <a16:colId xmlns:a16="http://schemas.microsoft.com/office/drawing/2014/main" xmlns="" val="20006"/>
+                      <a16:colId xmlns="" xmlns:a16="http://schemas.microsoft.com/office/drawing/2014/main" val="20006"/>
                     </a:ext>
                   </a:extLst>
                 </a:gridCol>
                 <a:gridCol w="369345">
                   <a:extLst>
                     <a:ext uri="{9D8B030D-6E8A-4147-A177-3AD203B41FA5}">
-                      <a16:colId xmlns:a16="http://schemas.microsoft.com/office/drawing/2014/main" xmlns="" val="20007"/>
+                      <a16:colId xmlns="" xmlns:a16="http://schemas.microsoft.com/office/drawing/2014/main" val="20007"/>
                     </a:ext>
                   </a:extLst>
                 </a:gridCol>
                 <a:gridCol w="355483">
                   <a:extLst>
                     <a:ext uri="{9D8B030D-6E8A-4147-A177-3AD203B41FA5}">
-                      <a16:colId xmlns:a16="http://schemas.microsoft.com/office/drawing/2014/main" xmlns="" val="20008"/>
+                      <a16:colId xmlns="" xmlns:a16="http://schemas.microsoft.com/office/drawing/2014/main" val="20008"/>
                     </a:ext>
                   </a:extLst>
                 </a:gridCol>
                 <a:gridCol w="384062">
                   <a:extLst>
                     <a:ext uri="{9D8B030D-6E8A-4147-A177-3AD203B41FA5}">
-                      <a16:colId xmlns:a16="http://schemas.microsoft.com/office/drawing/2014/main" xmlns="" val="20009"/>
+                      <a16:colId xmlns="" xmlns:a16="http://schemas.microsoft.com/office/drawing/2014/main" val="20009"/>
                     </a:ext>
                   </a:extLst>
                 </a:gridCol>
@@ -39308,7 +40199,7 @@
                 </a:tc>
                 <a:extLst>
                   <a:ext uri="{0D108BD9-81ED-4DB2-BD59-A6C34878D82A}">
-                    <a16:rowId xmlns:a16="http://schemas.microsoft.com/office/drawing/2014/main" xmlns="" val="10000"/>
+                    <a16:rowId xmlns="" xmlns:a16="http://schemas.microsoft.com/office/drawing/2014/main" val="10000"/>
                   </a:ext>
                 </a:extLst>
               </a:tr>
@@ -39504,8 +40395,8 @@
             </a:p>
           </p:txBody>
         </p:sp>
-        <mc:AlternateContent xmlns:mc="http://schemas.openxmlformats.org/markup-compatibility/2006">
-          <mc:Choice xmlns:a14="http://schemas.microsoft.com/office/drawing/2010/main" Requires="a14">
+        <mc:AlternateContent xmlns:mc="http://schemas.openxmlformats.org/markup-compatibility/2006" xmlns:a14="http://schemas.microsoft.com/office/drawing/2010/main">
+          <mc:Choice Requires="a14">
             <p:sp>
               <p:nvSpPr>
                 <p:cNvPr id="211" name="文本框 210"/>
@@ -39572,7 +40463,7 @@
               </p:txBody>
             </p:sp>
           </mc:Choice>
-          <mc:Fallback>
+          <mc:Fallback xmlns="">
             <p:sp>
               <p:nvSpPr>
                 <p:cNvPr id="211" name="文本框 210"/>
@@ -39872,8 +40763,8 @@
         </p:nvSpPr>
         <p:spPr bwMode="auto">
           <a:xfrm>
-            <a:off x="355999" y="3407688"/>
-            <a:ext cx="5186295" cy="2715066"/>
+            <a:off x="355999" y="3447629"/>
+            <a:ext cx="3963807" cy="2715066"/>
           </a:xfrm>
           <a:prstGeom prst="rect">
             <a:avLst/>
@@ -40124,7 +41015,14 @@
                 <a:latin typeface="微软雅黑" panose="020B0503020204020204" pitchFamily="34" charset="-122"/>
                 <a:ea typeface="微软雅黑" panose="020B0503020204020204" pitchFamily="34" charset="-122"/>
               </a:rPr>
-              <a:t>粗分辨率信号</a:t>
+              <a:t>查表</a:t>
+            </a:r>
+            <a:r>
+              <a:rPr lang="zh-CN" altLang="en-US" sz="1300" dirty="0" smtClean="0">
+                <a:latin typeface="微软雅黑" panose="020B0503020204020204" pitchFamily="34" charset="-122"/>
+                <a:ea typeface="微软雅黑" panose="020B0503020204020204" pitchFamily="34" charset="-122"/>
+              </a:rPr>
+              <a:t>信号</a:t>
             </a:r>
             <a:endParaRPr lang="en-US" altLang="zh-CN" sz="1300" dirty="0">
               <a:latin typeface="微软雅黑" panose="020B0503020204020204" pitchFamily="34" charset="-122"/>
@@ -40162,25 +41060,11 @@
               </a:spcAft>
             </a:pPr>
             <a:r>
-              <a:rPr lang="zh-CN" altLang="en-US" sz="1300" dirty="0">
-                <a:latin typeface="微软雅黑" panose="020B0503020204020204" pitchFamily="34" charset="-122"/>
-                <a:ea typeface="微软雅黑" panose="020B0503020204020204" pitchFamily="34" charset="-122"/>
-              </a:rPr>
-              <a:t>细</a:t>
-            </a:r>
-            <a:r>
               <a:rPr lang="zh-CN" altLang="en-US" sz="1300" dirty="0" smtClean="0">
                 <a:latin typeface="微软雅黑" panose="020B0503020204020204" pitchFamily="34" charset="-122"/>
                 <a:ea typeface="微软雅黑" panose="020B0503020204020204" pitchFamily="34" charset="-122"/>
               </a:rPr>
-              <a:t>分辨率</a:t>
-            </a:r>
-            <a:r>
-              <a:rPr lang="zh-CN" altLang="en-US" sz="1300" dirty="0">
-                <a:latin typeface="微软雅黑" panose="020B0503020204020204" pitchFamily="34" charset="-122"/>
-                <a:ea typeface="微软雅黑" panose="020B0503020204020204" pitchFamily="34" charset="-122"/>
-              </a:rPr>
-              <a:t>信号</a:t>
+              <a:t>旋转信号</a:t>
             </a:r>
             <a:endParaRPr lang="en-US" altLang="zh-CN" sz="1300" dirty="0">
               <a:latin typeface="微软雅黑" panose="020B0503020204020204" pitchFamily="34" charset="-122"/>
@@ -40242,8 +41126,8 @@
         </p:nvGrpSpPr>
         <p:grpSpPr>
           <a:xfrm>
-            <a:off x="4966841" y="3626040"/>
-            <a:ext cx="3957943" cy="2579257"/>
+            <a:off x="5037621" y="3672165"/>
+            <a:ext cx="3887163" cy="2533132"/>
             <a:chOff x="4522563" y="1540724"/>
             <a:chExt cx="3789353" cy="2469393"/>
           </a:xfrm>
